--- a/Amazon_Review_Helpfulness_NLP-1-ONLINE.pptx
+++ b/Amazon_Review_Helpfulness_NLP-1-ONLINE.pptx
@@ -1,32 +1,127 @@
 
 <file path=ppt/presentation.xml><?xml version="1.0" encoding="utf-8"?>
-<p:presentation xmlns:a="http://schemas.openxmlformats.org/drawingml/2006/main" xmlns:p="http://schemas.openxmlformats.org/presentationml/2006/main" xmlns:r="http://schemas.openxmlformats.org/officeDocument/2006/relationships" xmlns:p14="http://schemas.microsoft.com/office/powerpoint/2010/main" xmlns:p15="http://schemas.microsoft.com/office/powerpoint/2012/main" xmlns:mc="http://schemas.openxmlformats.org/markup-compatibility/2006">
+<p:presentation xmlns:a="http://schemas.openxmlformats.org/drawingml/2006/main" xmlns:r="http://schemas.openxmlformats.org/officeDocument/2006/relationships" xmlns:p="http://schemas.openxmlformats.org/presentationml/2006/main">
   <p:sldMasterIdLst>
-    <p:sldMasterId id="2147483648" r:id="rId2"/>
-    <p:sldMasterId id="2147483661" r:id="rId3"/>
+    <p:sldMasterId id="2147483648" r:id="rId1"/>
+    <p:sldMasterId id="2147483661" r:id="rId2"/>
   </p:sldMasterIdLst>
   <p:sldIdLst>
-    <p:sldId id="256" r:id="rId4"/>
-    <p:sldId id="257" r:id="rId5"/>
-    <p:sldId id="258" r:id="rId6"/>
-    <p:sldId id="259" r:id="rId7"/>
-    <p:sldId id="260" r:id="rId8"/>
-    <p:sldId id="261" r:id="rId9"/>
-    <p:sldId id="262" r:id="rId10"/>
-    <p:sldId id="263" r:id="rId11"/>
-    <p:sldId id="264" r:id="rId12"/>
-    <p:sldId id="265" r:id="rId13"/>
-    <p:sldId id="266" r:id="rId14"/>
-    <p:sldId id="267" r:id="rId15"/>
-    <p:sldId id="268" r:id="rId16"/>
+    <p:sldId id="256" r:id="rId3"/>
+    <p:sldId id="257" r:id="rId4"/>
+    <p:sldId id="258" r:id="rId5"/>
+    <p:sldId id="259" r:id="rId6"/>
+    <p:sldId id="260" r:id="rId7"/>
+    <p:sldId id="261" r:id="rId8"/>
+    <p:sldId id="262" r:id="rId9"/>
+    <p:sldId id="263" r:id="rId10"/>
+    <p:sldId id="264" r:id="rId11"/>
+    <p:sldId id="265" r:id="rId12"/>
+    <p:sldId id="266" r:id="rId13"/>
+    <p:sldId id="267" r:id="rId14"/>
+    <p:sldId id="268" r:id="rId15"/>
   </p:sldIdLst>
   <p:sldSz cx="24384000" cy="13716000"/>
   <p:notesSz cx="7772400" cy="10058400"/>
+  <p:defaultTextStyle>
+    <a:defPPr>
+      <a:defRPr lang="en-US"/>
+    </a:defPPr>
+    <a:lvl1pPr marL="0" algn="l" defTabSz="914400" rtl="0" eaLnBrk="1" latinLnBrk="0" hangingPunct="1">
+      <a:defRPr sz="1800" kern="1200">
+        <a:solidFill>
+          <a:schemeClr val="tx1"/>
+        </a:solidFill>
+        <a:latin typeface="+mn-lt"/>
+        <a:ea typeface="+mn-ea"/>
+        <a:cs typeface="+mn-cs"/>
+      </a:defRPr>
+    </a:lvl1pPr>
+    <a:lvl2pPr marL="457200" algn="l" defTabSz="914400" rtl="0" eaLnBrk="1" latinLnBrk="0" hangingPunct="1">
+      <a:defRPr sz="1800" kern="1200">
+        <a:solidFill>
+          <a:schemeClr val="tx1"/>
+        </a:solidFill>
+        <a:latin typeface="+mn-lt"/>
+        <a:ea typeface="+mn-ea"/>
+        <a:cs typeface="+mn-cs"/>
+      </a:defRPr>
+    </a:lvl2pPr>
+    <a:lvl3pPr marL="914400" algn="l" defTabSz="914400" rtl="0" eaLnBrk="1" latinLnBrk="0" hangingPunct="1">
+      <a:defRPr sz="1800" kern="1200">
+        <a:solidFill>
+          <a:schemeClr val="tx1"/>
+        </a:solidFill>
+        <a:latin typeface="+mn-lt"/>
+        <a:ea typeface="+mn-ea"/>
+        <a:cs typeface="+mn-cs"/>
+      </a:defRPr>
+    </a:lvl3pPr>
+    <a:lvl4pPr marL="1371600" algn="l" defTabSz="914400" rtl="0" eaLnBrk="1" latinLnBrk="0" hangingPunct="1">
+      <a:defRPr sz="1800" kern="1200">
+        <a:solidFill>
+          <a:schemeClr val="tx1"/>
+        </a:solidFill>
+        <a:latin typeface="+mn-lt"/>
+        <a:ea typeface="+mn-ea"/>
+        <a:cs typeface="+mn-cs"/>
+      </a:defRPr>
+    </a:lvl4pPr>
+    <a:lvl5pPr marL="1828800" algn="l" defTabSz="914400" rtl="0" eaLnBrk="1" latinLnBrk="0" hangingPunct="1">
+      <a:defRPr sz="1800" kern="1200">
+        <a:solidFill>
+          <a:schemeClr val="tx1"/>
+        </a:solidFill>
+        <a:latin typeface="+mn-lt"/>
+        <a:ea typeface="+mn-ea"/>
+        <a:cs typeface="+mn-cs"/>
+      </a:defRPr>
+    </a:lvl5pPr>
+    <a:lvl6pPr marL="2286000" algn="l" defTabSz="914400" rtl="0" eaLnBrk="1" latinLnBrk="0" hangingPunct="1">
+      <a:defRPr sz="1800" kern="1200">
+        <a:solidFill>
+          <a:schemeClr val="tx1"/>
+        </a:solidFill>
+        <a:latin typeface="+mn-lt"/>
+        <a:ea typeface="+mn-ea"/>
+        <a:cs typeface="+mn-cs"/>
+      </a:defRPr>
+    </a:lvl6pPr>
+    <a:lvl7pPr marL="2743200" algn="l" defTabSz="914400" rtl="0" eaLnBrk="1" latinLnBrk="0" hangingPunct="1">
+      <a:defRPr sz="1800" kern="1200">
+        <a:solidFill>
+          <a:schemeClr val="tx1"/>
+        </a:solidFill>
+        <a:latin typeface="+mn-lt"/>
+        <a:ea typeface="+mn-ea"/>
+        <a:cs typeface="+mn-cs"/>
+      </a:defRPr>
+    </a:lvl7pPr>
+    <a:lvl8pPr marL="3200400" algn="l" defTabSz="914400" rtl="0" eaLnBrk="1" latinLnBrk="0" hangingPunct="1">
+      <a:defRPr sz="1800" kern="1200">
+        <a:solidFill>
+          <a:schemeClr val="tx1"/>
+        </a:solidFill>
+        <a:latin typeface="+mn-lt"/>
+        <a:ea typeface="+mn-ea"/>
+        <a:cs typeface="+mn-cs"/>
+      </a:defRPr>
+    </a:lvl8pPr>
+    <a:lvl9pPr marL="3657600" algn="l" defTabSz="914400" rtl="0" eaLnBrk="1" latinLnBrk="0" hangingPunct="1">
+      <a:defRPr sz="1800" kern="1200">
+        <a:solidFill>
+          <a:schemeClr val="tx1"/>
+        </a:solidFill>
+        <a:latin typeface="+mn-lt"/>
+        <a:ea typeface="+mn-ea"/>
+        <a:cs typeface="+mn-cs"/>
+      </a:defRPr>
+    </a:lvl9pPr>
+  </p:defaultTextStyle>
 </p:presentation>
 </file>
 
 <file path=ppt/slideLayouts/slideLayout1.xml><?xml version="1.0" encoding="utf-8"?>
-<p:sldLayout xmlns:a="http://schemas.openxmlformats.org/drawingml/2006/main" xmlns:p="http://schemas.openxmlformats.org/presentationml/2006/main" xmlns:r="http://schemas.openxmlformats.org/officeDocument/2006/relationships" xmlns:p14="http://schemas.microsoft.com/office/powerpoint/2010/main" xmlns:p15="http://schemas.microsoft.com/office/powerpoint/2012/main" xmlns:mc="http://schemas.openxmlformats.org/markup-compatibility/2006" type="blank" preserve="1">
+<p:sldLayout xmlns:a="http://schemas.openxmlformats.org/drawingml/2006/main" xmlns:r="http://schemas.openxmlformats.org/officeDocument/2006/relationships" xmlns:p="http://schemas.openxmlformats.org/presentationml/2006/main" type="blank" preserve="1">
   <p:cSld name="Blank Slide">
     <p:spTree>
       <p:nvGrpSpPr>
@@ -44,11 +139,14 @@
       </p:grpSpPr>
     </p:spTree>
   </p:cSld>
+  <p:clrMapOvr>
+    <a:masterClrMapping/>
+  </p:clrMapOvr>
 </p:sldLayout>
 </file>
 
 <file path=ppt/slideLayouts/slideLayout10.xml><?xml version="1.0" encoding="utf-8"?>
-<p:sldLayout xmlns:a="http://schemas.openxmlformats.org/drawingml/2006/main" xmlns:p="http://schemas.openxmlformats.org/presentationml/2006/main" xmlns:r="http://schemas.openxmlformats.org/officeDocument/2006/relationships" xmlns:p14="http://schemas.microsoft.com/office/powerpoint/2010/main" xmlns:p15="http://schemas.microsoft.com/office/powerpoint/2012/main" xmlns:mc="http://schemas.openxmlformats.org/markup-compatibility/2006" type="objOverTx" preserve="1">
+<p:sldLayout xmlns:a="http://schemas.openxmlformats.org/drawingml/2006/main" xmlns:r="http://schemas.openxmlformats.org/officeDocument/2006/relationships" xmlns:p="http://schemas.openxmlformats.org/presentationml/2006/main" type="objOverTx" preserve="1">
   <p:cSld name="Title, Content over Content">
     <p:spTree>
       <p:nvGrpSpPr>
@@ -84,9 +182,10 @@
           </a:prstGeom>
         </p:spPr>
         <p:txBody>
-          <a:bodyPr lIns="0" rIns="0" tIns="0" bIns="0" anchor="ctr"/>
-          <a:p>
-            <a:endParaRPr b="0" lang="en-US" sz="1800" spc="-1" strike="noStrike">
+          <a:bodyPr lIns="0" tIns="0" rIns="0" bIns="0" anchor="ctr"/>
+          <a:lstStyle/>
+          <a:p>
+            <a:endParaRPr lang="en-US" sz="1800" b="0" strike="noStrike" spc="-1">
               <a:solidFill>
                 <a:srgbClr val="000000"/>
               </a:solidFill>
@@ -115,11 +214,12 @@
           </a:prstGeom>
         </p:spPr>
         <p:txBody>
-          <a:bodyPr lIns="0" rIns="0" tIns="0" bIns="0">
+          <a:bodyPr lIns="0" tIns="0" rIns="0" bIns="0">
             <a:normAutofit/>
           </a:bodyPr>
-          <a:p>
-            <a:endParaRPr b="0" lang="en-US" sz="2800" spc="-1" strike="noStrike">
+          <a:lstStyle/>
+          <a:p>
+            <a:endParaRPr lang="en-US" sz="2800" b="0" strike="noStrike" spc="-1">
               <a:solidFill>
                 <a:srgbClr val="000000"/>
               </a:solidFill>
@@ -148,11 +248,12 @@
           </a:prstGeom>
         </p:spPr>
         <p:txBody>
-          <a:bodyPr lIns="0" rIns="0" tIns="0" bIns="0">
+          <a:bodyPr lIns="0" tIns="0" rIns="0" bIns="0">
             <a:normAutofit/>
           </a:bodyPr>
-          <a:p>
-            <a:endParaRPr b="0" lang="en-US" sz="2800" spc="-1" strike="noStrike">
+          <a:lstStyle/>
+          <a:p>
+            <a:endParaRPr lang="en-US" sz="2800" b="0" strike="noStrike" spc="-1">
               <a:solidFill>
                 <a:srgbClr val="000000"/>
               </a:solidFill>
@@ -163,11 +264,14 @@
       </p:sp>
     </p:spTree>
   </p:cSld>
+  <p:clrMapOvr>
+    <a:masterClrMapping/>
+  </p:clrMapOvr>
 </p:sldLayout>
 </file>
 
 <file path=ppt/slideLayouts/slideLayout11.xml><?xml version="1.0" encoding="utf-8"?>
-<p:sldLayout xmlns:a="http://schemas.openxmlformats.org/drawingml/2006/main" xmlns:p="http://schemas.openxmlformats.org/presentationml/2006/main" xmlns:r="http://schemas.openxmlformats.org/officeDocument/2006/relationships" xmlns:p14="http://schemas.microsoft.com/office/powerpoint/2010/main" xmlns:p15="http://schemas.microsoft.com/office/powerpoint/2012/main" xmlns:mc="http://schemas.openxmlformats.org/markup-compatibility/2006" type="fourObj" preserve="1">
+<p:sldLayout xmlns:a="http://schemas.openxmlformats.org/drawingml/2006/main" xmlns:r="http://schemas.openxmlformats.org/officeDocument/2006/relationships" xmlns:p="http://schemas.openxmlformats.org/presentationml/2006/main" type="fourObj" preserve="1">
   <p:cSld name="Title, 4 Content">
     <p:spTree>
       <p:nvGrpSpPr>
@@ -203,9 +307,10 @@
           </a:prstGeom>
         </p:spPr>
         <p:txBody>
-          <a:bodyPr lIns="0" rIns="0" tIns="0" bIns="0" anchor="ctr"/>
-          <a:p>
-            <a:endParaRPr b="0" lang="en-US" sz="1800" spc="-1" strike="noStrike">
+          <a:bodyPr lIns="0" tIns="0" rIns="0" bIns="0" anchor="ctr"/>
+          <a:lstStyle/>
+          <a:p>
+            <a:endParaRPr lang="en-US" sz="1800" b="0" strike="noStrike" spc="-1">
               <a:solidFill>
                 <a:srgbClr val="000000"/>
               </a:solidFill>
@@ -234,11 +339,12 @@
           </a:prstGeom>
         </p:spPr>
         <p:txBody>
-          <a:bodyPr lIns="0" rIns="0" tIns="0" bIns="0">
+          <a:bodyPr lIns="0" tIns="0" rIns="0" bIns="0">
             <a:normAutofit/>
           </a:bodyPr>
-          <a:p>
-            <a:endParaRPr b="0" lang="en-US" sz="2800" spc="-1" strike="noStrike">
+          <a:lstStyle/>
+          <a:p>
+            <a:endParaRPr lang="en-US" sz="2800" b="0" strike="noStrike" spc="-1">
               <a:solidFill>
                 <a:srgbClr val="000000"/>
               </a:solidFill>
@@ -267,11 +373,12 @@
           </a:prstGeom>
         </p:spPr>
         <p:txBody>
-          <a:bodyPr lIns="0" rIns="0" tIns="0" bIns="0">
+          <a:bodyPr lIns="0" tIns="0" rIns="0" bIns="0">
             <a:normAutofit/>
           </a:bodyPr>
-          <a:p>
-            <a:endParaRPr b="0" lang="en-US" sz="2800" spc="-1" strike="noStrike">
+          <a:lstStyle/>
+          <a:p>
+            <a:endParaRPr lang="en-US" sz="2800" b="0" strike="noStrike" spc="-1">
               <a:solidFill>
                 <a:srgbClr val="000000"/>
               </a:solidFill>
@@ -300,11 +407,12 @@
           </a:prstGeom>
         </p:spPr>
         <p:txBody>
-          <a:bodyPr lIns="0" rIns="0" tIns="0" bIns="0">
+          <a:bodyPr lIns="0" tIns="0" rIns="0" bIns="0">
             <a:normAutofit/>
           </a:bodyPr>
-          <a:p>
-            <a:endParaRPr b="0" lang="en-US" sz="2800" spc="-1" strike="noStrike">
+          <a:lstStyle/>
+          <a:p>
+            <a:endParaRPr lang="en-US" sz="2800" b="0" strike="noStrike" spc="-1">
               <a:solidFill>
                 <a:srgbClr val="000000"/>
               </a:solidFill>
@@ -333,11 +441,12 @@
           </a:prstGeom>
         </p:spPr>
         <p:txBody>
-          <a:bodyPr lIns="0" rIns="0" tIns="0" bIns="0">
+          <a:bodyPr lIns="0" tIns="0" rIns="0" bIns="0">
             <a:normAutofit/>
           </a:bodyPr>
-          <a:p>
-            <a:endParaRPr b="0" lang="en-US" sz="2800" spc="-1" strike="noStrike">
+          <a:lstStyle/>
+          <a:p>
+            <a:endParaRPr lang="en-US" sz="2800" b="0" strike="noStrike" spc="-1">
               <a:solidFill>
                 <a:srgbClr val="000000"/>
               </a:solidFill>
@@ -348,11 +457,14 @@
       </p:sp>
     </p:spTree>
   </p:cSld>
+  <p:clrMapOvr>
+    <a:masterClrMapping/>
+  </p:clrMapOvr>
 </p:sldLayout>
 </file>
 
 <file path=ppt/slideLayouts/slideLayout12.xml><?xml version="1.0" encoding="utf-8"?>
-<p:sldLayout xmlns:a="http://schemas.openxmlformats.org/drawingml/2006/main" xmlns:p="http://schemas.openxmlformats.org/presentationml/2006/main" xmlns:r="http://schemas.openxmlformats.org/officeDocument/2006/relationships" xmlns:p14="http://schemas.microsoft.com/office/powerpoint/2010/main" xmlns:p15="http://schemas.microsoft.com/office/powerpoint/2012/main" xmlns:mc="http://schemas.openxmlformats.org/markup-compatibility/2006" type="blank" preserve="1">
+<p:sldLayout xmlns:a="http://schemas.openxmlformats.org/drawingml/2006/main" xmlns:r="http://schemas.openxmlformats.org/officeDocument/2006/relationships" xmlns:p="http://schemas.openxmlformats.org/presentationml/2006/main" type="blank" preserve="1">
   <p:cSld name="Title, 6 Content">
     <p:spTree>
       <p:nvGrpSpPr>
@@ -388,9 +500,10 @@
           </a:prstGeom>
         </p:spPr>
         <p:txBody>
-          <a:bodyPr lIns="0" rIns="0" tIns="0" bIns="0" anchor="ctr"/>
-          <a:p>
-            <a:endParaRPr b="0" lang="en-US" sz="1800" spc="-1" strike="noStrike">
+          <a:bodyPr lIns="0" tIns="0" rIns="0" bIns="0" anchor="ctr"/>
+          <a:lstStyle/>
+          <a:p>
+            <a:endParaRPr lang="en-US" sz="1800" b="0" strike="noStrike" spc="-1">
               <a:solidFill>
                 <a:srgbClr val="000000"/>
               </a:solidFill>
@@ -419,11 +532,12 @@
           </a:prstGeom>
         </p:spPr>
         <p:txBody>
-          <a:bodyPr lIns="0" rIns="0" tIns="0" bIns="0">
+          <a:bodyPr lIns="0" tIns="0" rIns="0" bIns="0">
             <a:normAutofit/>
           </a:bodyPr>
-          <a:p>
-            <a:endParaRPr b="0" lang="en-US" sz="2800" spc="-1" strike="noStrike">
+          <a:lstStyle/>
+          <a:p>
+            <a:endParaRPr lang="en-US" sz="2800" b="0" strike="noStrike" spc="-1">
               <a:solidFill>
                 <a:srgbClr val="000000"/>
               </a:solidFill>
@@ -452,11 +566,12 @@
           </a:prstGeom>
         </p:spPr>
         <p:txBody>
-          <a:bodyPr lIns="0" rIns="0" tIns="0" bIns="0">
+          <a:bodyPr lIns="0" tIns="0" rIns="0" bIns="0">
             <a:normAutofit/>
           </a:bodyPr>
-          <a:p>
-            <a:endParaRPr b="0" lang="en-US" sz="2800" spc="-1" strike="noStrike">
+          <a:lstStyle/>
+          <a:p>
+            <a:endParaRPr lang="en-US" sz="2800" b="0" strike="noStrike" spc="-1">
               <a:solidFill>
                 <a:srgbClr val="000000"/>
               </a:solidFill>
@@ -485,11 +600,12 @@
           </a:prstGeom>
         </p:spPr>
         <p:txBody>
-          <a:bodyPr lIns="0" rIns="0" tIns="0" bIns="0">
+          <a:bodyPr lIns="0" tIns="0" rIns="0" bIns="0">
             <a:normAutofit/>
           </a:bodyPr>
-          <a:p>
-            <a:endParaRPr b="0" lang="en-US" sz="2800" spc="-1" strike="noStrike">
+          <a:lstStyle/>
+          <a:p>
+            <a:endParaRPr lang="en-US" sz="2800" b="0" strike="noStrike" spc="-1">
               <a:solidFill>
                 <a:srgbClr val="000000"/>
               </a:solidFill>
@@ -518,11 +634,12 @@
           </a:prstGeom>
         </p:spPr>
         <p:txBody>
-          <a:bodyPr lIns="0" rIns="0" tIns="0" bIns="0">
+          <a:bodyPr lIns="0" tIns="0" rIns="0" bIns="0">
             <a:normAutofit/>
           </a:bodyPr>
-          <a:p>
-            <a:endParaRPr b="0" lang="en-US" sz="2800" spc="-1" strike="noStrike">
+          <a:lstStyle/>
+          <a:p>
+            <a:endParaRPr lang="en-US" sz="2800" b="0" strike="noStrike" spc="-1">
               <a:solidFill>
                 <a:srgbClr val="000000"/>
               </a:solidFill>
@@ -551,11 +668,12 @@
           </a:prstGeom>
         </p:spPr>
         <p:txBody>
-          <a:bodyPr lIns="0" rIns="0" tIns="0" bIns="0">
+          <a:bodyPr lIns="0" tIns="0" rIns="0" bIns="0">
             <a:normAutofit/>
           </a:bodyPr>
-          <a:p>
-            <a:endParaRPr b="0" lang="en-US" sz="2800" spc="-1" strike="noStrike">
+          <a:lstStyle/>
+          <a:p>
+            <a:endParaRPr lang="en-US" sz="2800" b="0" strike="noStrike" spc="-1">
               <a:solidFill>
                 <a:srgbClr val="000000"/>
               </a:solidFill>
@@ -584,11 +702,12 @@
           </a:prstGeom>
         </p:spPr>
         <p:txBody>
-          <a:bodyPr lIns="0" rIns="0" tIns="0" bIns="0">
+          <a:bodyPr lIns="0" tIns="0" rIns="0" bIns="0">
             <a:normAutofit/>
           </a:bodyPr>
-          <a:p>
-            <a:endParaRPr b="0" lang="en-US" sz="2800" spc="-1" strike="noStrike">
+          <a:lstStyle/>
+          <a:p>
+            <a:endParaRPr lang="en-US" sz="2800" b="0" strike="noStrike" spc="-1">
               <a:solidFill>
                 <a:srgbClr val="000000"/>
               </a:solidFill>
@@ -599,11 +718,14 @@
       </p:sp>
     </p:spTree>
   </p:cSld>
+  <p:clrMapOvr>
+    <a:masterClrMapping/>
+  </p:clrMapOvr>
 </p:sldLayout>
 </file>
 
 <file path=ppt/slideLayouts/slideLayout13.xml><?xml version="1.0" encoding="utf-8"?>
-<p:sldLayout xmlns:a="http://schemas.openxmlformats.org/drawingml/2006/main" xmlns:p="http://schemas.openxmlformats.org/presentationml/2006/main" xmlns:r="http://schemas.openxmlformats.org/officeDocument/2006/relationships" xmlns:p14="http://schemas.microsoft.com/office/powerpoint/2010/main" xmlns:p15="http://schemas.microsoft.com/office/powerpoint/2012/main" xmlns:mc="http://schemas.openxmlformats.org/markup-compatibility/2006" type="blank" preserve="1">
+<p:sldLayout xmlns:a="http://schemas.openxmlformats.org/drawingml/2006/main" xmlns:r="http://schemas.openxmlformats.org/officeDocument/2006/relationships" xmlns:p="http://schemas.openxmlformats.org/presentationml/2006/main" type="blank" preserve="1">
   <p:cSld name="Blank Slide">
     <p:spTree>
       <p:nvGrpSpPr>
@@ -621,11 +743,14 @@
       </p:grpSpPr>
     </p:spTree>
   </p:cSld>
+  <p:clrMapOvr>
+    <a:masterClrMapping/>
+  </p:clrMapOvr>
 </p:sldLayout>
 </file>
 
 <file path=ppt/slideLayouts/slideLayout14.xml><?xml version="1.0" encoding="utf-8"?>
-<p:sldLayout xmlns:a="http://schemas.openxmlformats.org/drawingml/2006/main" xmlns:p="http://schemas.openxmlformats.org/presentationml/2006/main" xmlns:r="http://schemas.openxmlformats.org/officeDocument/2006/relationships" xmlns:p14="http://schemas.microsoft.com/office/powerpoint/2010/main" xmlns:p15="http://schemas.microsoft.com/office/powerpoint/2012/main" xmlns:mc="http://schemas.openxmlformats.org/markup-compatibility/2006" type="tx" preserve="1">
+<p:sldLayout xmlns:a="http://schemas.openxmlformats.org/drawingml/2006/main" xmlns:r="http://schemas.openxmlformats.org/officeDocument/2006/relationships" xmlns:p="http://schemas.openxmlformats.org/presentationml/2006/main" type="tx" preserve="1">
   <p:cSld name="Title Slide">
     <p:spTree>
       <p:nvGrpSpPr>
@@ -661,9 +786,10 @@
           </a:prstGeom>
         </p:spPr>
         <p:txBody>
-          <a:bodyPr lIns="0" rIns="0" tIns="0" bIns="0" anchor="ctr"/>
-          <a:p>
-            <a:endParaRPr b="0" lang="en-US" sz="1800" spc="-1" strike="noStrike">
+          <a:bodyPr lIns="0" tIns="0" rIns="0" bIns="0" anchor="ctr"/>
+          <a:lstStyle/>
+          <a:p>
+            <a:endParaRPr lang="en-US" sz="1800" b="0" strike="noStrike" spc="-1">
               <a:solidFill>
                 <a:srgbClr val="000000"/>
               </a:solidFill>
@@ -692,10 +818,11 @@
           </a:prstGeom>
         </p:spPr>
         <p:txBody>
-          <a:bodyPr lIns="0" rIns="0" tIns="0" bIns="0" anchor="ctr"/>
+          <a:bodyPr lIns="0" tIns="0" rIns="0" bIns="0" anchor="ctr"/>
+          <a:lstStyle/>
           <a:p>
             <a:pPr algn="ctr"/>
-            <a:endParaRPr b="0" lang="en-US" sz="3200" spc="-1" strike="noStrike">
+            <a:endParaRPr lang="en-US" sz="3200" b="0" strike="noStrike" spc="-1">
               <a:latin typeface="Arial"/>
             </a:endParaRPr>
           </a:p>
@@ -703,11 +830,14 @@
       </p:sp>
     </p:spTree>
   </p:cSld>
+  <p:clrMapOvr>
+    <a:masterClrMapping/>
+  </p:clrMapOvr>
 </p:sldLayout>
 </file>
 
 <file path=ppt/slideLayouts/slideLayout15.xml><?xml version="1.0" encoding="utf-8"?>
-<p:sldLayout xmlns:a="http://schemas.openxmlformats.org/drawingml/2006/main" xmlns:p="http://schemas.openxmlformats.org/presentationml/2006/main" xmlns:r="http://schemas.openxmlformats.org/officeDocument/2006/relationships" xmlns:p14="http://schemas.microsoft.com/office/powerpoint/2010/main" xmlns:p15="http://schemas.microsoft.com/office/powerpoint/2012/main" xmlns:mc="http://schemas.openxmlformats.org/markup-compatibility/2006" type="obj" preserve="1">
+<p:sldLayout xmlns:a="http://schemas.openxmlformats.org/drawingml/2006/main" xmlns:r="http://schemas.openxmlformats.org/officeDocument/2006/relationships" xmlns:p="http://schemas.openxmlformats.org/presentationml/2006/main" type="obj" preserve="1">
   <p:cSld name="Title, Content">
     <p:spTree>
       <p:nvGrpSpPr>
@@ -743,9 +873,10 @@
           </a:prstGeom>
         </p:spPr>
         <p:txBody>
-          <a:bodyPr lIns="0" rIns="0" tIns="0" bIns="0" anchor="ctr"/>
-          <a:p>
-            <a:endParaRPr b="0" lang="en-US" sz="1800" spc="-1" strike="noStrike">
+          <a:bodyPr lIns="0" tIns="0" rIns="0" bIns="0" anchor="ctr"/>
+          <a:lstStyle/>
+          <a:p>
+            <a:endParaRPr lang="en-US" sz="1800" b="0" strike="noStrike" spc="-1">
               <a:solidFill>
                 <a:srgbClr val="000000"/>
               </a:solidFill>
@@ -774,11 +905,12 @@
           </a:prstGeom>
         </p:spPr>
         <p:txBody>
-          <a:bodyPr lIns="0" rIns="0" tIns="0" bIns="0">
+          <a:bodyPr lIns="0" tIns="0" rIns="0" bIns="0">
             <a:normAutofit/>
           </a:bodyPr>
-          <a:p>
-            <a:endParaRPr b="0" lang="en-US" sz="2800" spc="-1" strike="noStrike">
+          <a:lstStyle/>
+          <a:p>
+            <a:endParaRPr lang="en-US" sz="2800" b="0" strike="noStrike" spc="-1">
               <a:solidFill>
                 <a:srgbClr val="000000"/>
               </a:solidFill>
@@ -789,11 +921,14 @@
       </p:sp>
     </p:spTree>
   </p:cSld>
+  <p:clrMapOvr>
+    <a:masterClrMapping/>
+  </p:clrMapOvr>
 </p:sldLayout>
 </file>
 
 <file path=ppt/slideLayouts/slideLayout16.xml><?xml version="1.0" encoding="utf-8"?>
-<p:sldLayout xmlns:a="http://schemas.openxmlformats.org/drawingml/2006/main" xmlns:p="http://schemas.openxmlformats.org/presentationml/2006/main" xmlns:r="http://schemas.openxmlformats.org/officeDocument/2006/relationships" xmlns:p14="http://schemas.microsoft.com/office/powerpoint/2010/main" xmlns:p15="http://schemas.microsoft.com/office/powerpoint/2012/main" xmlns:mc="http://schemas.openxmlformats.org/markup-compatibility/2006" type="twoObj" preserve="1">
+<p:sldLayout xmlns:a="http://schemas.openxmlformats.org/drawingml/2006/main" xmlns:r="http://schemas.openxmlformats.org/officeDocument/2006/relationships" xmlns:p="http://schemas.openxmlformats.org/presentationml/2006/main" type="twoObj" preserve="1">
   <p:cSld name="Title, 2 Content">
     <p:spTree>
       <p:nvGrpSpPr>
@@ -829,9 +964,10 @@
           </a:prstGeom>
         </p:spPr>
         <p:txBody>
-          <a:bodyPr lIns="0" rIns="0" tIns="0" bIns="0" anchor="ctr"/>
-          <a:p>
-            <a:endParaRPr b="0" lang="en-US" sz="1800" spc="-1" strike="noStrike">
+          <a:bodyPr lIns="0" tIns="0" rIns="0" bIns="0" anchor="ctr"/>
+          <a:lstStyle/>
+          <a:p>
+            <a:endParaRPr lang="en-US" sz="1800" b="0" strike="noStrike" spc="-1">
               <a:solidFill>
                 <a:srgbClr val="000000"/>
               </a:solidFill>
@@ -860,11 +996,12 @@
           </a:prstGeom>
         </p:spPr>
         <p:txBody>
-          <a:bodyPr lIns="0" rIns="0" tIns="0" bIns="0">
+          <a:bodyPr lIns="0" tIns="0" rIns="0" bIns="0">
             <a:normAutofit/>
           </a:bodyPr>
-          <a:p>
-            <a:endParaRPr b="0" lang="en-US" sz="2800" spc="-1" strike="noStrike">
+          <a:lstStyle/>
+          <a:p>
+            <a:endParaRPr lang="en-US" sz="2800" b="0" strike="noStrike" spc="-1">
               <a:solidFill>
                 <a:srgbClr val="000000"/>
               </a:solidFill>
@@ -893,11 +1030,12 @@
           </a:prstGeom>
         </p:spPr>
         <p:txBody>
-          <a:bodyPr lIns="0" rIns="0" tIns="0" bIns="0">
+          <a:bodyPr lIns="0" tIns="0" rIns="0" bIns="0">
             <a:normAutofit/>
           </a:bodyPr>
-          <a:p>
-            <a:endParaRPr b="0" lang="en-US" sz="2800" spc="-1" strike="noStrike">
+          <a:lstStyle/>
+          <a:p>
+            <a:endParaRPr lang="en-US" sz="2800" b="0" strike="noStrike" spc="-1">
               <a:solidFill>
                 <a:srgbClr val="000000"/>
               </a:solidFill>
@@ -908,11 +1046,14 @@
       </p:sp>
     </p:spTree>
   </p:cSld>
+  <p:clrMapOvr>
+    <a:masterClrMapping/>
+  </p:clrMapOvr>
 </p:sldLayout>
 </file>
 
 <file path=ppt/slideLayouts/slideLayout17.xml><?xml version="1.0" encoding="utf-8"?>
-<p:sldLayout xmlns:a="http://schemas.openxmlformats.org/drawingml/2006/main" xmlns:p="http://schemas.openxmlformats.org/presentationml/2006/main" xmlns:r="http://schemas.openxmlformats.org/officeDocument/2006/relationships" xmlns:p14="http://schemas.microsoft.com/office/powerpoint/2010/main" xmlns:p15="http://schemas.microsoft.com/office/powerpoint/2012/main" xmlns:mc="http://schemas.openxmlformats.org/markup-compatibility/2006" type="titleOnly" preserve="1">
+<p:sldLayout xmlns:a="http://schemas.openxmlformats.org/drawingml/2006/main" xmlns:r="http://schemas.openxmlformats.org/officeDocument/2006/relationships" xmlns:p="http://schemas.openxmlformats.org/presentationml/2006/main" type="titleOnly" preserve="1">
   <p:cSld name="Title Only">
     <p:spTree>
       <p:nvGrpSpPr>
@@ -948,9 +1089,10 @@
           </a:prstGeom>
         </p:spPr>
         <p:txBody>
-          <a:bodyPr lIns="0" rIns="0" tIns="0" bIns="0" anchor="ctr"/>
-          <a:p>
-            <a:endParaRPr b="0" lang="en-US" sz="1800" spc="-1" strike="noStrike">
+          <a:bodyPr lIns="0" tIns="0" rIns="0" bIns="0" anchor="ctr"/>
+          <a:lstStyle/>
+          <a:p>
+            <a:endParaRPr lang="en-US" sz="1800" b="0" strike="noStrike" spc="-1">
               <a:solidFill>
                 <a:srgbClr val="000000"/>
               </a:solidFill>
@@ -961,11 +1103,14 @@
       </p:sp>
     </p:spTree>
   </p:cSld>
+  <p:clrMapOvr>
+    <a:masterClrMapping/>
+  </p:clrMapOvr>
 </p:sldLayout>
 </file>
 
 <file path=ppt/slideLayouts/slideLayout18.xml><?xml version="1.0" encoding="utf-8"?>
-<p:sldLayout xmlns:a="http://schemas.openxmlformats.org/drawingml/2006/main" xmlns:p="http://schemas.openxmlformats.org/presentationml/2006/main" xmlns:r="http://schemas.openxmlformats.org/officeDocument/2006/relationships" xmlns:p14="http://schemas.microsoft.com/office/powerpoint/2010/main" xmlns:p15="http://schemas.microsoft.com/office/powerpoint/2012/main" xmlns:mc="http://schemas.openxmlformats.org/markup-compatibility/2006" type="objOnly" preserve="1">
+<p:sldLayout xmlns:a="http://schemas.openxmlformats.org/drawingml/2006/main" xmlns:r="http://schemas.openxmlformats.org/officeDocument/2006/relationships" xmlns:p="http://schemas.openxmlformats.org/presentationml/2006/main" type="objOnly" preserve="1">
   <p:cSld name="Centered Text">
     <p:spTree>
       <p:nvGrpSpPr>
@@ -1001,10 +1146,11 @@
           </a:prstGeom>
         </p:spPr>
         <p:txBody>
-          <a:bodyPr lIns="0" rIns="0" tIns="0" bIns="0" anchor="ctr"/>
+          <a:bodyPr lIns="0" tIns="0" rIns="0" bIns="0" anchor="ctr"/>
+          <a:lstStyle/>
           <a:p>
             <a:pPr algn="ctr"/>
-            <a:endParaRPr b="0" lang="en-US" sz="3200" spc="-1" strike="noStrike">
+            <a:endParaRPr lang="en-US" sz="3200" b="0" strike="noStrike" spc="-1">
               <a:latin typeface="Arial"/>
             </a:endParaRPr>
           </a:p>
@@ -1012,11 +1158,14 @@
       </p:sp>
     </p:spTree>
   </p:cSld>
+  <p:clrMapOvr>
+    <a:masterClrMapping/>
+  </p:clrMapOvr>
 </p:sldLayout>
 </file>
 
 <file path=ppt/slideLayouts/slideLayout19.xml><?xml version="1.0" encoding="utf-8"?>
-<p:sldLayout xmlns:a="http://schemas.openxmlformats.org/drawingml/2006/main" xmlns:p="http://schemas.openxmlformats.org/presentationml/2006/main" xmlns:r="http://schemas.openxmlformats.org/officeDocument/2006/relationships" xmlns:p14="http://schemas.microsoft.com/office/powerpoint/2010/main" xmlns:p15="http://schemas.microsoft.com/office/powerpoint/2012/main" xmlns:mc="http://schemas.openxmlformats.org/markup-compatibility/2006" type="twoObjAndObj" preserve="1">
+<p:sldLayout xmlns:a="http://schemas.openxmlformats.org/drawingml/2006/main" xmlns:r="http://schemas.openxmlformats.org/officeDocument/2006/relationships" xmlns:p="http://schemas.openxmlformats.org/presentationml/2006/main" type="twoObjAndObj" preserve="1">
   <p:cSld name="Title, 2 Content and Content">
     <p:spTree>
       <p:nvGrpSpPr>
@@ -1052,9 +1201,10 @@
           </a:prstGeom>
         </p:spPr>
         <p:txBody>
-          <a:bodyPr lIns="0" rIns="0" tIns="0" bIns="0" anchor="ctr"/>
-          <a:p>
-            <a:endParaRPr b="0" lang="en-US" sz="1800" spc="-1" strike="noStrike">
+          <a:bodyPr lIns="0" tIns="0" rIns="0" bIns="0" anchor="ctr"/>
+          <a:lstStyle/>
+          <a:p>
+            <a:endParaRPr lang="en-US" sz="1800" b="0" strike="noStrike" spc="-1">
               <a:solidFill>
                 <a:srgbClr val="000000"/>
               </a:solidFill>
@@ -1083,11 +1233,12 @@
           </a:prstGeom>
         </p:spPr>
         <p:txBody>
-          <a:bodyPr lIns="0" rIns="0" tIns="0" bIns="0">
+          <a:bodyPr lIns="0" tIns="0" rIns="0" bIns="0">
             <a:normAutofit/>
           </a:bodyPr>
-          <a:p>
-            <a:endParaRPr b="0" lang="en-US" sz="2800" spc="-1" strike="noStrike">
+          <a:lstStyle/>
+          <a:p>
+            <a:endParaRPr lang="en-US" sz="2800" b="0" strike="noStrike" spc="-1">
               <a:solidFill>
                 <a:srgbClr val="000000"/>
               </a:solidFill>
@@ -1116,11 +1267,12 @@
           </a:prstGeom>
         </p:spPr>
         <p:txBody>
-          <a:bodyPr lIns="0" rIns="0" tIns="0" bIns="0">
+          <a:bodyPr lIns="0" tIns="0" rIns="0" bIns="0">
             <a:normAutofit/>
           </a:bodyPr>
-          <a:p>
-            <a:endParaRPr b="0" lang="en-US" sz="2800" spc="-1" strike="noStrike">
+          <a:lstStyle/>
+          <a:p>
+            <a:endParaRPr lang="en-US" sz="2800" b="0" strike="noStrike" spc="-1">
               <a:solidFill>
                 <a:srgbClr val="000000"/>
               </a:solidFill>
@@ -1149,11 +1301,12 @@
           </a:prstGeom>
         </p:spPr>
         <p:txBody>
-          <a:bodyPr lIns="0" rIns="0" tIns="0" bIns="0">
+          <a:bodyPr lIns="0" tIns="0" rIns="0" bIns="0">
             <a:normAutofit/>
           </a:bodyPr>
-          <a:p>
-            <a:endParaRPr b="0" lang="en-US" sz="2800" spc="-1" strike="noStrike">
+          <a:lstStyle/>
+          <a:p>
+            <a:endParaRPr lang="en-US" sz="2800" b="0" strike="noStrike" spc="-1">
               <a:solidFill>
                 <a:srgbClr val="000000"/>
               </a:solidFill>
@@ -1164,11 +1317,14 @@
       </p:sp>
     </p:spTree>
   </p:cSld>
+  <p:clrMapOvr>
+    <a:masterClrMapping/>
+  </p:clrMapOvr>
 </p:sldLayout>
 </file>
 
 <file path=ppt/slideLayouts/slideLayout2.xml><?xml version="1.0" encoding="utf-8"?>
-<p:sldLayout xmlns:a="http://schemas.openxmlformats.org/drawingml/2006/main" xmlns:p="http://schemas.openxmlformats.org/presentationml/2006/main" xmlns:r="http://schemas.openxmlformats.org/officeDocument/2006/relationships" xmlns:p14="http://schemas.microsoft.com/office/powerpoint/2010/main" xmlns:p15="http://schemas.microsoft.com/office/powerpoint/2012/main" xmlns:mc="http://schemas.openxmlformats.org/markup-compatibility/2006" type="tx" preserve="1">
+<p:sldLayout xmlns:a="http://schemas.openxmlformats.org/drawingml/2006/main" xmlns:r="http://schemas.openxmlformats.org/officeDocument/2006/relationships" xmlns:p="http://schemas.openxmlformats.org/presentationml/2006/main" type="tx" preserve="1">
   <p:cSld name="Title Slide">
     <p:spTree>
       <p:nvGrpSpPr>
@@ -1204,9 +1360,10 @@
           </a:prstGeom>
         </p:spPr>
         <p:txBody>
-          <a:bodyPr lIns="0" rIns="0" tIns="0" bIns="0" anchor="ctr"/>
-          <a:p>
-            <a:endParaRPr b="0" lang="en-US" sz="1800" spc="-1" strike="noStrike">
+          <a:bodyPr lIns="0" tIns="0" rIns="0" bIns="0" anchor="ctr"/>
+          <a:lstStyle/>
+          <a:p>
+            <a:endParaRPr lang="en-US" sz="1800" b="0" strike="noStrike" spc="-1">
               <a:solidFill>
                 <a:srgbClr val="000000"/>
               </a:solidFill>
@@ -1235,10 +1392,11 @@
           </a:prstGeom>
         </p:spPr>
         <p:txBody>
-          <a:bodyPr lIns="0" rIns="0" tIns="0" bIns="0" anchor="ctr"/>
+          <a:bodyPr lIns="0" tIns="0" rIns="0" bIns="0" anchor="ctr"/>
+          <a:lstStyle/>
           <a:p>
             <a:pPr algn="ctr"/>
-            <a:endParaRPr b="0" lang="en-US" sz="3200" spc="-1" strike="noStrike">
+            <a:endParaRPr lang="en-US" sz="3200" b="0" strike="noStrike" spc="-1">
               <a:latin typeface="Arial"/>
             </a:endParaRPr>
           </a:p>
@@ -1246,11 +1404,14 @@
       </p:sp>
     </p:spTree>
   </p:cSld>
+  <p:clrMapOvr>
+    <a:masterClrMapping/>
+  </p:clrMapOvr>
 </p:sldLayout>
 </file>
 
 <file path=ppt/slideLayouts/slideLayout20.xml><?xml version="1.0" encoding="utf-8"?>
-<p:sldLayout xmlns:a="http://schemas.openxmlformats.org/drawingml/2006/main" xmlns:p="http://schemas.openxmlformats.org/presentationml/2006/main" xmlns:r="http://schemas.openxmlformats.org/officeDocument/2006/relationships" xmlns:p14="http://schemas.microsoft.com/office/powerpoint/2010/main" xmlns:p15="http://schemas.microsoft.com/office/powerpoint/2012/main" xmlns:mc="http://schemas.openxmlformats.org/markup-compatibility/2006" type="objAndTwoObj" preserve="1">
+<p:sldLayout xmlns:a="http://schemas.openxmlformats.org/drawingml/2006/main" xmlns:r="http://schemas.openxmlformats.org/officeDocument/2006/relationships" xmlns:p="http://schemas.openxmlformats.org/presentationml/2006/main" type="objAndTwoObj" preserve="1">
   <p:cSld name="Title Content and 2 Content">
     <p:spTree>
       <p:nvGrpSpPr>
@@ -1286,9 +1447,10 @@
           </a:prstGeom>
         </p:spPr>
         <p:txBody>
-          <a:bodyPr lIns="0" rIns="0" tIns="0" bIns="0" anchor="ctr"/>
-          <a:p>
-            <a:endParaRPr b="0" lang="en-US" sz="1800" spc="-1" strike="noStrike">
+          <a:bodyPr lIns="0" tIns="0" rIns="0" bIns="0" anchor="ctr"/>
+          <a:lstStyle/>
+          <a:p>
+            <a:endParaRPr lang="en-US" sz="1800" b="0" strike="noStrike" spc="-1">
               <a:solidFill>
                 <a:srgbClr val="000000"/>
               </a:solidFill>
@@ -1317,11 +1479,12 @@
           </a:prstGeom>
         </p:spPr>
         <p:txBody>
-          <a:bodyPr lIns="0" rIns="0" tIns="0" bIns="0">
+          <a:bodyPr lIns="0" tIns="0" rIns="0" bIns="0">
             <a:normAutofit/>
           </a:bodyPr>
-          <a:p>
-            <a:endParaRPr b="0" lang="en-US" sz="2800" spc="-1" strike="noStrike">
+          <a:lstStyle/>
+          <a:p>
+            <a:endParaRPr lang="en-US" sz="2800" b="0" strike="noStrike" spc="-1">
               <a:solidFill>
                 <a:srgbClr val="000000"/>
               </a:solidFill>
@@ -1350,11 +1513,12 @@
           </a:prstGeom>
         </p:spPr>
         <p:txBody>
-          <a:bodyPr lIns="0" rIns="0" tIns="0" bIns="0">
+          <a:bodyPr lIns="0" tIns="0" rIns="0" bIns="0">
             <a:normAutofit/>
           </a:bodyPr>
-          <a:p>
-            <a:endParaRPr b="0" lang="en-US" sz="2800" spc="-1" strike="noStrike">
+          <a:lstStyle/>
+          <a:p>
+            <a:endParaRPr lang="en-US" sz="2800" b="0" strike="noStrike" spc="-1">
               <a:solidFill>
                 <a:srgbClr val="000000"/>
               </a:solidFill>
@@ -1383,11 +1547,12 @@
           </a:prstGeom>
         </p:spPr>
         <p:txBody>
-          <a:bodyPr lIns="0" rIns="0" tIns="0" bIns="0">
+          <a:bodyPr lIns="0" tIns="0" rIns="0" bIns="0">
             <a:normAutofit/>
           </a:bodyPr>
-          <a:p>
-            <a:endParaRPr b="0" lang="en-US" sz="2800" spc="-1" strike="noStrike">
+          <a:lstStyle/>
+          <a:p>
+            <a:endParaRPr lang="en-US" sz="2800" b="0" strike="noStrike" spc="-1">
               <a:solidFill>
                 <a:srgbClr val="000000"/>
               </a:solidFill>
@@ -1398,11 +1563,14 @@
       </p:sp>
     </p:spTree>
   </p:cSld>
+  <p:clrMapOvr>
+    <a:masterClrMapping/>
+  </p:clrMapOvr>
 </p:sldLayout>
 </file>
 
 <file path=ppt/slideLayouts/slideLayout21.xml><?xml version="1.0" encoding="utf-8"?>
-<p:sldLayout xmlns:a="http://schemas.openxmlformats.org/drawingml/2006/main" xmlns:p="http://schemas.openxmlformats.org/presentationml/2006/main" xmlns:r="http://schemas.openxmlformats.org/officeDocument/2006/relationships" xmlns:p14="http://schemas.microsoft.com/office/powerpoint/2010/main" xmlns:p15="http://schemas.microsoft.com/office/powerpoint/2012/main" xmlns:mc="http://schemas.openxmlformats.org/markup-compatibility/2006" type="twoObjOverTx" preserve="1">
+<p:sldLayout xmlns:a="http://schemas.openxmlformats.org/drawingml/2006/main" xmlns:r="http://schemas.openxmlformats.org/officeDocument/2006/relationships" xmlns:p="http://schemas.openxmlformats.org/presentationml/2006/main" type="twoObjOverTx" preserve="1">
   <p:cSld name="Title, 2 Content over Content">
     <p:spTree>
       <p:nvGrpSpPr>
@@ -1438,9 +1606,10 @@
           </a:prstGeom>
         </p:spPr>
         <p:txBody>
-          <a:bodyPr lIns="0" rIns="0" tIns="0" bIns="0" anchor="ctr"/>
-          <a:p>
-            <a:endParaRPr b="0" lang="en-US" sz="1800" spc="-1" strike="noStrike">
+          <a:bodyPr lIns="0" tIns="0" rIns="0" bIns="0" anchor="ctr"/>
+          <a:lstStyle/>
+          <a:p>
+            <a:endParaRPr lang="en-US" sz="1800" b="0" strike="noStrike" spc="-1">
               <a:solidFill>
                 <a:srgbClr val="000000"/>
               </a:solidFill>
@@ -1469,11 +1638,12 @@
           </a:prstGeom>
         </p:spPr>
         <p:txBody>
-          <a:bodyPr lIns="0" rIns="0" tIns="0" bIns="0">
+          <a:bodyPr lIns="0" tIns="0" rIns="0" bIns="0">
             <a:normAutofit/>
           </a:bodyPr>
-          <a:p>
-            <a:endParaRPr b="0" lang="en-US" sz="2800" spc="-1" strike="noStrike">
+          <a:lstStyle/>
+          <a:p>
+            <a:endParaRPr lang="en-US" sz="2800" b="0" strike="noStrike" spc="-1">
               <a:solidFill>
                 <a:srgbClr val="000000"/>
               </a:solidFill>
@@ -1502,11 +1672,12 @@
           </a:prstGeom>
         </p:spPr>
         <p:txBody>
-          <a:bodyPr lIns="0" rIns="0" tIns="0" bIns="0">
+          <a:bodyPr lIns="0" tIns="0" rIns="0" bIns="0">
             <a:normAutofit/>
           </a:bodyPr>
-          <a:p>
-            <a:endParaRPr b="0" lang="en-US" sz="2800" spc="-1" strike="noStrike">
+          <a:lstStyle/>
+          <a:p>
+            <a:endParaRPr lang="en-US" sz="2800" b="0" strike="noStrike" spc="-1">
               <a:solidFill>
                 <a:srgbClr val="000000"/>
               </a:solidFill>
@@ -1535,11 +1706,12 @@
           </a:prstGeom>
         </p:spPr>
         <p:txBody>
-          <a:bodyPr lIns="0" rIns="0" tIns="0" bIns="0">
+          <a:bodyPr lIns="0" tIns="0" rIns="0" bIns="0">
             <a:normAutofit/>
           </a:bodyPr>
-          <a:p>
-            <a:endParaRPr b="0" lang="en-US" sz="2800" spc="-1" strike="noStrike">
+          <a:lstStyle/>
+          <a:p>
+            <a:endParaRPr lang="en-US" sz="2800" b="0" strike="noStrike" spc="-1">
               <a:solidFill>
                 <a:srgbClr val="000000"/>
               </a:solidFill>
@@ -1550,11 +1722,14 @@
       </p:sp>
     </p:spTree>
   </p:cSld>
+  <p:clrMapOvr>
+    <a:masterClrMapping/>
+  </p:clrMapOvr>
 </p:sldLayout>
 </file>
 
 <file path=ppt/slideLayouts/slideLayout22.xml><?xml version="1.0" encoding="utf-8"?>
-<p:sldLayout xmlns:a="http://schemas.openxmlformats.org/drawingml/2006/main" xmlns:p="http://schemas.openxmlformats.org/presentationml/2006/main" xmlns:r="http://schemas.openxmlformats.org/officeDocument/2006/relationships" xmlns:p14="http://schemas.microsoft.com/office/powerpoint/2010/main" xmlns:p15="http://schemas.microsoft.com/office/powerpoint/2012/main" xmlns:mc="http://schemas.openxmlformats.org/markup-compatibility/2006" type="objOverTx" preserve="1">
+<p:sldLayout xmlns:a="http://schemas.openxmlformats.org/drawingml/2006/main" xmlns:r="http://schemas.openxmlformats.org/officeDocument/2006/relationships" xmlns:p="http://schemas.openxmlformats.org/presentationml/2006/main" type="objOverTx" preserve="1">
   <p:cSld name="Title, Content over Content">
     <p:spTree>
       <p:nvGrpSpPr>
@@ -1590,9 +1765,10 @@
           </a:prstGeom>
         </p:spPr>
         <p:txBody>
-          <a:bodyPr lIns="0" rIns="0" tIns="0" bIns="0" anchor="ctr"/>
-          <a:p>
-            <a:endParaRPr b="0" lang="en-US" sz="1800" spc="-1" strike="noStrike">
+          <a:bodyPr lIns="0" tIns="0" rIns="0" bIns="0" anchor="ctr"/>
+          <a:lstStyle/>
+          <a:p>
+            <a:endParaRPr lang="en-US" sz="1800" b="0" strike="noStrike" spc="-1">
               <a:solidFill>
                 <a:srgbClr val="000000"/>
               </a:solidFill>
@@ -1621,11 +1797,12 @@
           </a:prstGeom>
         </p:spPr>
         <p:txBody>
-          <a:bodyPr lIns="0" rIns="0" tIns="0" bIns="0">
+          <a:bodyPr lIns="0" tIns="0" rIns="0" bIns="0">
             <a:normAutofit/>
           </a:bodyPr>
-          <a:p>
-            <a:endParaRPr b="0" lang="en-US" sz="2800" spc="-1" strike="noStrike">
+          <a:lstStyle/>
+          <a:p>
+            <a:endParaRPr lang="en-US" sz="2800" b="0" strike="noStrike" spc="-1">
               <a:solidFill>
                 <a:srgbClr val="000000"/>
               </a:solidFill>
@@ -1654,11 +1831,12 @@
           </a:prstGeom>
         </p:spPr>
         <p:txBody>
-          <a:bodyPr lIns="0" rIns="0" tIns="0" bIns="0">
+          <a:bodyPr lIns="0" tIns="0" rIns="0" bIns="0">
             <a:normAutofit/>
           </a:bodyPr>
-          <a:p>
-            <a:endParaRPr b="0" lang="en-US" sz="2800" spc="-1" strike="noStrike">
+          <a:lstStyle/>
+          <a:p>
+            <a:endParaRPr lang="en-US" sz="2800" b="0" strike="noStrike" spc="-1">
               <a:solidFill>
                 <a:srgbClr val="000000"/>
               </a:solidFill>
@@ -1669,11 +1847,14 @@
       </p:sp>
     </p:spTree>
   </p:cSld>
+  <p:clrMapOvr>
+    <a:masterClrMapping/>
+  </p:clrMapOvr>
 </p:sldLayout>
 </file>
 
 <file path=ppt/slideLayouts/slideLayout23.xml><?xml version="1.0" encoding="utf-8"?>
-<p:sldLayout xmlns:a="http://schemas.openxmlformats.org/drawingml/2006/main" xmlns:p="http://schemas.openxmlformats.org/presentationml/2006/main" xmlns:r="http://schemas.openxmlformats.org/officeDocument/2006/relationships" xmlns:p14="http://schemas.microsoft.com/office/powerpoint/2010/main" xmlns:p15="http://schemas.microsoft.com/office/powerpoint/2012/main" xmlns:mc="http://schemas.openxmlformats.org/markup-compatibility/2006" type="fourObj" preserve="1">
+<p:sldLayout xmlns:a="http://schemas.openxmlformats.org/drawingml/2006/main" xmlns:r="http://schemas.openxmlformats.org/officeDocument/2006/relationships" xmlns:p="http://schemas.openxmlformats.org/presentationml/2006/main" type="fourObj" preserve="1">
   <p:cSld name="Title, 4 Content">
     <p:spTree>
       <p:nvGrpSpPr>
@@ -1709,9 +1890,10 @@
           </a:prstGeom>
         </p:spPr>
         <p:txBody>
-          <a:bodyPr lIns="0" rIns="0" tIns="0" bIns="0" anchor="ctr"/>
-          <a:p>
-            <a:endParaRPr b="0" lang="en-US" sz="1800" spc="-1" strike="noStrike">
+          <a:bodyPr lIns="0" tIns="0" rIns="0" bIns="0" anchor="ctr"/>
+          <a:lstStyle/>
+          <a:p>
+            <a:endParaRPr lang="en-US" sz="1800" b="0" strike="noStrike" spc="-1">
               <a:solidFill>
                 <a:srgbClr val="000000"/>
               </a:solidFill>
@@ -1740,11 +1922,12 @@
           </a:prstGeom>
         </p:spPr>
         <p:txBody>
-          <a:bodyPr lIns="0" rIns="0" tIns="0" bIns="0">
+          <a:bodyPr lIns="0" tIns="0" rIns="0" bIns="0">
             <a:normAutofit/>
           </a:bodyPr>
-          <a:p>
-            <a:endParaRPr b="0" lang="en-US" sz="2800" spc="-1" strike="noStrike">
+          <a:lstStyle/>
+          <a:p>
+            <a:endParaRPr lang="en-US" sz="2800" b="0" strike="noStrike" spc="-1">
               <a:solidFill>
                 <a:srgbClr val="000000"/>
               </a:solidFill>
@@ -1773,11 +1956,12 @@
           </a:prstGeom>
         </p:spPr>
         <p:txBody>
-          <a:bodyPr lIns="0" rIns="0" tIns="0" bIns="0">
+          <a:bodyPr lIns="0" tIns="0" rIns="0" bIns="0">
             <a:normAutofit/>
           </a:bodyPr>
-          <a:p>
-            <a:endParaRPr b="0" lang="en-US" sz="2800" spc="-1" strike="noStrike">
+          <a:lstStyle/>
+          <a:p>
+            <a:endParaRPr lang="en-US" sz="2800" b="0" strike="noStrike" spc="-1">
               <a:solidFill>
                 <a:srgbClr val="000000"/>
               </a:solidFill>
@@ -1806,11 +1990,12 @@
           </a:prstGeom>
         </p:spPr>
         <p:txBody>
-          <a:bodyPr lIns="0" rIns="0" tIns="0" bIns="0">
+          <a:bodyPr lIns="0" tIns="0" rIns="0" bIns="0">
             <a:normAutofit/>
           </a:bodyPr>
-          <a:p>
-            <a:endParaRPr b="0" lang="en-US" sz="2800" spc="-1" strike="noStrike">
+          <a:lstStyle/>
+          <a:p>
+            <a:endParaRPr lang="en-US" sz="2800" b="0" strike="noStrike" spc="-1">
               <a:solidFill>
                 <a:srgbClr val="000000"/>
               </a:solidFill>
@@ -1839,11 +2024,12 @@
           </a:prstGeom>
         </p:spPr>
         <p:txBody>
-          <a:bodyPr lIns="0" rIns="0" tIns="0" bIns="0">
+          <a:bodyPr lIns="0" tIns="0" rIns="0" bIns="0">
             <a:normAutofit/>
           </a:bodyPr>
-          <a:p>
-            <a:endParaRPr b="0" lang="en-US" sz="2800" spc="-1" strike="noStrike">
+          <a:lstStyle/>
+          <a:p>
+            <a:endParaRPr lang="en-US" sz="2800" b="0" strike="noStrike" spc="-1">
               <a:solidFill>
                 <a:srgbClr val="000000"/>
               </a:solidFill>
@@ -1854,11 +2040,14 @@
       </p:sp>
     </p:spTree>
   </p:cSld>
+  <p:clrMapOvr>
+    <a:masterClrMapping/>
+  </p:clrMapOvr>
 </p:sldLayout>
 </file>
 
 <file path=ppt/slideLayouts/slideLayout24.xml><?xml version="1.0" encoding="utf-8"?>
-<p:sldLayout xmlns:a="http://schemas.openxmlformats.org/drawingml/2006/main" xmlns:p="http://schemas.openxmlformats.org/presentationml/2006/main" xmlns:r="http://schemas.openxmlformats.org/officeDocument/2006/relationships" xmlns:p14="http://schemas.microsoft.com/office/powerpoint/2010/main" xmlns:p15="http://schemas.microsoft.com/office/powerpoint/2012/main" xmlns:mc="http://schemas.openxmlformats.org/markup-compatibility/2006" type="blank" preserve="1">
+<p:sldLayout xmlns:a="http://schemas.openxmlformats.org/drawingml/2006/main" xmlns:r="http://schemas.openxmlformats.org/officeDocument/2006/relationships" xmlns:p="http://schemas.openxmlformats.org/presentationml/2006/main" type="blank" preserve="1">
   <p:cSld name="Title, 6 Content">
     <p:spTree>
       <p:nvGrpSpPr>
@@ -1894,9 +2083,10 @@
           </a:prstGeom>
         </p:spPr>
         <p:txBody>
-          <a:bodyPr lIns="0" rIns="0" tIns="0" bIns="0" anchor="ctr"/>
-          <a:p>
-            <a:endParaRPr b="0" lang="en-US" sz="1800" spc="-1" strike="noStrike">
+          <a:bodyPr lIns="0" tIns="0" rIns="0" bIns="0" anchor="ctr"/>
+          <a:lstStyle/>
+          <a:p>
+            <a:endParaRPr lang="en-US" sz="1800" b="0" strike="noStrike" spc="-1">
               <a:solidFill>
                 <a:srgbClr val="000000"/>
               </a:solidFill>
@@ -1925,11 +2115,12 @@
           </a:prstGeom>
         </p:spPr>
         <p:txBody>
-          <a:bodyPr lIns="0" rIns="0" tIns="0" bIns="0">
+          <a:bodyPr lIns="0" tIns="0" rIns="0" bIns="0">
             <a:normAutofit/>
           </a:bodyPr>
-          <a:p>
-            <a:endParaRPr b="0" lang="en-US" sz="2800" spc="-1" strike="noStrike">
+          <a:lstStyle/>
+          <a:p>
+            <a:endParaRPr lang="en-US" sz="2800" b="0" strike="noStrike" spc="-1">
               <a:solidFill>
                 <a:srgbClr val="000000"/>
               </a:solidFill>
@@ -1958,11 +2149,12 @@
           </a:prstGeom>
         </p:spPr>
         <p:txBody>
-          <a:bodyPr lIns="0" rIns="0" tIns="0" bIns="0">
+          <a:bodyPr lIns="0" tIns="0" rIns="0" bIns="0">
             <a:normAutofit/>
           </a:bodyPr>
-          <a:p>
-            <a:endParaRPr b="0" lang="en-US" sz="2800" spc="-1" strike="noStrike">
+          <a:lstStyle/>
+          <a:p>
+            <a:endParaRPr lang="en-US" sz="2800" b="0" strike="noStrike" spc="-1">
               <a:solidFill>
                 <a:srgbClr val="000000"/>
               </a:solidFill>
@@ -1991,11 +2183,12 @@
           </a:prstGeom>
         </p:spPr>
         <p:txBody>
-          <a:bodyPr lIns="0" rIns="0" tIns="0" bIns="0">
+          <a:bodyPr lIns="0" tIns="0" rIns="0" bIns="0">
             <a:normAutofit/>
           </a:bodyPr>
-          <a:p>
-            <a:endParaRPr b="0" lang="en-US" sz="2800" spc="-1" strike="noStrike">
+          <a:lstStyle/>
+          <a:p>
+            <a:endParaRPr lang="en-US" sz="2800" b="0" strike="noStrike" spc="-1">
               <a:solidFill>
                 <a:srgbClr val="000000"/>
               </a:solidFill>
@@ -2024,11 +2217,12 @@
           </a:prstGeom>
         </p:spPr>
         <p:txBody>
-          <a:bodyPr lIns="0" rIns="0" tIns="0" bIns="0">
+          <a:bodyPr lIns="0" tIns="0" rIns="0" bIns="0">
             <a:normAutofit/>
           </a:bodyPr>
-          <a:p>
-            <a:endParaRPr b="0" lang="en-US" sz="2800" spc="-1" strike="noStrike">
+          <a:lstStyle/>
+          <a:p>
+            <a:endParaRPr lang="en-US" sz="2800" b="0" strike="noStrike" spc="-1">
               <a:solidFill>
                 <a:srgbClr val="000000"/>
               </a:solidFill>
@@ -2057,11 +2251,12 @@
           </a:prstGeom>
         </p:spPr>
         <p:txBody>
-          <a:bodyPr lIns="0" rIns="0" tIns="0" bIns="0">
+          <a:bodyPr lIns="0" tIns="0" rIns="0" bIns="0">
             <a:normAutofit/>
           </a:bodyPr>
-          <a:p>
-            <a:endParaRPr b="0" lang="en-US" sz="2800" spc="-1" strike="noStrike">
+          <a:lstStyle/>
+          <a:p>
+            <a:endParaRPr lang="en-US" sz="2800" b="0" strike="noStrike" spc="-1">
               <a:solidFill>
                 <a:srgbClr val="000000"/>
               </a:solidFill>
@@ -2090,11 +2285,12 @@
           </a:prstGeom>
         </p:spPr>
         <p:txBody>
-          <a:bodyPr lIns="0" rIns="0" tIns="0" bIns="0">
+          <a:bodyPr lIns="0" tIns="0" rIns="0" bIns="0">
             <a:normAutofit/>
           </a:bodyPr>
-          <a:p>
-            <a:endParaRPr b="0" lang="en-US" sz="2800" spc="-1" strike="noStrike">
+          <a:lstStyle/>
+          <a:p>
+            <a:endParaRPr lang="en-US" sz="2800" b="0" strike="noStrike" spc="-1">
               <a:solidFill>
                 <a:srgbClr val="000000"/>
               </a:solidFill>
@@ -2105,11 +2301,14 @@
       </p:sp>
     </p:spTree>
   </p:cSld>
+  <p:clrMapOvr>
+    <a:masterClrMapping/>
+  </p:clrMapOvr>
 </p:sldLayout>
 </file>
 
 <file path=ppt/slideLayouts/slideLayout3.xml><?xml version="1.0" encoding="utf-8"?>
-<p:sldLayout xmlns:a="http://schemas.openxmlformats.org/drawingml/2006/main" xmlns:p="http://schemas.openxmlformats.org/presentationml/2006/main" xmlns:r="http://schemas.openxmlformats.org/officeDocument/2006/relationships" xmlns:p14="http://schemas.microsoft.com/office/powerpoint/2010/main" xmlns:p15="http://schemas.microsoft.com/office/powerpoint/2012/main" xmlns:mc="http://schemas.openxmlformats.org/markup-compatibility/2006" type="obj" preserve="1">
+<p:sldLayout xmlns:a="http://schemas.openxmlformats.org/drawingml/2006/main" xmlns:r="http://schemas.openxmlformats.org/officeDocument/2006/relationships" xmlns:p="http://schemas.openxmlformats.org/presentationml/2006/main" type="obj" preserve="1">
   <p:cSld name="Title, Content">
     <p:spTree>
       <p:nvGrpSpPr>
@@ -2145,9 +2344,10 @@
           </a:prstGeom>
         </p:spPr>
         <p:txBody>
-          <a:bodyPr lIns="0" rIns="0" tIns="0" bIns="0" anchor="ctr"/>
-          <a:p>
-            <a:endParaRPr b="0" lang="en-US" sz="1800" spc="-1" strike="noStrike">
+          <a:bodyPr lIns="0" tIns="0" rIns="0" bIns="0" anchor="ctr"/>
+          <a:lstStyle/>
+          <a:p>
+            <a:endParaRPr lang="en-US" sz="1800" b="0" strike="noStrike" spc="-1">
               <a:solidFill>
                 <a:srgbClr val="000000"/>
               </a:solidFill>
@@ -2176,11 +2376,12 @@
           </a:prstGeom>
         </p:spPr>
         <p:txBody>
-          <a:bodyPr lIns="0" rIns="0" tIns="0" bIns="0">
+          <a:bodyPr lIns="0" tIns="0" rIns="0" bIns="0">
             <a:normAutofit/>
           </a:bodyPr>
-          <a:p>
-            <a:endParaRPr b="0" lang="en-US" sz="2800" spc="-1" strike="noStrike">
+          <a:lstStyle/>
+          <a:p>
+            <a:endParaRPr lang="en-US" sz="2800" b="0" strike="noStrike" spc="-1">
               <a:solidFill>
                 <a:srgbClr val="000000"/>
               </a:solidFill>
@@ -2191,11 +2392,14 @@
       </p:sp>
     </p:spTree>
   </p:cSld>
+  <p:clrMapOvr>
+    <a:masterClrMapping/>
+  </p:clrMapOvr>
 </p:sldLayout>
 </file>
 
 <file path=ppt/slideLayouts/slideLayout4.xml><?xml version="1.0" encoding="utf-8"?>
-<p:sldLayout xmlns:a="http://schemas.openxmlformats.org/drawingml/2006/main" xmlns:p="http://schemas.openxmlformats.org/presentationml/2006/main" xmlns:r="http://schemas.openxmlformats.org/officeDocument/2006/relationships" xmlns:p14="http://schemas.microsoft.com/office/powerpoint/2010/main" xmlns:p15="http://schemas.microsoft.com/office/powerpoint/2012/main" xmlns:mc="http://schemas.openxmlformats.org/markup-compatibility/2006" type="twoObj" preserve="1">
+<p:sldLayout xmlns:a="http://schemas.openxmlformats.org/drawingml/2006/main" xmlns:r="http://schemas.openxmlformats.org/officeDocument/2006/relationships" xmlns:p="http://schemas.openxmlformats.org/presentationml/2006/main" type="twoObj" preserve="1">
   <p:cSld name="Title, 2 Content">
     <p:spTree>
       <p:nvGrpSpPr>
@@ -2231,9 +2435,10 @@
           </a:prstGeom>
         </p:spPr>
         <p:txBody>
-          <a:bodyPr lIns="0" rIns="0" tIns="0" bIns="0" anchor="ctr"/>
-          <a:p>
-            <a:endParaRPr b="0" lang="en-US" sz="1800" spc="-1" strike="noStrike">
+          <a:bodyPr lIns="0" tIns="0" rIns="0" bIns="0" anchor="ctr"/>
+          <a:lstStyle/>
+          <a:p>
+            <a:endParaRPr lang="en-US" sz="1800" b="0" strike="noStrike" spc="-1">
               <a:solidFill>
                 <a:srgbClr val="000000"/>
               </a:solidFill>
@@ -2262,11 +2467,12 @@
           </a:prstGeom>
         </p:spPr>
         <p:txBody>
-          <a:bodyPr lIns="0" rIns="0" tIns="0" bIns="0">
+          <a:bodyPr lIns="0" tIns="0" rIns="0" bIns="0">
             <a:normAutofit/>
           </a:bodyPr>
-          <a:p>
-            <a:endParaRPr b="0" lang="en-US" sz="2800" spc="-1" strike="noStrike">
+          <a:lstStyle/>
+          <a:p>
+            <a:endParaRPr lang="en-US" sz="2800" b="0" strike="noStrike" spc="-1">
               <a:solidFill>
                 <a:srgbClr val="000000"/>
               </a:solidFill>
@@ -2295,11 +2501,12 @@
           </a:prstGeom>
         </p:spPr>
         <p:txBody>
-          <a:bodyPr lIns="0" rIns="0" tIns="0" bIns="0">
+          <a:bodyPr lIns="0" tIns="0" rIns="0" bIns="0">
             <a:normAutofit/>
           </a:bodyPr>
-          <a:p>
-            <a:endParaRPr b="0" lang="en-US" sz="2800" spc="-1" strike="noStrike">
+          <a:lstStyle/>
+          <a:p>
+            <a:endParaRPr lang="en-US" sz="2800" b="0" strike="noStrike" spc="-1">
               <a:solidFill>
                 <a:srgbClr val="000000"/>
               </a:solidFill>
@@ -2310,11 +2517,14 @@
       </p:sp>
     </p:spTree>
   </p:cSld>
+  <p:clrMapOvr>
+    <a:masterClrMapping/>
+  </p:clrMapOvr>
 </p:sldLayout>
 </file>
 
 <file path=ppt/slideLayouts/slideLayout5.xml><?xml version="1.0" encoding="utf-8"?>
-<p:sldLayout xmlns:a="http://schemas.openxmlformats.org/drawingml/2006/main" xmlns:p="http://schemas.openxmlformats.org/presentationml/2006/main" xmlns:r="http://schemas.openxmlformats.org/officeDocument/2006/relationships" xmlns:p14="http://schemas.microsoft.com/office/powerpoint/2010/main" xmlns:p15="http://schemas.microsoft.com/office/powerpoint/2012/main" xmlns:mc="http://schemas.openxmlformats.org/markup-compatibility/2006" type="titleOnly" preserve="1">
+<p:sldLayout xmlns:a="http://schemas.openxmlformats.org/drawingml/2006/main" xmlns:r="http://schemas.openxmlformats.org/officeDocument/2006/relationships" xmlns:p="http://schemas.openxmlformats.org/presentationml/2006/main" type="titleOnly" preserve="1">
   <p:cSld name="Title Only">
     <p:spTree>
       <p:nvGrpSpPr>
@@ -2350,9 +2560,10 @@
           </a:prstGeom>
         </p:spPr>
         <p:txBody>
-          <a:bodyPr lIns="0" rIns="0" tIns="0" bIns="0" anchor="ctr"/>
-          <a:p>
-            <a:endParaRPr b="0" lang="en-US" sz="1800" spc="-1" strike="noStrike">
+          <a:bodyPr lIns="0" tIns="0" rIns="0" bIns="0" anchor="ctr"/>
+          <a:lstStyle/>
+          <a:p>
+            <a:endParaRPr lang="en-US" sz="1800" b="0" strike="noStrike" spc="-1">
               <a:solidFill>
                 <a:srgbClr val="000000"/>
               </a:solidFill>
@@ -2363,11 +2574,14 @@
       </p:sp>
     </p:spTree>
   </p:cSld>
+  <p:clrMapOvr>
+    <a:masterClrMapping/>
+  </p:clrMapOvr>
 </p:sldLayout>
 </file>
 
 <file path=ppt/slideLayouts/slideLayout6.xml><?xml version="1.0" encoding="utf-8"?>
-<p:sldLayout xmlns:a="http://schemas.openxmlformats.org/drawingml/2006/main" xmlns:p="http://schemas.openxmlformats.org/presentationml/2006/main" xmlns:r="http://schemas.openxmlformats.org/officeDocument/2006/relationships" xmlns:p14="http://schemas.microsoft.com/office/powerpoint/2010/main" xmlns:p15="http://schemas.microsoft.com/office/powerpoint/2012/main" xmlns:mc="http://schemas.openxmlformats.org/markup-compatibility/2006" type="objOnly" preserve="1">
+<p:sldLayout xmlns:a="http://schemas.openxmlformats.org/drawingml/2006/main" xmlns:r="http://schemas.openxmlformats.org/officeDocument/2006/relationships" xmlns:p="http://schemas.openxmlformats.org/presentationml/2006/main" type="objOnly" preserve="1">
   <p:cSld name="Centered Text">
     <p:spTree>
       <p:nvGrpSpPr>
@@ -2403,10 +2617,11 @@
           </a:prstGeom>
         </p:spPr>
         <p:txBody>
-          <a:bodyPr lIns="0" rIns="0" tIns="0" bIns="0" anchor="ctr"/>
+          <a:bodyPr lIns="0" tIns="0" rIns="0" bIns="0" anchor="ctr"/>
+          <a:lstStyle/>
           <a:p>
             <a:pPr algn="ctr"/>
-            <a:endParaRPr b="0" lang="en-US" sz="3200" spc="-1" strike="noStrike">
+            <a:endParaRPr lang="en-US" sz="3200" b="0" strike="noStrike" spc="-1">
               <a:latin typeface="Arial"/>
             </a:endParaRPr>
           </a:p>
@@ -2414,11 +2629,14 @@
       </p:sp>
     </p:spTree>
   </p:cSld>
+  <p:clrMapOvr>
+    <a:masterClrMapping/>
+  </p:clrMapOvr>
 </p:sldLayout>
 </file>
 
 <file path=ppt/slideLayouts/slideLayout7.xml><?xml version="1.0" encoding="utf-8"?>
-<p:sldLayout xmlns:a="http://schemas.openxmlformats.org/drawingml/2006/main" xmlns:p="http://schemas.openxmlformats.org/presentationml/2006/main" xmlns:r="http://schemas.openxmlformats.org/officeDocument/2006/relationships" xmlns:p14="http://schemas.microsoft.com/office/powerpoint/2010/main" xmlns:p15="http://schemas.microsoft.com/office/powerpoint/2012/main" xmlns:mc="http://schemas.openxmlformats.org/markup-compatibility/2006" type="twoObjAndObj" preserve="1">
+<p:sldLayout xmlns:a="http://schemas.openxmlformats.org/drawingml/2006/main" xmlns:r="http://schemas.openxmlformats.org/officeDocument/2006/relationships" xmlns:p="http://schemas.openxmlformats.org/presentationml/2006/main" type="twoObjAndObj" preserve="1">
   <p:cSld name="Title, 2 Content and Content">
     <p:spTree>
       <p:nvGrpSpPr>
@@ -2454,9 +2672,10 @@
           </a:prstGeom>
         </p:spPr>
         <p:txBody>
-          <a:bodyPr lIns="0" rIns="0" tIns="0" bIns="0" anchor="ctr"/>
-          <a:p>
-            <a:endParaRPr b="0" lang="en-US" sz="1800" spc="-1" strike="noStrike">
+          <a:bodyPr lIns="0" tIns="0" rIns="0" bIns="0" anchor="ctr"/>
+          <a:lstStyle/>
+          <a:p>
+            <a:endParaRPr lang="en-US" sz="1800" b="0" strike="noStrike" spc="-1">
               <a:solidFill>
                 <a:srgbClr val="000000"/>
               </a:solidFill>
@@ -2485,11 +2704,12 @@
           </a:prstGeom>
         </p:spPr>
         <p:txBody>
-          <a:bodyPr lIns="0" rIns="0" tIns="0" bIns="0">
+          <a:bodyPr lIns="0" tIns="0" rIns="0" bIns="0">
             <a:normAutofit/>
           </a:bodyPr>
-          <a:p>
-            <a:endParaRPr b="0" lang="en-US" sz="2800" spc="-1" strike="noStrike">
+          <a:lstStyle/>
+          <a:p>
+            <a:endParaRPr lang="en-US" sz="2800" b="0" strike="noStrike" spc="-1">
               <a:solidFill>
                 <a:srgbClr val="000000"/>
               </a:solidFill>
@@ -2518,11 +2738,12 @@
           </a:prstGeom>
         </p:spPr>
         <p:txBody>
-          <a:bodyPr lIns="0" rIns="0" tIns="0" bIns="0">
+          <a:bodyPr lIns="0" tIns="0" rIns="0" bIns="0">
             <a:normAutofit/>
           </a:bodyPr>
-          <a:p>
-            <a:endParaRPr b="0" lang="en-US" sz="2800" spc="-1" strike="noStrike">
+          <a:lstStyle/>
+          <a:p>
+            <a:endParaRPr lang="en-US" sz="2800" b="0" strike="noStrike" spc="-1">
               <a:solidFill>
                 <a:srgbClr val="000000"/>
               </a:solidFill>
@@ -2551,11 +2772,12 @@
           </a:prstGeom>
         </p:spPr>
         <p:txBody>
-          <a:bodyPr lIns="0" rIns="0" tIns="0" bIns="0">
+          <a:bodyPr lIns="0" tIns="0" rIns="0" bIns="0">
             <a:normAutofit/>
           </a:bodyPr>
-          <a:p>
-            <a:endParaRPr b="0" lang="en-US" sz="2800" spc="-1" strike="noStrike">
+          <a:lstStyle/>
+          <a:p>
+            <a:endParaRPr lang="en-US" sz="2800" b="0" strike="noStrike" spc="-1">
               <a:solidFill>
                 <a:srgbClr val="000000"/>
               </a:solidFill>
@@ -2566,11 +2788,14 @@
       </p:sp>
     </p:spTree>
   </p:cSld>
+  <p:clrMapOvr>
+    <a:masterClrMapping/>
+  </p:clrMapOvr>
 </p:sldLayout>
 </file>
 
 <file path=ppt/slideLayouts/slideLayout8.xml><?xml version="1.0" encoding="utf-8"?>
-<p:sldLayout xmlns:a="http://schemas.openxmlformats.org/drawingml/2006/main" xmlns:p="http://schemas.openxmlformats.org/presentationml/2006/main" xmlns:r="http://schemas.openxmlformats.org/officeDocument/2006/relationships" xmlns:p14="http://schemas.microsoft.com/office/powerpoint/2010/main" xmlns:p15="http://schemas.microsoft.com/office/powerpoint/2012/main" xmlns:mc="http://schemas.openxmlformats.org/markup-compatibility/2006" type="objAndTwoObj" preserve="1">
+<p:sldLayout xmlns:a="http://schemas.openxmlformats.org/drawingml/2006/main" xmlns:r="http://schemas.openxmlformats.org/officeDocument/2006/relationships" xmlns:p="http://schemas.openxmlformats.org/presentationml/2006/main" type="objAndTwoObj" preserve="1">
   <p:cSld name="Title Content and 2 Content">
     <p:spTree>
       <p:nvGrpSpPr>
@@ -2606,9 +2831,10 @@
           </a:prstGeom>
         </p:spPr>
         <p:txBody>
-          <a:bodyPr lIns="0" rIns="0" tIns="0" bIns="0" anchor="ctr"/>
-          <a:p>
-            <a:endParaRPr b="0" lang="en-US" sz="1800" spc="-1" strike="noStrike">
+          <a:bodyPr lIns="0" tIns="0" rIns="0" bIns="0" anchor="ctr"/>
+          <a:lstStyle/>
+          <a:p>
+            <a:endParaRPr lang="en-US" sz="1800" b="0" strike="noStrike" spc="-1">
               <a:solidFill>
                 <a:srgbClr val="000000"/>
               </a:solidFill>
@@ -2637,11 +2863,12 @@
           </a:prstGeom>
         </p:spPr>
         <p:txBody>
-          <a:bodyPr lIns="0" rIns="0" tIns="0" bIns="0">
+          <a:bodyPr lIns="0" tIns="0" rIns="0" bIns="0">
             <a:normAutofit/>
           </a:bodyPr>
-          <a:p>
-            <a:endParaRPr b="0" lang="en-US" sz="2800" spc="-1" strike="noStrike">
+          <a:lstStyle/>
+          <a:p>
+            <a:endParaRPr lang="en-US" sz="2800" b="0" strike="noStrike" spc="-1">
               <a:solidFill>
                 <a:srgbClr val="000000"/>
               </a:solidFill>
@@ -2670,11 +2897,12 @@
           </a:prstGeom>
         </p:spPr>
         <p:txBody>
-          <a:bodyPr lIns="0" rIns="0" tIns="0" bIns="0">
+          <a:bodyPr lIns="0" tIns="0" rIns="0" bIns="0">
             <a:normAutofit/>
           </a:bodyPr>
-          <a:p>
-            <a:endParaRPr b="0" lang="en-US" sz="2800" spc="-1" strike="noStrike">
+          <a:lstStyle/>
+          <a:p>
+            <a:endParaRPr lang="en-US" sz="2800" b="0" strike="noStrike" spc="-1">
               <a:solidFill>
                 <a:srgbClr val="000000"/>
               </a:solidFill>
@@ -2703,11 +2931,12 @@
           </a:prstGeom>
         </p:spPr>
         <p:txBody>
-          <a:bodyPr lIns="0" rIns="0" tIns="0" bIns="0">
+          <a:bodyPr lIns="0" tIns="0" rIns="0" bIns="0">
             <a:normAutofit/>
           </a:bodyPr>
-          <a:p>
-            <a:endParaRPr b="0" lang="en-US" sz="2800" spc="-1" strike="noStrike">
+          <a:lstStyle/>
+          <a:p>
+            <a:endParaRPr lang="en-US" sz="2800" b="0" strike="noStrike" spc="-1">
               <a:solidFill>
                 <a:srgbClr val="000000"/>
               </a:solidFill>
@@ -2718,11 +2947,14 @@
       </p:sp>
     </p:spTree>
   </p:cSld>
+  <p:clrMapOvr>
+    <a:masterClrMapping/>
+  </p:clrMapOvr>
 </p:sldLayout>
 </file>
 
 <file path=ppt/slideLayouts/slideLayout9.xml><?xml version="1.0" encoding="utf-8"?>
-<p:sldLayout xmlns:a="http://schemas.openxmlformats.org/drawingml/2006/main" xmlns:p="http://schemas.openxmlformats.org/presentationml/2006/main" xmlns:r="http://schemas.openxmlformats.org/officeDocument/2006/relationships" xmlns:p14="http://schemas.microsoft.com/office/powerpoint/2010/main" xmlns:p15="http://schemas.microsoft.com/office/powerpoint/2012/main" xmlns:mc="http://schemas.openxmlformats.org/markup-compatibility/2006" type="twoObjOverTx" preserve="1">
+<p:sldLayout xmlns:a="http://schemas.openxmlformats.org/drawingml/2006/main" xmlns:r="http://schemas.openxmlformats.org/officeDocument/2006/relationships" xmlns:p="http://schemas.openxmlformats.org/presentationml/2006/main" type="twoObjOverTx" preserve="1">
   <p:cSld name="Title, 2 Content over Content">
     <p:spTree>
       <p:nvGrpSpPr>
@@ -2758,9 +2990,10 @@
           </a:prstGeom>
         </p:spPr>
         <p:txBody>
-          <a:bodyPr lIns="0" rIns="0" tIns="0" bIns="0" anchor="ctr"/>
-          <a:p>
-            <a:endParaRPr b="0" lang="en-US" sz="1800" spc="-1" strike="noStrike">
+          <a:bodyPr lIns="0" tIns="0" rIns="0" bIns="0" anchor="ctr"/>
+          <a:lstStyle/>
+          <a:p>
+            <a:endParaRPr lang="en-US" sz="1800" b="0" strike="noStrike" spc="-1">
               <a:solidFill>
                 <a:srgbClr val="000000"/>
               </a:solidFill>
@@ -2789,11 +3022,12 @@
           </a:prstGeom>
         </p:spPr>
         <p:txBody>
-          <a:bodyPr lIns="0" rIns="0" tIns="0" bIns="0">
+          <a:bodyPr lIns="0" tIns="0" rIns="0" bIns="0">
             <a:normAutofit/>
           </a:bodyPr>
-          <a:p>
-            <a:endParaRPr b="0" lang="en-US" sz="2800" spc="-1" strike="noStrike">
+          <a:lstStyle/>
+          <a:p>
+            <a:endParaRPr lang="en-US" sz="2800" b="0" strike="noStrike" spc="-1">
               <a:solidFill>
                 <a:srgbClr val="000000"/>
               </a:solidFill>
@@ -2822,11 +3056,12 @@
           </a:prstGeom>
         </p:spPr>
         <p:txBody>
-          <a:bodyPr lIns="0" rIns="0" tIns="0" bIns="0">
+          <a:bodyPr lIns="0" tIns="0" rIns="0" bIns="0">
             <a:normAutofit/>
           </a:bodyPr>
-          <a:p>
-            <a:endParaRPr b="0" lang="en-US" sz="2800" spc="-1" strike="noStrike">
+          <a:lstStyle/>
+          <a:p>
+            <a:endParaRPr lang="en-US" sz="2800" b="0" strike="noStrike" spc="-1">
               <a:solidFill>
                 <a:srgbClr val="000000"/>
               </a:solidFill>
@@ -2855,11 +3090,12 @@
           </a:prstGeom>
         </p:spPr>
         <p:txBody>
-          <a:bodyPr lIns="0" rIns="0" tIns="0" bIns="0">
+          <a:bodyPr lIns="0" tIns="0" rIns="0" bIns="0">
             <a:normAutofit/>
           </a:bodyPr>
-          <a:p>
-            <a:endParaRPr b="0" lang="en-US" sz="2800" spc="-1" strike="noStrike">
+          <a:lstStyle/>
+          <a:p>
+            <a:endParaRPr lang="en-US" sz="2800" b="0" strike="noStrike" spc="-1">
               <a:solidFill>
                 <a:srgbClr val="000000"/>
               </a:solidFill>
@@ -2870,17 +3106,21 @@
       </p:sp>
     </p:spTree>
   </p:cSld>
+  <p:clrMapOvr>
+    <a:masterClrMapping/>
+  </p:clrMapOvr>
 </p:sldLayout>
 </file>
 
 <file path=ppt/slideMasters/slideMaster1.xml><?xml version="1.0" encoding="utf-8"?>
-<p:sldMaster xmlns:a="http://schemas.openxmlformats.org/drawingml/2006/main" xmlns:p="http://schemas.openxmlformats.org/presentationml/2006/main" xmlns:r="http://schemas.openxmlformats.org/officeDocument/2006/relationships" xmlns:p14="http://schemas.microsoft.com/office/powerpoint/2010/main" xmlns:p15="http://schemas.microsoft.com/office/powerpoint/2012/main" xmlns:mc="http://schemas.openxmlformats.org/markup-compatibility/2006">
+<p:sldMaster xmlns:a="http://schemas.openxmlformats.org/drawingml/2006/main" xmlns:r="http://schemas.openxmlformats.org/officeDocument/2006/relationships" xmlns:p="http://schemas.openxmlformats.org/presentationml/2006/main">
   <p:cSld>
     <p:bg>
       <p:bgPr>
         <a:solidFill>
-          <a:srgbClr val="ffffff"/>
+          <a:srgbClr val="FFFFFF"/>
         </a:solidFill>
+        <a:effectLst/>
       </p:bgPr>
     </p:bg>
     <p:spTree>
@@ -2899,7 +3139,7 @@
       </p:grpSpPr>
       <p:sp>
         <p:nvSpPr>
-          <p:cNvPr id="0" name="PlaceHolder 1"/>
+          <p:cNvPr id="2" name="PlaceHolder 1"/>
           <p:cNvSpPr>
             <a:spLocks noGrp="1"/>
           </p:cNvSpPr>
@@ -2917,10 +3157,11 @@
           </a:prstGeom>
         </p:spPr>
         <p:txBody>
-          <a:bodyPr lIns="0" rIns="0" tIns="0" bIns="0" anchor="ctr"/>
-          <a:p>
-            <a:r>
-              <a:rPr b="0" lang="en-US" sz="4400" spc="-1" strike="noStrike">
+          <a:bodyPr lIns="0" tIns="0" rIns="0" bIns="0" anchor="ctr"/>
+          <a:lstStyle/>
+          <a:p>
+            <a:r>
+              <a:rPr lang="en-US" sz="4400" b="0" strike="noStrike" spc="-1">
                 <a:solidFill>
                   <a:srgbClr val="000000"/>
                 </a:solidFill>
@@ -2928,18 +3169,12 @@
               </a:rPr>
               <a:t>Click to edit the title text format</a:t>
             </a:r>
-            <a:endParaRPr b="0" lang="en-US" sz="4400" spc="-1" strike="noStrike">
-              <a:solidFill>
-                <a:srgbClr val="000000"/>
-              </a:solidFill>
-              <a:latin typeface="Arial"/>
-            </a:endParaRPr>
           </a:p>
         </p:txBody>
       </p:sp>
       <p:sp>
         <p:nvSpPr>
-          <p:cNvPr id="1" name="PlaceHolder 2"/>
+          <p:cNvPr id="3" name="PlaceHolder 2"/>
           <p:cNvSpPr>
             <a:spLocks noGrp="1"/>
           </p:cNvSpPr>
@@ -2957,9 +3192,10 @@
           </a:prstGeom>
         </p:spPr>
         <p:txBody>
-          <a:bodyPr lIns="0" rIns="0" tIns="0" bIns="0">
+          <a:bodyPr lIns="0" tIns="0" rIns="0" bIns="0">
             <a:normAutofit/>
           </a:bodyPr>
+          <a:lstStyle/>
           <a:p>
             <a:pPr marL="432000" indent="-324000">
               <a:spcBef>
@@ -2973,7 +3209,7 @@
               <a:buChar char=""/>
             </a:pPr>
             <a:r>
-              <a:rPr b="0" lang="en-US" sz="2800" spc="-1" strike="noStrike">
+              <a:rPr lang="en-US" sz="2800" b="0" strike="noStrike" spc="-1">
                 <a:solidFill>
                   <a:srgbClr val="000000"/>
                 </a:solidFill>
@@ -2981,15 +3217,9 @@
               </a:rPr>
               <a:t>Click to edit the outline text format</a:t>
             </a:r>
-            <a:endParaRPr b="0" lang="en-US" sz="2800" spc="-1" strike="noStrike">
-              <a:solidFill>
-                <a:srgbClr val="000000"/>
-              </a:solidFill>
-              <a:latin typeface="Arial"/>
-            </a:endParaRPr>
-          </a:p>
-          <a:p>
-            <a:pPr lvl="1" marL="864000" indent="-324000">
+          </a:p>
+          <a:p>
+            <a:pPr marL="864000" lvl="1" indent="-324000">
               <a:spcBef>
                 <a:spcPts val="1134"/>
               </a:spcBef>
@@ -3001,7 +3231,7 @@
               <a:buChar char=""/>
             </a:pPr>
             <a:r>
-              <a:rPr b="0" lang="en-US" sz="2800" spc="-1" strike="noStrike">
+              <a:rPr lang="en-US" sz="2800" b="0" strike="noStrike" spc="-1">
                 <a:solidFill>
                   <a:srgbClr val="000000"/>
                 </a:solidFill>
@@ -3009,15 +3239,9 @@
               </a:rPr>
               <a:t>Second Outline Level</a:t>
             </a:r>
-            <a:endParaRPr b="0" lang="en-US" sz="2800" spc="-1" strike="noStrike">
-              <a:solidFill>
-                <a:srgbClr val="000000"/>
-              </a:solidFill>
-              <a:latin typeface="Arial"/>
-            </a:endParaRPr>
-          </a:p>
-          <a:p>
-            <a:pPr lvl="2" marL="1296000" indent="-288000">
+          </a:p>
+          <a:p>
+            <a:pPr marL="1296000" lvl="2" indent="-288000">
               <a:spcBef>
                 <a:spcPts val="850"/>
               </a:spcBef>
@@ -3029,7 +3253,7 @@
               <a:buChar char=""/>
             </a:pPr>
             <a:r>
-              <a:rPr b="0" lang="en-US" sz="2800" spc="-1" strike="noStrike">
+              <a:rPr lang="en-US" sz="2800" b="0" strike="noStrike" spc="-1">
                 <a:solidFill>
                   <a:srgbClr val="000000"/>
                 </a:solidFill>
@@ -3037,15 +3261,9 @@
               </a:rPr>
               <a:t>Third Outline Level</a:t>
             </a:r>
-            <a:endParaRPr b="0" lang="en-US" sz="2800" spc="-1" strike="noStrike">
-              <a:solidFill>
-                <a:srgbClr val="000000"/>
-              </a:solidFill>
-              <a:latin typeface="Arial"/>
-            </a:endParaRPr>
-          </a:p>
-          <a:p>
-            <a:pPr lvl="3" marL="1728000" indent="-216000">
+          </a:p>
+          <a:p>
+            <a:pPr marL="1728000" lvl="3" indent="-216000">
               <a:spcBef>
                 <a:spcPts val="567"/>
               </a:spcBef>
@@ -3057,7 +3275,7 @@
               <a:buChar char=""/>
             </a:pPr>
             <a:r>
-              <a:rPr b="0" lang="en-US" sz="2800" spc="-1" strike="noStrike">
+              <a:rPr lang="en-US" sz="2800" b="0" strike="noStrike" spc="-1">
                 <a:solidFill>
                   <a:srgbClr val="000000"/>
                 </a:solidFill>
@@ -3065,15 +3283,9 @@
               </a:rPr>
               <a:t>Fourth Outline Level</a:t>
             </a:r>
-            <a:endParaRPr b="0" lang="en-US" sz="2800" spc="-1" strike="noStrike">
-              <a:solidFill>
-                <a:srgbClr val="000000"/>
-              </a:solidFill>
-              <a:latin typeface="Arial"/>
-            </a:endParaRPr>
-          </a:p>
-          <a:p>
-            <a:pPr lvl="4" marL="2160000" indent="-216000">
+          </a:p>
+          <a:p>
+            <a:pPr marL="2160000" lvl="4" indent="-216000">
               <a:spcBef>
                 <a:spcPts val="283"/>
               </a:spcBef>
@@ -3085,7 +3297,7 @@
               <a:buChar char=""/>
             </a:pPr>
             <a:r>
-              <a:rPr b="0" lang="en-US" sz="2800" spc="-1" strike="noStrike">
+              <a:rPr lang="en-US" sz="2800" b="0" strike="noStrike" spc="-1">
                 <a:solidFill>
                   <a:srgbClr val="000000"/>
                 </a:solidFill>
@@ -3093,15 +3305,9 @@
               </a:rPr>
               <a:t>Fifth Outline Level</a:t>
             </a:r>
-            <a:endParaRPr b="0" lang="en-US" sz="2800" spc="-1" strike="noStrike">
-              <a:solidFill>
-                <a:srgbClr val="000000"/>
-              </a:solidFill>
-              <a:latin typeface="Arial"/>
-            </a:endParaRPr>
-          </a:p>
-          <a:p>
-            <a:pPr lvl="5" marL="2592000" indent="-216000">
+          </a:p>
+          <a:p>
+            <a:pPr marL="2592000" lvl="5" indent="-216000">
               <a:spcBef>
                 <a:spcPts val="283"/>
               </a:spcBef>
@@ -3113,7 +3319,7 @@
               <a:buChar char=""/>
             </a:pPr>
             <a:r>
-              <a:rPr b="0" lang="en-US" sz="2800" spc="-1" strike="noStrike">
+              <a:rPr lang="en-US" sz="2800" b="0" strike="noStrike" spc="-1">
                 <a:solidFill>
                   <a:srgbClr val="000000"/>
                 </a:solidFill>
@@ -3121,15 +3327,9 @@
               </a:rPr>
               <a:t>Sixth Outline Level</a:t>
             </a:r>
-            <a:endParaRPr b="0" lang="en-US" sz="2800" spc="-1" strike="noStrike">
-              <a:solidFill>
-                <a:srgbClr val="000000"/>
-              </a:solidFill>
-              <a:latin typeface="Arial"/>
-            </a:endParaRPr>
-          </a:p>
-          <a:p>
-            <a:pPr lvl="6" marL="3024000" indent="-216000">
+          </a:p>
+          <a:p>
+            <a:pPr marL="3024000" lvl="6" indent="-216000">
               <a:spcBef>
                 <a:spcPts val="283"/>
               </a:spcBef>
@@ -3141,7 +3341,7 @@
               <a:buChar char=""/>
             </a:pPr>
             <a:r>
-              <a:rPr b="0" lang="en-US" sz="2800" spc="-1" strike="noStrike">
+              <a:rPr lang="en-US" sz="2800" b="0" strike="noStrike" spc="-1">
                 <a:solidFill>
                   <a:srgbClr val="000000"/>
                 </a:solidFill>
@@ -3149,43 +3349,318 @@
               </a:rPr>
               <a:t>Seventh Outline Level</a:t>
             </a:r>
-            <a:endParaRPr b="0" lang="en-US" sz="2800" spc="-1" strike="noStrike">
-              <a:solidFill>
-                <a:srgbClr val="000000"/>
-              </a:solidFill>
-              <a:latin typeface="Arial"/>
-            </a:endParaRPr>
           </a:p>
         </p:txBody>
       </p:sp>
     </p:spTree>
   </p:cSld>
-  <p:clrMap bg1="lt1" bg2="lt2" tx1="dk1" tx2="dk2" accent1="accent1" accent2="accent2" accent3="accent3" accent4="accent4" accent5="accent5" accent6="accent6" hlink="hlink" folHlink="folHlink"/>
+  <p:clrMap bg1="lt1" tx1="dk1" bg2="lt2" tx2="dk2" accent1="accent1" accent2="accent2" accent3="accent3" accent4="accent4" accent5="accent5" accent6="accent6" hlink="hlink" folHlink="folHlink"/>
   <p:sldLayoutIdLst>
-    <p:sldLayoutId id="2147483649" r:id="rId2"/>
-    <p:sldLayoutId id="2147483650" r:id="rId3"/>
-    <p:sldLayoutId id="2147483651" r:id="rId4"/>
-    <p:sldLayoutId id="2147483652" r:id="rId5"/>
-    <p:sldLayoutId id="2147483653" r:id="rId6"/>
-    <p:sldLayoutId id="2147483654" r:id="rId7"/>
-    <p:sldLayoutId id="2147483655" r:id="rId8"/>
-    <p:sldLayoutId id="2147483656" r:id="rId9"/>
-    <p:sldLayoutId id="2147483657" r:id="rId10"/>
-    <p:sldLayoutId id="2147483658" r:id="rId11"/>
-    <p:sldLayoutId id="2147483659" r:id="rId12"/>
-    <p:sldLayoutId id="2147483660" r:id="rId13"/>
+    <p:sldLayoutId id="2147483649" r:id="rId1"/>
+    <p:sldLayoutId id="2147483650" r:id="rId2"/>
+    <p:sldLayoutId id="2147483651" r:id="rId3"/>
+    <p:sldLayoutId id="2147483652" r:id="rId4"/>
+    <p:sldLayoutId id="2147483653" r:id="rId5"/>
+    <p:sldLayoutId id="2147483654" r:id="rId6"/>
+    <p:sldLayoutId id="2147483655" r:id="rId7"/>
+    <p:sldLayoutId id="2147483656" r:id="rId8"/>
+    <p:sldLayoutId id="2147483657" r:id="rId9"/>
+    <p:sldLayoutId id="2147483658" r:id="rId10"/>
+    <p:sldLayoutId id="2147483659" r:id="rId11"/>
+    <p:sldLayoutId id="2147483660" r:id="rId12"/>
   </p:sldLayoutIdLst>
+  <p:txStyles>
+    <p:titleStyle>
+      <a:lvl1pPr algn="l" defTabSz="914400" rtl="0" eaLnBrk="1" latinLnBrk="0" hangingPunct="1">
+        <a:lnSpc>
+          <a:spcPct val="90000"/>
+        </a:lnSpc>
+        <a:spcBef>
+          <a:spcPct val="0"/>
+        </a:spcBef>
+        <a:buNone/>
+        <a:defRPr sz="4400" kern="1200">
+          <a:solidFill>
+            <a:schemeClr val="tx1"/>
+          </a:solidFill>
+          <a:latin typeface="+mj-lt"/>
+          <a:ea typeface="+mj-ea"/>
+          <a:cs typeface="+mj-cs"/>
+        </a:defRPr>
+      </a:lvl1pPr>
+    </p:titleStyle>
+    <p:bodyStyle>
+      <a:lvl1pPr marL="228600" indent="-228600" algn="l" defTabSz="914400" rtl="0" eaLnBrk="1" latinLnBrk="0" hangingPunct="1">
+        <a:lnSpc>
+          <a:spcPct val="90000"/>
+        </a:lnSpc>
+        <a:spcBef>
+          <a:spcPts val="1000"/>
+        </a:spcBef>
+        <a:buFont typeface="Arial" panose="020B0604020202020204" pitchFamily="34" charset="0"/>
+        <a:buChar char="•"/>
+        <a:defRPr sz="2800" kern="1200">
+          <a:solidFill>
+            <a:schemeClr val="tx1"/>
+          </a:solidFill>
+          <a:latin typeface="+mn-lt"/>
+          <a:ea typeface="+mn-ea"/>
+          <a:cs typeface="+mn-cs"/>
+        </a:defRPr>
+      </a:lvl1pPr>
+      <a:lvl2pPr marL="685800" indent="-228600" algn="l" defTabSz="914400" rtl="0" eaLnBrk="1" latinLnBrk="0" hangingPunct="1">
+        <a:lnSpc>
+          <a:spcPct val="90000"/>
+        </a:lnSpc>
+        <a:spcBef>
+          <a:spcPts val="500"/>
+        </a:spcBef>
+        <a:buFont typeface="Arial" panose="020B0604020202020204" pitchFamily="34" charset="0"/>
+        <a:buChar char="•"/>
+        <a:defRPr sz="2400" kern="1200">
+          <a:solidFill>
+            <a:schemeClr val="tx1"/>
+          </a:solidFill>
+          <a:latin typeface="+mn-lt"/>
+          <a:ea typeface="+mn-ea"/>
+          <a:cs typeface="+mn-cs"/>
+        </a:defRPr>
+      </a:lvl2pPr>
+      <a:lvl3pPr marL="1143000" indent="-228600" algn="l" defTabSz="914400" rtl="0" eaLnBrk="1" latinLnBrk="0" hangingPunct="1">
+        <a:lnSpc>
+          <a:spcPct val="90000"/>
+        </a:lnSpc>
+        <a:spcBef>
+          <a:spcPts val="500"/>
+        </a:spcBef>
+        <a:buFont typeface="Arial" panose="020B0604020202020204" pitchFamily="34" charset="0"/>
+        <a:buChar char="•"/>
+        <a:defRPr sz="2000" kern="1200">
+          <a:solidFill>
+            <a:schemeClr val="tx1"/>
+          </a:solidFill>
+          <a:latin typeface="+mn-lt"/>
+          <a:ea typeface="+mn-ea"/>
+          <a:cs typeface="+mn-cs"/>
+        </a:defRPr>
+      </a:lvl3pPr>
+      <a:lvl4pPr marL="1600200" indent="-228600" algn="l" defTabSz="914400" rtl="0" eaLnBrk="1" latinLnBrk="0" hangingPunct="1">
+        <a:lnSpc>
+          <a:spcPct val="90000"/>
+        </a:lnSpc>
+        <a:spcBef>
+          <a:spcPts val="500"/>
+        </a:spcBef>
+        <a:buFont typeface="Arial" panose="020B0604020202020204" pitchFamily="34" charset="0"/>
+        <a:buChar char="•"/>
+        <a:defRPr sz="1800" kern="1200">
+          <a:solidFill>
+            <a:schemeClr val="tx1"/>
+          </a:solidFill>
+          <a:latin typeface="+mn-lt"/>
+          <a:ea typeface="+mn-ea"/>
+          <a:cs typeface="+mn-cs"/>
+        </a:defRPr>
+      </a:lvl4pPr>
+      <a:lvl5pPr marL="2057400" indent="-228600" algn="l" defTabSz="914400" rtl="0" eaLnBrk="1" latinLnBrk="0" hangingPunct="1">
+        <a:lnSpc>
+          <a:spcPct val="90000"/>
+        </a:lnSpc>
+        <a:spcBef>
+          <a:spcPts val="500"/>
+        </a:spcBef>
+        <a:buFont typeface="Arial" panose="020B0604020202020204" pitchFamily="34" charset="0"/>
+        <a:buChar char="•"/>
+        <a:defRPr sz="1800" kern="1200">
+          <a:solidFill>
+            <a:schemeClr val="tx1"/>
+          </a:solidFill>
+          <a:latin typeface="+mn-lt"/>
+          <a:ea typeface="+mn-ea"/>
+          <a:cs typeface="+mn-cs"/>
+        </a:defRPr>
+      </a:lvl5pPr>
+      <a:lvl6pPr marL="2514600" indent="-228600" algn="l" defTabSz="914400" rtl="0" eaLnBrk="1" latinLnBrk="0" hangingPunct="1">
+        <a:lnSpc>
+          <a:spcPct val="90000"/>
+        </a:lnSpc>
+        <a:spcBef>
+          <a:spcPts val="500"/>
+        </a:spcBef>
+        <a:buFont typeface="Arial" panose="020B0604020202020204" pitchFamily="34" charset="0"/>
+        <a:buChar char="•"/>
+        <a:defRPr sz="1800" kern="1200">
+          <a:solidFill>
+            <a:schemeClr val="tx1"/>
+          </a:solidFill>
+          <a:latin typeface="+mn-lt"/>
+          <a:ea typeface="+mn-ea"/>
+          <a:cs typeface="+mn-cs"/>
+        </a:defRPr>
+      </a:lvl6pPr>
+      <a:lvl7pPr marL="2971800" indent="-228600" algn="l" defTabSz="914400" rtl="0" eaLnBrk="1" latinLnBrk="0" hangingPunct="1">
+        <a:lnSpc>
+          <a:spcPct val="90000"/>
+        </a:lnSpc>
+        <a:spcBef>
+          <a:spcPts val="500"/>
+        </a:spcBef>
+        <a:buFont typeface="Arial" panose="020B0604020202020204" pitchFamily="34" charset="0"/>
+        <a:buChar char="•"/>
+        <a:defRPr sz="1800" kern="1200">
+          <a:solidFill>
+            <a:schemeClr val="tx1"/>
+          </a:solidFill>
+          <a:latin typeface="+mn-lt"/>
+          <a:ea typeface="+mn-ea"/>
+          <a:cs typeface="+mn-cs"/>
+        </a:defRPr>
+      </a:lvl7pPr>
+      <a:lvl8pPr marL="3429000" indent="-228600" algn="l" defTabSz="914400" rtl="0" eaLnBrk="1" latinLnBrk="0" hangingPunct="1">
+        <a:lnSpc>
+          <a:spcPct val="90000"/>
+        </a:lnSpc>
+        <a:spcBef>
+          <a:spcPts val="500"/>
+        </a:spcBef>
+        <a:buFont typeface="Arial" panose="020B0604020202020204" pitchFamily="34" charset="0"/>
+        <a:buChar char="•"/>
+        <a:defRPr sz="1800" kern="1200">
+          <a:solidFill>
+            <a:schemeClr val="tx1"/>
+          </a:solidFill>
+          <a:latin typeface="+mn-lt"/>
+          <a:ea typeface="+mn-ea"/>
+          <a:cs typeface="+mn-cs"/>
+        </a:defRPr>
+      </a:lvl8pPr>
+      <a:lvl9pPr marL="3886200" indent="-228600" algn="l" defTabSz="914400" rtl="0" eaLnBrk="1" latinLnBrk="0" hangingPunct="1">
+        <a:lnSpc>
+          <a:spcPct val="90000"/>
+        </a:lnSpc>
+        <a:spcBef>
+          <a:spcPts val="500"/>
+        </a:spcBef>
+        <a:buFont typeface="Arial" panose="020B0604020202020204" pitchFamily="34" charset="0"/>
+        <a:buChar char="•"/>
+        <a:defRPr sz="1800" kern="1200">
+          <a:solidFill>
+            <a:schemeClr val="tx1"/>
+          </a:solidFill>
+          <a:latin typeface="+mn-lt"/>
+          <a:ea typeface="+mn-ea"/>
+          <a:cs typeface="+mn-cs"/>
+        </a:defRPr>
+      </a:lvl9pPr>
+    </p:bodyStyle>
+    <p:otherStyle>
+      <a:defPPr>
+        <a:defRPr lang="en-US"/>
+      </a:defPPr>
+      <a:lvl1pPr marL="0" algn="l" defTabSz="914400" rtl="0" eaLnBrk="1" latinLnBrk="0" hangingPunct="1">
+        <a:defRPr sz="1800" kern="1200">
+          <a:solidFill>
+            <a:schemeClr val="tx1"/>
+          </a:solidFill>
+          <a:latin typeface="+mn-lt"/>
+          <a:ea typeface="+mn-ea"/>
+          <a:cs typeface="+mn-cs"/>
+        </a:defRPr>
+      </a:lvl1pPr>
+      <a:lvl2pPr marL="457200" algn="l" defTabSz="914400" rtl="0" eaLnBrk="1" latinLnBrk="0" hangingPunct="1">
+        <a:defRPr sz="1800" kern="1200">
+          <a:solidFill>
+            <a:schemeClr val="tx1"/>
+          </a:solidFill>
+          <a:latin typeface="+mn-lt"/>
+          <a:ea typeface="+mn-ea"/>
+          <a:cs typeface="+mn-cs"/>
+        </a:defRPr>
+      </a:lvl2pPr>
+      <a:lvl3pPr marL="914400" algn="l" defTabSz="914400" rtl="0" eaLnBrk="1" latinLnBrk="0" hangingPunct="1">
+        <a:defRPr sz="1800" kern="1200">
+          <a:solidFill>
+            <a:schemeClr val="tx1"/>
+          </a:solidFill>
+          <a:latin typeface="+mn-lt"/>
+          <a:ea typeface="+mn-ea"/>
+          <a:cs typeface="+mn-cs"/>
+        </a:defRPr>
+      </a:lvl3pPr>
+      <a:lvl4pPr marL="1371600" algn="l" defTabSz="914400" rtl="0" eaLnBrk="1" latinLnBrk="0" hangingPunct="1">
+        <a:defRPr sz="1800" kern="1200">
+          <a:solidFill>
+            <a:schemeClr val="tx1"/>
+          </a:solidFill>
+          <a:latin typeface="+mn-lt"/>
+          <a:ea typeface="+mn-ea"/>
+          <a:cs typeface="+mn-cs"/>
+        </a:defRPr>
+      </a:lvl4pPr>
+      <a:lvl5pPr marL="1828800" algn="l" defTabSz="914400" rtl="0" eaLnBrk="1" latinLnBrk="0" hangingPunct="1">
+        <a:defRPr sz="1800" kern="1200">
+          <a:solidFill>
+            <a:schemeClr val="tx1"/>
+          </a:solidFill>
+          <a:latin typeface="+mn-lt"/>
+          <a:ea typeface="+mn-ea"/>
+          <a:cs typeface="+mn-cs"/>
+        </a:defRPr>
+      </a:lvl5pPr>
+      <a:lvl6pPr marL="2286000" algn="l" defTabSz="914400" rtl="0" eaLnBrk="1" latinLnBrk="0" hangingPunct="1">
+        <a:defRPr sz="1800" kern="1200">
+          <a:solidFill>
+            <a:schemeClr val="tx1"/>
+          </a:solidFill>
+          <a:latin typeface="+mn-lt"/>
+          <a:ea typeface="+mn-ea"/>
+          <a:cs typeface="+mn-cs"/>
+        </a:defRPr>
+      </a:lvl6pPr>
+      <a:lvl7pPr marL="2743200" algn="l" defTabSz="914400" rtl="0" eaLnBrk="1" latinLnBrk="0" hangingPunct="1">
+        <a:defRPr sz="1800" kern="1200">
+          <a:solidFill>
+            <a:schemeClr val="tx1"/>
+          </a:solidFill>
+          <a:latin typeface="+mn-lt"/>
+          <a:ea typeface="+mn-ea"/>
+          <a:cs typeface="+mn-cs"/>
+        </a:defRPr>
+      </a:lvl7pPr>
+      <a:lvl8pPr marL="3200400" algn="l" defTabSz="914400" rtl="0" eaLnBrk="1" latinLnBrk="0" hangingPunct="1">
+        <a:defRPr sz="1800" kern="1200">
+          <a:solidFill>
+            <a:schemeClr val="tx1"/>
+          </a:solidFill>
+          <a:latin typeface="+mn-lt"/>
+          <a:ea typeface="+mn-ea"/>
+          <a:cs typeface="+mn-cs"/>
+        </a:defRPr>
+      </a:lvl8pPr>
+      <a:lvl9pPr marL="3657600" algn="l" defTabSz="914400" rtl="0" eaLnBrk="1" latinLnBrk="0" hangingPunct="1">
+        <a:defRPr sz="1800" kern="1200">
+          <a:solidFill>
+            <a:schemeClr val="tx1"/>
+          </a:solidFill>
+          <a:latin typeface="+mn-lt"/>
+          <a:ea typeface="+mn-ea"/>
+          <a:cs typeface="+mn-cs"/>
+        </a:defRPr>
+      </a:lvl9pPr>
+    </p:otherStyle>
+  </p:txStyles>
 </p:sldMaster>
 </file>
 
 <file path=ppt/slideMasters/slideMaster2.xml><?xml version="1.0" encoding="utf-8"?>
-<p:sldMaster xmlns:a="http://schemas.openxmlformats.org/drawingml/2006/main" xmlns:p="http://schemas.openxmlformats.org/presentationml/2006/main" xmlns:r="http://schemas.openxmlformats.org/officeDocument/2006/relationships" xmlns:p14="http://schemas.microsoft.com/office/powerpoint/2010/main" xmlns:p15="http://schemas.microsoft.com/office/powerpoint/2012/main" xmlns:mc="http://schemas.openxmlformats.org/markup-compatibility/2006">
+<p:sldMaster xmlns:a="http://schemas.openxmlformats.org/drawingml/2006/main" xmlns:r="http://schemas.openxmlformats.org/officeDocument/2006/relationships" xmlns:p="http://schemas.openxmlformats.org/presentationml/2006/main">
   <p:cSld>
     <p:bg>
       <p:bgPr>
         <a:solidFill>
-          <a:srgbClr val="ffffff"/>
+          <a:srgbClr val="FFFFFF"/>
         </a:solidFill>
+        <a:effectLst/>
       </p:bgPr>
     </p:bg>
     <p:spTree>
@@ -3222,10 +3697,11 @@
           </a:prstGeom>
         </p:spPr>
         <p:txBody>
-          <a:bodyPr lIns="0" rIns="0" tIns="0" bIns="0" anchor="ctr"/>
-          <a:p>
-            <a:r>
-              <a:rPr b="0" lang="en-US" sz="1800" spc="-1" strike="noStrike">
+          <a:bodyPr lIns="0" tIns="0" rIns="0" bIns="0" anchor="ctr"/>
+          <a:lstStyle/>
+          <a:p>
+            <a:r>
+              <a:rPr lang="en-US" sz="1800" b="0" strike="noStrike" spc="-1">
                 <a:solidFill>
                   <a:srgbClr val="000000"/>
                 </a:solidFill>
@@ -3233,12 +3709,6 @@
               </a:rPr>
               <a:t>Click to edit the title text format</a:t>
             </a:r>
-            <a:endParaRPr b="0" lang="en-US" sz="1800" spc="-1" strike="noStrike">
-              <a:solidFill>
-                <a:srgbClr val="000000"/>
-              </a:solidFill>
-              <a:latin typeface="Arial"/>
-            </a:endParaRPr>
           </a:p>
         </p:txBody>
       </p:sp>
@@ -3262,9 +3732,10 @@
           </a:prstGeom>
         </p:spPr>
         <p:txBody>
-          <a:bodyPr lIns="0" rIns="0" tIns="0" bIns="0">
+          <a:bodyPr lIns="0" tIns="0" rIns="0" bIns="0">
             <a:normAutofit/>
           </a:bodyPr>
+          <a:lstStyle/>
           <a:p>
             <a:pPr marL="432000" indent="-324000">
               <a:spcBef>
@@ -3278,7 +3749,7 @@
               <a:buChar char=""/>
             </a:pPr>
             <a:r>
-              <a:rPr b="0" lang="en-US" sz="2800" spc="-1" strike="noStrike">
+              <a:rPr lang="en-US" sz="2800" b="0" strike="noStrike" spc="-1">
                 <a:solidFill>
                   <a:srgbClr val="000000"/>
                 </a:solidFill>
@@ -3286,15 +3757,9 @@
               </a:rPr>
               <a:t>Click to edit the outline text format</a:t>
             </a:r>
-            <a:endParaRPr b="0" lang="en-US" sz="2800" spc="-1" strike="noStrike">
-              <a:solidFill>
-                <a:srgbClr val="000000"/>
-              </a:solidFill>
-              <a:latin typeface="Arial"/>
-            </a:endParaRPr>
-          </a:p>
-          <a:p>
-            <a:pPr lvl="1" marL="864000" indent="-324000">
+          </a:p>
+          <a:p>
+            <a:pPr marL="864000" lvl="1" indent="-324000">
               <a:spcBef>
                 <a:spcPts val="1134"/>
               </a:spcBef>
@@ -3306,7 +3771,7 @@
               <a:buChar char=""/>
             </a:pPr>
             <a:r>
-              <a:rPr b="0" lang="en-US" sz="2000" spc="-1" strike="noStrike">
+              <a:rPr lang="en-US" sz="2000" b="0" strike="noStrike" spc="-1">
                 <a:solidFill>
                   <a:srgbClr val="000000"/>
                 </a:solidFill>
@@ -3314,15 +3779,9 @@
               </a:rPr>
               <a:t>Second Outline Level</a:t>
             </a:r>
-            <a:endParaRPr b="0" lang="en-US" sz="2000" spc="-1" strike="noStrike">
-              <a:solidFill>
-                <a:srgbClr val="000000"/>
-              </a:solidFill>
-              <a:latin typeface="Arial"/>
-            </a:endParaRPr>
-          </a:p>
-          <a:p>
-            <a:pPr lvl="2" marL="1296000" indent="-288000">
+          </a:p>
+          <a:p>
+            <a:pPr marL="1296000" lvl="2" indent="-288000">
               <a:spcBef>
                 <a:spcPts val="850"/>
               </a:spcBef>
@@ -3334,7 +3793,7 @@
               <a:buChar char=""/>
             </a:pPr>
             <a:r>
-              <a:rPr b="0" lang="en-US" sz="1800" spc="-1" strike="noStrike">
+              <a:rPr lang="en-US" sz="1800" b="0" strike="noStrike" spc="-1">
                 <a:solidFill>
                   <a:srgbClr val="000000"/>
                 </a:solidFill>
@@ -3342,15 +3801,9 @@
               </a:rPr>
               <a:t>Third Outline Level</a:t>
             </a:r>
-            <a:endParaRPr b="0" lang="en-US" sz="1800" spc="-1" strike="noStrike">
-              <a:solidFill>
-                <a:srgbClr val="000000"/>
-              </a:solidFill>
-              <a:latin typeface="Arial"/>
-            </a:endParaRPr>
-          </a:p>
-          <a:p>
-            <a:pPr lvl="3" marL="1728000" indent="-216000">
+          </a:p>
+          <a:p>
+            <a:pPr marL="1728000" lvl="3" indent="-216000">
               <a:spcBef>
                 <a:spcPts val="567"/>
               </a:spcBef>
@@ -3362,7 +3815,7 @@
               <a:buChar char=""/>
             </a:pPr>
             <a:r>
-              <a:rPr b="0" lang="en-US" sz="1800" spc="-1" strike="noStrike">
+              <a:rPr lang="en-US" sz="1800" b="0" strike="noStrike" spc="-1">
                 <a:solidFill>
                   <a:srgbClr val="000000"/>
                 </a:solidFill>
@@ -3370,15 +3823,9 @@
               </a:rPr>
               <a:t>Fourth Outline Level</a:t>
             </a:r>
-            <a:endParaRPr b="0" lang="en-US" sz="1800" spc="-1" strike="noStrike">
-              <a:solidFill>
-                <a:srgbClr val="000000"/>
-              </a:solidFill>
-              <a:latin typeface="Arial"/>
-            </a:endParaRPr>
-          </a:p>
-          <a:p>
-            <a:pPr lvl="4" marL="2160000" indent="-216000">
+          </a:p>
+          <a:p>
+            <a:pPr marL="2160000" lvl="4" indent="-216000">
               <a:spcBef>
                 <a:spcPts val="283"/>
               </a:spcBef>
@@ -3390,7 +3837,7 @@
               <a:buChar char=""/>
             </a:pPr>
             <a:r>
-              <a:rPr b="0" lang="en-US" sz="2000" spc="-1" strike="noStrike">
+              <a:rPr lang="en-US" sz="2000" b="0" strike="noStrike" spc="-1">
                 <a:solidFill>
                   <a:srgbClr val="000000"/>
                 </a:solidFill>
@@ -3398,15 +3845,9 @@
               </a:rPr>
               <a:t>Fifth Outline Level</a:t>
             </a:r>
-            <a:endParaRPr b="0" lang="en-US" sz="2000" spc="-1" strike="noStrike">
-              <a:solidFill>
-                <a:srgbClr val="000000"/>
-              </a:solidFill>
-              <a:latin typeface="Arial"/>
-            </a:endParaRPr>
-          </a:p>
-          <a:p>
-            <a:pPr lvl="5" marL="2592000" indent="-216000">
+          </a:p>
+          <a:p>
+            <a:pPr marL="2592000" lvl="5" indent="-216000">
               <a:spcBef>
                 <a:spcPts val="283"/>
               </a:spcBef>
@@ -3418,7 +3859,7 @@
               <a:buChar char=""/>
             </a:pPr>
             <a:r>
-              <a:rPr b="0" lang="en-US" sz="2000" spc="-1" strike="noStrike">
+              <a:rPr lang="en-US" sz="2000" b="0" strike="noStrike" spc="-1">
                 <a:solidFill>
                   <a:srgbClr val="000000"/>
                 </a:solidFill>
@@ -3426,15 +3867,9 @@
               </a:rPr>
               <a:t>Sixth Outline Level</a:t>
             </a:r>
-            <a:endParaRPr b="0" lang="en-US" sz="2000" spc="-1" strike="noStrike">
-              <a:solidFill>
-                <a:srgbClr val="000000"/>
-              </a:solidFill>
-              <a:latin typeface="Arial"/>
-            </a:endParaRPr>
-          </a:p>
-          <a:p>
-            <a:pPr lvl="6" marL="3024000" indent="-216000">
+          </a:p>
+          <a:p>
+            <a:pPr marL="3024000" lvl="6" indent="-216000">
               <a:spcBef>
                 <a:spcPts val="283"/>
               </a:spcBef>
@@ -3446,7 +3881,7 @@
               <a:buChar char=""/>
             </a:pPr>
             <a:r>
-              <a:rPr b="0" lang="en-US" sz="2000" spc="-1" strike="noStrike">
+              <a:rPr lang="en-US" sz="2000" b="0" strike="noStrike" spc="-1">
                 <a:solidFill>
                   <a:srgbClr val="000000"/>
                 </a:solidFill>
@@ -3454,37 +3889,311 @@
               </a:rPr>
               <a:t>Seventh Outline Level</a:t>
             </a:r>
-            <a:endParaRPr b="0" lang="en-US" sz="2000" spc="-1" strike="noStrike">
-              <a:solidFill>
-                <a:srgbClr val="000000"/>
-              </a:solidFill>
-              <a:latin typeface="Arial"/>
-            </a:endParaRPr>
           </a:p>
         </p:txBody>
       </p:sp>
     </p:spTree>
   </p:cSld>
-  <p:clrMap bg1="lt1" bg2="lt2" tx1="dk1" tx2="dk2" accent1="accent1" accent2="accent2" accent3="accent3" accent4="accent4" accent5="accent5" accent6="accent6" hlink="hlink" folHlink="folHlink"/>
+  <p:clrMap bg1="lt1" tx1="dk1" bg2="lt2" tx2="dk2" accent1="accent1" accent2="accent2" accent3="accent3" accent4="accent4" accent5="accent5" accent6="accent6" hlink="hlink" folHlink="folHlink"/>
   <p:sldLayoutIdLst>
-    <p:sldLayoutId id="2147483662" r:id="rId2"/>
-    <p:sldLayoutId id="2147483663" r:id="rId3"/>
-    <p:sldLayoutId id="2147483664" r:id="rId4"/>
-    <p:sldLayoutId id="2147483665" r:id="rId5"/>
-    <p:sldLayoutId id="2147483666" r:id="rId6"/>
-    <p:sldLayoutId id="2147483667" r:id="rId7"/>
-    <p:sldLayoutId id="2147483668" r:id="rId8"/>
-    <p:sldLayoutId id="2147483669" r:id="rId9"/>
-    <p:sldLayoutId id="2147483670" r:id="rId10"/>
-    <p:sldLayoutId id="2147483671" r:id="rId11"/>
-    <p:sldLayoutId id="2147483672" r:id="rId12"/>
-    <p:sldLayoutId id="2147483673" r:id="rId13"/>
+    <p:sldLayoutId id="2147483662" r:id="rId1"/>
+    <p:sldLayoutId id="2147483663" r:id="rId2"/>
+    <p:sldLayoutId id="2147483664" r:id="rId3"/>
+    <p:sldLayoutId id="2147483665" r:id="rId4"/>
+    <p:sldLayoutId id="2147483666" r:id="rId5"/>
+    <p:sldLayoutId id="2147483667" r:id="rId6"/>
+    <p:sldLayoutId id="2147483668" r:id="rId7"/>
+    <p:sldLayoutId id="2147483669" r:id="rId8"/>
+    <p:sldLayoutId id="2147483670" r:id="rId9"/>
+    <p:sldLayoutId id="2147483671" r:id="rId10"/>
+    <p:sldLayoutId id="2147483672" r:id="rId11"/>
+    <p:sldLayoutId id="2147483673" r:id="rId12"/>
   </p:sldLayoutIdLst>
+  <p:txStyles>
+    <p:titleStyle>
+      <a:lvl1pPr algn="l" defTabSz="914400" rtl="0" eaLnBrk="1" latinLnBrk="0" hangingPunct="1">
+        <a:lnSpc>
+          <a:spcPct val="90000"/>
+        </a:lnSpc>
+        <a:spcBef>
+          <a:spcPct val="0"/>
+        </a:spcBef>
+        <a:buNone/>
+        <a:defRPr sz="4400" kern="1200">
+          <a:solidFill>
+            <a:schemeClr val="tx1"/>
+          </a:solidFill>
+          <a:latin typeface="+mj-lt"/>
+          <a:ea typeface="+mj-ea"/>
+          <a:cs typeface="+mj-cs"/>
+        </a:defRPr>
+      </a:lvl1pPr>
+    </p:titleStyle>
+    <p:bodyStyle>
+      <a:lvl1pPr marL="228600" indent="-228600" algn="l" defTabSz="914400" rtl="0" eaLnBrk="1" latinLnBrk="0" hangingPunct="1">
+        <a:lnSpc>
+          <a:spcPct val="90000"/>
+        </a:lnSpc>
+        <a:spcBef>
+          <a:spcPts val="1000"/>
+        </a:spcBef>
+        <a:buFont typeface="Arial" panose="020B0604020202020204" pitchFamily="34" charset="0"/>
+        <a:buChar char="•"/>
+        <a:defRPr sz="2800" kern="1200">
+          <a:solidFill>
+            <a:schemeClr val="tx1"/>
+          </a:solidFill>
+          <a:latin typeface="+mn-lt"/>
+          <a:ea typeface="+mn-ea"/>
+          <a:cs typeface="+mn-cs"/>
+        </a:defRPr>
+      </a:lvl1pPr>
+      <a:lvl2pPr marL="685800" indent="-228600" algn="l" defTabSz="914400" rtl="0" eaLnBrk="1" latinLnBrk="0" hangingPunct="1">
+        <a:lnSpc>
+          <a:spcPct val="90000"/>
+        </a:lnSpc>
+        <a:spcBef>
+          <a:spcPts val="500"/>
+        </a:spcBef>
+        <a:buFont typeface="Arial" panose="020B0604020202020204" pitchFamily="34" charset="0"/>
+        <a:buChar char="•"/>
+        <a:defRPr sz="2400" kern="1200">
+          <a:solidFill>
+            <a:schemeClr val="tx1"/>
+          </a:solidFill>
+          <a:latin typeface="+mn-lt"/>
+          <a:ea typeface="+mn-ea"/>
+          <a:cs typeface="+mn-cs"/>
+        </a:defRPr>
+      </a:lvl2pPr>
+      <a:lvl3pPr marL="1143000" indent="-228600" algn="l" defTabSz="914400" rtl="0" eaLnBrk="1" latinLnBrk="0" hangingPunct="1">
+        <a:lnSpc>
+          <a:spcPct val="90000"/>
+        </a:lnSpc>
+        <a:spcBef>
+          <a:spcPts val="500"/>
+        </a:spcBef>
+        <a:buFont typeface="Arial" panose="020B0604020202020204" pitchFamily="34" charset="0"/>
+        <a:buChar char="•"/>
+        <a:defRPr sz="2000" kern="1200">
+          <a:solidFill>
+            <a:schemeClr val="tx1"/>
+          </a:solidFill>
+          <a:latin typeface="+mn-lt"/>
+          <a:ea typeface="+mn-ea"/>
+          <a:cs typeface="+mn-cs"/>
+        </a:defRPr>
+      </a:lvl3pPr>
+      <a:lvl4pPr marL="1600200" indent="-228600" algn="l" defTabSz="914400" rtl="0" eaLnBrk="1" latinLnBrk="0" hangingPunct="1">
+        <a:lnSpc>
+          <a:spcPct val="90000"/>
+        </a:lnSpc>
+        <a:spcBef>
+          <a:spcPts val="500"/>
+        </a:spcBef>
+        <a:buFont typeface="Arial" panose="020B0604020202020204" pitchFamily="34" charset="0"/>
+        <a:buChar char="•"/>
+        <a:defRPr sz="1800" kern="1200">
+          <a:solidFill>
+            <a:schemeClr val="tx1"/>
+          </a:solidFill>
+          <a:latin typeface="+mn-lt"/>
+          <a:ea typeface="+mn-ea"/>
+          <a:cs typeface="+mn-cs"/>
+        </a:defRPr>
+      </a:lvl4pPr>
+      <a:lvl5pPr marL="2057400" indent="-228600" algn="l" defTabSz="914400" rtl="0" eaLnBrk="1" latinLnBrk="0" hangingPunct="1">
+        <a:lnSpc>
+          <a:spcPct val="90000"/>
+        </a:lnSpc>
+        <a:spcBef>
+          <a:spcPts val="500"/>
+        </a:spcBef>
+        <a:buFont typeface="Arial" panose="020B0604020202020204" pitchFamily="34" charset="0"/>
+        <a:buChar char="•"/>
+        <a:defRPr sz="1800" kern="1200">
+          <a:solidFill>
+            <a:schemeClr val="tx1"/>
+          </a:solidFill>
+          <a:latin typeface="+mn-lt"/>
+          <a:ea typeface="+mn-ea"/>
+          <a:cs typeface="+mn-cs"/>
+        </a:defRPr>
+      </a:lvl5pPr>
+      <a:lvl6pPr marL="2514600" indent="-228600" algn="l" defTabSz="914400" rtl="0" eaLnBrk="1" latinLnBrk="0" hangingPunct="1">
+        <a:lnSpc>
+          <a:spcPct val="90000"/>
+        </a:lnSpc>
+        <a:spcBef>
+          <a:spcPts val="500"/>
+        </a:spcBef>
+        <a:buFont typeface="Arial" panose="020B0604020202020204" pitchFamily="34" charset="0"/>
+        <a:buChar char="•"/>
+        <a:defRPr sz="1800" kern="1200">
+          <a:solidFill>
+            <a:schemeClr val="tx1"/>
+          </a:solidFill>
+          <a:latin typeface="+mn-lt"/>
+          <a:ea typeface="+mn-ea"/>
+          <a:cs typeface="+mn-cs"/>
+        </a:defRPr>
+      </a:lvl6pPr>
+      <a:lvl7pPr marL="2971800" indent="-228600" algn="l" defTabSz="914400" rtl="0" eaLnBrk="1" latinLnBrk="0" hangingPunct="1">
+        <a:lnSpc>
+          <a:spcPct val="90000"/>
+        </a:lnSpc>
+        <a:spcBef>
+          <a:spcPts val="500"/>
+        </a:spcBef>
+        <a:buFont typeface="Arial" panose="020B0604020202020204" pitchFamily="34" charset="0"/>
+        <a:buChar char="•"/>
+        <a:defRPr sz="1800" kern="1200">
+          <a:solidFill>
+            <a:schemeClr val="tx1"/>
+          </a:solidFill>
+          <a:latin typeface="+mn-lt"/>
+          <a:ea typeface="+mn-ea"/>
+          <a:cs typeface="+mn-cs"/>
+        </a:defRPr>
+      </a:lvl7pPr>
+      <a:lvl8pPr marL="3429000" indent="-228600" algn="l" defTabSz="914400" rtl="0" eaLnBrk="1" latinLnBrk="0" hangingPunct="1">
+        <a:lnSpc>
+          <a:spcPct val="90000"/>
+        </a:lnSpc>
+        <a:spcBef>
+          <a:spcPts val="500"/>
+        </a:spcBef>
+        <a:buFont typeface="Arial" panose="020B0604020202020204" pitchFamily="34" charset="0"/>
+        <a:buChar char="•"/>
+        <a:defRPr sz="1800" kern="1200">
+          <a:solidFill>
+            <a:schemeClr val="tx1"/>
+          </a:solidFill>
+          <a:latin typeface="+mn-lt"/>
+          <a:ea typeface="+mn-ea"/>
+          <a:cs typeface="+mn-cs"/>
+        </a:defRPr>
+      </a:lvl8pPr>
+      <a:lvl9pPr marL="3886200" indent="-228600" algn="l" defTabSz="914400" rtl="0" eaLnBrk="1" latinLnBrk="0" hangingPunct="1">
+        <a:lnSpc>
+          <a:spcPct val="90000"/>
+        </a:lnSpc>
+        <a:spcBef>
+          <a:spcPts val="500"/>
+        </a:spcBef>
+        <a:buFont typeface="Arial" panose="020B0604020202020204" pitchFamily="34" charset="0"/>
+        <a:buChar char="•"/>
+        <a:defRPr sz="1800" kern="1200">
+          <a:solidFill>
+            <a:schemeClr val="tx1"/>
+          </a:solidFill>
+          <a:latin typeface="+mn-lt"/>
+          <a:ea typeface="+mn-ea"/>
+          <a:cs typeface="+mn-cs"/>
+        </a:defRPr>
+      </a:lvl9pPr>
+    </p:bodyStyle>
+    <p:otherStyle>
+      <a:defPPr>
+        <a:defRPr lang="en-US"/>
+      </a:defPPr>
+      <a:lvl1pPr marL="0" algn="l" defTabSz="914400" rtl="0" eaLnBrk="1" latinLnBrk="0" hangingPunct="1">
+        <a:defRPr sz="1800" kern="1200">
+          <a:solidFill>
+            <a:schemeClr val="tx1"/>
+          </a:solidFill>
+          <a:latin typeface="+mn-lt"/>
+          <a:ea typeface="+mn-ea"/>
+          <a:cs typeface="+mn-cs"/>
+        </a:defRPr>
+      </a:lvl1pPr>
+      <a:lvl2pPr marL="457200" algn="l" defTabSz="914400" rtl="0" eaLnBrk="1" latinLnBrk="0" hangingPunct="1">
+        <a:defRPr sz="1800" kern="1200">
+          <a:solidFill>
+            <a:schemeClr val="tx1"/>
+          </a:solidFill>
+          <a:latin typeface="+mn-lt"/>
+          <a:ea typeface="+mn-ea"/>
+          <a:cs typeface="+mn-cs"/>
+        </a:defRPr>
+      </a:lvl2pPr>
+      <a:lvl3pPr marL="914400" algn="l" defTabSz="914400" rtl="0" eaLnBrk="1" latinLnBrk="0" hangingPunct="1">
+        <a:defRPr sz="1800" kern="1200">
+          <a:solidFill>
+            <a:schemeClr val="tx1"/>
+          </a:solidFill>
+          <a:latin typeface="+mn-lt"/>
+          <a:ea typeface="+mn-ea"/>
+          <a:cs typeface="+mn-cs"/>
+        </a:defRPr>
+      </a:lvl3pPr>
+      <a:lvl4pPr marL="1371600" algn="l" defTabSz="914400" rtl="0" eaLnBrk="1" latinLnBrk="0" hangingPunct="1">
+        <a:defRPr sz="1800" kern="1200">
+          <a:solidFill>
+            <a:schemeClr val="tx1"/>
+          </a:solidFill>
+          <a:latin typeface="+mn-lt"/>
+          <a:ea typeface="+mn-ea"/>
+          <a:cs typeface="+mn-cs"/>
+        </a:defRPr>
+      </a:lvl4pPr>
+      <a:lvl5pPr marL="1828800" algn="l" defTabSz="914400" rtl="0" eaLnBrk="1" latinLnBrk="0" hangingPunct="1">
+        <a:defRPr sz="1800" kern="1200">
+          <a:solidFill>
+            <a:schemeClr val="tx1"/>
+          </a:solidFill>
+          <a:latin typeface="+mn-lt"/>
+          <a:ea typeface="+mn-ea"/>
+          <a:cs typeface="+mn-cs"/>
+        </a:defRPr>
+      </a:lvl5pPr>
+      <a:lvl6pPr marL="2286000" algn="l" defTabSz="914400" rtl="0" eaLnBrk="1" latinLnBrk="0" hangingPunct="1">
+        <a:defRPr sz="1800" kern="1200">
+          <a:solidFill>
+            <a:schemeClr val="tx1"/>
+          </a:solidFill>
+          <a:latin typeface="+mn-lt"/>
+          <a:ea typeface="+mn-ea"/>
+          <a:cs typeface="+mn-cs"/>
+        </a:defRPr>
+      </a:lvl6pPr>
+      <a:lvl7pPr marL="2743200" algn="l" defTabSz="914400" rtl="0" eaLnBrk="1" latinLnBrk="0" hangingPunct="1">
+        <a:defRPr sz="1800" kern="1200">
+          <a:solidFill>
+            <a:schemeClr val="tx1"/>
+          </a:solidFill>
+          <a:latin typeface="+mn-lt"/>
+          <a:ea typeface="+mn-ea"/>
+          <a:cs typeface="+mn-cs"/>
+        </a:defRPr>
+      </a:lvl7pPr>
+      <a:lvl8pPr marL="3200400" algn="l" defTabSz="914400" rtl="0" eaLnBrk="1" latinLnBrk="0" hangingPunct="1">
+        <a:defRPr sz="1800" kern="1200">
+          <a:solidFill>
+            <a:schemeClr val="tx1"/>
+          </a:solidFill>
+          <a:latin typeface="+mn-lt"/>
+          <a:ea typeface="+mn-ea"/>
+          <a:cs typeface="+mn-cs"/>
+        </a:defRPr>
+      </a:lvl8pPr>
+      <a:lvl9pPr marL="3657600" algn="l" defTabSz="914400" rtl="0" eaLnBrk="1" latinLnBrk="0" hangingPunct="1">
+        <a:defRPr sz="1800" kern="1200">
+          <a:solidFill>
+            <a:schemeClr val="tx1"/>
+          </a:solidFill>
+          <a:latin typeface="+mn-lt"/>
+          <a:ea typeface="+mn-ea"/>
+          <a:cs typeface="+mn-cs"/>
+        </a:defRPr>
+      </a:lvl9pPr>
+    </p:otherStyle>
+  </p:txStyles>
 </p:sldMaster>
 </file>
 
 <file path=ppt/slides/slide1.xml><?xml version="1.0" encoding="utf-8"?>
-<p:sld xmlns:a="http://schemas.openxmlformats.org/drawingml/2006/main" xmlns:p="http://schemas.openxmlformats.org/presentationml/2006/main" xmlns:r="http://schemas.openxmlformats.org/officeDocument/2006/relationships" xmlns:p14="http://schemas.microsoft.com/office/powerpoint/2010/main" xmlns:p15="http://schemas.microsoft.com/office/powerpoint/2012/main" xmlns:mc="http://schemas.openxmlformats.org/markup-compatibility/2006">
+<p:sld xmlns:a="http://schemas.openxmlformats.org/drawingml/2006/main" xmlns:r="http://schemas.openxmlformats.org/officeDocument/2006/relationships" xmlns:p="http://schemas.openxmlformats.org/presentationml/2006/main">
   <p:cSld>
     <p:spTree>
       <p:nvGrpSpPr>
@@ -3520,13 +4229,20 @@
           </a:ln>
         </p:spPr>
         <p:style>
-          <a:lnRef idx="0"/>
-          <a:fillRef idx="0"/>
-          <a:effectRef idx="0"/>
+          <a:lnRef idx="0">
+            <a:scrgbClr r="0" g="0" b="0"/>
+          </a:lnRef>
+          <a:fillRef idx="0">
+            <a:scrgbClr r="0" g="0" b="0"/>
+          </a:fillRef>
+          <a:effectRef idx="0">
+            <a:scrgbClr r="0" g="0" b="0"/>
+          </a:effectRef>
           <a:fontRef idx="minor"/>
         </p:style>
         <p:txBody>
-          <a:bodyPr lIns="50760" rIns="50760" tIns="50760" bIns="50760"/>
+          <a:bodyPr lIns="50760" tIns="50760" rIns="50760" bIns="50760"/>
+          <a:lstStyle/>
           <a:p>
             <a:pPr>
               <a:lnSpc>
@@ -3534,7 +4250,7 @@
               </a:lnSpc>
             </a:pPr>
             <a:r>
-              <a:rPr b="1" lang="en-US" sz="8500" spc="-162" strike="noStrike">
+              <a:rPr lang="en-US" sz="8500" b="1" strike="noStrike" spc="-162">
                 <a:solidFill>
                   <a:srgbClr val="000000"/>
                 </a:solidFill>
@@ -3543,7 +4259,7 @@
               </a:rPr>
               <a:t>HELPFULNESS IN AMAZON REVIEWS</a:t>
             </a:r>
-            <a:endParaRPr b="0" lang="en-US" sz="8500" spc="-1" strike="noStrike">
+            <a:endParaRPr lang="en-US" sz="8500" b="0" strike="noStrike" spc="-1">
               <a:latin typeface="Arial"/>
             </a:endParaRPr>
           </a:p>
@@ -3569,13 +4285,20 @@
           </a:ln>
         </p:spPr>
         <p:style>
-          <a:lnRef idx="0"/>
-          <a:fillRef idx="0"/>
-          <a:effectRef idx="0"/>
+          <a:lnRef idx="0">
+            <a:scrgbClr r="0" g="0" b="0"/>
+          </a:lnRef>
+          <a:fillRef idx="0">
+            <a:scrgbClr r="0" g="0" b="0"/>
+          </a:fillRef>
+          <a:effectRef idx="0">
+            <a:scrgbClr r="0" g="0" b="0"/>
+          </a:effectRef>
           <a:fontRef idx="minor"/>
         </p:style>
         <p:txBody>
-          <a:bodyPr lIns="50760" rIns="50760" tIns="50760" bIns="50760"/>
+          <a:bodyPr lIns="50760" tIns="50760" rIns="50760" bIns="50760"/>
+          <a:lstStyle/>
           <a:p>
             <a:pPr marL="609480" indent="-608400">
               <a:lnSpc>
@@ -3592,7 +4315,7 @@
               <a:buChar char=""/>
             </a:pPr>
             <a:r>
-              <a:rPr b="0" lang="en-US" sz="3509" spc="-1" strike="noStrike">
+              <a:rPr lang="en-US" sz="3509" b="0" strike="noStrike" spc="-1">
                 <a:solidFill>
                   <a:srgbClr val="000000"/>
                 </a:solidFill>
@@ -3601,7 +4324,7 @@
               </a:rPr>
               <a:t>Fast.ai Course</a:t>
             </a:r>
-            <a:endParaRPr b="0" lang="en-US" sz="3509" spc="-1" strike="noStrike">
+            <a:endParaRPr lang="en-US" sz="3509" b="0" strike="noStrike" spc="-1">
               <a:latin typeface="Arial"/>
             </a:endParaRPr>
           </a:p>
@@ -3614,7 +4337,7 @@
                 <a:spcPts val="4501"/>
               </a:spcBef>
             </a:pPr>
-            <a:endParaRPr b="0" lang="en-US" sz="3509" spc="-1" strike="noStrike">
+            <a:endParaRPr lang="en-US" sz="3509" b="0" strike="noStrike" spc="-1">
               <a:latin typeface="Arial"/>
             </a:endParaRPr>
           </a:p>
@@ -3627,7 +4350,7 @@
                 <a:spcPts val="4501"/>
               </a:spcBef>
             </a:pPr>
-            <a:endParaRPr b="0" lang="en-US" sz="3509" spc="-1" strike="noStrike">
+            <a:endParaRPr lang="en-US" sz="3509" b="0" strike="noStrike" spc="-1">
               <a:latin typeface="Arial"/>
             </a:endParaRPr>
           </a:p>
@@ -3635,12 +4358,12 @@
       </p:sp>
       <p:pic>
         <p:nvPicPr>
-          <p:cNvPr id="78" name="WV9EARuIvFVLP2E5ouYaGxEZUEqKDJ__YnBtT03mqKspC2DBUG_1FJdJupXdXzB4pgkbBJvfBGRJxL05xgHP2atlLB4qFkQgowcv38B6vlOGUODkoPqG6HHHFSSLpH0tYqe1D4BmnIY.png" descr=""/>
+          <p:cNvPr id="78" name="WV9EARuIvFVLP2E5ouYaGxEZUEqKDJ__YnBtT03mqKspC2DBUG_1FJdJupXdXzB4pgkbBJvfBGRJxL05xgHP2atlLB4qFkQgowcv38B6vlOGUODkoPqG6HHHFSSLpH0tYqe1D4BmnIY.png"/>
           <p:cNvPicPr/>
           <p:nvPr/>
         </p:nvPicPr>
         <p:blipFill>
-          <a:blip r:embed="rId1"/>
+          <a:blip r:embed="rId2"/>
           <a:stretch/>
         </p:blipFill>
         <p:spPr>
@@ -3655,7 +4378,7 @@
             <a:noFill/>
           </a:ln>
           <a:effectLst>
-            <a:outerShdw blurRad="254000" dir="5400000" dist="127000" rotWithShape="0">
+            <a:outerShdw blurRad="254000" dist="127000" dir="5400000" rotWithShape="0">
               <a:srgbClr val="000000">
                 <a:alpha val="70000"/>
               </a:srgbClr>
@@ -3683,13 +4406,20 @@
           </a:ln>
         </p:spPr>
         <p:style>
-          <a:lnRef idx="0"/>
-          <a:fillRef idx="0"/>
-          <a:effectRef idx="0"/>
+          <a:lnRef idx="0">
+            <a:scrgbClr r="0" g="0" b="0"/>
+          </a:lnRef>
+          <a:fillRef idx="0">
+            <a:scrgbClr r="0" g="0" b="0"/>
+          </a:fillRef>
+          <a:effectRef idx="0">
+            <a:scrgbClr r="0" g="0" b="0"/>
+          </a:effectRef>
           <a:fontRef idx="minor"/>
         </p:style>
         <p:txBody>
-          <a:bodyPr wrap="none" lIns="50760" rIns="50760" tIns="50760" bIns="50760" anchor="ctr"/>
+          <a:bodyPr wrap="none" lIns="50760" tIns="50760" rIns="50760" bIns="50760" anchor="ctr"/>
+          <a:lstStyle/>
           <a:p>
             <a:pPr>
               <a:lnSpc>
@@ -3697,7 +4427,7 @@
               </a:lnSpc>
             </a:pPr>
             <a:r>
-              <a:rPr b="1" lang="en-US" sz="4100" spc="-1" strike="noStrike">
+              <a:rPr lang="en-US" sz="4100" b="1" strike="noStrike" spc="-1">
                 <a:solidFill>
                   <a:srgbClr val="000000"/>
                 </a:solidFill>
@@ -3706,7 +4436,7 @@
               </a:rPr>
               <a:t>Nlp-1-online </a:t>
             </a:r>
-            <a:endParaRPr b="0" lang="en-US" sz="4100" spc="-1" strike="noStrike">
+            <a:endParaRPr lang="en-US" sz="4100" b="0" strike="noStrike" spc="-1">
               <a:latin typeface="Arial"/>
             </a:endParaRPr>
           </a:p>
@@ -3717,7 +4447,7 @@
               </a:lnSpc>
             </a:pPr>
             <a:r>
-              <a:rPr b="0" lang="en-US" sz="4100" spc="-1" strike="noStrike">
+              <a:rPr lang="en-US" sz="4100" b="0" strike="noStrike" spc="-1">
                 <a:solidFill>
                   <a:srgbClr val="000000"/>
                 </a:solidFill>
@@ -3726,7 +4456,7 @@
               </a:rPr>
               <a:t>Gaurav, Maria</a:t>
             </a:r>
-            <a:endParaRPr b="0" lang="en-US" sz="4100" spc="-1" strike="noStrike">
+            <a:endParaRPr lang="en-US" sz="4100" b="0" strike="noStrike" spc="-1">
               <a:latin typeface="Arial"/>
             </a:endParaRPr>
           </a:p>
@@ -3737,7 +4467,7 @@
               </a:lnSpc>
             </a:pPr>
             <a:r>
-              <a:rPr b="0" lang="en-US" sz="4100" spc="-1" strike="noStrike">
+              <a:rPr lang="en-US" sz="4100" b="0" strike="noStrike" spc="-1">
                 <a:solidFill>
                   <a:srgbClr val="000000"/>
                 </a:solidFill>
@@ -3746,7 +4476,7 @@
               </a:rPr>
               <a:t>Tamara, Dewsy</a:t>
             </a:r>
-            <a:endParaRPr b="0" lang="en-US" sz="4100" spc="-1" strike="noStrike">
+            <a:endParaRPr lang="en-US" sz="4100" b="0" strike="noStrike" spc="-1">
               <a:latin typeface="Arial"/>
             </a:endParaRPr>
           </a:p>
@@ -3757,7 +4487,7 @@
               </a:lnSpc>
             </a:pPr>
             <a:r>
-              <a:rPr b="0" lang="en-US" sz="4100" spc="-1" strike="noStrike">
+              <a:rPr lang="en-US" sz="4100" b="0" strike="noStrike" spc="-1">
                 <a:solidFill>
                   <a:srgbClr val="000000"/>
                 </a:solidFill>
@@ -3766,7 +4496,7 @@
               </a:rPr>
               <a:t>Kenny, Vu</a:t>
             </a:r>
-            <a:endParaRPr b="0" lang="en-US" sz="4100" spc="-1" strike="noStrike">
+            <a:endParaRPr lang="en-US" sz="4100" b="0" strike="noStrike" spc="-1">
               <a:latin typeface="Arial"/>
             </a:endParaRPr>
           </a:p>
@@ -3774,12 +4504,12 @@
       </p:sp>
       <p:pic>
         <p:nvPicPr>
-          <p:cNvPr id="80" name="1*7gQySejtY8SBIPmH1ZeBnQ.png" descr=""/>
+          <p:cNvPr id="80" name="1*7gQySejtY8SBIPmH1ZeBnQ.png"/>
           <p:cNvPicPr/>
           <p:nvPr/>
         </p:nvPicPr>
         <p:blipFill>
-          <a:blip r:embed="rId2"/>
+          <a:blip r:embed="rId3"/>
           <a:stretch/>
         </p:blipFill>
         <p:spPr>
@@ -3797,6 +4527,9 @@
       </p:pic>
     </p:spTree>
   </p:cSld>
+  <p:clrMapOvr>
+    <a:masterClrMapping/>
+  </p:clrMapOvr>
   <p:timing>
     <p:tnLst>
       <p:par>
@@ -3805,14 +4538,14 @@
             <p:seq>
               <p:cTn id="2" dur="indefinite" nodeType="mainSeq"/>
               <p:prevCondLst>
-                <p:cond delay="0" evt="onPrev">
+                <p:cond evt="onPrev" delay="0">
                   <p:tgtEl>
                     <p:sldTgt/>
                   </p:tgtEl>
                 </p:cond>
               </p:prevCondLst>
               <p:nextCondLst>
-                <p:cond delay="0" evt="onNext">
+                <p:cond evt="onNext" delay="0">
                   <p:tgtEl>
                     <p:sldTgt/>
                   </p:tgtEl>
@@ -3828,7 +4561,7 @@
 </file>
 
 <file path=ppt/slides/slide10.xml><?xml version="1.0" encoding="utf-8"?>
-<p:sld xmlns:a="http://schemas.openxmlformats.org/drawingml/2006/main" xmlns:p="http://schemas.openxmlformats.org/presentationml/2006/main" xmlns:r="http://schemas.openxmlformats.org/officeDocument/2006/relationships" xmlns:p14="http://schemas.microsoft.com/office/powerpoint/2010/main" xmlns:p15="http://schemas.microsoft.com/office/powerpoint/2012/main" xmlns:mc="http://schemas.openxmlformats.org/markup-compatibility/2006">
+<p:sld xmlns:a="http://schemas.openxmlformats.org/drawingml/2006/main" xmlns:r="http://schemas.openxmlformats.org/officeDocument/2006/relationships" xmlns:p="http://schemas.openxmlformats.org/presentationml/2006/main">
   <p:cSld>
     <p:spTree>
       <p:nvGrpSpPr>
@@ -3864,13 +4597,20 @@
           </a:ln>
         </p:spPr>
         <p:style>
-          <a:lnRef idx="0"/>
-          <a:fillRef idx="0"/>
-          <a:effectRef idx="0"/>
+          <a:lnRef idx="0">
+            <a:scrgbClr r="0" g="0" b="0"/>
+          </a:lnRef>
+          <a:fillRef idx="0">
+            <a:scrgbClr r="0" g="0" b="0"/>
+          </a:fillRef>
+          <a:effectRef idx="0">
+            <a:scrgbClr r="0" g="0" b="0"/>
+          </a:effectRef>
           <a:fontRef idx="minor"/>
         </p:style>
         <p:txBody>
-          <a:bodyPr lIns="0" rIns="0" tIns="0" bIns="0" anchor="ctr"/>
+          <a:bodyPr lIns="0" tIns="0" rIns="0" bIns="0" anchor="ctr"/>
+          <a:lstStyle/>
           <a:p>
             <a:pPr algn="ctr">
               <a:lnSpc>
@@ -3878,7 +4618,7 @@
               </a:lnSpc>
             </a:pPr>
             <a:r>
-              <a:rPr b="1" lang="en-US" sz="4800" spc="-1" strike="noStrike">
+              <a:rPr lang="en-US" sz="4800" b="1" strike="noStrike" spc="-1">
                 <a:solidFill>
                   <a:srgbClr val="000000"/>
                 </a:solidFill>
@@ -3887,7 +4627,7 @@
               </a:rPr>
               <a:t>Results – Unbalanced Data</a:t>
             </a:r>
-            <a:endParaRPr b="0" lang="en-US" sz="4800" spc="-1" strike="noStrike">
+            <a:endParaRPr lang="en-US" sz="4800" b="0" strike="noStrike" spc="-1">
               <a:latin typeface="Arial"/>
             </a:endParaRPr>
           </a:p>
@@ -3897,26 +4637,64 @@
         <p:nvGraphicFramePr>
           <p:cNvPr id="99" name="Table 2"/>
           <p:cNvGraphicFramePr/>
-          <p:nvPr/>
+          <p:nvPr>
+            <p:extLst>
+              <p:ext uri="{D42A27DB-BD31-4B8C-83A1-F6EECF244321}">
+                <p14:modId xmlns:p14="http://schemas.microsoft.com/office/powerpoint/2010/main" val="1008529234"/>
+              </p:ext>
+            </p:extLst>
+          </p:nvPr>
         </p:nvGraphicFramePr>
         <p:xfrm>
           <a:off x="1737360" y="4315320"/>
-          <a:ext cx="21225960" cy="6931440"/>
+          <a:ext cx="21226318" cy="6931800"/>
         </p:xfrm>
         <a:graphic>
           <a:graphicData uri="http://schemas.openxmlformats.org/drawingml/2006/table">
             <a:tbl>
               <a:tblPr/>
               <a:tblGrid>
-                <a:gridCol w="5306760"/>
-                <a:gridCol w="5306760"/>
-                <a:gridCol w="5306760"/>
-                <a:gridCol w="5306040"/>
+                <a:gridCol w="4245494">
+                  <a:extLst>
+                    <a:ext uri="{9D8B030D-6E8A-4147-A177-3AD203B41FA5}">
+                      <a16:colId xmlns:a16="http://schemas.microsoft.com/office/drawing/2014/main" val="20000"/>
+                    </a:ext>
+                  </a:extLst>
+                </a:gridCol>
+                <a:gridCol w="4245494">
+                  <a:extLst>
+                    <a:ext uri="{9D8B030D-6E8A-4147-A177-3AD203B41FA5}">
+                      <a16:colId xmlns:a16="http://schemas.microsoft.com/office/drawing/2014/main" val="20001"/>
+                    </a:ext>
+                  </a:extLst>
+                </a:gridCol>
+                <a:gridCol w="4245494">
+                  <a:extLst>
+                    <a:ext uri="{9D8B030D-6E8A-4147-A177-3AD203B41FA5}">
+                      <a16:colId xmlns:a16="http://schemas.microsoft.com/office/drawing/2014/main" val="20002"/>
+                    </a:ext>
+                  </a:extLst>
+                </a:gridCol>
+                <a:gridCol w="4244918">
+                  <a:extLst>
+                    <a:ext uri="{9D8B030D-6E8A-4147-A177-3AD203B41FA5}">
+                      <a16:colId xmlns:a16="http://schemas.microsoft.com/office/drawing/2014/main" val="20003"/>
+                    </a:ext>
+                  </a:extLst>
+                </a:gridCol>
+                <a:gridCol w="4244918">
+                  <a:extLst>
+                    <a:ext uri="{9D8B030D-6E8A-4147-A177-3AD203B41FA5}">
+                      <a16:colId xmlns:a16="http://schemas.microsoft.com/office/drawing/2014/main" val="2272067107"/>
+                    </a:ext>
+                  </a:extLst>
+                </a:gridCol>
               </a:tblGrid>
               <a:tr h="1733040">
                 <a:tc>
                   <a:txBody>
-                    <a:bodyPr lIns="90000" rIns="90000"/>
+                    <a:bodyPr/>
+                    <a:lstStyle/>
                     <a:p>
                       <a:pPr>
                         <a:lnSpc>
@@ -3924,7 +4702,7 @@
                         </a:lnSpc>
                       </a:pPr>
                       <a:r>
-                        <a:rPr b="0" lang="en-US" sz="4000" spc="-1" strike="noStrike">
+                        <a:rPr lang="en-US" sz="4000" b="0" strike="noStrike" spc="-1">
                           <a:solidFill>
                             <a:srgbClr val="000000"/>
                           </a:solidFill>
@@ -3933,7 +4711,7 @@
                         </a:rPr>
                         <a:t>Domain</a:t>
                       </a:r>
-                      <a:endParaRPr b="0" lang="en-US" sz="4000" spc="-1" strike="noStrike">
+                      <a:endParaRPr lang="en-US" sz="4000" b="0" strike="noStrike" spc="-1">
                         <a:latin typeface="Arial"/>
                       </a:endParaRPr>
                     </a:p>
@@ -3941,32 +4719,33 @@
                   <a:tcPr marL="90000" marR="90000">
                     <a:lnL w="720">
                       <a:solidFill>
-                        <a:srgbClr val="ffffff"/>
+                        <a:srgbClr val="FFFFFF"/>
                       </a:solidFill>
                     </a:lnL>
                     <a:lnR w="720">
                       <a:solidFill>
-                        <a:srgbClr val="ffffff"/>
+                        <a:srgbClr val="FFFFFF"/>
                       </a:solidFill>
                     </a:lnR>
                     <a:lnT w="720">
                       <a:solidFill>
-                        <a:srgbClr val="ffffff"/>
+                        <a:srgbClr val="FFFFFF"/>
                       </a:solidFill>
                     </a:lnT>
                     <a:lnB w="720">
                       <a:solidFill>
-                        <a:srgbClr val="ffffff"/>
+                        <a:srgbClr val="FFFFFF"/>
                       </a:solidFill>
                     </a:lnB>
                     <a:solidFill>
-                      <a:srgbClr val="b3b3b3"/>
+                      <a:srgbClr val="B3B3B3"/>
                     </a:solidFill>
                   </a:tcPr>
                 </a:tc>
                 <a:tc>
                   <a:txBody>
-                    <a:bodyPr lIns="90000" rIns="90000"/>
+                    <a:bodyPr/>
+                    <a:lstStyle/>
                     <a:p>
                       <a:pPr>
                         <a:lnSpc>
@@ -3974,7 +4753,7 @@
                         </a:lnSpc>
                       </a:pPr>
                       <a:r>
-                        <a:rPr b="0" lang="en-US" sz="4000" spc="-1" strike="noStrike">
+                        <a:rPr lang="en-US" sz="4000" b="0" strike="noStrike" spc="-1">
                           <a:solidFill>
                             <a:srgbClr val="000000"/>
                           </a:solidFill>
@@ -3983,7 +4762,7 @@
                         </a:rPr>
                         <a:t>Training Loss</a:t>
                       </a:r>
-                      <a:endParaRPr b="0" lang="en-US" sz="4000" spc="-1" strike="noStrike">
+                      <a:endParaRPr lang="en-US" sz="4000" b="0" strike="noStrike" spc="-1">
                         <a:latin typeface="Arial"/>
                       </a:endParaRPr>
                     </a:p>
@@ -3991,32 +4770,33 @@
                   <a:tcPr marL="90000" marR="90000">
                     <a:lnL w="720">
                       <a:solidFill>
-                        <a:srgbClr val="ffffff"/>
+                        <a:srgbClr val="FFFFFF"/>
                       </a:solidFill>
                     </a:lnL>
                     <a:lnR w="720">
                       <a:solidFill>
-                        <a:srgbClr val="ffffff"/>
+                        <a:srgbClr val="FFFFFF"/>
                       </a:solidFill>
                     </a:lnR>
                     <a:lnT w="720">
                       <a:solidFill>
-                        <a:srgbClr val="ffffff"/>
+                        <a:srgbClr val="FFFFFF"/>
                       </a:solidFill>
                     </a:lnT>
                     <a:lnB w="720">
                       <a:solidFill>
-                        <a:srgbClr val="ffffff"/>
+                        <a:srgbClr val="FFFFFF"/>
                       </a:solidFill>
                     </a:lnB>
                     <a:solidFill>
-                      <a:srgbClr val="b3b3b3"/>
+                      <a:srgbClr val="B3B3B3"/>
                     </a:solidFill>
                   </a:tcPr>
                 </a:tc>
                 <a:tc>
                   <a:txBody>
-                    <a:bodyPr lIns="90000" rIns="90000"/>
+                    <a:bodyPr/>
+                    <a:lstStyle/>
                     <a:p>
                       <a:pPr>
                         <a:lnSpc>
@@ -4024,7 +4804,7 @@
                         </a:lnSpc>
                       </a:pPr>
                       <a:r>
-                        <a:rPr b="0" lang="en-US" sz="4000" spc="-1" strike="noStrike">
+                        <a:rPr lang="en-US" sz="4000" b="0" strike="noStrike" spc="-1">
                           <a:solidFill>
                             <a:srgbClr val="000000"/>
                           </a:solidFill>
@@ -4033,7 +4813,7 @@
                         </a:rPr>
                         <a:t>Validation Loss</a:t>
                       </a:r>
-                      <a:endParaRPr b="0" lang="en-US" sz="4000" spc="-1" strike="noStrike">
+                      <a:endParaRPr lang="en-US" sz="4000" b="0" strike="noStrike" spc="-1">
                         <a:latin typeface="Arial"/>
                       </a:endParaRPr>
                     </a:p>
@@ -4041,32 +4821,33 @@
                   <a:tcPr marL="90000" marR="90000">
                     <a:lnL w="720">
                       <a:solidFill>
-                        <a:srgbClr val="ffffff"/>
+                        <a:srgbClr val="FFFFFF"/>
                       </a:solidFill>
                     </a:lnL>
                     <a:lnR w="720">
                       <a:solidFill>
-                        <a:srgbClr val="ffffff"/>
+                        <a:srgbClr val="FFFFFF"/>
                       </a:solidFill>
                     </a:lnR>
                     <a:lnT w="720">
                       <a:solidFill>
-                        <a:srgbClr val="ffffff"/>
+                        <a:srgbClr val="FFFFFF"/>
                       </a:solidFill>
                     </a:lnT>
                     <a:lnB w="720">
                       <a:solidFill>
-                        <a:srgbClr val="ffffff"/>
+                        <a:srgbClr val="FFFFFF"/>
                       </a:solidFill>
                     </a:lnB>
                     <a:solidFill>
-                      <a:srgbClr val="b3b3b3"/>
+                      <a:srgbClr val="B3B3B3"/>
                     </a:solidFill>
                   </a:tcPr>
                 </a:tc>
                 <a:tc>
                   <a:txBody>
-                    <a:bodyPr lIns="90000" rIns="90000"/>
+                    <a:bodyPr/>
+                    <a:lstStyle/>
                     <a:p>
                       <a:pPr>
                         <a:lnSpc>
@@ -4074,7 +4855,7 @@
                         </a:lnSpc>
                       </a:pPr>
                       <a:r>
-                        <a:rPr b="0" lang="en-US" sz="4000" spc="-1" strike="noStrike">
+                        <a:rPr lang="en-US" sz="4000" b="0" strike="noStrike" spc="-1" dirty="0">
                           <a:solidFill>
                             <a:srgbClr val="000000"/>
                           </a:solidFill>
@@ -4083,7 +4864,7 @@
                         </a:rPr>
                         <a:t>Accuracy</a:t>
                       </a:r>
-                      <a:endParaRPr b="0" lang="en-US" sz="4000" spc="-1" strike="noStrike">
+                      <a:endParaRPr lang="en-US" sz="4000" b="0" strike="noStrike" spc="-1" dirty="0">
                         <a:latin typeface="Arial"/>
                       </a:endParaRPr>
                     </a:p>
@@ -4091,34 +4872,37 @@
                   <a:tcPr marL="90000" marR="90000">
                     <a:lnL w="720">
                       <a:solidFill>
-                        <a:srgbClr val="ffffff"/>
+                        <a:srgbClr val="FFFFFF"/>
                       </a:solidFill>
                     </a:lnL>
-                    <a:lnR w="720">
-                      <a:solidFill>
-                        <a:srgbClr val="ffffff"/>
-                      </a:solidFill>
+                    <a:lnR w="720" cap="flat" cmpd="sng" algn="ctr">
+                      <a:solidFill>
+                        <a:srgbClr val="FFFFFF"/>
+                      </a:solidFill>
+                      <a:prstDash val="solid"/>
+                      <a:round/>
+                      <a:headEnd type="none" w="med" len="med"/>
+                      <a:tailEnd type="none" w="med" len="med"/>
                     </a:lnR>
                     <a:lnT w="720">
                       <a:solidFill>
-                        <a:srgbClr val="ffffff"/>
+                        <a:srgbClr val="FFFFFF"/>
                       </a:solidFill>
                     </a:lnT>
                     <a:lnB w="720">
                       <a:solidFill>
-                        <a:srgbClr val="ffffff"/>
+                        <a:srgbClr val="FFFFFF"/>
                       </a:solidFill>
                     </a:lnB>
                     <a:solidFill>
-                      <a:srgbClr val="b3b3b3"/>
+                      <a:srgbClr val="B3B3B3"/>
                     </a:solidFill>
                   </a:tcPr>
                 </a:tc>
-              </a:tr>
-              <a:tr h="1733040">
                 <a:tc>
                   <a:txBody>
-                    <a:bodyPr lIns="90000" rIns="90000"/>
+                    <a:bodyPr/>
+                    <a:lstStyle/>
                     <a:p>
                       <a:pPr>
                         <a:lnSpc>
@@ -4126,7 +4910,62 @@
                         </a:lnSpc>
                       </a:pPr>
                       <a:r>
-                        <a:rPr b="0" lang="en-US" sz="3600" spc="-1" strike="noStrike">
+                        <a:rPr lang="en-US" sz="4000" b="0" strike="noStrike" spc="-1" dirty="0">
+                          <a:latin typeface="Arial"/>
+                        </a:rPr>
+                        <a:t>Workbook</a:t>
+                      </a:r>
+                    </a:p>
+                  </a:txBody>
+                  <a:tcPr marL="90000" marR="90000">
+                    <a:lnL w="720">
+                      <a:solidFill>
+                        <a:srgbClr val="FFFFFF"/>
+                      </a:solidFill>
+                    </a:lnL>
+                    <a:lnR w="720">
+                      <a:solidFill>
+                        <a:srgbClr val="FFFFFF"/>
+                      </a:solidFill>
+                    </a:lnR>
+                    <a:lnT w="720">
+                      <a:solidFill>
+                        <a:srgbClr val="FFFFFF"/>
+                      </a:solidFill>
+                    </a:lnT>
+                    <a:lnB w="720" cap="flat" cmpd="sng" algn="ctr">
+                      <a:solidFill>
+                        <a:srgbClr val="FFFFFF"/>
+                      </a:solidFill>
+                      <a:prstDash val="solid"/>
+                      <a:round/>
+                      <a:headEnd type="none" w="med" len="med"/>
+                      <a:tailEnd type="none" w="med" len="med"/>
+                    </a:lnB>
+                    <a:solidFill>
+                      <a:srgbClr val="B3B3B3"/>
+                    </a:solidFill>
+                  </a:tcPr>
+                </a:tc>
+                <a:extLst>
+                  <a:ext uri="{0D108BD9-81ED-4DB2-BD59-A6C34878D82A}">
+                    <a16:rowId xmlns:a16="http://schemas.microsoft.com/office/drawing/2014/main" val="10000"/>
+                  </a:ext>
+                </a:extLst>
+              </a:tr>
+              <a:tr h="1733040">
+                <a:tc>
+                  <a:txBody>
+                    <a:bodyPr/>
+                    <a:lstStyle/>
+                    <a:p>
+                      <a:pPr>
+                        <a:lnSpc>
+                          <a:spcPct val="100000"/>
+                        </a:lnSpc>
+                      </a:pPr>
+                      <a:r>
+                        <a:rPr lang="en-US" sz="3600" b="0" strike="noStrike" spc="-1">
                           <a:solidFill>
                             <a:srgbClr val="000000"/>
                           </a:solidFill>
@@ -4135,7 +4974,7 @@
                         </a:rPr>
                         <a:t>Books – 86K LM</a:t>
                       </a:r>
-                      <a:endParaRPr b="0" lang="en-US" sz="3600" spc="-1" strike="noStrike">
+                      <a:endParaRPr lang="en-US" sz="3600" b="0" strike="noStrike" spc="-1">
                         <a:latin typeface="Arial"/>
                       </a:endParaRPr>
                     </a:p>
@@ -4143,32 +4982,33 @@
                   <a:tcPr marL="90000" marR="90000">
                     <a:lnL w="720">
                       <a:solidFill>
-                        <a:srgbClr val="ffffff"/>
+                        <a:srgbClr val="FFFFFF"/>
                       </a:solidFill>
                     </a:lnL>
                     <a:lnR w="720">
                       <a:solidFill>
-                        <a:srgbClr val="ffffff"/>
+                        <a:srgbClr val="FFFFFF"/>
                       </a:solidFill>
                     </a:lnR>
                     <a:lnT w="720">
                       <a:solidFill>
-                        <a:srgbClr val="ffffff"/>
+                        <a:srgbClr val="FFFFFF"/>
                       </a:solidFill>
                     </a:lnT>
                     <a:lnB w="720">
                       <a:solidFill>
-                        <a:srgbClr val="ffffff"/>
+                        <a:srgbClr val="FFFFFF"/>
                       </a:solidFill>
                     </a:lnB>
                     <a:solidFill>
-                      <a:srgbClr val="cccccc"/>
+                      <a:srgbClr val="CCCCCC"/>
                     </a:solidFill>
                   </a:tcPr>
                 </a:tc>
                 <a:tc>
                   <a:txBody>
-                    <a:bodyPr lIns="90000" rIns="90000"/>
+                    <a:bodyPr/>
+                    <a:lstStyle/>
                     <a:p>
                       <a:pPr>
                         <a:lnSpc>
@@ -4176,16 +5016,16 @@
                         </a:lnSpc>
                       </a:pPr>
                       <a:r>
-                        <a:rPr b="0" lang="en-US" sz="3200" spc="-1" strike="noStrike">
+                        <a:rPr lang="en-US" sz="3200" b="0" strike="noStrike" spc="-1" dirty="0">
                           <a:solidFill>
                             <a:srgbClr val="000000"/>
                           </a:solidFill>
                           <a:latin typeface="Arial"/>
                           <a:ea typeface="DejaVu Sans"/>
                         </a:rPr>
-                        <a:t>0.3654</a:t>
+                        <a:t>0.3675</a:t>
                       </a:r>
-                      <a:endParaRPr b="0" lang="en-US" sz="3200" spc="-1" strike="noStrike">
+                      <a:endParaRPr lang="en-US" sz="3200" b="0" strike="noStrike" spc="-1" dirty="0">
                         <a:latin typeface="Arial"/>
                       </a:endParaRPr>
                     </a:p>
@@ -4195,7 +5035,7 @@
                           <a:spcPct val="100000"/>
                         </a:lnSpc>
                       </a:pPr>
-                      <a:endParaRPr b="0" lang="en-US" sz="3200" spc="-1" strike="noStrike">
+                      <a:endParaRPr lang="en-US" sz="3200" b="0" strike="noStrike" spc="-1" dirty="0">
                         <a:latin typeface="Arial"/>
                       </a:endParaRPr>
                     </a:p>
@@ -4203,32 +5043,33 @@
                   <a:tcPr marL="90000" marR="90000">
                     <a:lnL w="720">
                       <a:solidFill>
-                        <a:srgbClr val="ffffff"/>
+                        <a:srgbClr val="FFFFFF"/>
                       </a:solidFill>
                     </a:lnL>
                     <a:lnR w="720">
                       <a:solidFill>
-                        <a:srgbClr val="ffffff"/>
+                        <a:srgbClr val="FFFFFF"/>
                       </a:solidFill>
                     </a:lnR>
                     <a:lnT w="720">
                       <a:solidFill>
-                        <a:srgbClr val="ffffff"/>
+                        <a:srgbClr val="FFFFFF"/>
                       </a:solidFill>
                     </a:lnT>
                     <a:lnB w="720">
                       <a:solidFill>
-                        <a:srgbClr val="ffffff"/>
+                        <a:srgbClr val="FFFFFF"/>
                       </a:solidFill>
                     </a:lnB>
                     <a:solidFill>
-                      <a:srgbClr val="cccccc"/>
+                      <a:srgbClr val="CCCCCC"/>
                     </a:solidFill>
                   </a:tcPr>
                 </a:tc>
                 <a:tc>
                   <a:txBody>
-                    <a:bodyPr lIns="90000" rIns="90000"/>
+                    <a:bodyPr/>
+                    <a:lstStyle/>
                     <a:p>
                       <a:pPr>
                         <a:lnSpc>
@@ -4236,16 +5077,16 @@
                         </a:lnSpc>
                       </a:pPr>
                       <a:r>
-                        <a:rPr b="0" lang="en-US" sz="3200" spc="-1" strike="noStrike">
+                        <a:rPr lang="en-US" sz="3200" b="0" strike="noStrike" spc="-1" dirty="0">
                           <a:solidFill>
                             <a:srgbClr val="000000"/>
                           </a:solidFill>
                           <a:latin typeface="Arial"/>
                           <a:ea typeface="DejaVu Sans"/>
                         </a:rPr>
-                        <a:t>0.3790</a:t>
+                        <a:t>0.3591</a:t>
                       </a:r>
-                      <a:endParaRPr b="0" lang="en-US" sz="3200" spc="-1" strike="noStrike">
+                      <a:endParaRPr lang="en-US" sz="3200" b="0" strike="noStrike" spc="-1" dirty="0">
                         <a:latin typeface="Arial"/>
                       </a:endParaRPr>
                     </a:p>
@@ -4255,7 +5096,7 @@
                           <a:spcPct val="100000"/>
                         </a:lnSpc>
                       </a:pPr>
-                      <a:endParaRPr b="0" lang="en-US" sz="3200" spc="-1" strike="noStrike">
+                      <a:endParaRPr lang="en-US" sz="3200" b="0" strike="noStrike" spc="-1" dirty="0">
                         <a:latin typeface="Arial"/>
                       </a:endParaRPr>
                     </a:p>
@@ -4263,32 +5104,33 @@
                   <a:tcPr marL="90000" marR="90000">
                     <a:lnL w="720">
                       <a:solidFill>
-                        <a:srgbClr val="ffffff"/>
+                        <a:srgbClr val="FFFFFF"/>
                       </a:solidFill>
                     </a:lnL>
                     <a:lnR w="720">
                       <a:solidFill>
-                        <a:srgbClr val="ffffff"/>
+                        <a:srgbClr val="FFFFFF"/>
                       </a:solidFill>
                     </a:lnR>
                     <a:lnT w="720">
                       <a:solidFill>
-                        <a:srgbClr val="ffffff"/>
+                        <a:srgbClr val="FFFFFF"/>
                       </a:solidFill>
                     </a:lnT>
                     <a:lnB w="720">
                       <a:solidFill>
-                        <a:srgbClr val="ffffff"/>
+                        <a:srgbClr val="FFFFFF"/>
                       </a:solidFill>
                     </a:lnB>
                     <a:solidFill>
-                      <a:srgbClr val="cccccc"/>
+                      <a:srgbClr val="CCCCCC"/>
                     </a:solidFill>
                   </a:tcPr>
                 </a:tc>
                 <a:tc>
                   <a:txBody>
-                    <a:bodyPr lIns="90000" rIns="90000"/>
+                    <a:bodyPr/>
+                    <a:lstStyle/>
                     <a:p>
                       <a:pPr>
                         <a:lnSpc>
@@ -4296,7 +5138,7 @@
                         </a:lnSpc>
                       </a:pPr>
                       <a:r>
-                        <a:rPr b="0" lang="en-US" sz="3200" spc="-1" strike="noStrike">
+                        <a:rPr lang="en-US" sz="3200" b="0" strike="noStrike" spc="-1">
                           <a:solidFill>
                             <a:srgbClr val="000000"/>
                           </a:solidFill>
@@ -4305,7 +5147,7 @@
                         </a:rPr>
                         <a:t>0.8484</a:t>
                       </a:r>
-                      <a:endParaRPr b="0" lang="en-US" sz="3200" spc="-1" strike="noStrike">
+                      <a:endParaRPr lang="en-US" sz="3200" b="0" strike="noStrike" spc="-1">
                         <a:latin typeface="Arial"/>
                       </a:endParaRPr>
                     </a:p>
@@ -4315,7 +5157,7 @@
                           <a:spcPct val="100000"/>
                         </a:lnSpc>
                       </a:pPr>
-                      <a:endParaRPr b="0" lang="en-US" sz="3200" spc="-1" strike="noStrike">
+                      <a:endParaRPr lang="en-US" sz="3200" b="0" strike="noStrike" spc="-1">
                         <a:latin typeface="Arial"/>
                       </a:endParaRPr>
                     </a:p>
@@ -4323,34 +5165,37 @@
                   <a:tcPr marL="90000" marR="90000">
                     <a:lnL w="720">
                       <a:solidFill>
-                        <a:srgbClr val="ffffff"/>
+                        <a:srgbClr val="FFFFFF"/>
                       </a:solidFill>
                     </a:lnL>
-                    <a:lnR w="720">
-                      <a:solidFill>
-                        <a:srgbClr val="ffffff"/>
-                      </a:solidFill>
+                    <a:lnR w="720" cap="flat" cmpd="sng" algn="ctr">
+                      <a:solidFill>
+                        <a:srgbClr val="FFFFFF"/>
+                      </a:solidFill>
+                      <a:prstDash val="solid"/>
+                      <a:round/>
+                      <a:headEnd type="none" w="med" len="med"/>
+                      <a:tailEnd type="none" w="med" len="med"/>
                     </a:lnR>
                     <a:lnT w="720">
                       <a:solidFill>
-                        <a:srgbClr val="ffffff"/>
+                        <a:srgbClr val="FFFFFF"/>
                       </a:solidFill>
                     </a:lnT>
                     <a:lnB w="720">
                       <a:solidFill>
-                        <a:srgbClr val="ffffff"/>
+                        <a:srgbClr val="FFFFFF"/>
                       </a:solidFill>
                     </a:lnB>
                     <a:solidFill>
-                      <a:srgbClr val="cccccc"/>
+                      <a:srgbClr val="CCCCCC"/>
                     </a:solidFill>
                   </a:tcPr>
                 </a:tc>
-              </a:tr>
-              <a:tr h="1733040">
                 <a:tc>
                   <a:txBody>
-                    <a:bodyPr lIns="90000" rIns="90000"/>
+                    <a:bodyPr/>
+                    <a:lstStyle/>
                     <a:p>
                       <a:pPr>
                         <a:lnSpc>
@@ -4358,7 +5203,70 @@
                         </a:lnSpc>
                       </a:pPr>
                       <a:r>
-                        <a:rPr b="0" lang="en-US" sz="3600" spc="-1" strike="noStrike">
+                        <a:rPr lang="en-US" sz="3200" b="0" strike="noStrike" spc="-1" dirty="0">
+                          <a:latin typeface="Arial"/>
+                          <a:hlinkClick r:id="rId2"/>
+                        </a:rPr>
+                        <a:t>Link to Notebook</a:t>
+                      </a:r>
+                      <a:endParaRPr lang="en-US" sz="3200" b="0" strike="noStrike" spc="-1" dirty="0">
+                        <a:latin typeface="Arial"/>
+                      </a:endParaRPr>
+                    </a:p>
+                  </a:txBody>
+                  <a:tcPr marL="90000" marR="90000">
+                    <a:lnL w="720">
+                      <a:solidFill>
+                        <a:srgbClr val="FFFFFF"/>
+                      </a:solidFill>
+                    </a:lnL>
+                    <a:lnR w="720">
+                      <a:solidFill>
+                        <a:srgbClr val="FFFFFF"/>
+                      </a:solidFill>
+                    </a:lnR>
+                    <a:lnT w="720" cap="flat" cmpd="sng" algn="ctr">
+                      <a:solidFill>
+                        <a:srgbClr val="FFFFFF"/>
+                      </a:solidFill>
+                      <a:prstDash val="solid"/>
+                      <a:round/>
+                      <a:headEnd type="none" w="med" len="med"/>
+                      <a:tailEnd type="none" w="med" len="med"/>
+                    </a:lnT>
+                    <a:lnB w="720" cap="flat" cmpd="sng" algn="ctr">
+                      <a:solidFill>
+                        <a:srgbClr val="FFFFFF"/>
+                      </a:solidFill>
+                      <a:prstDash val="solid"/>
+                      <a:round/>
+                      <a:headEnd type="none" w="med" len="med"/>
+                      <a:tailEnd type="none" w="med" len="med"/>
+                    </a:lnB>
+                    <a:solidFill>
+                      <a:srgbClr val="CCCCCC"/>
+                    </a:solidFill>
+                  </a:tcPr>
+                </a:tc>
+                <a:extLst>
+                  <a:ext uri="{0D108BD9-81ED-4DB2-BD59-A6C34878D82A}">
+                    <a16:rowId xmlns:a16="http://schemas.microsoft.com/office/drawing/2014/main" val="10001"/>
+                  </a:ext>
+                </a:extLst>
+              </a:tr>
+              <a:tr h="1733040">
+                <a:tc>
+                  <a:txBody>
+                    <a:bodyPr/>
+                    <a:lstStyle/>
+                    <a:p>
+                      <a:pPr>
+                        <a:lnSpc>
+                          <a:spcPct val="100000"/>
+                        </a:lnSpc>
+                      </a:pPr>
+                      <a:r>
+                        <a:rPr lang="en-US" sz="3600" b="0" strike="noStrike" spc="-1">
                           <a:solidFill>
                             <a:srgbClr val="000000"/>
                           </a:solidFill>
@@ -4367,7 +5275,7 @@
                         </a:rPr>
                         <a:t>Electronics – 4K LM</a:t>
                       </a:r>
-                      <a:endParaRPr b="0" lang="en-US" sz="3600" spc="-1" strike="noStrike">
+                      <a:endParaRPr lang="en-US" sz="3600" b="0" strike="noStrike" spc="-1">
                         <a:latin typeface="Arial"/>
                       </a:endParaRPr>
                     </a:p>
@@ -4375,32 +5283,33 @@
                   <a:tcPr marL="90000" marR="90000">
                     <a:lnL w="720">
                       <a:solidFill>
-                        <a:srgbClr val="ffffff"/>
+                        <a:srgbClr val="FFFFFF"/>
                       </a:solidFill>
                     </a:lnL>
                     <a:lnR w="720">
                       <a:solidFill>
-                        <a:srgbClr val="ffffff"/>
+                        <a:srgbClr val="FFFFFF"/>
                       </a:solidFill>
                     </a:lnR>
                     <a:lnT w="720">
                       <a:solidFill>
-                        <a:srgbClr val="ffffff"/>
+                        <a:srgbClr val="FFFFFF"/>
                       </a:solidFill>
                     </a:lnT>
                     <a:lnB w="720">
                       <a:solidFill>
-                        <a:srgbClr val="ffffff"/>
+                        <a:srgbClr val="FFFFFF"/>
                       </a:solidFill>
                     </a:lnB>
                     <a:solidFill>
-                      <a:srgbClr val="e6e6e6"/>
+                      <a:srgbClr val="E6E6E6"/>
                     </a:solidFill>
                   </a:tcPr>
                 </a:tc>
                 <a:tc>
                   <a:txBody>
-                    <a:bodyPr lIns="90000" rIns="90000"/>
+                    <a:bodyPr/>
+                    <a:lstStyle/>
                     <a:p>
                       <a:pPr>
                         <a:lnSpc>
@@ -4408,7 +5317,7 @@
                         </a:lnSpc>
                       </a:pPr>
                       <a:r>
-                        <a:rPr b="0" lang="en-US" sz="3200" spc="-1" strike="noStrike">
+                        <a:rPr lang="en-US" sz="3200" b="0" strike="noStrike" spc="-1">
                           <a:solidFill>
                             <a:srgbClr val="000000"/>
                           </a:solidFill>
@@ -4417,7 +5326,7 @@
                         </a:rPr>
                         <a:t>0.4679</a:t>
                       </a:r>
-                      <a:endParaRPr b="0" lang="en-US" sz="3200" spc="-1" strike="noStrike">
+                      <a:endParaRPr lang="en-US" sz="3200" b="0" strike="noStrike" spc="-1">
                         <a:latin typeface="Arial"/>
                       </a:endParaRPr>
                     </a:p>
@@ -4425,32 +5334,33 @@
                   <a:tcPr marL="90000" marR="90000">
                     <a:lnL w="720">
                       <a:solidFill>
-                        <a:srgbClr val="ffffff"/>
+                        <a:srgbClr val="FFFFFF"/>
                       </a:solidFill>
                     </a:lnL>
                     <a:lnR w="720">
                       <a:solidFill>
-                        <a:srgbClr val="ffffff"/>
+                        <a:srgbClr val="FFFFFF"/>
                       </a:solidFill>
                     </a:lnR>
                     <a:lnT w="720">
                       <a:solidFill>
-                        <a:srgbClr val="ffffff"/>
+                        <a:srgbClr val="FFFFFF"/>
                       </a:solidFill>
                     </a:lnT>
                     <a:lnB w="720">
                       <a:solidFill>
-                        <a:srgbClr val="ffffff"/>
+                        <a:srgbClr val="FFFFFF"/>
                       </a:solidFill>
                     </a:lnB>
                     <a:solidFill>
-                      <a:srgbClr val="e6e6e6"/>
+                      <a:srgbClr val="E6E6E6"/>
                     </a:solidFill>
                   </a:tcPr>
                 </a:tc>
                 <a:tc>
                   <a:txBody>
-                    <a:bodyPr lIns="90000" rIns="90000"/>
+                    <a:bodyPr/>
+                    <a:lstStyle/>
                     <a:p>
                       <a:pPr>
                         <a:lnSpc>
@@ -4458,7 +5368,7 @@
                         </a:lnSpc>
                       </a:pPr>
                       <a:r>
-                        <a:rPr b="0" lang="en-US" sz="3200" spc="-1" strike="noStrike">
+                        <a:rPr lang="en-US" sz="3200" b="0" strike="noStrike" spc="-1">
                           <a:solidFill>
                             <a:srgbClr val="000000"/>
                           </a:solidFill>
@@ -4467,7 +5377,7 @@
                         </a:rPr>
                         <a:t>0.4732</a:t>
                       </a:r>
-                      <a:endParaRPr b="0" lang="en-US" sz="3200" spc="-1" strike="noStrike">
+                      <a:endParaRPr lang="en-US" sz="3200" b="0" strike="noStrike" spc="-1">
                         <a:latin typeface="Arial"/>
                       </a:endParaRPr>
                     </a:p>
@@ -4475,32 +5385,33 @@
                   <a:tcPr marL="90000" marR="90000">
                     <a:lnL w="720">
                       <a:solidFill>
-                        <a:srgbClr val="ffffff"/>
+                        <a:srgbClr val="FFFFFF"/>
                       </a:solidFill>
                     </a:lnL>
                     <a:lnR w="720">
                       <a:solidFill>
-                        <a:srgbClr val="ffffff"/>
+                        <a:srgbClr val="FFFFFF"/>
                       </a:solidFill>
                     </a:lnR>
                     <a:lnT w="720">
                       <a:solidFill>
-                        <a:srgbClr val="ffffff"/>
+                        <a:srgbClr val="FFFFFF"/>
                       </a:solidFill>
                     </a:lnT>
                     <a:lnB w="720">
                       <a:solidFill>
-                        <a:srgbClr val="ffffff"/>
+                        <a:srgbClr val="FFFFFF"/>
                       </a:solidFill>
                     </a:lnB>
                     <a:solidFill>
-                      <a:srgbClr val="e6e6e6"/>
+                      <a:srgbClr val="E6E6E6"/>
                     </a:solidFill>
                   </a:tcPr>
                 </a:tc>
                 <a:tc>
                   <a:txBody>
-                    <a:bodyPr lIns="90000" rIns="90000"/>
+                    <a:bodyPr/>
+                    <a:lstStyle/>
                     <a:p>
                       <a:pPr>
                         <a:lnSpc>
@@ -4508,7 +5419,7 @@
                         </a:lnSpc>
                       </a:pPr>
                       <a:r>
-                        <a:rPr b="0" lang="en-US" sz="3200" spc="-1" strike="noStrike">
+                        <a:rPr lang="en-US" sz="3200" b="0" strike="noStrike" spc="-1">
                           <a:solidFill>
                             <a:srgbClr val="000000"/>
                           </a:solidFill>
@@ -4517,7 +5428,7 @@
                         </a:rPr>
                         <a:t>0.7886</a:t>
                       </a:r>
-                      <a:endParaRPr b="0" lang="en-US" sz="3200" spc="-1" strike="noStrike">
+                      <a:endParaRPr lang="en-US" sz="3200" b="0" strike="noStrike" spc="-1">
                         <a:latin typeface="Arial"/>
                       </a:endParaRPr>
                     </a:p>
@@ -4525,34 +5436,93 @@
                   <a:tcPr marL="90000" marR="90000">
                     <a:lnL w="720">
                       <a:solidFill>
-                        <a:srgbClr val="ffffff"/>
+                        <a:srgbClr val="FFFFFF"/>
                       </a:solidFill>
                     </a:lnL>
-                    <a:lnR w="720">
-                      <a:solidFill>
-                        <a:srgbClr val="ffffff"/>
-                      </a:solidFill>
+                    <a:lnR w="720" cap="flat" cmpd="sng" algn="ctr">
+                      <a:solidFill>
+                        <a:srgbClr val="FFFFFF"/>
+                      </a:solidFill>
+                      <a:prstDash val="solid"/>
+                      <a:round/>
+                      <a:headEnd type="none" w="med" len="med"/>
+                      <a:tailEnd type="none" w="med" len="med"/>
                     </a:lnR>
                     <a:lnT w="720">
                       <a:solidFill>
-                        <a:srgbClr val="ffffff"/>
+                        <a:srgbClr val="FFFFFF"/>
                       </a:solidFill>
                     </a:lnT>
                     <a:lnB w="720">
                       <a:solidFill>
-                        <a:srgbClr val="ffffff"/>
+                        <a:srgbClr val="FFFFFF"/>
                       </a:solidFill>
                     </a:lnB>
                     <a:solidFill>
-                      <a:srgbClr val="e6e6e6"/>
+                      <a:srgbClr val="E6E6E6"/>
                     </a:solidFill>
                   </a:tcPr>
                 </a:tc>
+                <a:tc>
+                  <a:txBody>
+                    <a:bodyPr/>
+                    <a:lstStyle/>
+                    <a:p>
+                      <a:pPr>
+                        <a:lnSpc>
+                          <a:spcPct val="100000"/>
+                        </a:lnSpc>
+                      </a:pPr>
+                      <a:endParaRPr lang="en-US" sz="3200" b="0" strike="noStrike" spc="-1" dirty="0">
+                        <a:latin typeface="Arial"/>
+                      </a:endParaRPr>
+                    </a:p>
+                  </a:txBody>
+                  <a:tcPr marL="90000" marR="90000">
+                    <a:lnL w="720">
+                      <a:solidFill>
+                        <a:srgbClr val="FFFFFF"/>
+                      </a:solidFill>
+                    </a:lnL>
+                    <a:lnR w="720">
+                      <a:solidFill>
+                        <a:srgbClr val="FFFFFF"/>
+                      </a:solidFill>
+                    </a:lnR>
+                    <a:lnT w="720" cap="flat" cmpd="sng" algn="ctr">
+                      <a:solidFill>
+                        <a:srgbClr val="FFFFFF"/>
+                      </a:solidFill>
+                      <a:prstDash val="solid"/>
+                      <a:round/>
+                      <a:headEnd type="none" w="med" len="med"/>
+                      <a:tailEnd type="none" w="med" len="med"/>
+                    </a:lnT>
+                    <a:lnB w="720" cap="flat" cmpd="sng" algn="ctr">
+                      <a:solidFill>
+                        <a:srgbClr val="FFFFFF"/>
+                      </a:solidFill>
+                      <a:prstDash val="solid"/>
+                      <a:round/>
+                      <a:headEnd type="none" w="med" len="med"/>
+                      <a:tailEnd type="none" w="med" len="med"/>
+                    </a:lnB>
+                    <a:solidFill>
+                      <a:srgbClr val="E6E6E6"/>
+                    </a:solidFill>
+                  </a:tcPr>
+                </a:tc>
+                <a:extLst>
+                  <a:ext uri="{0D108BD9-81ED-4DB2-BD59-A6C34878D82A}">
+                    <a16:rowId xmlns:a16="http://schemas.microsoft.com/office/drawing/2014/main" val="10002"/>
+                  </a:ext>
+                </a:extLst>
               </a:tr>
               <a:tr h="1732680">
                 <a:tc>
                   <a:txBody>
-                    <a:bodyPr lIns="90000" rIns="90000"/>
+                    <a:bodyPr/>
+                    <a:lstStyle/>
                     <a:p>
                       <a:pPr>
                         <a:lnSpc>
@@ -4560,7 +5530,7 @@
                         </a:lnSpc>
                       </a:pPr>
                       <a:r>
-                        <a:rPr b="0" lang="en-US" sz="3600" spc="-1" strike="noStrike">
+                        <a:rPr lang="en-US" sz="3600" b="0" strike="noStrike" spc="-1">
                           <a:solidFill>
                             <a:srgbClr val="000000"/>
                           </a:solidFill>
@@ -4569,7 +5539,7 @@
                         </a:rPr>
                         <a:t>Electronics – 19K LM</a:t>
                       </a:r>
-                      <a:endParaRPr b="0" lang="en-US" sz="3600" spc="-1" strike="noStrike">
+                      <a:endParaRPr lang="en-US" sz="3600" b="0" strike="noStrike" spc="-1">
                         <a:latin typeface="Arial"/>
                       </a:endParaRPr>
                     </a:p>
@@ -4577,32 +5547,33 @@
                   <a:tcPr marL="90000" marR="90000">
                     <a:lnL w="720">
                       <a:solidFill>
-                        <a:srgbClr val="ffffff"/>
+                        <a:srgbClr val="FFFFFF"/>
                       </a:solidFill>
                     </a:lnL>
                     <a:lnR w="720">
                       <a:solidFill>
-                        <a:srgbClr val="ffffff"/>
+                        <a:srgbClr val="FFFFFF"/>
                       </a:solidFill>
                     </a:lnR>
                     <a:lnT w="720">
                       <a:solidFill>
-                        <a:srgbClr val="ffffff"/>
+                        <a:srgbClr val="FFFFFF"/>
                       </a:solidFill>
                     </a:lnT>
                     <a:lnB w="720">
                       <a:solidFill>
-                        <a:srgbClr val="ffffff"/>
+                        <a:srgbClr val="FFFFFF"/>
                       </a:solidFill>
                     </a:lnB>
                     <a:solidFill>
-                      <a:srgbClr val="cccccc"/>
+                      <a:srgbClr val="CCCCCC"/>
                     </a:solidFill>
                   </a:tcPr>
                 </a:tc>
                 <a:tc>
                   <a:txBody>
-                    <a:bodyPr lIns="90000" rIns="90000"/>
+                    <a:bodyPr/>
+                    <a:lstStyle/>
                     <a:p>
                       <a:pPr>
                         <a:lnSpc>
@@ -4610,7 +5581,7 @@
                         </a:lnSpc>
                       </a:pPr>
                       <a:r>
-                        <a:rPr b="0" lang="en-US" sz="3200" spc="-1" strike="noStrike">
+                        <a:rPr lang="en-US" sz="3200" b="0" strike="noStrike" spc="-1">
                           <a:solidFill>
                             <a:srgbClr val="000000"/>
                           </a:solidFill>
@@ -4619,7 +5590,7 @@
                         </a:rPr>
                         <a:t>0.5000</a:t>
                       </a:r>
-                      <a:endParaRPr b="0" lang="en-US" sz="3200" spc="-1" strike="noStrike">
+                      <a:endParaRPr lang="en-US" sz="3200" b="0" strike="noStrike" spc="-1">
                         <a:latin typeface="Arial"/>
                       </a:endParaRPr>
                     </a:p>
@@ -4627,32 +5598,33 @@
                   <a:tcPr marL="90000" marR="90000">
                     <a:lnL w="720">
                       <a:solidFill>
-                        <a:srgbClr val="ffffff"/>
+                        <a:srgbClr val="FFFFFF"/>
                       </a:solidFill>
                     </a:lnL>
                     <a:lnR w="720">
                       <a:solidFill>
-                        <a:srgbClr val="ffffff"/>
+                        <a:srgbClr val="FFFFFF"/>
                       </a:solidFill>
                     </a:lnR>
                     <a:lnT w="720">
                       <a:solidFill>
-                        <a:srgbClr val="ffffff"/>
+                        <a:srgbClr val="FFFFFF"/>
                       </a:solidFill>
                     </a:lnT>
                     <a:lnB w="720">
                       <a:solidFill>
-                        <a:srgbClr val="ffffff"/>
+                        <a:srgbClr val="FFFFFF"/>
                       </a:solidFill>
                     </a:lnB>
                     <a:solidFill>
-                      <a:srgbClr val="cccccc"/>
+                      <a:srgbClr val="CCCCCC"/>
                     </a:solidFill>
                   </a:tcPr>
                 </a:tc>
                 <a:tc>
                   <a:txBody>
-                    <a:bodyPr lIns="90000" rIns="90000"/>
+                    <a:bodyPr/>
+                    <a:lstStyle/>
                     <a:p>
                       <a:pPr>
                         <a:lnSpc>
@@ -4660,7 +5632,7 @@
                         </a:lnSpc>
                       </a:pPr>
                       <a:r>
-                        <a:rPr b="0" lang="en-US" sz="3200" spc="-1" strike="noStrike">
+                        <a:rPr lang="en-US" sz="3200" b="0" strike="noStrike" spc="-1">
                           <a:solidFill>
                             <a:srgbClr val="000000"/>
                           </a:solidFill>
@@ -4669,7 +5641,7 @@
                         </a:rPr>
                         <a:t>0.4978</a:t>
                       </a:r>
-                      <a:endParaRPr b="0" lang="en-US" sz="3200" spc="-1" strike="noStrike">
+                      <a:endParaRPr lang="en-US" sz="3200" b="0" strike="noStrike" spc="-1">
                         <a:latin typeface="Arial"/>
                       </a:endParaRPr>
                     </a:p>
@@ -4677,32 +5649,33 @@
                   <a:tcPr marL="90000" marR="90000">
                     <a:lnL w="720">
                       <a:solidFill>
-                        <a:srgbClr val="ffffff"/>
+                        <a:srgbClr val="FFFFFF"/>
                       </a:solidFill>
                     </a:lnL>
                     <a:lnR w="720">
                       <a:solidFill>
-                        <a:srgbClr val="ffffff"/>
+                        <a:srgbClr val="FFFFFF"/>
                       </a:solidFill>
                     </a:lnR>
                     <a:lnT w="720">
                       <a:solidFill>
-                        <a:srgbClr val="ffffff"/>
+                        <a:srgbClr val="FFFFFF"/>
                       </a:solidFill>
                     </a:lnT>
                     <a:lnB w="720">
                       <a:solidFill>
-                        <a:srgbClr val="ffffff"/>
+                        <a:srgbClr val="FFFFFF"/>
                       </a:solidFill>
                     </a:lnB>
                     <a:solidFill>
-                      <a:srgbClr val="cccccc"/>
+                      <a:srgbClr val="CCCCCC"/>
                     </a:solidFill>
                   </a:tcPr>
                 </a:tc>
                 <a:tc>
                   <a:txBody>
-                    <a:bodyPr lIns="90000" rIns="90000"/>
+                    <a:bodyPr/>
+                    <a:lstStyle/>
                     <a:p>
                       <a:pPr>
                         <a:lnSpc>
@@ -4710,7 +5683,7 @@
                         </a:lnSpc>
                       </a:pPr>
                       <a:r>
-                        <a:rPr b="0" lang="en-US" sz="3200" spc="-1" strike="noStrike">
+                        <a:rPr lang="en-US" sz="3200" b="0" strike="noStrike" spc="-1" dirty="0">
                           <a:solidFill>
                             <a:srgbClr val="000000"/>
                           </a:solidFill>
@@ -4719,7 +5692,7 @@
                         </a:rPr>
                         <a:t>0.7724</a:t>
                       </a:r>
-                      <a:endParaRPr b="0" lang="en-US" sz="3200" spc="-1" strike="noStrike">
+                      <a:endParaRPr lang="en-US" sz="3200" b="0" strike="noStrike" spc="-1" dirty="0">
                         <a:latin typeface="Arial"/>
                       </a:endParaRPr>
                     </a:p>
@@ -4727,29 +5700,83 @@
                   <a:tcPr marL="90000" marR="90000">
                     <a:lnL w="720">
                       <a:solidFill>
-                        <a:srgbClr val="ffffff"/>
+                        <a:srgbClr val="FFFFFF"/>
                       </a:solidFill>
                     </a:lnL>
-                    <a:lnR w="720">
-                      <a:solidFill>
-                        <a:srgbClr val="ffffff"/>
-                      </a:solidFill>
+                    <a:lnR w="720" cap="flat" cmpd="sng" algn="ctr">
+                      <a:solidFill>
+                        <a:srgbClr val="FFFFFF"/>
+                      </a:solidFill>
+                      <a:prstDash val="solid"/>
+                      <a:round/>
+                      <a:headEnd type="none" w="med" len="med"/>
+                      <a:tailEnd type="none" w="med" len="med"/>
                     </a:lnR>
                     <a:lnT w="720">
                       <a:solidFill>
-                        <a:srgbClr val="ffffff"/>
+                        <a:srgbClr val="FFFFFF"/>
                       </a:solidFill>
                     </a:lnT>
                     <a:lnB w="720">
                       <a:solidFill>
-                        <a:srgbClr val="ffffff"/>
+                        <a:srgbClr val="FFFFFF"/>
                       </a:solidFill>
                     </a:lnB>
                     <a:solidFill>
-                      <a:srgbClr val="cccccc"/>
+                      <a:srgbClr val="CCCCCC"/>
                     </a:solidFill>
                   </a:tcPr>
                 </a:tc>
+                <a:tc>
+                  <a:txBody>
+                    <a:bodyPr/>
+                    <a:lstStyle/>
+                    <a:p>
+                      <a:pPr>
+                        <a:lnSpc>
+                          <a:spcPct val="100000"/>
+                        </a:lnSpc>
+                      </a:pPr>
+                      <a:endParaRPr lang="en-US" sz="3200" b="0" strike="noStrike" spc="-1" dirty="0">
+                        <a:latin typeface="Arial"/>
+                      </a:endParaRPr>
+                    </a:p>
+                  </a:txBody>
+                  <a:tcPr marL="90000" marR="90000">
+                    <a:lnL w="720">
+                      <a:solidFill>
+                        <a:srgbClr val="FFFFFF"/>
+                      </a:solidFill>
+                    </a:lnL>
+                    <a:lnR w="720">
+                      <a:solidFill>
+                        <a:srgbClr val="FFFFFF"/>
+                      </a:solidFill>
+                    </a:lnR>
+                    <a:lnT w="720" cap="flat" cmpd="sng" algn="ctr">
+                      <a:solidFill>
+                        <a:srgbClr val="FFFFFF"/>
+                      </a:solidFill>
+                      <a:prstDash val="solid"/>
+                      <a:round/>
+                      <a:headEnd type="none" w="med" len="med"/>
+                      <a:tailEnd type="none" w="med" len="med"/>
+                    </a:lnT>
+                    <a:lnB w="720">
+                      <a:solidFill>
+                        <a:srgbClr val="FFFFFF"/>
+                      </a:solidFill>
+                    </a:lnB>
+                    <a:solidFill>
+                      <a:srgbClr val="CCCCCC"/>
+                    </a:solidFill>
+                  </a:tcPr>
+                </a:tc>
+                <a:extLst>
+                  <a:ext uri="{0D108BD9-81ED-4DB2-BD59-A6C34878D82A}">
+                    <a16:rowId xmlns:a16="http://schemas.microsoft.com/office/drawing/2014/main" val="10003"/>
+                  </a:ext>
+                </a:extLst>
               </a:tr>
             </a:tbl>
           </a:graphicData>
@@ -4757,22 +5784,25 @@
       </p:graphicFrame>
     </p:spTree>
   </p:cSld>
+  <p:clrMapOvr>
+    <a:masterClrMapping/>
+  </p:clrMapOvr>
   <p:timing>
     <p:tnLst>
       <p:par>
-        <p:cTn id="19" dur="indefinite" restart="never" nodeType="tmRoot">
+        <p:cTn id="1" dur="indefinite" restart="never" nodeType="tmRoot">
           <p:childTnLst>
             <p:seq>
-              <p:cTn id="20" dur="indefinite" nodeType="mainSeq"/>
+              <p:cTn id="2" dur="indefinite" nodeType="mainSeq"/>
               <p:prevCondLst>
-                <p:cond delay="0" evt="onPrev">
+                <p:cond evt="onPrev" delay="0">
                   <p:tgtEl>
                     <p:sldTgt/>
                   </p:tgtEl>
                 </p:cond>
               </p:prevCondLst>
               <p:nextCondLst>
-                <p:cond delay="0" evt="onNext">
+                <p:cond evt="onNext" delay="0">
                   <p:tgtEl>
                     <p:sldTgt/>
                   </p:tgtEl>
@@ -4788,7 +5818,7 @@
 </file>
 
 <file path=ppt/slides/slide11.xml><?xml version="1.0" encoding="utf-8"?>
-<p:sld xmlns:a="http://schemas.openxmlformats.org/drawingml/2006/main" xmlns:p="http://schemas.openxmlformats.org/presentationml/2006/main" xmlns:r="http://schemas.openxmlformats.org/officeDocument/2006/relationships" xmlns:p14="http://schemas.microsoft.com/office/powerpoint/2010/main" xmlns:p15="http://schemas.microsoft.com/office/powerpoint/2012/main" xmlns:mc="http://schemas.openxmlformats.org/markup-compatibility/2006">
+<p:sld xmlns:a="http://schemas.openxmlformats.org/drawingml/2006/main" xmlns:r="http://schemas.openxmlformats.org/officeDocument/2006/relationships" xmlns:p="http://schemas.openxmlformats.org/presentationml/2006/main">
   <p:cSld>
     <p:spTree>
       <p:nvGrpSpPr>
@@ -4824,13 +5854,20 @@
           </a:ln>
         </p:spPr>
         <p:style>
-          <a:lnRef idx="0"/>
-          <a:fillRef idx="0"/>
-          <a:effectRef idx="0"/>
+          <a:lnRef idx="0">
+            <a:scrgbClr r="0" g="0" b="0"/>
+          </a:lnRef>
+          <a:fillRef idx="0">
+            <a:scrgbClr r="0" g="0" b="0"/>
+          </a:fillRef>
+          <a:effectRef idx="0">
+            <a:scrgbClr r="0" g="0" b="0"/>
+          </a:effectRef>
           <a:fontRef idx="minor"/>
         </p:style>
         <p:txBody>
-          <a:bodyPr lIns="0" rIns="0" tIns="0" bIns="0" anchor="ctr"/>
+          <a:bodyPr lIns="0" tIns="0" rIns="0" bIns="0" anchor="ctr"/>
+          <a:lstStyle/>
           <a:p>
             <a:pPr algn="ctr">
               <a:lnSpc>
@@ -4838,7 +5875,7 @@
               </a:lnSpc>
             </a:pPr>
             <a:r>
-              <a:rPr b="1" lang="en-US" sz="4800" spc="-1" strike="noStrike">
+              <a:rPr lang="en-US" sz="4800" b="1" strike="noStrike" spc="-1">
                 <a:solidFill>
                   <a:srgbClr val="000000"/>
                 </a:solidFill>
@@ -4847,7 +5884,7 @@
               </a:rPr>
               <a:t>Results – Balanced Data</a:t>
             </a:r>
-            <a:endParaRPr b="0" lang="en-US" sz="4800" spc="-1" strike="noStrike">
+            <a:endParaRPr lang="en-US" sz="4800" b="0" strike="noStrike" spc="-1">
               <a:latin typeface="Arial"/>
             </a:endParaRPr>
           </a:p>
@@ -4857,27 +5894,64 @@
         <p:nvGraphicFramePr>
           <p:cNvPr id="101" name="Table 2"/>
           <p:cNvGraphicFramePr/>
-          <p:nvPr/>
+          <p:nvPr>
+            <p:extLst>
+              <p:ext uri="{D42A27DB-BD31-4B8C-83A1-F6EECF244321}">
+                <p14:modId xmlns:p14="http://schemas.microsoft.com/office/powerpoint/2010/main" val="4082619823"/>
+              </p:ext>
+            </p:extLst>
+          </p:nvPr>
         </p:nvGraphicFramePr>
         <p:xfrm>
           <a:off x="2296800" y="2908080"/>
-          <a:ext cx="24337080" cy="5019840"/>
+          <a:ext cx="18264960" cy="5020200"/>
         </p:xfrm>
         <a:graphic>
           <a:graphicData uri="http://schemas.openxmlformats.org/drawingml/2006/table">
             <a:tbl>
               <a:tblPr/>
               <a:tblGrid>
-                <a:gridCol w="3097080"/>
-                <a:gridCol w="4376160"/>
-                <a:gridCol w="3573720"/>
-                <a:gridCol w="3627720"/>
-                <a:gridCol w="3590280"/>
+                <a:gridCol w="3097080">
+                  <a:extLst>
+                    <a:ext uri="{9D8B030D-6E8A-4147-A177-3AD203B41FA5}">
+                      <a16:colId xmlns:a16="http://schemas.microsoft.com/office/drawing/2014/main" val="20000"/>
+                    </a:ext>
+                  </a:extLst>
+                </a:gridCol>
+                <a:gridCol w="4376160">
+                  <a:extLst>
+                    <a:ext uri="{9D8B030D-6E8A-4147-A177-3AD203B41FA5}">
+                      <a16:colId xmlns:a16="http://schemas.microsoft.com/office/drawing/2014/main" val="20001"/>
+                    </a:ext>
+                  </a:extLst>
+                </a:gridCol>
+                <a:gridCol w="3573720">
+                  <a:extLst>
+                    <a:ext uri="{9D8B030D-6E8A-4147-A177-3AD203B41FA5}">
+                      <a16:colId xmlns:a16="http://schemas.microsoft.com/office/drawing/2014/main" val="20002"/>
+                    </a:ext>
+                  </a:extLst>
+                </a:gridCol>
+                <a:gridCol w="3627720">
+                  <a:extLst>
+                    <a:ext uri="{9D8B030D-6E8A-4147-A177-3AD203B41FA5}">
+                      <a16:colId xmlns:a16="http://schemas.microsoft.com/office/drawing/2014/main" val="20003"/>
+                    </a:ext>
+                  </a:extLst>
+                </a:gridCol>
+                <a:gridCol w="3590280">
+                  <a:extLst>
+                    <a:ext uri="{9D8B030D-6E8A-4147-A177-3AD203B41FA5}">
+                      <a16:colId xmlns:a16="http://schemas.microsoft.com/office/drawing/2014/main" val="20004"/>
+                    </a:ext>
+                  </a:extLst>
+                </a:gridCol>
               </a:tblGrid>
               <a:tr h="1673640">
                 <a:tc>
                   <a:txBody>
-                    <a:bodyPr lIns="90000" rIns="90000"/>
+                    <a:bodyPr/>
+                    <a:lstStyle/>
                     <a:p>
                       <a:pPr>
                         <a:lnSpc>
@@ -4885,7 +5959,7 @@
                         </a:lnSpc>
                       </a:pPr>
                       <a:r>
-                        <a:rPr b="0" lang="en-US" sz="4000" spc="-1" strike="noStrike">
+                        <a:rPr lang="en-US" sz="4000" b="0" strike="noStrike" spc="-1">
                           <a:solidFill>
                             <a:srgbClr val="000000"/>
                           </a:solidFill>
@@ -4894,7 +5968,7 @@
                         </a:rPr>
                         <a:t>Domain</a:t>
                       </a:r>
-                      <a:endParaRPr b="0" lang="en-US" sz="4000" spc="-1" strike="noStrike">
+                      <a:endParaRPr lang="en-US" sz="4000" b="0" strike="noStrike" spc="-1">
                         <a:latin typeface="Arial"/>
                       </a:endParaRPr>
                     </a:p>
@@ -4902,32 +5976,33 @@
                   <a:tcPr marL="90000" marR="90000">
                     <a:lnL w="720">
                       <a:solidFill>
-                        <a:srgbClr val="ffffff"/>
+                        <a:srgbClr val="FFFFFF"/>
                       </a:solidFill>
                     </a:lnL>
                     <a:lnR w="720">
                       <a:solidFill>
-                        <a:srgbClr val="ffffff"/>
+                        <a:srgbClr val="FFFFFF"/>
                       </a:solidFill>
                     </a:lnR>
                     <a:lnT w="720">
                       <a:solidFill>
-                        <a:srgbClr val="ffffff"/>
+                        <a:srgbClr val="FFFFFF"/>
                       </a:solidFill>
                     </a:lnT>
                     <a:lnB w="720">
                       <a:solidFill>
-                        <a:srgbClr val="ffffff"/>
+                        <a:srgbClr val="FFFFFF"/>
                       </a:solidFill>
                     </a:lnB>
                     <a:solidFill>
-                      <a:srgbClr val="b3b3b3"/>
+                      <a:srgbClr val="B3B3B3"/>
                     </a:solidFill>
                   </a:tcPr>
                 </a:tc>
                 <a:tc>
                   <a:txBody>
-                    <a:bodyPr lIns="90000" rIns="90000"/>
+                    <a:bodyPr/>
+                    <a:lstStyle/>
                     <a:p>
                       <a:pPr>
                         <a:lnSpc>
@@ -4935,7 +6010,7 @@
                         </a:lnSpc>
                       </a:pPr>
                       <a:r>
-                        <a:rPr b="0" lang="en-US" sz="4000" spc="-1" strike="noStrike">
+                        <a:rPr lang="en-US" sz="4000" b="0" strike="noStrike" spc="-1">
                           <a:solidFill>
                             <a:srgbClr val="000000"/>
                           </a:solidFill>
@@ -4944,7 +6019,7 @@
                         </a:rPr>
                         <a:t>Training Loss</a:t>
                       </a:r>
-                      <a:endParaRPr b="0" lang="en-US" sz="4000" spc="-1" strike="noStrike">
+                      <a:endParaRPr lang="en-US" sz="4000" b="0" strike="noStrike" spc="-1">
                         <a:latin typeface="Arial"/>
                       </a:endParaRPr>
                     </a:p>
@@ -4952,32 +6027,33 @@
                   <a:tcPr marL="90000" marR="90000">
                     <a:lnL w="720">
                       <a:solidFill>
-                        <a:srgbClr val="ffffff"/>
+                        <a:srgbClr val="FFFFFF"/>
                       </a:solidFill>
                     </a:lnL>
                     <a:lnR w="720">
                       <a:solidFill>
-                        <a:srgbClr val="ffffff"/>
+                        <a:srgbClr val="FFFFFF"/>
                       </a:solidFill>
                     </a:lnR>
                     <a:lnT w="720">
                       <a:solidFill>
-                        <a:srgbClr val="ffffff"/>
+                        <a:srgbClr val="FFFFFF"/>
                       </a:solidFill>
                     </a:lnT>
                     <a:lnB w="720">
                       <a:solidFill>
-                        <a:srgbClr val="ffffff"/>
+                        <a:srgbClr val="FFFFFF"/>
                       </a:solidFill>
                     </a:lnB>
                     <a:solidFill>
-                      <a:srgbClr val="b3b3b3"/>
+                      <a:srgbClr val="B3B3B3"/>
                     </a:solidFill>
                   </a:tcPr>
                 </a:tc>
                 <a:tc>
                   <a:txBody>
-                    <a:bodyPr lIns="90000" rIns="90000"/>
+                    <a:bodyPr/>
+                    <a:lstStyle/>
                     <a:p>
                       <a:pPr>
                         <a:lnSpc>
@@ -4985,7 +6061,7 @@
                         </a:lnSpc>
                       </a:pPr>
                       <a:r>
-                        <a:rPr b="0" lang="en-US" sz="4000" spc="-1" strike="noStrike">
+                        <a:rPr lang="en-US" sz="4000" b="0" strike="noStrike" spc="-1">
                           <a:solidFill>
                             <a:srgbClr val="000000"/>
                           </a:solidFill>
@@ -4994,7 +6070,7 @@
                         </a:rPr>
                         <a:t>Validation Loss</a:t>
                       </a:r>
-                      <a:endParaRPr b="0" lang="en-US" sz="4000" spc="-1" strike="noStrike">
+                      <a:endParaRPr lang="en-US" sz="4000" b="0" strike="noStrike" spc="-1">
                         <a:latin typeface="Arial"/>
                       </a:endParaRPr>
                     </a:p>
@@ -5002,32 +6078,33 @@
                   <a:tcPr marL="90000" marR="90000">
                     <a:lnL w="720">
                       <a:solidFill>
-                        <a:srgbClr val="ffffff"/>
+                        <a:srgbClr val="FFFFFF"/>
                       </a:solidFill>
                     </a:lnL>
                     <a:lnR w="720">
                       <a:solidFill>
-                        <a:srgbClr val="ffffff"/>
+                        <a:srgbClr val="FFFFFF"/>
                       </a:solidFill>
                     </a:lnR>
                     <a:lnT w="720">
                       <a:solidFill>
-                        <a:srgbClr val="ffffff"/>
+                        <a:srgbClr val="FFFFFF"/>
                       </a:solidFill>
                     </a:lnT>
                     <a:lnB w="720">
                       <a:solidFill>
-                        <a:srgbClr val="ffffff"/>
+                        <a:srgbClr val="FFFFFF"/>
                       </a:solidFill>
                     </a:lnB>
                     <a:solidFill>
-                      <a:srgbClr val="b3b3b3"/>
+                      <a:srgbClr val="B3B3B3"/>
                     </a:solidFill>
                   </a:tcPr>
                 </a:tc>
                 <a:tc>
                   <a:txBody>
-                    <a:bodyPr lIns="90000" rIns="90000"/>
+                    <a:bodyPr/>
+                    <a:lstStyle/>
                     <a:p>
                       <a:pPr>
                         <a:lnSpc>
@@ -5035,7 +6112,7 @@
                         </a:lnSpc>
                       </a:pPr>
                       <a:r>
-                        <a:rPr b="0" lang="en-US" sz="4000" spc="-1" strike="noStrike">
+                        <a:rPr lang="en-US" sz="4000" b="0" strike="noStrike" spc="-1">
                           <a:solidFill>
                             <a:srgbClr val="000000"/>
                           </a:solidFill>
@@ -5044,7 +6121,7 @@
                         </a:rPr>
                         <a:t>Accuracy</a:t>
                       </a:r>
-                      <a:endParaRPr b="0" lang="en-US" sz="4000" spc="-1" strike="noStrike">
+                      <a:endParaRPr lang="en-US" sz="4000" b="0" strike="noStrike" spc="-1">
                         <a:latin typeface="Arial"/>
                       </a:endParaRPr>
                     </a:p>
@@ -5052,35 +6129,36 @@
                   <a:tcPr marL="90000" marR="90000">
                     <a:lnL w="720">
                       <a:solidFill>
-                        <a:srgbClr val="ffffff"/>
+                        <a:srgbClr val="FFFFFF"/>
                       </a:solidFill>
                     </a:lnL>
                     <a:lnR w="720">
                       <a:solidFill>
-                        <a:srgbClr val="ffffff"/>
+                        <a:srgbClr val="FFFFFF"/>
                       </a:solidFill>
                     </a:lnR>
                     <a:lnT w="720">
                       <a:solidFill>
-                        <a:srgbClr val="ffffff"/>
+                        <a:srgbClr val="FFFFFF"/>
                       </a:solidFill>
                     </a:lnT>
                     <a:lnB w="720">
                       <a:solidFill>
-                        <a:srgbClr val="ffffff"/>
+                        <a:srgbClr val="FFFFFF"/>
                       </a:solidFill>
                     </a:lnB>
                     <a:solidFill>
-                      <a:srgbClr val="b3b3b3"/>
+                      <a:srgbClr val="B3B3B3"/>
                     </a:solidFill>
                   </a:tcPr>
                 </a:tc>
                 <a:tc>
                   <a:txBody>
-                    <a:bodyPr lIns="90000" rIns="90000"/>
+                    <a:bodyPr/>
+                    <a:lstStyle/>
                     <a:p>
                       <a:r>
-                        <a:rPr b="0" lang="en-US" sz="4000" spc="-1" strike="noStrike">
+                        <a:rPr lang="en-US" sz="4000" b="0" strike="noStrike" spc="-1" dirty="0">
                           <a:solidFill>
                             <a:srgbClr val="000000"/>
                           </a:solidFill>
@@ -5089,7 +6167,7 @@
                         </a:rPr>
                         <a:t>Workbook</a:t>
                       </a:r>
-                      <a:endParaRPr b="0" lang="en-US" sz="4000" spc="-1" strike="noStrike">
+                      <a:endParaRPr lang="en-US" sz="4000" b="0" strike="noStrike" spc="-1" dirty="0">
                         <a:latin typeface="Arial"/>
                       </a:endParaRPr>
                     </a:p>
@@ -5097,34 +6175,40 @@
                   <a:tcPr marL="90000" marR="90000">
                     <a:lnL w="720">
                       <a:solidFill>
-                        <a:srgbClr val="ffffff"/>
+                        <a:srgbClr val="FFFFFF"/>
                       </a:solidFill>
                     </a:lnL>
                     <a:lnR w="720">
                       <a:solidFill>
-                        <a:srgbClr val="ffffff"/>
+                        <a:srgbClr val="FFFFFF"/>
                       </a:solidFill>
                     </a:lnR>
                     <a:lnT w="720">
                       <a:solidFill>
-                        <a:srgbClr val="ffffff"/>
+                        <a:srgbClr val="FFFFFF"/>
                       </a:solidFill>
                     </a:lnT>
                     <a:lnB w="720">
                       <a:solidFill>
-                        <a:srgbClr val="ffffff"/>
+                        <a:srgbClr val="FFFFFF"/>
                       </a:solidFill>
                     </a:lnB>
                     <a:solidFill>
-                      <a:srgbClr val="b3b3b3"/>
+                      <a:srgbClr val="B3B3B3"/>
                     </a:solidFill>
                   </a:tcPr>
                 </a:tc>
+                <a:extLst>
+                  <a:ext uri="{0D108BD9-81ED-4DB2-BD59-A6C34878D82A}">
+                    <a16:rowId xmlns:a16="http://schemas.microsoft.com/office/drawing/2014/main" val="10000"/>
+                  </a:ext>
+                </a:extLst>
               </a:tr>
               <a:tr h="1673640">
                 <a:tc>
                   <a:txBody>
-                    <a:bodyPr lIns="90000" rIns="90000"/>
+                    <a:bodyPr/>
+                    <a:lstStyle/>
                     <a:p>
                       <a:pPr>
                         <a:lnSpc>
@@ -5132,7 +6216,7 @@
                         </a:lnSpc>
                       </a:pPr>
                       <a:r>
-                        <a:rPr b="0" lang="en-US" sz="3600" spc="-1" strike="noStrike">
+                        <a:rPr lang="en-US" sz="3600" b="0" strike="noStrike" spc="-1">
                           <a:solidFill>
                             <a:srgbClr val="000000"/>
                           </a:solidFill>
@@ -5141,7 +6225,7 @@
                         </a:rPr>
                         <a:t>Electronics</a:t>
                       </a:r>
-                      <a:endParaRPr b="0" lang="en-US" sz="3600" spc="-1" strike="noStrike">
+                      <a:endParaRPr lang="en-US" sz="3600" b="0" strike="noStrike" spc="-1">
                         <a:latin typeface="Arial"/>
                       </a:endParaRPr>
                     </a:p>
@@ -5149,32 +6233,33 @@
                   <a:tcPr marL="90000" marR="90000">
                     <a:lnL w="720">
                       <a:solidFill>
-                        <a:srgbClr val="ffffff"/>
+                        <a:srgbClr val="FFFFFF"/>
                       </a:solidFill>
                     </a:lnL>
                     <a:lnR w="720">
                       <a:solidFill>
-                        <a:srgbClr val="ffffff"/>
+                        <a:srgbClr val="FFFFFF"/>
                       </a:solidFill>
                     </a:lnR>
                     <a:lnT w="720">
                       <a:solidFill>
-                        <a:srgbClr val="ffffff"/>
+                        <a:srgbClr val="FFFFFF"/>
                       </a:solidFill>
                     </a:lnT>
                     <a:lnB w="720">
                       <a:solidFill>
-                        <a:srgbClr val="ffffff"/>
+                        <a:srgbClr val="FFFFFF"/>
                       </a:solidFill>
                     </a:lnB>
                     <a:solidFill>
-                      <a:srgbClr val="e6e6e6"/>
+                      <a:srgbClr val="E6E6E6"/>
                     </a:solidFill>
                   </a:tcPr>
                 </a:tc>
                 <a:tc>
                   <a:txBody>
-                    <a:bodyPr lIns="90000" rIns="90000"/>
+                    <a:bodyPr/>
+                    <a:lstStyle/>
                     <a:p>
                       <a:pPr>
                         <a:lnSpc>
@@ -5182,7 +6267,7 @@
                         </a:lnSpc>
                       </a:pPr>
                       <a:r>
-                        <a:rPr b="0" lang="en-US" sz="3200" spc="-1" strike="noStrike">
+                        <a:rPr lang="en-US" sz="3200" b="0" strike="noStrike" spc="-1">
                           <a:solidFill>
                             <a:srgbClr val="000000"/>
                           </a:solidFill>
@@ -5191,7 +6276,7 @@
                         </a:rPr>
                         <a:t>0.2017</a:t>
                       </a:r>
-                      <a:endParaRPr b="0" lang="en-US" sz="3200" spc="-1" strike="noStrike">
+                      <a:endParaRPr lang="en-US" sz="3200" b="0" strike="noStrike" spc="-1">
                         <a:latin typeface="Arial"/>
                       </a:endParaRPr>
                     </a:p>
@@ -5199,32 +6284,33 @@
                   <a:tcPr marL="90000" marR="90000">
                     <a:lnL w="720">
                       <a:solidFill>
-                        <a:srgbClr val="ffffff"/>
+                        <a:srgbClr val="FFFFFF"/>
                       </a:solidFill>
                     </a:lnL>
                     <a:lnR w="720">
                       <a:solidFill>
-                        <a:srgbClr val="ffffff"/>
+                        <a:srgbClr val="FFFFFF"/>
                       </a:solidFill>
                     </a:lnR>
                     <a:lnT w="720">
                       <a:solidFill>
-                        <a:srgbClr val="ffffff"/>
+                        <a:srgbClr val="FFFFFF"/>
                       </a:solidFill>
                     </a:lnT>
                     <a:lnB w="720">
                       <a:solidFill>
-                        <a:srgbClr val="ffffff"/>
+                        <a:srgbClr val="FFFFFF"/>
                       </a:solidFill>
                     </a:lnB>
                     <a:solidFill>
-                      <a:srgbClr val="e6e6e6"/>
+                      <a:srgbClr val="E6E6E6"/>
                     </a:solidFill>
                   </a:tcPr>
                 </a:tc>
                 <a:tc>
                   <a:txBody>
-                    <a:bodyPr lIns="90000" rIns="90000"/>
+                    <a:bodyPr/>
+                    <a:lstStyle/>
                     <a:p>
                       <a:pPr>
                         <a:lnSpc>
@@ -5232,7 +6318,7 @@
                         </a:lnSpc>
                       </a:pPr>
                       <a:r>
-                        <a:rPr b="0" lang="en-US" sz="3200" spc="-1" strike="noStrike">
+                        <a:rPr lang="en-US" sz="3200" b="0" strike="noStrike" spc="-1">
                           <a:solidFill>
                             <a:srgbClr val="000000"/>
                           </a:solidFill>
@@ -5241,7 +6327,7 @@
                         </a:rPr>
                         <a:t>0.2455</a:t>
                       </a:r>
-                      <a:endParaRPr b="0" lang="en-US" sz="3200" spc="-1" strike="noStrike">
+                      <a:endParaRPr lang="en-US" sz="3200" b="0" strike="noStrike" spc="-1">
                         <a:latin typeface="Arial"/>
                       </a:endParaRPr>
                     </a:p>
@@ -5249,32 +6335,33 @@
                   <a:tcPr marL="90000" marR="90000">
                     <a:lnL w="720">
                       <a:solidFill>
-                        <a:srgbClr val="ffffff"/>
+                        <a:srgbClr val="FFFFFF"/>
                       </a:solidFill>
                     </a:lnL>
                     <a:lnR w="720">
                       <a:solidFill>
-                        <a:srgbClr val="ffffff"/>
+                        <a:srgbClr val="FFFFFF"/>
                       </a:solidFill>
                     </a:lnR>
                     <a:lnT w="720">
                       <a:solidFill>
-                        <a:srgbClr val="ffffff"/>
+                        <a:srgbClr val="FFFFFF"/>
                       </a:solidFill>
                     </a:lnT>
                     <a:lnB w="720">
                       <a:solidFill>
-                        <a:srgbClr val="ffffff"/>
+                        <a:srgbClr val="FFFFFF"/>
                       </a:solidFill>
                     </a:lnB>
                     <a:solidFill>
-                      <a:srgbClr val="e6e6e6"/>
+                      <a:srgbClr val="E6E6E6"/>
                     </a:solidFill>
                   </a:tcPr>
                 </a:tc>
                 <a:tc>
                   <a:txBody>
-                    <a:bodyPr lIns="90000" rIns="90000"/>
+                    <a:bodyPr/>
+                    <a:lstStyle/>
                     <a:p>
                       <a:pPr>
                         <a:lnSpc>
@@ -5282,7 +6369,7 @@
                         </a:lnSpc>
                       </a:pPr>
                       <a:r>
-                        <a:rPr b="0" lang="en-US" sz="3200" spc="-1" strike="noStrike">
+                        <a:rPr lang="en-US" sz="3200" b="0" strike="noStrike" spc="-1">
                           <a:solidFill>
                             <a:srgbClr val="000000"/>
                           </a:solidFill>
@@ -5291,7 +6378,7 @@
                         </a:rPr>
                         <a:t>0.9157</a:t>
                       </a:r>
-                      <a:endParaRPr b="0" lang="en-US" sz="3200" spc="-1" strike="noStrike">
+                      <a:endParaRPr lang="en-US" sz="3200" b="0" strike="noStrike" spc="-1">
                         <a:latin typeface="Arial"/>
                       </a:endParaRPr>
                     </a:p>
@@ -5299,40 +6386,42 @@
                   <a:tcPr marL="90000" marR="90000">
                     <a:lnL w="720">
                       <a:solidFill>
-                        <a:srgbClr val="ffffff"/>
+                        <a:srgbClr val="FFFFFF"/>
                       </a:solidFill>
                     </a:lnL>
                     <a:lnR w="720">
                       <a:solidFill>
-                        <a:srgbClr val="ffffff"/>
+                        <a:srgbClr val="FFFFFF"/>
                       </a:solidFill>
                     </a:lnR>
                     <a:lnT w="720">
                       <a:solidFill>
-                        <a:srgbClr val="ffffff"/>
+                        <a:srgbClr val="FFFFFF"/>
                       </a:solidFill>
                     </a:lnT>
                     <a:lnB w="720">
                       <a:solidFill>
-                        <a:srgbClr val="ffffff"/>
+                        <a:srgbClr val="FFFFFF"/>
                       </a:solidFill>
                     </a:lnB>
                     <a:solidFill>
-                      <a:srgbClr val="e6e6e6"/>
+                      <a:srgbClr val="E6E6E6"/>
                     </a:solidFill>
                   </a:tcPr>
                 </a:tc>
                 <a:tc>
                   <a:txBody>
-                    <a:bodyPr lIns="90000" rIns="90000"/>
+                    <a:bodyPr/>
+                    <a:lstStyle/>
                     <a:p>
                       <a:r>
-                        <a:rPr b="0" lang="en-US" sz="1800" spc="-1" strike="noStrike">
+                        <a:rPr lang="en-US" sz="3200" b="0" strike="noStrike" spc="-1" dirty="0">
                           <a:latin typeface="Arial"/>
+                          <a:hlinkClick r:id="rId2"/>
                         </a:rPr>
-                        <a:t>https://github.com/postprandial/fastai-amazonreview/blob/main/Electronics/Electronics%20-%20Model-LM-v5.ipynb</a:t>
+                        <a:t>Link to Notebook</a:t>
                       </a:r>
-                      <a:endParaRPr b="0" lang="en-US" sz="1800" spc="-1" strike="noStrike">
+                      <a:endParaRPr lang="en-US" sz="3200" b="0" strike="noStrike" spc="-1" dirty="0">
                         <a:latin typeface="Arial"/>
                       </a:endParaRPr>
                     </a:p>
@@ -5340,166 +6429,211 @@
                   <a:tcPr marL="90000" marR="90000">
                     <a:lnL w="720">
                       <a:solidFill>
-                        <a:srgbClr val="ffffff"/>
+                        <a:srgbClr val="FFFFFF"/>
                       </a:solidFill>
                     </a:lnL>
                     <a:lnR w="720">
                       <a:solidFill>
-                        <a:srgbClr val="ffffff"/>
+                        <a:srgbClr val="FFFFFF"/>
                       </a:solidFill>
                     </a:lnR>
                     <a:lnT w="720">
                       <a:solidFill>
-                        <a:srgbClr val="ffffff"/>
+                        <a:srgbClr val="FFFFFF"/>
                       </a:solidFill>
                     </a:lnT>
                     <a:lnB w="720">
                       <a:solidFill>
-                        <a:srgbClr val="ffffff"/>
+                        <a:srgbClr val="FFFFFF"/>
                       </a:solidFill>
                     </a:lnB>
                     <a:solidFill>
-                      <a:srgbClr val="e6e6e6"/>
+                      <a:srgbClr val="E6E6E6"/>
                     </a:solidFill>
                   </a:tcPr>
                 </a:tc>
+                <a:extLst>
+                  <a:ext uri="{0D108BD9-81ED-4DB2-BD59-A6C34878D82A}">
+                    <a16:rowId xmlns:a16="http://schemas.microsoft.com/office/drawing/2014/main" val="10001"/>
+                  </a:ext>
+                </a:extLst>
               </a:tr>
               <a:tr h="1672920">
                 <a:tc>
+                  <a:txBody>
+                    <a:bodyPr/>
+                    <a:lstStyle/>
+                    <a:p>
+                      <a:endParaRPr lang="en-US"/>
+                    </a:p>
+                  </a:txBody>
                   <a:tcPr marL="90000" marR="90000">
                     <a:lnL w="720">
                       <a:solidFill>
-                        <a:srgbClr val="ffffff"/>
+                        <a:srgbClr val="FFFFFF"/>
                       </a:solidFill>
                     </a:lnL>
                     <a:lnR w="720">
                       <a:solidFill>
-                        <a:srgbClr val="ffffff"/>
+                        <a:srgbClr val="FFFFFF"/>
                       </a:solidFill>
                     </a:lnR>
                     <a:lnT w="720">
                       <a:solidFill>
-                        <a:srgbClr val="ffffff"/>
+                        <a:srgbClr val="FFFFFF"/>
                       </a:solidFill>
                     </a:lnT>
                     <a:lnB w="720">
                       <a:solidFill>
-                        <a:srgbClr val="ffffff"/>
+                        <a:srgbClr val="FFFFFF"/>
                       </a:solidFill>
                     </a:lnB>
                     <a:solidFill>
-                      <a:srgbClr val="cccccc"/>
+                      <a:srgbClr val="CCCCCC"/>
                     </a:solidFill>
                   </a:tcPr>
                 </a:tc>
                 <a:tc>
+                  <a:txBody>
+                    <a:bodyPr/>
+                    <a:lstStyle/>
+                    <a:p>
+                      <a:endParaRPr lang="en-US" dirty="0"/>
+                    </a:p>
+                  </a:txBody>
                   <a:tcPr marL="90000" marR="90000">
                     <a:lnL w="720">
                       <a:solidFill>
-                        <a:srgbClr val="ffffff"/>
+                        <a:srgbClr val="FFFFFF"/>
                       </a:solidFill>
                     </a:lnL>
                     <a:lnR w="720">
                       <a:solidFill>
-                        <a:srgbClr val="ffffff"/>
+                        <a:srgbClr val="FFFFFF"/>
                       </a:solidFill>
                     </a:lnR>
                     <a:lnT w="720">
                       <a:solidFill>
-                        <a:srgbClr val="ffffff"/>
+                        <a:srgbClr val="FFFFFF"/>
                       </a:solidFill>
                     </a:lnT>
                     <a:lnB w="720">
                       <a:solidFill>
-                        <a:srgbClr val="ffffff"/>
+                        <a:srgbClr val="FFFFFF"/>
                       </a:solidFill>
                     </a:lnB>
                     <a:solidFill>
-                      <a:srgbClr val="cccccc"/>
+                      <a:srgbClr val="CCCCCC"/>
                     </a:solidFill>
                   </a:tcPr>
                 </a:tc>
                 <a:tc>
+                  <a:txBody>
+                    <a:bodyPr/>
+                    <a:lstStyle/>
+                    <a:p>
+                      <a:endParaRPr lang="en-US"/>
+                    </a:p>
+                  </a:txBody>
                   <a:tcPr marL="90000" marR="90000">
                     <a:lnL w="720">
                       <a:solidFill>
-                        <a:srgbClr val="ffffff"/>
+                        <a:srgbClr val="FFFFFF"/>
                       </a:solidFill>
                     </a:lnL>
                     <a:lnR w="720">
                       <a:solidFill>
-                        <a:srgbClr val="ffffff"/>
+                        <a:srgbClr val="FFFFFF"/>
                       </a:solidFill>
                     </a:lnR>
                     <a:lnT w="720">
                       <a:solidFill>
-                        <a:srgbClr val="ffffff"/>
+                        <a:srgbClr val="FFFFFF"/>
                       </a:solidFill>
                     </a:lnT>
                     <a:lnB w="720">
                       <a:solidFill>
-                        <a:srgbClr val="ffffff"/>
+                        <a:srgbClr val="FFFFFF"/>
                       </a:solidFill>
                     </a:lnB>
                     <a:solidFill>
-                      <a:srgbClr val="cccccc"/>
+                      <a:srgbClr val="CCCCCC"/>
                     </a:solidFill>
                   </a:tcPr>
                 </a:tc>
                 <a:tc>
+                  <a:txBody>
+                    <a:bodyPr/>
+                    <a:lstStyle/>
+                    <a:p>
+                      <a:endParaRPr lang="en-US"/>
+                    </a:p>
+                  </a:txBody>
                   <a:tcPr marL="90000" marR="90000">
                     <a:lnL w="720">
                       <a:solidFill>
-                        <a:srgbClr val="ffffff"/>
+                        <a:srgbClr val="FFFFFF"/>
                       </a:solidFill>
                     </a:lnL>
                     <a:lnR w="720">
                       <a:solidFill>
-                        <a:srgbClr val="ffffff"/>
+                        <a:srgbClr val="FFFFFF"/>
                       </a:solidFill>
                     </a:lnR>
                     <a:lnT w="720">
                       <a:solidFill>
-                        <a:srgbClr val="ffffff"/>
+                        <a:srgbClr val="FFFFFF"/>
                       </a:solidFill>
                     </a:lnT>
                     <a:lnB w="720">
                       <a:solidFill>
-                        <a:srgbClr val="ffffff"/>
+                        <a:srgbClr val="FFFFFF"/>
                       </a:solidFill>
                     </a:lnB>
                     <a:solidFill>
-                      <a:srgbClr val="cccccc"/>
+                      <a:srgbClr val="CCCCCC"/>
                     </a:solidFill>
                   </a:tcPr>
                 </a:tc>
                 <a:tc>
+                  <a:txBody>
+                    <a:bodyPr/>
+                    <a:lstStyle/>
+                    <a:p>
+                      <a:endParaRPr lang="en-US" dirty="0"/>
+                    </a:p>
+                  </a:txBody>
                   <a:tcPr marL="90000" marR="90000">
                     <a:lnL w="720">
                       <a:solidFill>
-                        <a:srgbClr val="ffffff"/>
+                        <a:srgbClr val="FFFFFF"/>
                       </a:solidFill>
                     </a:lnL>
                     <a:lnR w="720">
                       <a:solidFill>
-                        <a:srgbClr val="ffffff"/>
+                        <a:srgbClr val="FFFFFF"/>
                       </a:solidFill>
                     </a:lnR>
                     <a:lnT w="720">
                       <a:solidFill>
-                        <a:srgbClr val="ffffff"/>
+                        <a:srgbClr val="FFFFFF"/>
                       </a:solidFill>
                     </a:lnT>
                     <a:lnB w="720">
                       <a:solidFill>
-                        <a:srgbClr val="ffffff"/>
+                        <a:srgbClr val="FFFFFF"/>
                       </a:solidFill>
                     </a:lnB>
                     <a:solidFill>
-                      <a:srgbClr val="cccccc"/>
+                      <a:srgbClr val="CCCCCC"/>
                     </a:solidFill>
                   </a:tcPr>
                 </a:tc>
+                <a:extLst>
+                  <a:ext uri="{0D108BD9-81ED-4DB2-BD59-A6C34878D82A}">
+                    <a16:rowId xmlns:a16="http://schemas.microsoft.com/office/drawing/2014/main" val="10002"/>
+                  </a:ext>
+                </a:extLst>
               </a:tr>
             </a:tbl>
           </a:graphicData>
@@ -5507,22 +6641,25 @@
       </p:graphicFrame>
     </p:spTree>
   </p:cSld>
+  <p:clrMapOvr>
+    <a:masterClrMapping/>
+  </p:clrMapOvr>
   <p:timing>
     <p:tnLst>
       <p:par>
-        <p:cTn id="21" dur="indefinite" restart="never" nodeType="tmRoot">
+        <p:cTn id="1" dur="indefinite" restart="never" nodeType="tmRoot">
           <p:childTnLst>
             <p:seq>
-              <p:cTn id="22" dur="indefinite" nodeType="mainSeq"/>
+              <p:cTn id="2" dur="indefinite" nodeType="mainSeq"/>
               <p:prevCondLst>
-                <p:cond delay="0" evt="onPrev">
+                <p:cond evt="onPrev" delay="0">
                   <p:tgtEl>
                     <p:sldTgt/>
                   </p:tgtEl>
                 </p:cond>
               </p:prevCondLst>
               <p:nextCondLst>
-                <p:cond delay="0" evt="onNext">
+                <p:cond evt="onNext" delay="0">
                   <p:tgtEl>
                     <p:sldTgt/>
                   </p:tgtEl>
@@ -5538,7 +6675,7 @@
 </file>
 
 <file path=ppt/slides/slide12.xml><?xml version="1.0" encoding="utf-8"?>
-<p:sld xmlns:a="http://schemas.openxmlformats.org/drawingml/2006/main" xmlns:p="http://schemas.openxmlformats.org/presentationml/2006/main" xmlns:r="http://schemas.openxmlformats.org/officeDocument/2006/relationships" xmlns:p14="http://schemas.microsoft.com/office/powerpoint/2010/main" xmlns:p15="http://schemas.microsoft.com/office/powerpoint/2012/main" xmlns:mc="http://schemas.openxmlformats.org/markup-compatibility/2006">
+<p:sld xmlns:a="http://schemas.openxmlformats.org/drawingml/2006/main" xmlns:r="http://schemas.openxmlformats.org/officeDocument/2006/relationships" xmlns:p="http://schemas.openxmlformats.org/presentationml/2006/main">
   <p:cSld>
     <p:spTree>
       <p:nvGrpSpPr>
@@ -5574,13 +6711,20 @@
           </a:ln>
         </p:spPr>
         <p:style>
-          <a:lnRef idx="0"/>
-          <a:fillRef idx="0"/>
-          <a:effectRef idx="0"/>
+          <a:lnRef idx="0">
+            <a:scrgbClr r="0" g="0" b="0"/>
+          </a:lnRef>
+          <a:fillRef idx="0">
+            <a:scrgbClr r="0" g="0" b="0"/>
+          </a:fillRef>
+          <a:effectRef idx="0">
+            <a:scrgbClr r="0" g="0" b="0"/>
+          </a:effectRef>
           <a:fontRef idx="minor"/>
         </p:style>
         <p:txBody>
-          <a:bodyPr lIns="0" rIns="0" tIns="0" bIns="0" anchor="ctr"/>
+          <a:bodyPr lIns="0" tIns="0" rIns="0" bIns="0" anchor="ctr"/>
+          <a:lstStyle/>
           <a:p>
             <a:pPr algn="ctr">
               <a:lnSpc>
@@ -5588,7 +6732,7 @@
               </a:lnSpc>
             </a:pPr>
             <a:r>
-              <a:rPr b="0" lang="en-US" sz="6600" spc="-1" strike="noStrike">
+              <a:rPr lang="en-US" sz="6600" b="0" strike="noStrike" spc="-1">
                 <a:solidFill>
                   <a:srgbClr val="000000"/>
                 </a:solidFill>
@@ -5597,7 +6741,7 @@
               </a:rPr>
               <a:t>Future Scope</a:t>
             </a:r>
-            <a:endParaRPr b="0" lang="en-US" sz="6600" spc="-1" strike="noStrike">
+            <a:endParaRPr lang="en-US" sz="6600" b="0" strike="noStrike" spc="-1">
               <a:latin typeface="Arial"/>
             </a:endParaRPr>
           </a:p>
@@ -5623,13 +6767,20 @@
           </a:ln>
         </p:spPr>
         <p:style>
-          <a:lnRef idx="0"/>
-          <a:fillRef idx="0"/>
-          <a:effectRef idx="0"/>
+          <a:lnRef idx="0">
+            <a:scrgbClr r="0" g="0" b="0"/>
+          </a:lnRef>
+          <a:fillRef idx="0">
+            <a:scrgbClr r="0" g="0" b="0"/>
+          </a:fillRef>
+          <a:effectRef idx="0">
+            <a:scrgbClr r="0" g="0" b="0"/>
+          </a:effectRef>
           <a:fontRef idx="minor"/>
         </p:style>
         <p:txBody>
-          <a:bodyPr lIns="90000" rIns="90000" tIns="45000" bIns="45000"/>
+          <a:bodyPr lIns="90000" tIns="45000" rIns="90000" bIns="45000"/>
+          <a:lstStyle/>
           <a:p>
             <a:pPr>
               <a:lnSpc>
@@ -5637,7 +6788,7 @@
               </a:lnSpc>
             </a:pPr>
             <a:r>
-              <a:rPr b="1" lang="en-US" sz="4000" spc="-1" strike="noStrike">
+              <a:rPr lang="en-US" sz="4000" b="1" strike="noStrike" spc="-1" dirty="0">
                 <a:solidFill>
                   <a:srgbClr val="000000"/>
                 </a:solidFill>
@@ -5646,7 +6797,7 @@
               </a:rPr>
               <a:t>Different Loss Functions</a:t>
             </a:r>
-            <a:endParaRPr b="0" lang="en-US" sz="4000" spc="-1" strike="noStrike">
+            <a:endParaRPr lang="en-US" sz="4000" b="0" strike="noStrike" spc="-1" dirty="0">
               <a:latin typeface="Arial"/>
             </a:endParaRPr>
           </a:p>
@@ -5657,7 +6808,7 @@
               </a:lnSpc>
             </a:pPr>
             <a:r>
-              <a:rPr b="0" lang="en-US" sz="4000" spc="-1" strike="noStrike">
+              <a:rPr lang="en-US" sz="4000" b="0" strike="noStrike" spc="-1" dirty="0">
                 <a:solidFill>
                   <a:srgbClr val="000000"/>
                 </a:solidFill>
@@ -5667,150 +6818,28 @@
               <a:t>- Experiment with different loss functions, especially the ones that are known to work well with unbalanced datasets (e.g. </a:t>
             </a:r>
             <a:r>
-              <a:rPr b="0" lang="en-US" sz="4000" spc="-1" strike="noStrike" u="sng">
-                <a:solidFill>
-                  <a:srgbClr val="0000ff"/>
-                </a:solidFill>
-                <a:uFillTx/>
-                <a:latin typeface="Arial"/>
-                <a:ea typeface="DejaVu Sans"/>
-                <a:hlinkClick r:id="rId1"/>
-              </a:rPr>
-              <a:t>Weighted Focal Loss</a:t>
-            </a:r>
-            <a:r>
-              <a:rPr b="0" lang="en-US" sz="4000" spc="-1" strike="noStrike">
-                <a:solidFill>
-                  <a:srgbClr val="000000"/>
-                </a:solidFill>
-                <a:latin typeface="Arial"/>
-                <a:ea typeface="DejaVu Sans"/>
-              </a:rPr>
-              <a:t>)</a:t>
-            </a:r>
-            <a:endParaRPr b="0" lang="en-US" sz="4000" spc="-1" strike="noStrike">
-              <a:latin typeface="Arial"/>
-            </a:endParaRPr>
-          </a:p>
-          <a:p>
-            <a:pPr>
-              <a:lnSpc>
-                <a:spcPct val="100000"/>
-              </a:lnSpc>
-            </a:pPr>
-            <a:endParaRPr b="0" lang="en-US" sz="4000" spc="-1" strike="noStrike">
-              <a:latin typeface="Arial"/>
-            </a:endParaRPr>
-          </a:p>
-          <a:p>
-            <a:pPr>
-              <a:lnSpc>
-                <a:spcPct val="100000"/>
-              </a:lnSpc>
-            </a:pPr>
-            <a:r>
-              <a:rPr b="1" lang="en-US" sz="4000" spc="-1" strike="noStrike">
-                <a:solidFill>
-                  <a:srgbClr val="000000"/>
-                </a:solidFill>
-                <a:latin typeface="Arial"/>
-                <a:ea typeface="DejaVu Sans"/>
-              </a:rPr>
-              <a:t>Cross domain model applicability</a:t>
-            </a:r>
-            <a:endParaRPr b="0" lang="en-US" sz="4000" spc="-1" strike="noStrike">
-              <a:latin typeface="Arial"/>
-            </a:endParaRPr>
-          </a:p>
-          <a:p>
-            <a:pPr>
-              <a:lnSpc>
-                <a:spcPct val="100000"/>
-              </a:lnSpc>
-            </a:pPr>
-            <a:r>
-              <a:rPr b="0" lang="en-US" sz="4000" spc="-1" strike="noStrike">
-                <a:solidFill>
-                  <a:srgbClr val="000000"/>
-                </a:solidFill>
-                <a:latin typeface="Arial"/>
-                <a:ea typeface="DejaVu Sans"/>
-              </a:rPr>
-              <a:t>- Test how the language models &amp; the classification models work across domains, like Books &amp; Electronics (e.g. Are they effective if we use them across domains to identify helpful reviews?)</a:t>
-            </a:r>
-            <a:endParaRPr b="0" lang="en-US" sz="4000" spc="-1" strike="noStrike">
-              <a:latin typeface="Arial"/>
-            </a:endParaRPr>
-          </a:p>
-          <a:p>
-            <a:pPr>
-              <a:lnSpc>
-                <a:spcPct val="100000"/>
-              </a:lnSpc>
-            </a:pPr>
-            <a:endParaRPr b="0" lang="en-US" sz="4000" spc="-1" strike="noStrike">
-              <a:latin typeface="Arial"/>
-            </a:endParaRPr>
-          </a:p>
-          <a:p>
-            <a:pPr>
-              <a:lnSpc>
-                <a:spcPct val="100000"/>
-              </a:lnSpc>
-            </a:pPr>
-            <a:r>
-              <a:rPr b="1" lang="en-US" sz="4000" spc="-1" strike="noStrike">
-                <a:solidFill>
-                  <a:srgbClr val="000000"/>
-                </a:solidFill>
-                <a:latin typeface="Arial"/>
-                <a:ea typeface="DejaVu Sans"/>
-              </a:rPr>
-              <a:t>Data Augmentation </a:t>
-            </a:r>
-            <a:endParaRPr b="0" lang="en-US" sz="4000" spc="-1" strike="noStrike">
-              <a:latin typeface="Arial"/>
-            </a:endParaRPr>
-          </a:p>
-          <a:p>
-            <a:pPr>
-              <a:lnSpc>
-                <a:spcPct val="100000"/>
-              </a:lnSpc>
-            </a:pPr>
-            <a:r>
-              <a:rPr b="0" lang="en-US" sz="4000" spc="-1" strike="noStrike">
-                <a:solidFill>
-                  <a:srgbClr val="000000"/>
-                </a:solidFill>
-                <a:latin typeface="Arial"/>
-                <a:ea typeface="DejaVu Sans"/>
-              </a:rPr>
-              <a:t>- Use techniques such as </a:t>
-            </a:r>
-            <a:r>
-              <a:rPr b="0" lang="en-US" sz="4000" spc="-1" strike="noStrike" u="sng">
-                <a:solidFill>
-                  <a:srgbClr val="0000ff"/>
+              <a:rPr lang="en-US" sz="4000" b="0" u="sng" strike="noStrike" spc="-1" dirty="0">
+                <a:solidFill>
+                  <a:srgbClr val="0000FF"/>
                 </a:solidFill>
                 <a:uFillTx/>
                 <a:latin typeface="Arial"/>
                 <a:ea typeface="DejaVu Sans"/>
                 <a:hlinkClick r:id="rId2"/>
               </a:rPr>
-              <a:t>Back Translation</a:t>
-            </a:r>
-            <a:r>
-              <a:rPr b="0" lang="en-US" sz="4000" spc="-1" strike="noStrike">
+              <a:t>Weighted Focal Loss</a:t>
+            </a:r>
+            <a:r>
+              <a:rPr lang="en-US" sz="4000" b="0" strike="noStrike" spc="-1" dirty="0">
                 <a:solidFill>
                   <a:srgbClr val="000000"/>
                 </a:solidFill>
                 <a:latin typeface="Arial"/>
                 <a:ea typeface="DejaVu Sans"/>
               </a:rPr>
-              <a:t> to study its effects on model predictability</a:t>
-            </a:r>
-            <a:endParaRPr b="0" lang="en-US" sz="4000" spc="-1" strike="noStrike">
+              <a:t>)</a:t>
+            </a:r>
+            <a:endParaRPr lang="en-US" sz="4000" b="0" strike="noStrike" spc="-1" dirty="0">
               <a:latin typeface="Arial"/>
             </a:endParaRPr>
           </a:p>
@@ -5820,7 +6849,7 @@
                 <a:spcPct val="100000"/>
               </a:lnSpc>
             </a:pPr>
-            <a:endParaRPr b="0" lang="en-US" sz="4000" spc="-1" strike="noStrike">
+            <a:endParaRPr lang="en-US" sz="4000" b="0" strike="noStrike" spc="-1" dirty="0">
               <a:latin typeface="Arial"/>
             </a:endParaRPr>
           </a:p>
@@ -5831,16 +6860,138 @@
               </a:lnSpc>
             </a:pPr>
             <a:r>
-              <a:rPr b="1" lang="en-US" sz="4000" spc="-1" strike="noStrike">
+              <a:rPr lang="en-US" sz="4000" b="1" strike="noStrike" spc="-1" dirty="0">
                 <a:solidFill>
                   <a:srgbClr val="000000"/>
                 </a:solidFill>
                 <a:latin typeface="Arial"/>
                 <a:ea typeface="DejaVu Sans"/>
               </a:rPr>
+              <a:t>Cross domain model applicability</a:t>
+            </a:r>
+            <a:endParaRPr lang="en-US" sz="4000" b="0" strike="noStrike" spc="-1" dirty="0">
+              <a:latin typeface="Arial"/>
+            </a:endParaRPr>
+          </a:p>
+          <a:p>
+            <a:pPr>
+              <a:lnSpc>
+                <a:spcPct val="100000"/>
+              </a:lnSpc>
+            </a:pPr>
+            <a:r>
+              <a:rPr lang="en-US" sz="4000" b="0" strike="noStrike" spc="-1" dirty="0">
+                <a:solidFill>
+                  <a:srgbClr val="000000"/>
+                </a:solidFill>
+                <a:latin typeface="Arial"/>
+                <a:ea typeface="DejaVu Sans"/>
+              </a:rPr>
+              <a:t>- Test how the language models &amp; the classification models work across domains, like Books &amp; Electronics (e.g. Are they effective if we use them across domains to identify helpful reviews?)</a:t>
+            </a:r>
+            <a:endParaRPr lang="en-US" sz="4000" b="0" strike="noStrike" spc="-1" dirty="0">
+              <a:latin typeface="Arial"/>
+            </a:endParaRPr>
+          </a:p>
+          <a:p>
+            <a:pPr>
+              <a:lnSpc>
+                <a:spcPct val="100000"/>
+              </a:lnSpc>
+            </a:pPr>
+            <a:endParaRPr lang="en-US" sz="4000" b="0" strike="noStrike" spc="-1" dirty="0">
+              <a:latin typeface="Arial"/>
+            </a:endParaRPr>
+          </a:p>
+          <a:p>
+            <a:pPr>
+              <a:lnSpc>
+                <a:spcPct val="100000"/>
+              </a:lnSpc>
+            </a:pPr>
+            <a:r>
+              <a:rPr lang="en-US" sz="4000" b="1" strike="noStrike" spc="-1" dirty="0">
+                <a:solidFill>
+                  <a:srgbClr val="000000"/>
+                </a:solidFill>
+                <a:latin typeface="Arial"/>
+                <a:ea typeface="DejaVu Sans"/>
+              </a:rPr>
+              <a:t>Data Augmentation </a:t>
+            </a:r>
+            <a:endParaRPr lang="en-US" sz="4000" b="0" strike="noStrike" spc="-1" dirty="0">
+              <a:latin typeface="Arial"/>
+            </a:endParaRPr>
+          </a:p>
+          <a:p>
+            <a:pPr>
+              <a:lnSpc>
+                <a:spcPct val="100000"/>
+              </a:lnSpc>
+            </a:pPr>
+            <a:r>
+              <a:rPr lang="en-US" sz="4000" b="0" strike="noStrike" spc="-1" dirty="0">
+                <a:solidFill>
+                  <a:srgbClr val="000000"/>
+                </a:solidFill>
+                <a:latin typeface="Arial"/>
+                <a:ea typeface="DejaVu Sans"/>
+              </a:rPr>
+              <a:t>- Use techniques such as </a:t>
+            </a:r>
+            <a:r>
+              <a:rPr lang="en-US" sz="4000" b="0" u="sng" strike="noStrike" spc="-1" dirty="0">
+                <a:solidFill>
+                  <a:srgbClr val="0000FF"/>
+                </a:solidFill>
+                <a:uFillTx/>
+                <a:latin typeface="Arial"/>
+                <a:ea typeface="DejaVu Sans"/>
+                <a:hlinkClick r:id="rId3"/>
+              </a:rPr>
+              <a:t>Back Translation</a:t>
+            </a:r>
+            <a:r>
+              <a:rPr lang="en-US" sz="4000" b="0" strike="noStrike" spc="-1" dirty="0">
+                <a:solidFill>
+                  <a:srgbClr val="000000"/>
+                </a:solidFill>
+                <a:latin typeface="Arial"/>
+                <a:ea typeface="DejaVu Sans"/>
+              </a:rPr>
+              <a:t> to study its effects on model predictability</a:t>
+            </a:r>
+            <a:endParaRPr lang="en-US" sz="4000" b="0" strike="noStrike" spc="-1" dirty="0">
+              <a:latin typeface="Arial"/>
+            </a:endParaRPr>
+          </a:p>
+          <a:p>
+            <a:pPr>
+              <a:lnSpc>
+                <a:spcPct val="100000"/>
+              </a:lnSpc>
+            </a:pPr>
+            <a:endParaRPr lang="en-US" sz="4000" b="0" strike="noStrike" spc="-1" dirty="0">
+              <a:latin typeface="Arial"/>
+            </a:endParaRPr>
+          </a:p>
+          <a:p>
+            <a:pPr>
+              <a:lnSpc>
+                <a:spcPct val="100000"/>
+              </a:lnSpc>
+            </a:pPr>
+            <a:r>
+              <a:rPr lang="en-US" sz="4000" b="1" strike="noStrike" spc="-1" dirty="0">
+                <a:solidFill>
+                  <a:srgbClr val="000000"/>
+                </a:solidFill>
+                <a:latin typeface="Arial"/>
+                <a:ea typeface="DejaVu Sans"/>
+              </a:rPr>
               <a:t>Model Interpretability</a:t>
             </a:r>
-            <a:endParaRPr b="0" lang="en-US" sz="4000" spc="-1" strike="noStrike">
+            <a:endParaRPr lang="en-US" sz="4000" b="0" strike="noStrike" spc="-1" dirty="0">
               <a:latin typeface="Arial"/>
             </a:endParaRPr>
           </a:p>
@@ -5856,7 +7007,7 @@
               <a:buChar char="-"/>
             </a:pPr>
             <a:r>
-              <a:rPr b="0" lang="en-US" sz="4000" spc="-1" strike="noStrike">
+              <a:rPr lang="en-US" sz="4000" b="0" strike="noStrike" spc="-1" dirty="0">
                 <a:solidFill>
                   <a:srgbClr val="000000"/>
                 </a:solidFill>
@@ -5865,12 +7016,12 @@
               </a:rPr>
               <a:t>Understand how &amp; why the text classifier model is making the predictions that it does</a:t>
             </a:r>
-            <a:endParaRPr b="0" lang="en-US" sz="4000" spc="-1" strike="noStrike">
-              <a:latin typeface="Arial"/>
-            </a:endParaRPr>
-          </a:p>
-          <a:p>
-            <a:pPr lvl="1" marL="1028880" indent="-571320">
+            <a:endParaRPr lang="en-US" sz="4000" b="0" strike="noStrike" spc="-1" dirty="0">
+              <a:latin typeface="Arial"/>
+            </a:endParaRPr>
+          </a:p>
+          <a:p>
+            <a:pPr marL="1028880" lvl="1" indent="-571320">
               <a:lnSpc>
                 <a:spcPct val="100000"/>
               </a:lnSpc>
@@ -5881,7 +7032,7 @@
               <a:buChar char="-"/>
             </a:pPr>
             <a:r>
-              <a:rPr b="0" lang="en-US" sz="4000" spc="-1" strike="noStrike">
+              <a:rPr lang="en-US" sz="4000" b="0" strike="noStrike" spc="-1" dirty="0">
                 <a:solidFill>
                   <a:srgbClr val="000000"/>
                 </a:solidFill>
@@ -5891,23 +7042,23 @@
               <a:t>Use toolkits like </a:t>
             </a:r>
             <a:r>
-              <a:rPr b="0" lang="en-US" sz="4000" spc="-1" strike="noStrike" u="sng">
-                <a:solidFill>
-                  <a:srgbClr val="0000ff"/>
+              <a:rPr lang="en-US" sz="4000" b="0" u="sng" strike="noStrike" spc="-1" dirty="0">
+                <a:solidFill>
+                  <a:srgbClr val="0000FF"/>
                 </a:solidFill>
                 <a:uFillTx/>
                 <a:latin typeface="Arial"/>
                 <a:ea typeface="DejaVu Sans"/>
-                <a:hlinkClick r:id="rId3"/>
+                <a:hlinkClick r:id="rId4"/>
               </a:rPr>
               <a:t>Language Interpretability Tool</a:t>
             </a:r>
-            <a:endParaRPr b="0" lang="en-US" sz="4000" spc="-1" strike="noStrike">
-              <a:latin typeface="Arial"/>
-            </a:endParaRPr>
-          </a:p>
-          <a:p>
-            <a:pPr lvl="1" marL="1028880" indent="-571320">
+            <a:endParaRPr lang="en-US" sz="4000" b="0" strike="noStrike" spc="-1" dirty="0">
+              <a:latin typeface="Arial"/>
+            </a:endParaRPr>
+          </a:p>
+          <a:p>
+            <a:pPr marL="1028880" lvl="1" indent="-571320">
               <a:lnSpc>
                 <a:spcPct val="100000"/>
               </a:lnSpc>
@@ -5918,16 +7069,16 @@
               <a:buChar char="-"/>
             </a:pPr>
             <a:r>
-              <a:rPr b="0" lang="en-US" sz="4000" spc="-1" strike="noStrike">
+              <a:rPr lang="en-US" sz="4000" b="0" strike="noStrike" spc="-1" dirty="0">
                 <a:solidFill>
                   <a:srgbClr val="000000"/>
                 </a:solidFill>
                 <a:latin typeface="Arial"/>
                 <a:ea typeface="DejaVu Sans"/>
               </a:rPr>
-              <a:t>E.g. Negative reviews appear to be more likely to be tagged as unhelpful</a:t>
-            </a:r>
-            <a:endParaRPr b="0" lang="en-US" sz="4000" spc="-1" strike="noStrike">
+              <a:t>E.g. Negative reviews appear more likely to be tagged as unhelpful</a:t>
+            </a:r>
+            <a:endParaRPr lang="en-US" sz="4000" b="0" strike="noStrike" spc="-1" dirty="0">
               <a:latin typeface="Arial"/>
             </a:endParaRPr>
           </a:p>
@@ -5937,7 +7088,7 @@
                 <a:spcPct val="100000"/>
               </a:lnSpc>
             </a:pPr>
-            <a:endParaRPr b="0" lang="en-US" sz="4000" spc="-1" strike="noStrike">
+            <a:endParaRPr lang="en-US" sz="4000" b="0" strike="noStrike" spc="-1" dirty="0">
               <a:latin typeface="Arial"/>
             </a:endParaRPr>
           </a:p>
@@ -5947,7 +7098,7 @@
                 <a:spcPct val="100000"/>
               </a:lnSpc>
             </a:pPr>
-            <a:endParaRPr b="0" lang="en-US" sz="4000" spc="-1" strike="noStrike">
+            <a:endParaRPr lang="en-US" sz="4000" b="0" strike="noStrike" spc="-1" dirty="0">
               <a:latin typeface="Arial"/>
             </a:endParaRPr>
           </a:p>
@@ -5957,7 +7108,7 @@
                 <a:spcPct val="100000"/>
               </a:lnSpc>
             </a:pPr>
-            <a:endParaRPr b="0" lang="en-US" sz="4000" spc="-1" strike="noStrike">
+            <a:endParaRPr lang="en-US" sz="4000" b="0" strike="noStrike" spc="-1" dirty="0">
               <a:latin typeface="Arial"/>
             </a:endParaRPr>
           </a:p>
@@ -5965,22 +7116,25 @@
       </p:sp>
     </p:spTree>
   </p:cSld>
+  <p:clrMapOvr>
+    <a:masterClrMapping/>
+  </p:clrMapOvr>
   <p:timing>
     <p:tnLst>
       <p:par>
-        <p:cTn id="23" dur="indefinite" restart="never" nodeType="tmRoot">
+        <p:cTn id="1" dur="indefinite" restart="never" nodeType="tmRoot">
           <p:childTnLst>
             <p:seq>
-              <p:cTn id="24" dur="indefinite" nodeType="mainSeq"/>
+              <p:cTn id="2" dur="indefinite" nodeType="mainSeq"/>
               <p:prevCondLst>
-                <p:cond delay="0" evt="onPrev">
+                <p:cond evt="onPrev" delay="0">
                   <p:tgtEl>
                     <p:sldTgt/>
                   </p:tgtEl>
                 </p:cond>
               </p:prevCondLst>
               <p:nextCondLst>
-                <p:cond delay="0" evt="onNext">
+                <p:cond evt="onNext" delay="0">
                   <p:tgtEl>
                     <p:sldTgt/>
                   </p:tgtEl>
@@ -5996,7 +7150,7 @@
 </file>
 
 <file path=ppt/slides/slide13.xml><?xml version="1.0" encoding="utf-8"?>
-<p:sld xmlns:a="http://schemas.openxmlformats.org/drawingml/2006/main" xmlns:p="http://schemas.openxmlformats.org/presentationml/2006/main" xmlns:r="http://schemas.openxmlformats.org/officeDocument/2006/relationships" xmlns:p14="http://schemas.microsoft.com/office/powerpoint/2010/main" xmlns:p15="http://schemas.microsoft.com/office/powerpoint/2012/main" xmlns:mc="http://schemas.openxmlformats.org/markup-compatibility/2006">
+<p:sld xmlns:a="http://schemas.openxmlformats.org/drawingml/2006/main" xmlns:r="http://schemas.openxmlformats.org/officeDocument/2006/relationships" xmlns:p="http://schemas.openxmlformats.org/presentationml/2006/main">
   <p:cSld>
     <p:spTree>
       <p:nvGrpSpPr>
@@ -6021,7 +7175,7 @@
         <p:spPr>
           <a:xfrm>
             <a:off x="2446200" y="3720600"/>
-            <a:ext cx="19589040" cy="6340320"/>
+            <a:ext cx="19589040" cy="9297568"/>
           </a:xfrm>
           <a:prstGeom prst="rect">
             <a:avLst/>
@@ -6032,111 +7186,246 @@
           </a:ln>
         </p:spPr>
         <p:txBody>
-          <a:bodyPr lIns="90000" rIns="90000" tIns="45000" bIns="45000"/>
-          <a:p>
-            <a:r>
-              <a:rPr b="0" lang="en-US" sz="4400" spc="-1" strike="noStrike">
+          <a:bodyPr lIns="90000" tIns="45000" rIns="90000" bIns="45000"/>
+          <a:lstStyle/>
+          <a:p>
+            <a:r>
+              <a:rPr lang="en-US" sz="4400" b="0" strike="noStrike" spc="-1" dirty="0" err="1">
                 <a:latin typeface="Arial"/>
               </a:rPr>
-              <a:t>Abdalraheem Alsmadi, Mahmoud Al-Ayyoub, Shadi AlZu’bi, Yaser Jararweh.</a:t>
-            </a:r>
-            <a:endParaRPr b="0" lang="en-US" sz="4400" spc="-1" strike="noStrike">
-              <a:latin typeface="Arial"/>
-            </a:endParaRPr>
-          </a:p>
-          <a:p>
-            <a:r>
-              <a:rPr b="0" lang="en-US" sz="4400" spc="-1" strike="noStrike">
+              <a:t>Abdalraheem</a:t>
+            </a:r>
+            <a:r>
+              <a:rPr lang="en-US" sz="4400" b="0" strike="noStrike" spc="-1" dirty="0">
                 <a:latin typeface="Arial"/>
               </a:rPr>
+              <a:t> </a:t>
+            </a:r>
+            <a:r>
+              <a:rPr lang="en-US" sz="4400" b="0" strike="noStrike" spc="-1" dirty="0" err="1">
+                <a:latin typeface="Arial"/>
+              </a:rPr>
+              <a:t>Alsmadi</a:t>
+            </a:r>
+            <a:r>
+              <a:rPr lang="en-US" sz="4400" b="0" strike="noStrike" spc="-1" dirty="0">
+                <a:latin typeface="Arial"/>
+              </a:rPr>
+              <a:t>, Mahmoud Al-</a:t>
+            </a:r>
+            <a:r>
+              <a:rPr lang="en-US" sz="4400" b="0" strike="noStrike" spc="-1" dirty="0" err="1">
+                <a:latin typeface="Arial"/>
+              </a:rPr>
+              <a:t>Ayyoub</a:t>
+            </a:r>
+            <a:r>
+              <a:rPr lang="en-US" sz="4400" b="0" strike="noStrike" spc="-1" dirty="0">
+                <a:latin typeface="Arial"/>
+              </a:rPr>
+              <a:t>, </a:t>
+            </a:r>
+            <a:r>
+              <a:rPr lang="en-US" sz="4400" b="0" strike="noStrike" spc="-1" dirty="0" err="1">
+                <a:latin typeface="Arial"/>
+              </a:rPr>
+              <a:t>Shadi</a:t>
+            </a:r>
+            <a:r>
+              <a:rPr lang="en-US" sz="4400" b="0" strike="noStrike" spc="-1" dirty="0">
+                <a:latin typeface="Arial"/>
+              </a:rPr>
+              <a:t> </a:t>
+            </a:r>
+            <a:r>
+              <a:rPr lang="en-US" sz="4400" b="0" strike="noStrike" spc="-1" dirty="0" err="1">
+                <a:latin typeface="Arial"/>
+              </a:rPr>
+              <a:t>AlZu’bi</a:t>
+            </a:r>
+            <a:r>
+              <a:rPr lang="en-US" sz="4400" b="0" strike="noStrike" spc="-1" dirty="0">
+                <a:latin typeface="Arial"/>
+              </a:rPr>
+              <a:t>, </a:t>
+            </a:r>
+            <a:r>
+              <a:rPr lang="en-US" sz="4400" b="0" strike="noStrike" spc="-1" dirty="0" err="1">
+                <a:latin typeface="Arial"/>
+              </a:rPr>
+              <a:t>Yaser</a:t>
+            </a:r>
+            <a:r>
+              <a:rPr lang="en-US" sz="4400" b="0" strike="noStrike" spc="-1" dirty="0">
+                <a:latin typeface="Arial"/>
+              </a:rPr>
+              <a:t> </a:t>
+            </a:r>
+            <a:r>
+              <a:rPr lang="en-US" sz="4400" b="0" strike="noStrike" spc="-1" dirty="0" err="1">
+                <a:latin typeface="Arial"/>
+              </a:rPr>
+              <a:t>Jararweh</a:t>
+            </a:r>
+            <a:r>
+              <a:rPr lang="en-US" sz="4400" b="0" strike="noStrike" spc="-1" dirty="0">
+                <a:latin typeface="Arial"/>
+              </a:rPr>
+              <a:t>.</a:t>
+            </a:r>
+          </a:p>
+          <a:p>
+            <a:r>
+              <a:rPr lang="en-US" sz="4400" b="0" strike="noStrike" spc="-1" dirty="0">
+                <a:latin typeface="Arial"/>
+              </a:rPr>
               <a:t>Predicting Helpfulness of Online Reviews (2020). Jordan University of Science</a:t>
             </a:r>
-            <a:endParaRPr b="0" lang="en-US" sz="4400" spc="-1" strike="noStrike">
-              <a:latin typeface="Arial"/>
-            </a:endParaRPr>
-          </a:p>
-          <a:p>
-            <a:r>
-              <a:rPr b="0" lang="en-US" sz="4400" spc="-1" strike="noStrike">
+          </a:p>
+          <a:p>
+            <a:r>
+              <a:rPr lang="en-US" sz="4400" b="0" strike="noStrike" spc="-1" dirty="0">
                 <a:latin typeface="Arial"/>
               </a:rPr>
-              <a:t>And Technology  &amp; Al Zaytoonah University of Jordan</a:t>
-            </a:r>
-            <a:endParaRPr b="0" lang="en-US" sz="4400" spc="-1" strike="noStrike">
-              <a:latin typeface="Arial"/>
-            </a:endParaRPr>
-          </a:p>
-          <a:p>
-            <a:endParaRPr b="0" lang="en-US" sz="4400" spc="-1" strike="noStrike">
-              <a:latin typeface="Arial"/>
-            </a:endParaRPr>
-          </a:p>
-          <a:p>
-            <a:r>
-              <a:rPr b="0" lang="en-US" sz="4400" spc="-1" strike="noStrike">
+              <a:t>And Technology  &amp; Al </a:t>
+            </a:r>
+            <a:r>
+              <a:rPr lang="en-US" sz="4400" b="0" strike="noStrike" spc="-1" dirty="0" err="1">
                 <a:latin typeface="Arial"/>
               </a:rPr>
-              <a:t>Jeremy Howard, Sylvain Gugger. Deep Learning for Coders with fastai &amp; </a:t>
-            </a:r>
-            <a:endParaRPr b="0" lang="en-US" sz="4400" spc="-1" strike="noStrike">
-              <a:latin typeface="Arial"/>
-            </a:endParaRPr>
-          </a:p>
-          <a:p>
-            <a:r>
-              <a:rPr b="0" lang="en-US" sz="4400" spc="-1" strike="noStrike">
+              <a:t>Zaytoonah</a:t>
+            </a:r>
+            <a:r>
+              <a:rPr lang="en-US" sz="4400" b="0" strike="noStrike" spc="-1" dirty="0">
                 <a:latin typeface="Arial"/>
               </a:rPr>
-              <a:t>PyTorch (2020). O’Reilly.</a:t>
-            </a:r>
-            <a:endParaRPr b="0" lang="en-US" sz="4400" spc="-1" strike="noStrike">
-              <a:latin typeface="Arial"/>
-            </a:endParaRPr>
-          </a:p>
-          <a:p>
-            <a:endParaRPr b="0" lang="en-US" sz="4400" spc="-1" strike="noStrike">
-              <a:latin typeface="Arial"/>
-            </a:endParaRPr>
-          </a:p>
-          <a:p>
-            <a:r>
-              <a:rPr b="0" lang="en-US" sz="4400" spc="-1" strike="noStrike">
+              <a:t> University of Jordan</a:t>
+            </a:r>
+          </a:p>
+          <a:p>
+            <a:endParaRPr lang="en-US" sz="4400" b="0" strike="noStrike" spc="-1" dirty="0">
+              <a:latin typeface="Arial"/>
+            </a:endParaRPr>
+          </a:p>
+          <a:p>
+            <a:r>
+              <a:rPr lang="en-US" sz="4400" b="0" strike="noStrike" spc="-1" dirty="0">
                 <a:latin typeface="Arial"/>
               </a:rPr>
-              <a:t>Xianshan Qu, Xiaopeng Li, Csilla Farkas, John Rose. An Attention Model</a:t>
-            </a:r>
-            <a:endParaRPr b="0" lang="en-US" sz="4400" spc="-1" strike="noStrike">
-              <a:latin typeface="Arial"/>
-            </a:endParaRPr>
-          </a:p>
-          <a:p>
-            <a:r>
-              <a:rPr b="0" lang="en-US" sz="4400" spc="-1" strike="noStrike">
+              <a:t>Jeremy Howard, Sylvain </a:t>
+            </a:r>
+            <a:r>
+              <a:rPr lang="en-US" sz="4400" b="0" strike="noStrike" spc="-1" dirty="0" err="1">
+                <a:latin typeface="Arial"/>
+              </a:rPr>
+              <a:t>Gugger</a:t>
+            </a:r>
+            <a:r>
+              <a:rPr lang="en-US" sz="4400" b="0" strike="noStrike" spc="-1" dirty="0">
+                <a:latin typeface="Arial"/>
+              </a:rPr>
+              <a:t>. Deep Learning for Coders with </a:t>
+            </a:r>
+            <a:r>
+              <a:rPr lang="en-US" sz="4400" b="0" strike="noStrike" spc="-1" dirty="0" err="1">
+                <a:latin typeface="Arial"/>
+              </a:rPr>
+              <a:t>fastai</a:t>
+            </a:r>
+            <a:r>
+              <a:rPr lang="en-US" sz="4400" b="0" strike="noStrike" spc="-1" dirty="0">
+                <a:latin typeface="Arial"/>
+              </a:rPr>
+              <a:t> &amp; </a:t>
+            </a:r>
+          </a:p>
+          <a:p>
+            <a:r>
+              <a:rPr lang="en-US" sz="4400" b="0" strike="noStrike" spc="-1" dirty="0" err="1">
+                <a:latin typeface="Arial"/>
+              </a:rPr>
+              <a:t>PyTorch</a:t>
+            </a:r>
+            <a:r>
+              <a:rPr lang="en-US" sz="4400" b="0" strike="noStrike" spc="-1" dirty="0">
+                <a:latin typeface="Arial"/>
+              </a:rPr>
+              <a:t> (2020). O’Reilly.</a:t>
+            </a:r>
+          </a:p>
+          <a:p>
+            <a:endParaRPr lang="en-US" sz="4400" b="0" strike="noStrike" spc="-1" dirty="0">
+              <a:latin typeface="Arial"/>
+            </a:endParaRPr>
+          </a:p>
+          <a:p>
+            <a:r>
+              <a:rPr lang="en-US" sz="4400" spc="-1" dirty="0"/>
+              <a:t>R. He, J. McAuley. Ups and downs: Modeling the visual evolution of fashion trends with one-class collaborative filtering (2016). WWW.</a:t>
+            </a:r>
+          </a:p>
+          <a:p>
+            <a:endParaRPr lang="en-US" sz="4400" spc="-1" dirty="0"/>
+          </a:p>
+          <a:p>
+            <a:r>
+              <a:rPr lang="en-US" sz="4400" b="0" strike="noStrike" spc="-1" dirty="0" err="1">
+                <a:latin typeface="Arial"/>
+              </a:rPr>
+              <a:t>Xianshan</a:t>
+            </a:r>
+            <a:r>
+              <a:rPr lang="en-US" sz="4400" b="0" strike="noStrike" spc="-1" dirty="0">
+                <a:latin typeface="Arial"/>
+              </a:rPr>
+              <a:t> Qu, </a:t>
+            </a:r>
+            <a:r>
+              <a:rPr lang="en-US" sz="4400" b="0" strike="noStrike" spc="-1" dirty="0" err="1">
+                <a:latin typeface="Arial"/>
+              </a:rPr>
+              <a:t>Xiaopeng</a:t>
+            </a:r>
+            <a:r>
+              <a:rPr lang="en-US" sz="4400" b="0" strike="noStrike" spc="-1" dirty="0">
+                <a:latin typeface="Arial"/>
+              </a:rPr>
+              <a:t> Li, </a:t>
+            </a:r>
+            <a:r>
+              <a:rPr lang="en-US" sz="4400" b="0" strike="noStrike" spc="-1" dirty="0" err="1">
+                <a:latin typeface="Arial"/>
+              </a:rPr>
+              <a:t>Csilla</a:t>
+            </a:r>
+            <a:r>
+              <a:rPr lang="en-US" sz="4400" b="0" strike="noStrike" spc="-1" dirty="0">
+                <a:latin typeface="Arial"/>
+              </a:rPr>
+              <a:t> Farkas, John Rose. An Attention Model</a:t>
+            </a:r>
+          </a:p>
+          <a:p>
+            <a:r>
+              <a:rPr lang="en-US" sz="4400" b="0" strike="noStrike" spc="-1" dirty="0">
                 <a:latin typeface="Arial"/>
                 <a:ea typeface="Noto Sans CJK SC"/>
               </a:rPr>
-              <a:t> </a:t>
-            </a:r>
-            <a:r>
-              <a:rPr b="0" lang="en-US" sz="4400" spc="-1" strike="noStrike">
+              <a:t> of Customer Expectation to Improve Review Helpfulness Prediction (2020). </a:t>
+            </a:r>
+            <a:endParaRPr lang="en-US" sz="4400" b="0" strike="noStrike" spc="-1" dirty="0">
+              <a:latin typeface="Arial"/>
+            </a:endParaRPr>
+          </a:p>
+          <a:p>
+            <a:r>
+              <a:rPr lang="en-US" sz="4400" b="0" strike="noStrike" spc="-1" dirty="0">
                 <a:latin typeface="Arial"/>
                 <a:ea typeface="Noto Sans CJK SC"/>
               </a:rPr>
-              <a:t>of Customer Expectation to Improve Review Helpfulness Prediction (2020). </a:t>
-            </a:r>
-            <a:endParaRPr b="0" lang="en-US" sz="4400" spc="-1" strike="noStrike">
-              <a:latin typeface="Arial"/>
-            </a:endParaRPr>
-          </a:p>
-          <a:p>
-            <a:r>
-              <a:rPr b="0" lang="en-US" sz="4400" spc="-1" strike="noStrike">
-                <a:latin typeface="Arial"/>
-                <a:ea typeface="Noto Sans CJK SC"/>
-              </a:rPr>
               <a:t>CSE Department, University of South Carolina, Columbia</a:t>
             </a:r>
-            <a:endParaRPr b="0" lang="en-US" sz="4400" spc="-1" strike="noStrike">
+            <a:endParaRPr lang="en-US" sz="4400" b="0" strike="noStrike" spc="-1" dirty="0">
               <a:latin typeface="Arial"/>
             </a:endParaRPr>
           </a:p>
@@ -6162,38 +7451,39 @@
           </a:ln>
         </p:spPr>
         <p:txBody>
-          <a:bodyPr lIns="90000" rIns="90000" tIns="45000" bIns="45000"/>
-          <a:p>
-            <a:r>
-              <a:rPr b="1" lang="en-US" sz="5400" spc="-1" strike="noStrike">
+          <a:bodyPr lIns="90000" tIns="45000" rIns="90000" bIns="45000"/>
+          <a:lstStyle/>
+          <a:p>
+            <a:r>
+              <a:rPr lang="en-US" sz="5400" b="1" strike="noStrike" spc="-1">
                 <a:latin typeface="Arial"/>
               </a:rPr>
               <a:t>Bibliography</a:t>
             </a:r>
-            <a:endParaRPr b="1" lang="en-US" sz="5400" spc="-1" strike="noStrike">
-              <a:latin typeface="Arial"/>
-            </a:endParaRPr>
           </a:p>
         </p:txBody>
       </p:sp>
     </p:spTree>
   </p:cSld>
+  <p:clrMapOvr>
+    <a:masterClrMapping/>
+  </p:clrMapOvr>
   <p:timing>
     <p:tnLst>
       <p:par>
-        <p:cTn id="25" dur="indefinite" restart="never" nodeType="tmRoot">
+        <p:cTn id="1" dur="indefinite" restart="never" nodeType="tmRoot">
           <p:childTnLst>
             <p:seq>
-              <p:cTn id="26" dur="indefinite" nodeType="mainSeq"/>
+              <p:cTn id="2" dur="indefinite" nodeType="mainSeq"/>
               <p:prevCondLst>
-                <p:cond delay="0" evt="onPrev">
+                <p:cond evt="onPrev" delay="0">
                   <p:tgtEl>
                     <p:sldTgt/>
                   </p:tgtEl>
                 </p:cond>
               </p:prevCondLst>
               <p:nextCondLst>
-                <p:cond delay="0" evt="onNext">
+                <p:cond evt="onNext" delay="0">
                   <p:tgtEl>
                     <p:sldTgt/>
                   </p:tgtEl>
@@ -6209,7 +7499,7 @@
 </file>
 
 <file path=ppt/slides/slide2.xml><?xml version="1.0" encoding="utf-8"?>
-<p:sld xmlns:a="http://schemas.openxmlformats.org/drawingml/2006/main" xmlns:p="http://schemas.openxmlformats.org/presentationml/2006/main" xmlns:r="http://schemas.openxmlformats.org/officeDocument/2006/relationships" xmlns:p14="http://schemas.microsoft.com/office/powerpoint/2010/main" xmlns:p15="http://schemas.microsoft.com/office/powerpoint/2012/main" xmlns:mc="http://schemas.openxmlformats.org/markup-compatibility/2006">
+<p:sld xmlns:a="http://schemas.openxmlformats.org/drawingml/2006/main" xmlns:r="http://schemas.openxmlformats.org/officeDocument/2006/relationships" xmlns:p="http://schemas.openxmlformats.org/presentationml/2006/main">
   <p:cSld>
     <p:spTree>
       <p:nvGrpSpPr>
@@ -6245,13 +7535,20 @@
           </a:ln>
         </p:spPr>
         <p:style>
-          <a:lnRef idx="0"/>
-          <a:fillRef idx="0"/>
-          <a:effectRef idx="0"/>
+          <a:lnRef idx="0">
+            <a:scrgbClr r="0" g="0" b="0"/>
+          </a:lnRef>
+          <a:fillRef idx="0">
+            <a:scrgbClr r="0" g="0" b="0"/>
+          </a:fillRef>
+          <a:effectRef idx="0">
+            <a:scrgbClr r="0" g="0" b="0"/>
+          </a:effectRef>
           <a:fontRef idx="minor"/>
         </p:style>
         <p:txBody>
-          <a:bodyPr lIns="50760" rIns="50760" tIns="50760" bIns="50760" anchor="ctr"/>
+          <a:bodyPr lIns="50760" tIns="50760" rIns="50760" bIns="50760" anchor="ctr"/>
+          <a:lstStyle/>
           <a:p>
             <a:pPr>
               <a:lnSpc>
@@ -6259,7 +7556,7 @@
               </a:lnSpc>
             </a:pPr>
             <a:r>
-              <a:rPr b="1" lang="en-US" sz="4800" spc="-1" strike="noStrike">
+              <a:rPr lang="en-US" sz="4800" b="1" strike="noStrike" spc="-1">
                 <a:solidFill>
                   <a:srgbClr val="000000"/>
                 </a:solidFill>
@@ -6268,7 +7565,7 @@
               </a:rPr>
               <a:t>OUTLINE</a:t>
             </a:r>
-            <a:endParaRPr b="0" lang="en-US" sz="4800" spc="-1" strike="noStrike">
+            <a:endParaRPr lang="en-US" sz="4800" b="0" strike="noStrike" spc="-1">
               <a:latin typeface="Arial"/>
             </a:endParaRPr>
           </a:p>
@@ -6278,7 +7575,7 @@
                 <a:spcPct val="100000"/>
               </a:lnSpc>
             </a:pPr>
-            <a:endParaRPr b="0" lang="en-US" sz="4800" spc="-1" strike="noStrike">
+            <a:endParaRPr lang="en-US" sz="4800" b="0" strike="noStrike" spc="-1">
               <a:latin typeface="Arial"/>
             </a:endParaRPr>
           </a:p>
@@ -6294,7 +7591,7 @@
               <a:buAutoNum type="arabicPeriod"/>
             </a:pPr>
             <a:r>
-              <a:rPr b="0" lang="en-US" sz="4000" spc="-1" strike="noStrike">
+              <a:rPr lang="en-US" sz="4000" b="0" strike="noStrike" spc="-1">
                 <a:solidFill>
                   <a:srgbClr val="000000"/>
                 </a:solidFill>
@@ -6303,7 +7600,7 @@
               </a:rPr>
               <a:t>What is this project about?</a:t>
             </a:r>
-            <a:endParaRPr b="0" lang="en-US" sz="4000" spc="-1" strike="noStrike">
+            <a:endParaRPr lang="en-US" sz="4000" b="0" strike="noStrike" spc="-1">
               <a:latin typeface="Arial"/>
             </a:endParaRPr>
           </a:p>
@@ -6313,7 +7610,7 @@
                 <a:spcPct val="100000"/>
               </a:lnSpc>
             </a:pPr>
-            <a:endParaRPr b="0" lang="en-US" sz="4000" spc="-1" strike="noStrike">
+            <a:endParaRPr lang="en-US" sz="4000" b="0" strike="noStrike" spc="-1">
               <a:latin typeface="Arial"/>
             </a:endParaRPr>
           </a:p>
@@ -6324,7 +7621,7 @@
               </a:lnSpc>
             </a:pPr>
             <a:r>
-              <a:rPr b="0" lang="en-US" sz="4000" spc="-1" strike="noStrike">
+              <a:rPr lang="en-US" sz="4000" b="0" strike="noStrike" spc="-1">
                 <a:solidFill>
                   <a:srgbClr val="000000"/>
                 </a:solidFill>
@@ -6333,7 +7630,7 @@
               </a:rPr>
               <a:t>2. Data Preparation</a:t>
             </a:r>
-            <a:endParaRPr b="0" lang="en-US" sz="4000" spc="-1" strike="noStrike">
+            <a:endParaRPr lang="en-US" sz="4000" b="0" strike="noStrike" spc="-1">
               <a:latin typeface="Arial"/>
             </a:endParaRPr>
           </a:p>
@@ -6343,7 +7640,7 @@
                 <a:spcPct val="100000"/>
               </a:lnSpc>
             </a:pPr>
-            <a:endParaRPr b="0" lang="en-US" sz="4000" spc="-1" strike="noStrike">
+            <a:endParaRPr lang="en-US" sz="4000" b="0" strike="noStrike" spc="-1">
               <a:latin typeface="Arial"/>
             </a:endParaRPr>
           </a:p>
@@ -6354,7 +7651,7 @@
               </a:lnSpc>
             </a:pPr>
             <a:r>
-              <a:rPr b="0" lang="en-US" sz="4000" spc="-1" strike="noStrike">
+              <a:rPr lang="en-US" sz="4000" b="0" strike="noStrike" spc="-1">
                 <a:solidFill>
                   <a:srgbClr val="000000"/>
                 </a:solidFill>
@@ -6363,7 +7660,7 @@
               </a:rPr>
               <a:t>3. Difficulties and Caveats</a:t>
             </a:r>
-            <a:endParaRPr b="0" lang="en-US" sz="4000" spc="-1" strike="noStrike">
+            <a:endParaRPr lang="en-US" sz="4000" b="0" strike="noStrike" spc="-1">
               <a:latin typeface="Arial"/>
             </a:endParaRPr>
           </a:p>
@@ -6373,7 +7670,7 @@
                 <a:spcPct val="100000"/>
               </a:lnSpc>
             </a:pPr>
-            <a:endParaRPr b="0" lang="en-US" sz="4000" spc="-1" strike="noStrike">
+            <a:endParaRPr lang="en-US" sz="4000" b="0" strike="noStrike" spc="-1">
               <a:latin typeface="Arial"/>
             </a:endParaRPr>
           </a:p>
@@ -6384,7 +7681,7 @@
               </a:lnSpc>
             </a:pPr>
             <a:r>
-              <a:rPr b="0" lang="en-US" sz="4000" spc="-1" strike="noStrike">
+              <a:rPr lang="en-US" sz="4000" b="0" strike="noStrike" spc="-1">
                 <a:solidFill>
                   <a:srgbClr val="000000"/>
                 </a:solidFill>
@@ -6393,7 +7690,7 @@
               </a:rPr>
               <a:t>4. Experiments</a:t>
             </a:r>
-            <a:endParaRPr b="0" lang="en-US" sz="4000" spc="-1" strike="noStrike">
+            <a:endParaRPr lang="en-US" sz="4000" b="0" strike="noStrike" spc="-1">
               <a:latin typeface="Arial"/>
             </a:endParaRPr>
           </a:p>
@@ -6403,7 +7700,7 @@
                 <a:spcPct val="100000"/>
               </a:lnSpc>
             </a:pPr>
-            <a:endParaRPr b="0" lang="en-US" sz="4000" spc="-1" strike="noStrike">
+            <a:endParaRPr lang="en-US" sz="4000" b="0" strike="noStrike" spc="-1">
               <a:latin typeface="Arial"/>
             </a:endParaRPr>
           </a:p>
@@ -6414,7 +7711,7 @@
               </a:lnSpc>
             </a:pPr>
             <a:r>
-              <a:rPr b="0" lang="en-US" sz="4000" spc="-1" strike="noStrike">
+              <a:rPr lang="en-US" sz="4000" b="0" strike="noStrike" spc="-1">
                 <a:solidFill>
                   <a:srgbClr val="000000"/>
                 </a:solidFill>
@@ -6423,7 +7720,7 @@
               </a:rPr>
               <a:t>5. Results and Conclusions</a:t>
             </a:r>
-            <a:endParaRPr b="0" lang="en-US" sz="4000" spc="-1" strike="noStrike">
+            <a:endParaRPr lang="en-US" sz="4000" b="0" strike="noStrike" spc="-1">
               <a:latin typeface="Arial"/>
             </a:endParaRPr>
           </a:p>
@@ -6433,7 +7730,7 @@
                 <a:spcPct val="100000"/>
               </a:lnSpc>
             </a:pPr>
-            <a:endParaRPr b="0" lang="en-US" sz="4000" spc="-1" strike="noStrike">
+            <a:endParaRPr lang="en-US" sz="4000" b="0" strike="noStrike" spc="-1">
               <a:latin typeface="Arial"/>
             </a:endParaRPr>
           </a:p>
@@ -6444,7 +7741,7 @@
               </a:lnSpc>
             </a:pPr>
             <a:r>
-              <a:rPr b="0" lang="en-US" sz="4000" spc="-1" strike="noStrike">
+              <a:rPr lang="en-US" sz="4000" b="0" strike="noStrike" spc="-1">
                 <a:solidFill>
                   <a:srgbClr val="000000"/>
                 </a:solidFill>
@@ -6453,7 +7750,7 @@
               </a:rPr>
               <a:t>6. Future Steps &amp; References</a:t>
             </a:r>
-            <a:endParaRPr b="0" lang="en-US" sz="4000" spc="-1" strike="noStrike">
+            <a:endParaRPr lang="en-US" sz="4000" b="0" strike="noStrike" spc="-1">
               <a:latin typeface="Arial"/>
             </a:endParaRPr>
           </a:p>
@@ -6461,22 +7758,25 @@
       </p:sp>
     </p:spTree>
   </p:cSld>
+  <p:clrMapOvr>
+    <a:masterClrMapping/>
+  </p:clrMapOvr>
   <p:timing>
     <p:tnLst>
       <p:par>
-        <p:cTn id="3" dur="indefinite" restart="never" nodeType="tmRoot">
+        <p:cTn id="1" dur="indefinite" restart="never" nodeType="tmRoot">
           <p:childTnLst>
             <p:seq>
-              <p:cTn id="4" dur="indefinite" nodeType="mainSeq"/>
+              <p:cTn id="2" dur="indefinite" nodeType="mainSeq"/>
               <p:prevCondLst>
-                <p:cond delay="0" evt="onPrev">
+                <p:cond evt="onPrev" delay="0">
                   <p:tgtEl>
                     <p:sldTgt/>
                   </p:tgtEl>
                 </p:cond>
               </p:prevCondLst>
               <p:nextCondLst>
-                <p:cond delay="0" evt="onNext">
+                <p:cond evt="onNext" delay="0">
                   <p:tgtEl>
                     <p:sldTgt/>
                   </p:tgtEl>
@@ -6492,7 +7792,7 @@
 </file>
 
 <file path=ppt/slides/slide3.xml><?xml version="1.0" encoding="utf-8"?>
-<p:sld xmlns:a="http://schemas.openxmlformats.org/drawingml/2006/main" xmlns:p="http://schemas.openxmlformats.org/presentationml/2006/main" xmlns:r="http://schemas.openxmlformats.org/officeDocument/2006/relationships" xmlns:p14="http://schemas.microsoft.com/office/powerpoint/2010/main" xmlns:p15="http://schemas.microsoft.com/office/powerpoint/2012/main" xmlns:mc="http://schemas.openxmlformats.org/markup-compatibility/2006">
+<p:sld xmlns:a="http://schemas.openxmlformats.org/drawingml/2006/main" xmlns:r="http://schemas.openxmlformats.org/officeDocument/2006/relationships" xmlns:p="http://schemas.openxmlformats.org/presentationml/2006/main">
   <p:cSld>
     <p:spTree>
       <p:nvGrpSpPr>
@@ -6528,13 +7828,20 @@
           </a:ln>
         </p:spPr>
         <p:style>
-          <a:lnRef idx="0"/>
-          <a:fillRef idx="0"/>
-          <a:effectRef idx="0"/>
+          <a:lnRef idx="0">
+            <a:scrgbClr r="0" g="0" b="0"/>
+          </a:lnRef>
+          <a:fillRef idx="0">
+            <a:scrgbClr r="0" g="0" b="0"/>
+          </a:fillRef>
+          <a:effectRef idx="0">
+            <a:scrgbClr r="0" g="0" b="0"/>
+          </a:effectRef>
           <a:fontRef idx="minor"/>
         </p:style>
         <p:txBody>
-          <a:bodyPr wrap="none" lIns="50760" rIns="50760" tIns="50760" bIns="50760" anchor="ctr"/>
+          <a:bodyPr wrap="none" lIns="50760" tIns="50760" rIns="50760" bIns="50760" anchor="ctr"/>
+          <a:lstStyle/>
           <a:p>
             <a:pPr marL="740880" indent="-739800">
               <a:lnSpc>
@@ -6547,7 +7854,7 @@
               <a:buAutoNum type="arabicPeriod"/>
             </a:pPr>
             <a:r>
-              <a:rPr b="1" lang="en-US" sz="5000" spc="-1" strike="noStrike">
+              <a:rPr lang="en-US" sz="5000" b="1" strike="noStrike" spc="-1">
                 <a:solidFill>
                   <a:srgbClr val="000000"/>
                 </a:solidFill>
@@ -6556,7 +7863,7 @@
               </a:rPr>
               <a:t>What is this project about?</a:t>
             </a:r>
-            <a:endParaRPr b="0" lang="en-US" sz="5000" spc="-1" strike="noStrike">
+            <a:endParaRPr lang="en-US" sz="5000" b="0" strike="noStrike" spc="-1">
               <a:latin typeface="Arial"/>
             </a:endParaRPr>
           </a:p>
@@ -6582,13 +7889,20 @@
           </a:ln>
         </p:spPr>
         <p:style>
-          <a:lnRef idx="0"/>
-          <a:fillRef idx="0"/>
-          <a:effectRef idx="0"/>
+          <a:lnRef idx="0">
+            <a:scrgbClr r="0" g="0" b="0"/>
+          </a:lnRef>
+          <a:fillRef idx="0">
+            <a:scrgbClr r="0" g="0" b="0"/>
+          </a:fillRef>
+          <a:effectRef idx="0">
+            <a:scrgbClr r="0" g="0" b="0"/>
+          </a:effectRef>
           <a:fontRef idx="minor"/>
         </p:style>
         <p:txBody>
-          <a:bodyPr lIns="50760" rIns="50760" tIns="50760" bIns="50760" anchor="ctr"/>
+          <a:bodyPr lIns="50760" tIns="50760" rIns="50760" bIns="50760" anchor="ctr"/>
+          <a:lstStyle/>
           <a:p>
             <a:pPr>
               <a:lnSpc>
@@ -6596,7 +7910,7 @@
               </a:lnSpc>
             </a:pPr>
             <a:r>
-              <a:rPr b="0" lang="en-US" sz="4000" spc="-1" strike="noStrike">
+              <a:rPr lang="en-US" sz="4000" b="0" strike="noStrike" spc="-1">
                 <a:solidFill>
                   <a:srgbClr val="000000"/>
                 </a:solidFill>
@@ -6606,7 +7920,7 @@
               <a:t>The aim of this project is to train a LM that predicts if a given Amazon review is </a:t>
             </a:r>
             <a:r>
-              <a:rPr b="1" lang="en-US" sz="4000" spc="-1" strike="noStrike">
+              <a:rPr lang="en-US" sz="4000" b="1" strike="noStrike" spc="-1">
                 <a:solidFill>
                   <a:srgbClr val="000000"/>
                 </a:solidFill>
@@ -6616,7 +7930,7 @@
               <a:t>helpful</a:t>
             </a:r>
             <a:r>
-              <a:rPr b="0" lang="en-US" sz="4000" spc="-1" strike="noStrike">
+              <a:rPr lang="en-US" sz="4000" b="0" strike="noStrike" spc="-1">
                 <a:solidFill>
                   <a:srgbClr val="000000"/>
                 </a:solidFill>
@@ -6626,7 +7940,7 @@
               <a:t>/ </a:t>
             </a:r>
             <a:r>
-              <a:rPr b="1" lang="en-US" sz="4000" spc="-1" strike="noStrike">
+              <a:rPr lang="en-US" sz="4000" b="1" strike="noStrike" spc="-1">
                 <a:solidFill>
                   <a:srgbClr val="000000"/>
                 </a:solidFill>
@@ -6636,7 +7950,7 @@
               <a:t>not helpful</a:t>
             </a:r>
             <a:r>
-              <a:rPr b="0" lang="en-US" sz="4000" spc="-1" strike="noStrike">
+              <a:rPr lang="en-US" sz="4000" b="0" strike="noStrike" spc="-1">
                 <a:solidFill>
                   <a:srgbClr val="000000"/>
                 </a:solidFill>
@@ -6645,7 +7959,7 @@
               </a:rPr>
               <a:t>.</a:t>
             </a:r>
-            <a:endParaRPr b="0" lang="en-US" sz="4000" spc="-1" strike="noStrike">
+            <a:endParaRPr lang="en-US" sz="4000" b="0" strike="noStrike" spc="-1">
               <a:latin typeface="Arial"/>
             </a:endParaRPr>
           </a:p>
@@ -6655,7 +7969,7 @@
                 <a:spcPct val="100000"/>
               </a:lnSpc>
             </a:pPr>
-            <a:endParaRPr b="0" lang="en-US" sz="4000" spc="-1" strike="noStrike">
+            <a:endParaRPr lang="en-US" sz="4000" b="0" strike="noStrike" spc="-1">
               <a:latin typeface="Arial"/>
             </a:endParaRPr>
           </a:p>
@@ -6665,7 +7979,7 @@
                 <a:spcPct val="100000"/>
               </a:lnSpc>
             </a:pPr>
-            <a:endParaRPr b="0" lang="en-US" sz="4000" spc="-1" strike="noStrike">
+            <a:endParaRPr lang="en-US" sz="4000" b="0" strike="noStrike" spc="-1">
               <a:latin typeface="Arial"/>
             </a:endParaRPr>
           </a:p>
@@ -6676,7 +7990,7 @@
               </a:lnSpc>
             </a:pPr>
             <a:r>
-              <a:rPr b="1" lang="en-US" sz="4000" spc="-1" strike="noStrike">
+              <a:rPr lang="en-US" sz="4000" b="1" strike="noStrike" spc="-1">
                 <a:solidFill>
                   <a:srgbClr val="000000"/>
                 </a:solidFill>
@@ -6685,7 +7999,7 @@
               </a:rPr>
               <a:t>Product categories</a:t>
             </a:r>
-            <a:endParaRPr b="0" lang="en-US" sz="4000" spc="-1" strike="noStrike">
+            <a:endParaRPr lang="en-US" sz="4000" b="0" strike="noStrike" spc="-1">
               <a:latin typeface="Arial"/>
             </a:endParaRPr>
           </a:p>
@@ -6695,7 +8009,7 @@
                 <a:spcPct val="100000"/>
               </a:lnSpc>
             </a:pPr>
-            <a:endParaRPr b="0" lang="en-US" sz="4000" spc="-1" strike="noStrike">
+            <a:endParaRPr lang="en-US" sz="4000" b="0" strike="noStrike" spc="-1">
               <a:latin typeface="Arial"/>
             </a:endParaRPr>
           </a:p>
@@ -6706,7 +8020,7 @@
               </a:lnSpc>
             </a:pPr>
             <a:r>
-              <a:rPr b="0" lang="en-US" sz="4000" spc="-1" strike="noStrike">
+              <a:rPr lang="en-US" sz="4000" b="0" strike="noStrike" spc="-1">
                 <a:solidFill>
                   <a:srgbClr val="000000"/>
                 </a:solidFill>
@@ -6716,19 +8030,19 @@
               <a:t>Each of us experimented with one of the following Amazon product categories from </a:t>
             </a:r>
             <a:r>
-              <a:rPr b="0" lang="en-US" sz="4000" spc="-1" strike="noStrike" u="sng">
-                <a:solidFill>
-                  <a:srgbClr val="0000ff"/>
+              <a:rPr lang="en-US" sz="4000" b="0" u="sng" strike="noStrike" spc="-1">
+                <a:solidFill>
+                  <a:srgbClr val="0000FF"/>
                 </a:solidFill>
                 <a:uFillTx/>
                 <a:latin typeface="Helvetica Neue"/>
                 <a:ea typeface="Helvetica Neue"/>
-                <a:hlinkClick r:id="rId1"/>
+                <a:hlinkClick r:id="rId2"/>
               </a:rPr>
               <a:t>http://jmcauley.ucsd.edu/data/amazon/</a:t>
             </a:r>
             <a:r>
-              <a:rPr b="0" lang="en-US" sz="4000" spc="-1" strike="noStrike">
+              <a:rPr lang="en-US" sz="4000" b="0" strike="noStrike" spc="-1">
                 <a:solidFill>
                   <a:srgbClr val="000000"/>
                 </a:solidFill>
@@ -6737,7 +8051,7 @@
               </a:rPr>
               <a:t> :</a:t>
             </a:r>
-            <a:endParaRPr b="0" lang="en-US" sz="4000" spc="-1" strike="noStrike">
+            <a:endParaRPr lang="en-US" sz="4000" b="0" strike="noStrike" spc="-1">
               <a:latin typeface="Arial"/>
             </a:endParaRPr>
           </a:p>
@@ -6747,7 +8061,7 @@
                 <a:spcPct val="100000"/>
               </a:lnSpc>
             </a:pPr>
-            <a:endParaRPr b="0" lang="en-US" sz="4000" spc="-1" strike="noStrike">
+            <a:endParaRPr lang="en-US" sz="4000" b="0" strike="noStrike" spc="-1">
               <a:latin typeface="Arial"/>
             </a:endParaRPr>
           </a:p>
@@ -6773,20 +8087,27 @@
           </a:ln>
         </p:spPr>
         <p:style>
-          <a:lnRef idx="0"/>
-          <a:fillRef idx="0"/>
-          <a:effectRef idx="0"/>
+          <a:lnRef idx="0">
+            <a:scrgbClr r="0" g="0" b="0"/>
+          </a:lnRef>
+          <a:fillRef idx="0">
+            <a:scrgbClr r="0" g="0" b="0"/>
+          </a:fillRef>
+          <a:effectRef idx="0">
+            <a:scrgbClr r="0" g="0" b="0"/>
+          </a:effectRef>
           <a:fontRef idx="minor"/>
         </p:style>
         <p:txBody>
-          <a:bodyPr lIns="50760" rIns="50760" tIns="50760" bIns="50760" anchor="ctr"/>
+          <a:bodyPr lIns="50760" tIns="50760" rIns="50760" bIns="50760" anchor="ctr"/>
+          <a:lstStyle/>
           <a:p>
             <a:pPr algn="ctr">
               <a:lnSpc>
                 <a:spcPct val="100000"/>
               </a:lnSpc>
             </a:pPr>
-            <a:endParaRPr b="0" lang="en-US" sz="1800" spc="-1" strike="noStrike">
+            <a:endParaRPr lang="en-US" sz="1800" b="0" strike="noStrike" spc="-1">
               <a:latin typeface="Arial"/>
             </a:endParaRPr>
           </a:p>
@@ -6796,7 +8117,7 @@
                 <a:spcPct val="100000"/>
               </a:lnSpc>
             </a:pPr>
-            <a:endParaRPr b="0" lang="en-US" sz="1800" spc="-1" strike="noStrike">
+            <a:endParaRPr lang="en-US" sz="1800" b="0" strike="noStrike" spc="-1">
               <a:latin typeface="Arial"/>
             </a:endParaRPr>
           </a:p>
@@ -6806,7 +8127,7 @@
                 <a:spcPct val="100000"/>
               </a:lnSpc>
             </a:pPr>
-            <a:endParaRPr b="0" lang="en-US" sz="1800" spc="-1" strike="noStrike">
+            <a:endParaRPr lang="en-US" sz="1800" b="0" strike="noStrike" spc="-1">
               <a:latin typeface="Arial"/>
             </a:endParaRPr>
           </a:p>
@@ -6816,7 +8137,7 @@
                 <a:spcPct val="100000"/>
               </a:lnSpc>
             </a:pPr>
-            <a:endParaRPr b="0" lang="en-US" sz="1800" spc="-1" strike="noStrike">
+            <a:endParaRPr lang="en-US" sz="1800" b="0" strike="noStrike" spc="-1">
               <a:latin typeface="Arial"/>
             </a:endParaRPr>
           </a:p>
@@ -6826,7 +8147,7 @@
                 <a:spcPct val="100000"/>
               </a:lnSpc>
             </a:pPr>
-            <a:endParaRPr b="0" lang="en-US" sz="1800" spc="-1" strike="noStrike">
+            <a:endParaRPr lang="en-US" sz="1800" b="0" strike="noStrike" spc="-1">
               <a:latin typeface="Arial"/>
             </a:endParaRPr>
           </a:p>
@@ -6836,7 +8157,7 @@
                 <a:spcPct val="100000"/>
               </a:lnSpc>
             </a:pPr>
-            <a:endParaRPr b="0" lang="en-US" sz="1800" spc="-1" strike="noStrike">
+            <a:endParaRPr lang="en-US" sz="1800" b="0" strike="noStrike" spc="-1">
               <a:latin typeface="Arial"/>
             </a:endParaRPr>
           </a:p>
@@ -6846,7 +8167,7 @@
                 <a:spcPct val="100000"/>
               </a:lnSpc>
             </a:pPr>
-            <a:endParaRPr b="0" lang="en-US" sz="1800" spc="-1" strike="noStrike">
+            <a:endParaRPr lang="en-US" sz="1800" b="0" strike="noStrike" spc="-1">
               <a:latin typeface="Arial"/>
             </a:endParaRPr>
           </a:p>
@@ -6856,7 +8177,7 @@
                 <a:spcPct val="100000"/>
               </a:lnSpc>
             </a:pPr>
-            <a:endParaRPr b="0" lang="en-US" sz="1800" spc="-1" strike="noStrike">
+            <a:endParaRPr lang="en-US" sz="1800" b="0" strike="noStrike" spc="-1">
               <a:latin typeface="Arial"/>
             </a:endParaRPr>
           </a:p>
@@ -6866,7 +8187,7 @@
                 <a:spcPct val="100000"/>
               </a:lnSpc>
             </a:pPr>
-            <a:endParaRPr b="0" lang="en-US" sz="1800" spc="-1" strike="noStrike">
+            <a:endParaRPr lang="en-US" sz="1800" b="0" strike="noStrike" spc="-1">
               <a:latin typeface="Arial"/>
             </a:endParaRPr>
           </a:p>
@@ -6892,13 +8213,20 @@
           </a:ln>
         </p:spPr>
         <p:style>
-          <a:lnRef idx="0"/>
-          <a:fillRef idx="0"/>
-          <a:effectRef idx="0"/>
+          <a:lnRef idx="0">
+            <a:scrgbClr r="0" g="0" b="0"/>
+          </a:lnRef>
+          <a:fillRef idx="0">
+            <a:scrgbClr r="0" g="0" b="0"/>
+          </a:fillRef>
+          <a:effectRef idx="0">
+            <a:scrgbClr r="0" g="0" b="0"/>
+          </a:effectRef>
           <a:fontRef idx="minor"/>
         </p:style>
         <p:txBody>
-          <a:bodyPr wrap="none" lIns="50760" rIns="50760" tIns="50760" bIns="50760" anchor="ctr"/>
+          <a:bodyPr wrap="none" lIns="50760" tIns="50760" rIns="50760" bIns="50760" anchor="ctr"/>
+          <a:lstStyle/>
           <a:p>
             <a:pPr>
               <a:lnSpc>
@@ -6906,16 +8234,16 @@
               </a:lnSpc>
             </a:pPr>
             <a:r>
-              <a:rPr b="0" lang="en-US" sz="4000" spc="-1" strike="noStrike">
-                <a:solidFill>
-                  <a:srgbClr val="1eb001"/>
+              <a:rPr lang="en-US" sz="4000" b="0" strike="noStrike" spc="-1">
+                <a:solidFill>
+                  <a:srgbClr val="1EB001"/>
                 </a:solidFill>
                 <a:latin typeface="Helvetica Neue"/>
                 <a:ea typeface="Helvetica Neue"/>
               </a:rPr>
               <a:t>Home and Kitchen</a:t>
             </a:r>
-            <a:endParaRPr b="0" lang="en-US" sz="4000" spc="-1" strike="noStrike">
+            <a:endParaRPr lang="en-US" sz="4000" b="0" strike="noStrike" spc="-1">
               <a:latin typeface="Arial"/>
             </a:endParaRPr>
           </a:p>
@@ -6926,16 +8254,16 @@
               </a:lnSpc>
             </a:pPr>
             <a:r>
-              <a:rPr b="0" lang="en-US" sz="4000" spc="-1" strike="noStrike">
-                <a:solidFill>
-                  <a:srgbClr val="ee230c"/>
+              <a:rPr lang="en-US" sz="4000" b="0" strike="noStrike" spc="-1">
+                <a:solidFill>
+                  <a:srgbClr val="EE230C"/>
                 </a:solidFill>
                 <a:latin typeface="Helvetica Neue"/>
                 <a:ea typeface="Helvetica Neue"/>
               </a:rPr>
               <a:t>Electronics</a:t>
             </a:r>
-            <a:endParaRPr b="0" lang="en-US" sz="4000" spc="-1" strike="noStrike">
+            <a:endParaRPr lang="en-US" sz="4000" b="0" strike="noStrike" spc="-1">
               <a:latin typeface="Arial"/>
             </a:endParaRPr>
           </a:p>
@@ -6946,16 +8274,16 @@
               </a:lnSpc>
             </a:pPr>
             <a:r>
-              <a:rPr b="0" lang="en-US" sz="4000" spc="-1" strike="noStrike">
-                <a:solidFill>
-                  <a:srgbClr val="00ab8e"/>
+              <a:rPr lang="en-US" sz="4000" b="0" strike="noStrike" spc="-1">
+                <a:solidFill>
+                  <a:srgbClr val="00AB8E"/>
                 </a:solidFill>
                 <a:latin typeface="Helvetica Neue"/>
                 <a:ea typeface="Helvetica Neue"/>
               </a:rPr>
               <a:t>Cell Phones and Accessories</a:t>
             </a:r>
-            <a:endParaRPr b="0" lang="en-US" sz="4000" spc="-1" strike="noStrike">
+            <a:endParaRPr lang="en-US" sz="4000" b="0" strike="noStrike" spc="-1">
               <a:latin typeface="Arial"/>
             </a:endParaRPr>
           </a:p>
@@ -6966,16 +8294,16 @@
               </a:lnSpc>
             </a:pPr>
             <a:r>
-              <a:rPr b="0" lang="en-US" sz="4000" spc="-1" strike="noStrike">
-                <a:solidFill>
-                  <a:srgbClr val="ffd932"/>
+              <a:rPr lang="en-US" sz="4000" b="0" strike="noStrike" spc="-1">
+                <a:solidFill>
+                  <a:srgbClr val="FFD932"/>
                 </a:solidFill>
                 <a:latin typeface="Helvetica Neue"/>
                 <a:ea typeface="Helvetica Neue"/>
               </a:rPr>
               <a:t>Beauty</a:t>
             </a:r>
-            <a:endParaRPr b="0" lang="en-US" sz="4000" spc="-1" strike="noStrike">
+            <a:endParaRPr lang="en-US" sz="4000" b="0" strike="noStrike" spc="-1">
               <a:latin typeface="Arial"/>
             </a:endParaRPr>
           </a:p>
@@ -6986,16 +8314,16 @@
               </a:lnSpc>
             </a:pPr>
             <a:r>
-              <a:rPr b="0" lang="en-US" sz="4000" spc="-1" strike="noStrike">
-                <a:solidFill>
-                  <a:srgbClr val="56c1ff"/>
+              <a:rPr lang="en-US" sz="4000" b="0" strike="noStrike" spc="-1">
+                <a:solidFill>
+                  <a:srgbClr val="56C1FF"/>
                 </a:solidFill>
                 <a:latin typeface="Helvetica Neue"/>
                 <a:ea typeface="Helvetica Neue"/>
               </a:rPr>
               <a:t>Grocery and Gourmet </a:t>
             </a:r>
-            <a:endParaRPr b="0" lang="en-US" sz="4000" spc="-1" strike="noStrike">
+            <a:endParaRPr lang="en-US" sz="4000" b="0" strike="noStrike" spc="-1">
               <a:latin typeface="Arial"/>
             </a:endParaRPr>
           </a:p>
@@ -7006,16 +8334,16 @@
               </a:lnSpc>
             </a:pPr>
             <a:r>
-              <a:rPr b="0" lang="en-US" sz="4000" spc="-1" strike="noStrike">
-                <a:solidFill>
-                  <a:srgbClr val="ff94ca"/>
+              <a:rPr lang="en-US" sz="4000" b="0" strike="noStrike" spc="-1">
+                <a:solidFill>
+                  <a:srgbClr val="FF94CA"/>
                 </a:solidFill>
                 <a:latin typeface="Helvetica Neue"/>
                 <a:ea typeface="Helvetica Neue"/>
               </a:rPr>
               <a:t>Movies and TV</a:t>
             </a:r>
-            <a:endParaRPr b="0" lang="en-US" sz="4000" spc="-1" strike="noStrike">
+            <a:endParaRPr lang="en-US" sz="4000" b="0" strike="noStrike" spc="-1">
               <a:latin typeface="Arial"/>
             </a:endParaRPr>
           </a:p>
@@ -7023,22 +8351,25 @@
       </p:sp>
     </p:spTree>
   </p:cSld>
+  <p:clrMapOvr>
+    <a:masterClrMapping/>
+  </p:clrMapOvr>
   <p:timing>
     <p:tnLst>
       <p:par>
-        <p:cTn id="5" dur="indefinite" restart="never" nodeType="tmRoot">
+        <p:cTn id="1" dur="indefinite" restart="never" nodeType="tmRoot">
           <p:childTnLst>
             <p:seq>
-              <p:cTn id="6" dur="indefinite" nodeType="mainSeq"/>
+              <p:cTn id="2" dur="indefinite" nodeType="mainSeq"/>
               <p:prevCondLst>
-                <p:cond delay="0" evt="onPrev">
+                <p:cond evt="onPrev" delay="0">
                   <p:tgtEl>
                     <p:sldTgt/>
                   </p:tgtEl>
                 </p:cond>
               </p:prevCondLst>
               <p:nextCondLst>
-                <p:cond delay="0" evt="onNext">
+                <p:cond evt="onNext" delay="0">
                   <p:tgtEl>
                     <p:sldTgt/>
                   </p:tgtEl>
@@ -7054,7 +8385,7 @@
 </file>
 
 <file path=ppt/slides/slide4.xml><?xml version="1.0" encoding="utf-8"?>
-<p:sld xmlns:a="http://schemas.openxmlformats.org/drawingml/2006/main" xmlns:p="http://schemas.openxmlformats.org/presentationml/2006/main" xmlns:r="http://schemas.openxmlformats.org/officeDocument/2006/relationships" xmlns:p14="http://schemas.microsoft.com/office/powerpoint/2010/main" xmlns:p15="http://schemas.microsoft.com/office/powerpoint/2012/main" xmlns:mc="http://schemas.openxmlformats.org/markup-compatibility/2006">
+<p:sld xmlns:a="http://schemas.openxmlformats.org/drawingml/2006/main" xmlns:r="http://schemas.openxmlformats.org/officeDocument/2006/relationships" xmlns:p="http://schemas.openxmlformats.org/presentationml/2006/main">
   <p:cSld>
     <p:spTree>
       <p:nvGrpSpPr>
@@ -7090,13 +8421,20 @@
           </a:ln>
         </p:spPr>
         <p:style>
-          <a:lnRef idx="0"/>
-          <a:fillRef idx="0"/>
-          <a:effectRef idx="0"/>
+          <a:lnRef idx="0">
+            <a:scrgbClr r="0" g="0" b="0"/>
+          </a:lnRef>
+          <a:fillRef idx="0">
+            <a:scrgbClr r="0" g="0" b="0"/>
+          </a:fillRef>
+          <a:effectRef idx="0">
+            <a:scrgbClr r="0" g="0" b="0"/>
+          </a:effectRef>
           <a:fontRef idx="minor"/>
         </p:style>
         <p:txBody>
-          <a:bodyPr wrap="none" lIns="50760" rIns="50760" tIns="50760" bIns="50760" anchor="ctr"/>
+          <a:bodyPr wrap="none" lIns="50760" tIns="50760" rIns="50760" bIns="50760" anchor="ctr"/>
+          <a:lstStyle/>
           <a:p>
             <a:pPr>
               <a:lnSpc>
@@ -7104,7 +8442,7 @@
               </a:lnSpc>
             </a:pPr>
             <a:r>
-              <a:rPr b="1" lang="en-US" sz="4800" spc="-1" strike="noStrike">
+              <a:rPr lang="en-US" sz="4800" b="1" strike="noStrike" spc="-1">
                 <a:solidFill>
                   <a:srgbClr val="000000"/>
                 </a:solidFill>
@@ -7113,7 +8451,7 @@
               </a:rPr>
               <a:t>2. Data Preparation: The shape of our data</a:t>
             </a:r>
-            <a:endParaRPr b="0" lang="en-US" sz="4800" spc="-1" strike="noStrike">
+            <a:endParaRPr lang="en-US" sz="4800" b="0" strike="noStrike" spc="-1">
               <a:latin typeface="Arial"/>
             </a:endParaRPr>
           </a:p>
@@ -7139,13 +8477,20 @@
           </a:ln>
         </p:spPr>
         <p:style>
-          <a:lnRef idx="0"/>
-          <a:fillRef idx="0"/>
-          <a:effectRef idx="0"/>
+          <a:lnRef idx="0">
+            <a:scrgbClr r="0" g="0" b="0"/>
+          </a:lnRef>
+          <a:fillRef idx="0">
+            <a:scrgbClr r="0" g="0" b="0"/>
+          </a:fillRef>
+          <a:effectRef idx="0">
+            <a:scrgbClr r="0" g="0" b="0"/>
+          </a:effectRef>
           <a:fontRef idx="minor"/>
         </p:style>
         <p:txBody>
-          <a:bodyPr lIns="50760" rIns="50760" tIns="50760" bIns="50760" anchor="ctr"/>
+          <a:bodyPr lIns="50760" tIns="50760" rIns="50760" bIns="50760" anchor="ctr"/>
+          <a:lstStyle/>
           <a:p>
             <a:pPr>
               <a:lnSpc>
@@ -7153,7 +8498,7 @@
               </a:lnSpc>
             </a:pPr>
             <a:r>
-              <a:rPr b="1" lang="en-US" sz="3100" spc="-1" strike="noStrike">
+              <a:rPr lang="en-US" sz="3100" b="1" strike="noStrike" spc="-1">
                 <a:solidFill>
                   <a:srgbClr val="000000"/>
                 </a:solidFill>
@@ -7162,7 +8507,7 @@
               </a:rPr>
               <a:t>Amazon review schema</a:t>
             </a:r>
-            <a:endParaRPr b="0" lang="en-US" sz="3100" spc="-1" strike="noStrike">
+            <a:endParaRPr lang="en-US" sz="3100" b="0" strike="noStrike" spc="-1">
               <a:latin typeface="Arial"/>
             </a:endParaRPr>
           </a:p>
@@ -7172,7 +8517,7 @@
                 <a:spcPct val="100000"/>
               </a:lnSpc>
             </a:pPr>
-            <a:endParaRPr b="0" lang="en-US" sz="3100" spc="-1" strike="noStrike">
+            <a:endParaRPr lang="en-US" sz="3100" b="0" strike="noStrike" spc="-1">
               <a:latin typeface="Arial"/>
             </a:endParaRPr>
           </a:p>
@@ -7183,9 +8528,9 @@
               </a:lnSpc>
             </a:pPr>
             <a:r>
-              <a:rPr b="0" lang="en-US" sz="3100" spc="-1" strike="noStrike">
-                <a:solidFill>
-                  <a:srgbClr val="ee230c"/>
+              <a:rPr lang="en-US" sz="3100" b="0" strike="noStrike" spc="-1">
+                <a:solidFill>
+                  <a:srgbClr val="EE230C"/>
                 </a:solidFill>
                 <a:latin typeface="Helvetica Neue"/>
                 <a:ea typeface="Helvetica Neue"/>
@@ -7193,7 +8538,7 @@
               <a:t>{</a:t>
             </a:r>
             <a:r>
-              <a:rPr b="0" lang="en-US" sz="3100" spc="-1" strike="noStrike">
+              <a:rPr lang="en-US" sz="3100" b="0" strike="noStrike" spc="-1">
                 <a:solidFill>
                   <a:srgbClr val="000000"/>
                 </a:solidFill>
@@ -7203,7 +8548,7 @@
               <a:t>"</a:t>
             </a:r>
             <a:r>
-              <a:rPr b="1" lang="en-US" sz="3100" spc="-1" strike="noStrike">
+              <a:rPr lang="en-US" sz="3100" b="1" strike="noStrike" spc="-1">
                 <a:solidFill>
                   <a:srgbClr val="000000"/>
                 </a:solidFill>
@@ -7213,7 +8558,7 @@
               <a:t>reviewerID</a:t>
             </a:r>
             <a:r>
-              <a:rPr b="0" lang="en-US" sz="3100" spc="-1" strike="noStrike">
+              <a:rPr lang="en-US" sz="3100" b="0" strike="noStrike" spc="-1">
                 <a:solidFill>
                   <a:srgbClr val="000000"/>
                 </a:solidFill>
@@ -7222,7 +8567,7 @@
               </a:rPr>
               <a:t>": "A27IQHDZFQFNGG", </a:t>
             </a:r>
-            <a:endParaRPr b="0" lang="en-US" sz="3100" spc="-1" strike="noStrike">
+            <a:endParaRPr lang="en-US" sz="3100" b="0" strike="noStrike" spc="-1">
               <a:latin typeface="Arial"/>
             </a:endParaRPr>
           </a:p>
@@ -7233,7 +8578,7 @@
               </a:lnSpc>
             </a:pPr>
             <a:r>
-              <a:rPr b="0" lang="en-US" sz="3100" spc="-1" strike="noStrike">
+              <a:rPr lang="en-US" sz="3100" b="0" strike="noStrike" spc="-1">
                 <a:solidFill>
                   <a:srgbClr val="000000"/>
                 </a:solidFill>
@@ -7243,7 +8588,7 @@
               <a:t>"</a:t>
             </a:r>
             <a:r>
-              <a:rPr b="1" lang="en-US" sz="3100" spc="-1" strike="noStrike">
+              <a:rPr lang="en-US" sz="3100" b="1" strike="noStrike" spc="-1">
                 <a:solidFill>
                   <a:srgbClr val="000000"/>
                 </a:solidFill>
@@ -7253,7 +8598,7 @@
               <a:t>asin</a:t>
             </a:r>
             <a:r>
-              <a:rPr b="0" lang="en-US" sz="3100" spc="-1" strike="noStrike">
+              <a:rPr lang="en-US" sz="3100" b="0" strike="noStrike" spc="-1">
                 <a:solidFill>
                   <a:srgbClr val="000000"/>
                 </a:solidFill>
@@ -7262,7 +8607,7 @@
               </a:rPr>
               <a:t>": "616719923X", </a:t>
             </a:r>
-            <a:endParaRPr b="0" lang="en-US" sz="3100" spc="-1" strike="noStrike">
+            <a:endParaRPr lang="en-US" sz="3100" b="0" strike="noStrike" spc="-1">
               <a:latin typeface="Arial"/>
             </a:endParaRPr>
           </a:p>
@@ -7273,7 +8618,7 @@
               </a:lnSpc>
             </a:pPr>
             <a:r>
-              <a:rPr b="0" lang="en-US" sz="3100" spc="-1" strike="noStrike">
+              <a:rPr lang="en-US" sz="3100" b="0" strike="noStrike" spc="-1">
                 <a:solidFill>
                   <a:srgbClr val="000000"/>
                 </a:solidFill>
@@ -7283,7 +8628,7 @@
               <a:t>"</a:t>
             </a:r>
             <a:r>
-              <a:rPr b="1" lang="en-US" sz="3100" spc="-1" strike="noStrike">
+              <a:rPr lang="en-US" sz="3100" b="1" strike="noStrike" spc="-1">
                 <a:solidFill>
                   <a:srgbClr val="000000"/>
                 </a:solidFill>
@@ -7293,7 +8638,7 @@
               <a:t>reviewerName</a:t>
             </a:r>
             <a:r>
-              <a:rPr b="0" lang="en-US" sz="3100" spc="-1" strike="noStrike">
+              <a:rPr lang="en-US" sz="3100" b="0" strike="noStrike" spc="-1">
                 <a:solidFill>
                   <a:srgbClr val="000000"/>
                 </a:solidFill>
@@ -7302,7 +8647,7 @@
               </a:rPr>
               <a:t>": "Caitlin", </a:t>
             </a:r>
-            <a:endParaRPr b="0" lang="en-US" sz="3100" spc="-1" strike="noStrike">
+            <a:endParaRPr lang="en-US" sz="3100" b="0" strike="noStrike" spc="-1">
               <a:latin typeface="Arial"/>
             </a:endParaRPr>
           </a:p>
@@ -7313,7 +8658,7 @@
               </a:lnSpc>
             </a:pPr>
             <a:r>
-              <a:rPr b="0" lang="en-US" sz="3100" spc="-1" strike="noStrike">
+              <a:rPr lang="en-US" sz="3100" b="0" strike="noStrike" spc="-1">
                 <a:solidFill>
                   <a:srgbClr val="000000"/>
                 </a:solidFill>
@@ -7323,7 +8668,7 @@
               <a:t>"</a:t>
             </a:r>
             <a:r>
-              <a:rPr b="1" lang="en-US" sz="3100" spc="-1" strike="noStrike">
+              <a:rPr lang="en-US" sz="3100" b="1" strike="noStrike" spc="-1">
                 <a:solidFill>
                   <a:srgbClr val="000000"/>
                 </a:solidFill>
@@ -7333,7 +8678,7 @@
               <a:t>helpful</a:t>
             </a:r>
             <a:r>
-              <a:rPr b="0" lang="en-US" sz="3100" spc="-1" strike="noStrike">
+              <a:rPr lang="en-US" sz="3100" b="0" strike="noStrike" spc="-1">
                 <a:solidFill>
                   <a:srgbClr val="000000"/>
                 </a:solidFill>
@@ -7343,9 +8688,9 @@
               <a:t>": </a:t>
             </a:r>
             <a:r>
-              <a:rPr b="0" lang="en-US" sz="3100" spc="-1" strike="noStrike">
-                <a:solidFill>
-                  <a:srgbClr val="16e7cf"/>
+              <a:rPr lang="en-US" sz="3100" b="0" strike="noStrike" spc="-1">
+                <a:solidFill>
+                  <a:srgbClr val="16E7CF"/>
                 </a:solidFill>
                 <a:latin typeface="Helvetica Neue"/>
                 <a:ea typeface="Helvetica Neue"/>
@@ -7353,7 +8698,7 @@
               <a:t>[3, 4]</a:t>
             </a:r>
             <a:r>
-              <a:rPr b="0" lang="en-US" sz="3100" spc="-1" strike="noStrike">
+              <a:rPr lang="en-US" sz="3100" b="0" strike="noStrike" spc="-1">
                 <a:solidFill>
                   <a:srgbClr val="000000"/>
                 </a:solidFill>
@@ -7362,7 +8707,7 @@
               </a:rPr>
               <a:t>, </a:t>
             </a:r>
-            <a:endParaRPr b="0" lang="en-US" sz="3100" spc="-1" strike="noStrike">
+            <a:endParaRPr lang="en-US" sz="3100" b="0" strike="noStrike" spc="-1">
               <a:latin typeface="Arial"/>
             </a:endParaRPr>
           </a:p>
@@ -7373,7 +8718,7 @@
               </a:lnSpc>
             </a:pPr>
             <a:r>
-              <a:rPr b="0" lang="en-US" sz="3100" spc="-1" strike="noStrike">
+              <a:rPr lang="en-US" sz="3100" b="0" strike="noStrike" spc="-1">
                 <a:solidFill>
                   <a:srgbClr val="000000"/>
                 </a:solidFill>
@@ -7383,7 +8728,7 @@
               <a:t>"</a:t>
             </a:r>
             <a:r>
-              <a:rPr b="1" lang="en-US" sz="3100" spc="-1" strike="noStrike">
+              <a:rPr lang="en-US" sz="3100" b="1" strike="noStrike" spc="-1">
                 <a:solidFill>
                   <a:srgbClr val="000000"/>
                 </a:solidFill>
@@ -7393,7 +8738,7 @@
               <a:t>reviewText</a:t>
             </a:r>
             <a:r>
-              <a:rPr b="0" lang="en-US" sz="3100" spc="-1" strike="noStrike">
+              <a:rPr lang="en-US" sz="3100" b="0" strike="noStrike" spc="-1">
                 <a:solidFill>
                   <a:srgbClr val="000000"/>
                 </a:solidFill>
@@ -7403,9 +8748,9 @@
               <a:t>": "</a:t>
             </a:r>
             <a:r>
-              <a:rPr b="0" lang="en-US" sz="3100" spc="-1" strike="noStrike">
-                <a:solidFill>
-                  <a:srgbClr val="16e7cf"/>
+              <a:rPr lang="en-US" sz="3100" b="0" strike="noStrike" spc="-1">
+                <a:solidFill>
+                  <a:srgbClr val="16E7CF"/>
                 </a:solidFill>
                 <a:latin typeface="Helvetica Neue"/>
                 <a:ea typeface="Helvetica Neue"/>
@@ -7413,7 +8758,7 @@
               <a:t>Really good. Great gift for any fan of green tea! Just so expensive to purchase candy from across the sea.</a:t>
             </a:r>
             <a:r>
-              <a:rPr b="0" lang="en-US" sz="3100" spc="-1" strike="noStrike">
+              <a:rPr lang="en-US" sz="3100" b="0" strike="noStrike" spc="-1">
                 <a:solidFill>
                   <a:srgbClr val="000000"/>
                 </a:solidFill>
@@ -7422,7 +8767,7 @@
               </a:rPr>
               <a:t>", </a:t>
             </a:r>
-            <a:endParaRPr b="0" lang="en-US" sz="3100" spc="-1" strike="noStrike">
+            <a:endParaRPr lang="en-US" sz="3100" b="0" strike="noStrike" spc="-1">
               <a:latin typeface="Arial"/>
             </a:endParaRPr>
           </a:p>
@@ -7433,7 +8778,7 @@
               </a:lnSpc>
             </a:pPr>
             <a:r>
-              <a:rPr b="0" lang="en-US" sz="3100" spc="-1" strike="noStrike">
+              <a:rPr lang="en-US" sz="3100" b="0" strike="noStrike" spc="-1">
                 <a:solidFill>
                   <a:srgbClr val="000000"/>
                 </a:solidFill>
@@ -7443,7 +8788,7 @@
               <a:t>"</a:t>
             </a:r>
             <a:r>
-              <a:rPr b="1" lang="en-US" sz="3100" spc="-1" strike="noStrike">
+              <a:rPr lang="en-US" sz="3100" b="1" strike="noStrike" spc="-1">
                 <a:solidFill>
                   <a:srgbClr val="000000"/>
                 </a:solidFill>
@@ -7453,7 +8798,7 @@
               <a:t>overall</a:t>
             </a:r>
             <a:r>
-              <a:rPr b="0" lang="en-US" sz="3100" spc="-1" strike="noStrike">
+              <a:rPr lang="en-US" sz="3100" b="0" strike="noStrike" spc="-1">
                 <a:solidFill>
                   <a:srgbClr val="000000"/>
                 </a:solidFill>
@@ -7462,7 +8807,7 @@
               </a:rPr>
               <a:t>": 4.0, "summary": "Yum!", </a:t>
             </a:r>
-            <a:endParaRPr b="0" lang="en-US" sz="3100" spc="-1" strike="noStrike">
+            <a:endParaRPr lang="en-US" sz="3100" b="0" strike="noStrike" spc="-1">
               <a:latin typeface="Arial"/>
             </a:endParaRPr>
           </a:p>
@@ -7473,7 +8818,7 @@
               </a:lnSpc>
             </a:pPr>
             <a:r>
-              <a:rPr b="0" lang="en-US" sz="3100" spc="-1" strike="noStrike">
+              <a:rPr lang="en-US" sz="3100" b="0" strike="noStrike" spc="-1">
                 <a:solidFill>
                   <a:srgbClr val="000000"/>
                 </a:solidFill>
@@ -7483,7 +8828,7 @@
               <a:t>"</a:t>
             </a:r>
             <a:r>
-              <a:rPr b="1" lang="en-US" sz="3100" spc="-1" strike="noStrike">
+              <a:rPr lang="en-US" sz="3100" b="1" strike="noStrike" spc="-1">
                 <a:solidFill>
                   <a:srgbClr val="000000"/>
                 </a:solidFill>
@@ -7493,7 +8838,7 @@
               <a:t>unixReviewTime</a:t>
             </a:r>
             <a:r>
-              <a:rPr b="0" lang="en-US" sz="3100" spc="-1" strike="noStrike">
+              <a:rPr lang="en-US" sz="3100" b="0" strike="noStrike" spc="-1">
                 <a:solidFill>
                   <a:srgbClr val="000000"/>
                 </a:solidFill>
@@ -7502,7 +8847,7 @@
               </a:rPr>
               <a:t>": 1381190400, </a:t>
             </a:r>
-            <a:endParaRPr b="0" lang="en-US" sz="3100" spc="-1" strike="noStrike">
+            <a:endParaRPr lang="en-US" sz="3100" b="0" strike="noStrike" spc="-1">
               <a:latin typeface="Arial"/>
             </a:endParaRPr>
           </a:p>
@@ -7513,7 +8858,7 @@
               </a:lnSpc>
             </a:pPr>
             <a:r>
-              <a:rPr b="0" lang="en-US" sz="3100" spc="-1" strike="noStrike">
+              <a:rPr lang="en-US" sz="3100" b="0" strike="noStrike" spc="-1">
                 <a:solidFill>
                   <a:srgbClr val="000000"/>
                 </a:solidFill>
@@ -7523,7 +8868,7 @@
               <a:t>"</a:t>
             </a:r>
             <a:r>
-              <a:rPr b="1" lang="en-US" sz="3100" spc="-1" strike="noStrike">
+              <a:rPr lang="en-US" sz="3100" b="1" strike="noStrike" spc="-1">
                 <a:solidFill>
                   <a:srgbClr val="000000"/>
                 </a:solidFill>
@@ -7533,7 +8878,7 @@
               <a:t>reviewTime</a:t>
             </a:r>
             <a:r>
-              <a:rPr b="0" lang="en-US" sz="3100" spc="-1" strike="noStrike">
+              <a:rPr lang="en-US" sz="3100" b="0" strike="noStrike" spc="-1">
                 <a:solidFill>
                   <a:srgbClr val="000000"/>
                 </a:solidFill>
@@ -7543,16 +8888,16 @@
               <a:t>": "10 8, 2013"</a:t>
             </a:r>
             <a:r>
-              <a:rPr b="0" lang="en-US" sz="3100" spc="-1" strike="noStrike">
-                <a:solidFill>
-                  <a:srgbClr val="b51600"/>
+              <a:rPr lang="en-US" sz="3100" b="0" strike="noStrike" spc="-1">
+                <a:solidFill>
+                  <a:srgbClr val="B51600"/>
                 </a:solidFill>
                 <a:latin typeface="Helvetica Neue"/>
                 <a:ea typeface="Helvetica Neue"/>
               </a:rPr>
               <a:t>} </a:t>
             </a:r>
-            <a:endParaRPr b="0" lang="en-US" sz="3100" spc="-1" strike="noStrike">
+            <a:endParaRPr lang="en-US" sz="3100" b="0" strike="noStrike" spc="-1">
               <a:latin typeface="Arial"/>
             </a:endParaRPr>
           </a:p>
@@ -7562,7 +8907,7 @@
                 <a:spcPct val="100000"/>
               </a:lnSpc>
             </a:pPr>
-            <a:endParaRPr b="0" lang="en-US" sz="3100" spc="-1" strike="noStrike">
+            <a:endParaRPr lang="en-US" sz="3100" b="0" strike="noStrike" spc="-1">
               <a:latin typeface="Arial"/>
             </a:endParaRPr>
           </a:p>
@@ -7573,7 +8918,7 @@
               </a:lnSpc>
             </a:pPr>
             <a:r>
-              <a:rPr b="0" lang="en-US" sz="3100" spc="-1" strike="noStrike">
+              <a:rPr lang="en-US" sz="3100" b="0" strike="noStrike" spc="-1">
                 <a:solidFill>
                   <a:srgbClr val="000000"/>
                 </a:solidFill>
@@ -7583,7 +8928,7 @@
               <a:t>** We are mainly interested in the “</a:t>
             </a:r>
             <a:r>
-              <a:rPr b="1" lang="en-US" sz="3100" spc="-1" strike="noStrike">
+              <a:rPr lang="en-US" sz="3100" b="1" strike="noStrike" spc="-1">
                 <a:solidFill>
                   <a:srgbClr val="000000"/>
                 </a:solidFill>
@@ -7593,7 +8938,7 @@
               <a:t>helpful</a:t>
             </a:r>
             <a:r>
-              <a:rPr b="0" lang="en-US" sz="3100" spc="-1" strike="noStrike">
+              <a:rPr lang="en-US" sz="3100" b="0" strike="noStrike" spc="-1">
                 <a:solidFill>
                   <a:srgbClr val="000000"/>
                 </a:solidFill>
@@ -7603,7 +8948,7 @@
               <a:t>” and “</a:t>
             </a:r>
             <a:r>
-              <a:rPr b="1" lang="en-US" sz="3100" spc="-1" strike="noStrike">
+              <a:rPr lang="en-US" sz="3100" b="1" strike="noStrike" spc="-1">
                 <a:solidFill>
                   <a:srgbClr val="000000"/>
                 </a:solidFill>
@@ -7613,7 +8958,7 @@
               <a:t>reviewText</a:t>
             </a:r>
             <a:r>
-              <a:rPr b="0" lang="en-US" sz="3100" spc="-1" strike="noStrike">
+              <a:rPr lang="en-US" sz="3100" b="0" strike="noStrike" spc="-1">
                 <a:solidFill>
                   <a:srgbClr val="000000"/>
                 </a:solidFill>
@@ -7622,7 +8967,7 @@
               </a:rPr>
               <a:t>” fields. The “helpful” field contains two values: the first number indicates the users that voted the review to be helpful/non-helpful, while the second number indicates the total of votes the review received.</a:t>
             </a:r>
-            <a:endParaRPr b="0" lang="en-US" sz="3100" spc="-1" strike="noStrike">
+            <a:endParaRPr lang="en-US" sz="3100" b="0" strike="noStrike" spc="-1">
               <a:latin typeface="Arial"/>
             </a:endParaRPr>
           </a:p>
@@ -7632,7 +8977,7 @@
                 <a:spcPct val="100000"/>
               </a:lnSpc>
             </a:pPr>
-            <a:endParaRPr b="0" lang="en-US" sz="3100" spc="-1" strike="noStrike">
+            <a:endParaRPr lang="en-US" sz="3100" b="0" strike="noStrike" spc="-1">
               <a:latin typeface="Arial"/>
             </a:endParaRPr>
           </a:p>
@@ -7642,7 +8987,7 @@
                 <a:spcPct val="100000"/>
               </a:lnSpc>
             </a:pPr>
-            <a:endParaRPr b="0" lang="en-US" sz="3100" spc="-1" strike="noStrike">
+            <a:endParaRPr lang="en-US" sz="3100" b="0" strike="noStrike" spc="-1">
               <a:latin typeface="Arial"/>
             </a:endParaRPr>
           </a:p>
@@ -7652,7 +8997,7 @@
                 <a:spcPct val="100000"/>
               </a:lnSpc>
             </a:pPr>
-            <a:endParaRPr b="0" lang="en-US" sz="3100" spc="-1" strike="noStrike">
+            <a:endParaRPr lang="en-US" sz="3100" b="0" strike="noStrike" spc="-1">
               <a:latin typeface="Arial"/>
             </a:endParaRPr>
           </a:p>
@@ -7660,22 +9005,25 @@
       </p:sp>
     </p:spTree>
   </p:cSld>
+  <p:clrMapOvr>
+    <a:masterClrMapping/>
+  </p:clrMapOvr>
   <p:timing>
     <p:tnLst>
       <p:par>
-        <p:cTn id="7" dur="indefinite" restart="never" nodeType="tmRoot">
+        <p:cTn id="1" dur="indefinite" restart="never" nodeType="tmRoot">
           <p:childTnLst>
             <p:seq>
-              <p:cTn id="8" dur="indefinite" nodeType="mainSeq"/>
+              <p:cTn id="2" dur="indefinite" nodeType="mainSeq"/>
               <p:prevCondLst>
-                <p:cond delay="0" evt="onPrev">
+                <p:cond evt="onPrev" delay="0">
                   <p:tgtEl>
                     <p:sldTgt/>
                   </p:tgtEl>
                 </p:cond>
               </p:prevCondLst>
               <p:nextCondLst>
-                <p:cond delay="0" evt="onNext">
+                <p:cond evt="onNext" delay="0">
                   <p:tgtEl>
                     <p:sldTgt/>
                   </p:tgtEl>
@@ -7691,7 +9039,7 @@
 </file>
 
 <file path=ppt/slides/slide5.xml><?xml version="1.0" encoding="utf-8"?>
-<p:sld xmlns:a="http://schemas.openxmlformats.org/drawingml/2006/main" xmlns:p="http://schemas.openxmlformats.org/presentationml/2006/main" xmlns:r="http://schemas.openxmlformats.org/officeDocument/2006/relationships" xmlns:p14="http://schemas.microsoft.com/office/powerpoint/2010/main" xmlns:p15="http://schemas.microsoft.com/office/powerpoint/2012/main" xmlns:mc="http://schemas.openxmlformats.org/markup-compatibility/2006">
+<p:sld xmlns:a="http://schemas.openxmlformats.org/drawingml/2006/main" xmlns:r="http://schemas.openxmlformats.org/officeDocument/2006/relationships" xmlns:p="http://schemas.openxmlformats.org/presentationml/2006/main">
   <p:cSld>
     <p:spTree>
       <p:nvGrpSpPr>
@@ -7727,13 +9075,20 @@
           </a:ln>
         </p:spPr>
         <p:style>
-          <a:lnRef idx="0"/>
-          <a:fillRef idx="0"/>
-          <a:effectRef idx="0"/>
+          <a:lnRef idx="0">
+            <a:scrgbClr r="0" g="0" b="0"/>
+          </a:lnRef>
+          <a:fillRef idx="0">
+            <a:scrgbClr r="0" g="0" b="0"/>
+          </a:fillRef>
+          <a:effectRef idx="0">
+            <a:scrgbClr r="0" g="0" b="0"/>
+          </a:effectRef>
           <a:fontRef idx="minor"/>
         </p:style>
         <p:txBody>
-          <a:bodyPr lIns="0" rIns="0" tIns="0" bIns="0" anchor="ctr"/>
+          <a:bodyPr lIns="0" tIns="0" rIns="0" bIns="0" anchor="ctr"/>
+          <a:lstStyle/>
           <a:p>
             <a:pPr algn="ctr">
               <a:lnSpc>
@@ -7741,16 +9096,16 @@
               </a:lnSpc>
             </a:pPr>
             <a:r>
-              <a:rPr b="0" lang="en-US" sz="4800" spc="-1" strike="noStrike">
-                <a:solidFill>
-                  <a:srgbClr val="5e5e5e"/>
+              <a:rPr lang="en-US" sz="4800" b="0" strike="noStrike" spc="-1">
+                <a:solidFill>
+                  <a:srgbClr val="5E5E5E"/>
                 </a:solidFill>
                 <a:latin typeface="Helvetica Neue"/>
                 <a:ea typeface="DejaVu Sans"/>
               </a:rPr>
               <a:t>Difficulties and Caveats</a:t>
             </a:r>
-            <a:endParaRPr b="0" lang="en-US" sz="4800" spc="-1" strike="noStrike">
+            <a:endParaRPr lang="en-US" sz="4800" b="0" strike="noStrike" spc="-1">
               <a:latin typeface="Arial"/>
             </a:endParaRPr>
           </a:p>
@@ -7765,7 +9120,7 @@
         <p:spPr>
           <a:xfrm>
             <a:off x="1218960" y="3209400"/>
-            <a:ext cx="21944160" cy="7954200"/>
+            <a:ext cx="21944160" cy="9760642"/>
           </a:xfrm>
           <a:prstGeom prst="rect">
             <a:avLst/>
@@ -7776,15 +9131,22 @@
           </a:ln>
         </p:spPr>
         <p:style>
-          <a:lnRef idx="0"/>
-          <a:fillRef idx="0"/>
-          <a:effectRef idx="0"/>
+          <a:lnRef idx="0">
+            <a:scrgbClr r="0" g="0" b="0"/>
+          </a:lnRef>
+          <a:fillRef idx="0">
+            <a:scrgbClr r="0" g="0" b="0"/>
+          </a:fillRef>
+          <a:effectRef idx="0">
+            <a:scrgbClr r="0" g="0" b="0"/>
+          </a:effectRef>
           <a:fontRef idx="minor"/>
         </p:style>
         <p:txBody>
-          <a:bodyPr lIns="0" rIns="0" tIns="0" bIns="0">
-            <a:normAutofit/>
+          <a:bodyPr lIns="0" tIns="0" rIns="0" bIns="0">
+            <a:normAutofit fontScale="92500" lnSpcReduction="10000"/>
           </a:bodyPr>
+          <a:lstStyle/>
           <a:p>
             <a:pPr marL="432000" indent="-323280">
               <a:lnSpc>
@@ -7801,7 +9163,7 @@
               <a:buChar char=""/>
             </a:pPr>
             <a:r>
-              <a:rPr b="0" lang="en-US" sz="4800" spc="-1" strike="noStrike">
+              <a:rPr lang="en-US" sz="4800" b="0" strike="noStrike" spc="-1" dirty="0">
                 <a:solidFill>
                   <a:srgbClr val="000000"/>
                 </a:solidFill>
@@ -7810,7 +9172,16 @@
               </a:rPr>
               <a:t>Only older data tracks helpful and non-helpful votes as a ratio; Amazon changed this functionality in recent years and now only allows for an absolute “count” of users who considered a review helpful.</a:t>
             </a:r>
-            <a:endParaRPr b="0" lang="en-US" sz="4800" spc="-1" strike="noStrike">
+            <a:br>
+              <a:rPr lang="en-US" sz="4800" b="0" strike="noStrike" spc="-1" dirty="0">
+                <a:solidFill>
+                  <a:srgbClr val="000000"/>
+                </a:solidFill>
+                <a:latin typeface="Helvetica Neue"/>
+                <a:ea typeface="DejaVu Sans"/>
+              </a:rPr>
+            </a:br>
+            <a:endParaRPr lang="en-US" sz="4800" b="0" strike="noStrike" spc="-1" dirty="0">
               <a:latin typeface="Arial"/>
             </a:endParaRPr>
           </a:p>
@@ -7830,16 +9201,45 @@
               <a:buChar char=""/>
             </a:pPr>
             <a:r>
-              <a:rPr b="0" lang="en-US" sz="4800" spc="-1" strike="noStrike">
+              <a:rPr lang="en-US" sz="4800" b="0" strike="noStrike" spc="-1" dirty="0">
                 <a:solidFill>
                   <a:srgbClr val="000000"/>
                 </a:solidFill>
                 <a:latin typeface="Helvetica Neue"/>
                 <a:ea typeface="DejaVu Sans"/>
               </a:rPr>
-              <a:t>Data Size: Even the “smaller” data sets took time to load, and the 8 mil reviews large “Books” data set required the use of Dask/Paquet file instead of Pandas for loading and initial processing.</a:t>
-            </a:r>
-            <a:endParaRPr b="0" lang="en-US" sz="4800" spc="-1" strike="noStrike">
+              <a:t>Data Size: Even the “smaller” data sets took time to load, and the 8 mil reviews large “Books” data set required the use of </a:t>
+            </a:r>
+            <a:r>
+              <a:rPr lang="en-US" sz="4800" b="0" strike="noStrike" spc="-1" dirty="0" err="1">
+                <a:solidFill>
+                  <a:srgbClr val="000000"/>
+                </a:solidFill>
+                <a:latin typeface="Helvetica Neue"/>
+                <a:ea typeface="DejaVu Sans"/>
+              </a:rPr>
+              <a:t>Dask</a:t>
+            </a:r>
+            <a:r>
+              <a:rPr lang="en-US" sz="4800" b="0" strike="noStrike" spc="-1" dirty="0">
+                <a:solidFill>
+                  <a:srgbClr val="000000"/>
+                </a:solidFill>
+                <a:latin typeface="Helvetica Neue"/>
+                <a:ea typeface="DejaVu Sans"/>
+              </a:rPr>
+              <a:t>/Parquet file instead of Pandas for loading and initial processing.</a:t>
+            </a:r>
+            <a:br>
+              <a:rPr lang="en-US" sz="4800" b="0" strike="noStrike" spc="-1" dirty="0">
+                <a:solidFill>
+                  <a:srgbClr val="000000"/>
+                </a:solidFill>
+                <a:latin typeface="Helvetica Neue"/>
+                <a:ea typeface="DejaVu Sans"/>
+              </a:rPr>
+            </a:br>
+            <a:endParaRPr lang="en-US" sz="4800" b="0" strike="noStrike" spc="-1" dirty="0">
               <a:latin typeface="Arial"/>
             </a:endParaRPr>
           </a:p>
@@ -7859,7 +9259,7 @@
               <a:buChar char=""/>
             </a:pPr>
             <a:r>
-              <a:rPr b="0" lang="en-US" sz="4800" spc="-1" strike="noStrike">
+              <a:rPr lang="en-US" sz="4800" b="0" strike="noStrike" spc="-1" dirty="0">
                 <a:solidFill>
                   <a:srgbClr val="000000"/>
                 </a:solidFill>
@@ -7868,7 +9268,16 @@
               </a:rPr>
               <a:t>What if spammers upvote their own content using their various “personas”? For illustration, the Cell Phone dataset contained a flagrant example: 8 identical reviews by 8 different users in 8 different products, each with exactly 8 “helpful” votes. </a:t>
             </a:r>
-            <a:endParaRPr b="0" lang="en-US" sz="4800" spc="-1" strike="noStrike">
+            <a:br>
+              <a:rPr lang="en-US" sz="4800" b="0" strike="noStrike" spc="-1" dirty="0">
+                <a:solidFill>
+                  <a:srgbClr val="000000"/>
+                </a:solidFill>
+                <a:latin typeface="Helvetica Neue"/>
+                <a:ea typeface="DejaVu Sans"/>
+              </a:rPr>
+            </a:br>
+            <a:endParaRPr lang="en-US" sz="4800" b="0" strike="noStrike" spc="-1" dirty="0">
               <a:latin typeface="Arial"/>
             </a:endParaRPr>
           </a:p>
@@ -7888,7 +9297,7 @@
               <a:buChar char=""/>
             </a:pPr>
             <a:r>
-              <a:rPr b="0" lang="en-US" sz="4800" spc="-1" strike="noStrike">
+              <a:rPr lang="en-US" sz="4800" b="0" strike="noStrike" spc="-1" dirty="0">
                 <a:solidFill>
                   <a:srgbClr val="000000"/>
                 </a:solidFill>
@@ -7897,7 +9306,7 @@
               </a:rPr>
               <a:t>Data is unbalanced: There are more “helpful” reviews than “unhelpful” reviews in all domains we looked at. </a:t>
             </a:r>
-            <a:endParaRPr b="0" lang="en-US" sz="4800" spc="-1" strike="noStrike">
+            <a:endParaRPr lang="en-US" sz="4800" b="0" strike="noStrike" spc="-1" dirty="0">
               <a:latin typeface="Arial"/>
             </a:endParaRPr>
           </a:p>
@@ -7905,22 +9314,25 @@
       </p:sp>
     </p:spTree>
   </p:cSld>
+  <p:clrMapOvr>
+    <a:masterClrMapping/>
+  </p:clrMapOvr>
   <p:timing>
     <p:tnLst>
       <p:par>
-        <p:cTn id="9" dur="indefinite" restart="never" nodeType="tmRoot">
+        <p:cTn id="1" dur="indefinite" restart="never" nodeType="tmRoot">
           <p:childTnLst>
             <p:seq>
-              <p:cTn id="10" dur="indefinite" nodeType="mainSeq"/>
+              <p:cTn id="2" dur="indefinite" nodeType="mainSeq"/>
               <p:prevCondLst>
-                <p:cond delay="0" evt="onPrev">
+                <p:cond evt="onPrev" delay="0">
                   <p:tgtEl>
                     <p:sldTgt/>
                   </p:tgtEl>
                 </p:cond>
               </p:prevCondLst>
               <p:nextCondLst>
-                <p:cond delay="0" evt="onNext">
+                <p:cond evt="onNext" delay="0">
                   <p:tgtEl>
                     <p:sldTgt/>
                   </p:tgtEl>
@@ -7936,7 +9348,7 @@
 </file>
 
 <file path=ppt/slides/slide6.xml><?xml version="1.0" encoding="utf-8"?>
-<p:sld xmlns:a="http://schemas.openxmlformats.org/drawingml/2006/main" xmlns:p="http://schemas.openxmlformats.org/presentationml/2006/main" xmlns:r="http://schemas.openxmlformats.org/officeDocument/2006/relationships" xmlns:p14="http://schemas.microsoft.com/office/powerpoint/2010/main" xmlns:p15="http://schemas.microsoft.com/office/powerpoint/2012/main" xmlns:mc="http://schemas.openxmlformats.org/markup-compatibility/2006">
+<p:sld xmlns:a="http://schemas.openxmlformats.org/drawingml/2006/main" xmlns:r="http://schemas.openxmlformats.org/officeDocument/2006/relationships" xmlns:p="http://schemas.openxmlformats.org/presentationml/2006/main">
   <p:cSld>
     <p:spTree>
       <p:nvGrpSpPr>
@@ -7972,13 +9384,20 @@
           </a:ln>
         </p:spPr>
         <p:style>
-          <a:lnRef idx="0"/>
-          <a:fillRef idx="0"/>
-          <a:effectRef idx="0"/>
+          <a:lnRef idx="0">
+            <a:scrgbClr r="0" g="0" b="0"/>
+          </a:lnRef>
+          <a:fillRef idx="0">
+            <a:scrgbClr r="0" g="0" b="0"/>
+          </a:fillRef>
+          <a:effectRef idx="0">
+            <a:scrgbClr r="0" g="0" b="0"/>
+          </a:effectRef>
           <a:fontRef idx="minor"/>
         </p:style>
         <p:txBody>
-          <a:bodyPr lIns="0" rIns="0" tIns="0" bIns="0" anchor="ctr"/>
+          <a:bodyPr lIns="0" tIns="0" rIns="0" bIns="0" anchor="ctr"/>
+          <a:lstStyle/>
           <a:p>
             <a:pPr algn="ctr">
               <a:lnSpc>
@@ -7986,7 +9405,7 @@
               </a:lnSpc>
             </a:pPr>
             <a:r>
-              <a:rPr b="1" lang="en-US" sz="4400" spc="-1" strike="noStrike">
+              <a:rPr lang="en-US" sz="4400" b="1" strike="noStrike" spc="-1">
                 <a:solidFill>
                   <a:srgbClr val="000000"/>
                 </a:solidFill>
@@ -7995,7 +9414,7 @@
               </a:rPr>
               <a:t>References, Data preparation and clean-up process</a:t>
             </a:r>
-            <a:endParaRPr b="0" lang="en-US" sz="4400" spc="-1" strike="noStrike">
+            <a:endParaRPr lang="en-US" sz="4400" b="0" strike="noStrike" spc="-1">
               <a:latin typeface="Arial"/>
             </a:endParaRPr>
           </a:p>
@@ -8010,7 +9429,7 @@
         <p:spPr>
           <a:xfrm>
             <a:off x="1218960" y="3209400"/>
-            <a:ext cx="21944160" cy="7954200"/>
+            <a:ext cx="21944160" cy="9185800"/>
           </a:xfrm>
           <a:prstGeom prst="rect">
             <a:avLst/>
@@ -8021,15 +9440,22 @@
           </a:ln>
         </p:spPr>
         <p:style>
-          <a:lnRef idx="0"/>
-          <a:fillRef idx="0"/>
-          <a:effectRef idx="0"/>
+          <a:lnRef idx="0">
+            <a:scrgbClr r="0" g="0" b="0"/>
+          </a:lnRef>
+          <a:fillRef idx="0">
+            <a:scrgbClr r="0" g="0" b="0"/>
+          </a:fillRef>
+          <a:effectRef idx="0">
+            <a:scrgbClr r="0" g="0" b="0"/>
+          </a:effectRef>
           <a:fontRef idx="minor"/>
         </p:style>
         <p:txBody>
-          <a:bodyPr lIns="0" rIns="0" tIns="0" bIns="0">
+          <a:bodyPr lIns="0" tIns="0" rIns="0" bIns="0">
             <a:normAutofit/>
           </a:bodyPr>
+          <a:lstStyle/>
           <a:p>
             <a:pPr marL="432000" indent="-323280">
               <a:lnSpc>
@@ -8043,18 +9469,35 @@
               <a:buChar char=""/>
             </a:pPr>
             <a:r>
-              <a:rPr b="0" lang="en-US" sz="3600" spc="-1" strike="noStrike">
+              <a:rPr lang="en-US" sz="3600" b="0" strike="noStrike" spc="-1" dirty="0">
                 <a:solidFill>
                   <a:srgbClr val="000000"/>
                 </a:solidFill>
                 <a:latin typeface="Helvetica Neue"/>
                 <a:ea typeface="Helvetica Neue"/>
               </a:rPr>
-              <a:t>We oriented ourselves on Chapter 10 (Howard, Gugger, 2020) for training NLP models</a:t>
-            </a:r>
-            <a:endParaRPr b="0" lang="en-US" sz="3600" spc="-1" strike="noStrike">
-              <a:latin typeface="Arial"/>
-            </a:endParaRPr>
+              <a:t>We oriented ourselves on Chapter 10 (Howard, </a:t>
+            </a:r>
+            <a:r>
+              <a:rPr lang="en-US" sz="3600" b="0" strike="noStrike" spc="-1" dirty="0" err="1">
+                <a:solidFill>
+                  <a:srgbClr val="000000"/>
+                </a:solidFill>
+                <a:latin typeface="Helvetica Neue"/>
+                <a:ea typeface="Helvetica Neue"/>
+              </a:rPr>
+              <a:t>Gugger</a:t>
+            </a:r>
+            <a:r>
+              <a:rPr lang="en-US" sz="3600" b="0" strike="noStrike" spc="-1" dirty="0">
+                <a:solidFill>
+                  <a:srgbClr val="000000"/>
+                </a:solidFill>
+                <a:latin typeface="Helvetica Neue"/>
+                <a:ea typeface="Helvetica Neue"/>
+              </a:rPr>
+              <a:t>, 2020) for training NLP models</a:t>
+            </a:r>
           </a:p>
           <a:p>
             <a:pPr marL="432000" indent="-323280">
@@ -8068,37 +9511,7 @@
               <a:buFont typeface="Wingdings" charset="2"/>
               <a:buChar char=""/>
             </a:pPr>
-            <a:r>
-              <a:rPr b="0" lang="en-US" sz="3600" spc="-1" strike="noStrike">
-                <a:solidFill>
-                  <a:srgbClr val="000000"/>
-                </a:solidFill>
-                <a:latin typeface="Helvetica Neue"/>
-                <a:ea typeface="Helvetica Neue"/>
-              </a:rPr>
-              <a:t> </a:t>
-            </a:r>
-            <a:r>
-              <a:rPr b="0" lang="en-US" sz="3600" spc="-1" strike="noStrike">
-                <a:solidFill>
-                  <a:srgbClr val="000000"/>
-                </a:solidFill>
-                <a:latin typeface="Helvetica Neue"/>
-                <a:ea typeface="Helvetica Neue"/>
-              </a:rPr>
-              <a:t>For perspective on how others had approached predicting helpfulness from Amazon reviews,  we consulted Qu et al. And Alsmadi et al.  </a:t>
-            </a:r>
-            <a:endParaRPr b="0" lang="en-US" sz="3600" spc="-1" strike="noStrike">
-              <a:latin typeface="Arial"/>
-            </a:endParaRPr>
-          </a:p>
-          <a:p>
-            <a:pPr>
-              <a:lnSpc>
-                <a:spcPct val="100000"/>
-              </a:lnSpc>
-            </a:pPr>
-            <a:endParaRPr b="0" lang="en-US" sz="3600" spc="-1" strike="noStrike">
+            <a:endParaRPr lang="en-US" sz="3600" b="0" strike="noStrike" spc="-1" dirty="0">
               <a:latin typeface="Arial"/>
             </a:endParaRPr>
           </a:p>
@@ -8115,21 +9528,97 @@
               <a:buChar char=""/>
             </a:pPr>
             <a:r>
-              <a:rPr b="0" lang="en-US" sz="3600" spc="-1" strike="noStrike">
+              <a:rPr lang="en-US" sz="3600" b="0" strike="noStrike" spc="-1" dirty="0">
                 <a:solidFill>
                   <a:srgbClr val="000000"/>
                 </a:solidFill>
                 <a:latin typeface="Helvetica Neue"/>
                 <a:ea typeface="Helvetica Neue"/>
               </a:rPr>
-              <a:t>Following both (Qu et al.2016) And Alsmadi et al.(2020), we:</a:t>
-            </a:r>
-            <a:endParaRPr b="0" lang="en-US" sz="3600" spc="-1" strike="noStrike">
-              <a:latin typeface="Arial"/>
-            </a:endParaRPr>
-          </a:p>
-          <a:p>
-            <a:pPr lvl="1" marL="864000" indent="-323280">
+              <a:t> For perspective on how others had approached predicting helpfulness from Amazon reviews,  we consulted Qu et al. And </a:t>
+            </a:r>
+            <a:r>
+              <a:rPr lang="en-US" sz="3600" b="0" strike="noStrike" spc="-1" dirty="0" err="1">
+                <a:solidFill>
+                  <a:srgbClr val="000000"/>
+                </a:solidFill>
+                <a:latin typeface="Helvetica Neue"/>
+                <a:ea typeface="Helvetica Neue"/>
+              </a:rPr>
+              <a:t>Alsmadi</a:t>
+            </a:r>
+            <a:r>
+              <a:rPr lang="en-US" sz="3600" b="0" strike="noStrike" spc="-1" dirty="0">
+                <a:solidFill>
+                  <a:srgbClr val="000000"/>
+                </a:solidFill>
+                <a:latin typeface="Helvetica Neue"/>
+                <a:ea typeface="Helvetica Neue"/>
+              </a:rPr>
+              <a:t> et al.  </a:t>
+            </a:r>
+            <a:endParaRPr lang="en-US" sz="3600" b="0" strike="noStrike" spc="-1" dirty="0">
+              <a:latin typeface="Arial"/>
+            </a:endParaRPr>
+          </a:p>
+          <a:p>
+            <a:pPr>
+              <a:lnSpc>
+                <a:spcPct val="100000"/>
+              </a:lnSpc>
+            </a:pPr>
+            <a:endParaRPr lang="en-US" sz="3600" b="0" strike="noStrike" spc="-1" dirty="0">
+              <a:latin typeface="Arial"/>
+            </a:endParaRPr>
+          </a:p>
+          <a:p>
+            <a:pPr marL="432000" indent="-323280">
+              <a:lnSpc>
+                <a:spcPct val="100000"/>
+              </a:lnSpc>
+              <a:buClr>
+                <a:srgbClr val="000000"/>
+              </a:buClr>
+              <a:buSzPct val="45000"/>
+              <a:buFont typeface="Wingdings" charset="2"/>
+              <a:buChar char=""/>
+            </a:pPr>
+            <a:r>
+              <a:rPr lang="en-US" sz="3600" b="0" strike="noStrike" spc="-1" dirty="0">
+                <a:solidFill>
+                  <a:srgbClr val="000000"/>
+                </a:solidFill>
+                <a:latin typeface="Helvetica Neue"/>
+                <a:ea typeface="Helvetica Neue"/>
+              </a:rPr>
+              <a:t>Following both (Qu et al.2016) And </a:t>
+            </a:r>
+            <a:r>
+              <a:rPr lang="en-US" sz="3600" b="0" strike="noStrike" spc="-1" dirty="0" err="1">
+                <a:solidFill>
+                  <a:srgbClr val="000000"/>
+                </a:solidFill>
+                <a:latin typeface="Helvetica Neue"/>
+                <a:ea typeface="Helvetica Neue"/>
+              </a:rPr>
+              <a:t>Alsmadi</a:t>
+            </a:r>
+            <a:r>
+              <a:rPr lang="en-US" sz="3600" b="0" strike="noStrike" spc="-1" dirty="0">
+                <a:solidFill>
+                  <a:srgbClr val="000000"/>
+                </a:solidFill>
+                <a:latin typeface="Helvetica Neue"/>
+                <a:ea typeface="Helvetica Neue"/>
+              </a:rPr>
+              <a:t> et al.(2020), we:</a:t>
+            </a:r>
+            <a:endParaRPr lang="en-US" sz="3600" b="0" strike="noStrike" spc="-1" dirty="0">
+              <a:latin typeface="Arial"/>
+            </a:endParaRPr>
+          </a:p>
+          <a:p>
+            <a:pPr marL="864000" lvl="1" indent="-323280">
               <a:lnSpc>
                 <a:spcPct val="100000"/>
               </a:lnSpc>
@@ -8144,7 +9633,7 @@
               <a:buChar char=""/>
             </a:pPr>
             <a:r>
-              <a:rPr b="0" lang="en-US" sz="3600" spc="-1" strike="noStrike">
+              <a:rPr lang="en-US" sz="3600" b="0" strike="noStrike" spc="-1" dirty="0">
                 <a:solidFill>
                   <a:srgbClr val="000000"/>
                 </a:solidFill>
@@ -8154,7 +9643,7 @@
               <a:t>only kept product reviews with </a:t>
             </a:r>
             <a:r>
-              <a:rPr b="1" lang="en-US" sz="3600" spc="-1" strike="noStrike">
+              <a:rPr lang="en-US" sz="3600" b="1" strike="noStrike" spc="-1" dirty="0">
                 <a:solidFill>
                   <a:srgbClr val="000000"/>
                 </a:solidFill>
@@ -8163,12 +9652,12 @@
               </a:rPr>
               <a:t>&gt; 50 votes </a:t>
             </a:r>
-            <a:endParaRPr b="0" lang="en-US" sz="3600" spc="-1" strike="noStrike">
-              <a:latin typeface="Arial"/>
-            </a:endParaRPr>
-          </a:p>
-          <a:p>
-            <a:pPr lvl="1" marL="864000" indent="-323280">
+            <a:endParaRPr lang="en-US" sz="3600" b="0" strike="noStrike" spc="-1" dirty="0">
+              <a:latin typeface="Arial"/>
+            </a:endParaRPr>
+          </a:p>
+          <a:p>
+            <a:pPr marL="864000" lvl="1" indent="-323280">
               <a:lnSpc>
                 <a:spcPct val="100000"/>
               </a:lnSpc>
@@ -8183,7 +9672,7 @@
               <a:buChar char=""/>
             </a:pPr>
             <a:r>
-              <a:rPr b="0" lang="en-US" sz="3600" spc="-1" strike="noStrike">
+              <a:rPr lang="en-US" sz="3600" b="0" strike="noStrike" spc="-1" dirty="0">
                 <a:solidFill>
                   <a:srgbClr val="000000"/>
                 </a:solidFill>
@@ -8193,7 +9682,7 @@
               <a:t>Categorized a review as helpful when it is marked as </a:t>
             </a:r>
             <a:r>
-              <a:rPr b="1" lang="en-US" sz="3600" spc="-1" strike="noStrike">
+              <a:rPr lang="en-US" sz="3600" b="1" strike="noStrike" spc="-1" dirty="0">
                 <a:solidFill>
                   <a:srgbClr val="000000"/>
                 </a:solidFill>
@@ -8203,7 +9692,7 @@
               <a:t>helpful</a:t>
             </a:r>
             <a:r>
-              <a:rPr b="0" lang="en-US" sz="3600" spc="-1" strike="noStrike">
+              <a:rPr lang="en-US" sz="3600" b="0" strike="noStrike" spc="-1" dirty="0">
                 <a:solidFill>
                   <a:srgbClr val="000000"/>
                 </a:solidFill>
@@ -8213,7 +9702,7 @@
               <a:t> by </a:t>
             </a:r>
             <a:r>
-              <a:rPr b="1" lang="en-US" sz="3600" spc="-1" strike="noStrike">
+              <a:rPr lang="en-US" sz="3600" b="1" strike="noStrike" spc="-1" dirty="0">
                 <a:solidFill>
                   <a:srgbClr val="000000"/>
                 </a:solidFill>
@@ -8223,7 +9712,7 @@
               <a:t>&gt; 75%</a:t>
             </a:r>
             <a:r>
-              <a:rPr b="0" lang="en-US" sz="3600" spc="-1" strike="noStrike">
+              <a:rPr lang="en-US" sz="3600" b="0" strike="noStrike" spc="-1" dirty="0">
                 <a:solidFill>
                   <a:srgbClr val="000000"/>
                 </a:solidFill>
@@ -8232,7 +9721,7 @@
               </a:rPr>
               <a:t> of users</a:t>
             </a:r>
-            <a:endParaRPr b="0" lang="en-US" sz="3600" spc="-1" strike="noStrike">
+            <a:endParaRPr lang="en-US" sz="3600" b="0" strike="noStrike" spc="-1" dirty="0">
               <a:latin typeface="Arial"/>
             </a:endParaRPr>
           </a:p>
@@ -8245,7 +9734,7 @@
                 <a:spcPts val="1134"/>
               </a:spcBef>
             </a:pPr>
-            <a:endParaRPr b="0" lang="en-US" sz="3600" spc="-1" strike="noStrike">
+            <a:endParaRPr lang="en-US" sz="3600" b="0" strike="noStrike" spc="-1" dirty="0">
               <a:latin typeface="Arial"/>
             </a:endParaRPr>
           </a:p>
@@ -8262,7 +9751,7 @@
               <a:buChar char=""/>
             </a:pPr>
             <a:r>
-              <a:rPr b="0" lang="en-US" sz="3600" spc="-1" strike="noStrike">
+              <a:rPr lang="en-US" sz="3600" b="0" strike="noStrike" spc="-1" dirty="0">
                 <a:solidFill>
                   <a:srgbClr val="000000"/>
                 </a:solidFill>
@@ -8271,7 +9760,7 @@
               </a:rPr>
               <a:t>Only kept the first instance of duplicate reviews</a:t>
             </a:r>
-            <a:endParaRPr b="0" lang="en-US" sz="3600" spc="-1" strike="noStrike">
+            <a:endParaRPr lang="en-US" sz="3600" b="0" strike="noStrike" spc="-1" dirty="0">
               <a:latin typeface="Arial"/>
             </a:endParaRPr>
           </a:p>
@@ -8281,7 +9770,7 @@
                 <a:spcPct val="100000"/>
               </a:lnSpc>
             </a:pPr>
-            <a:endParaRPr b="0" lang="en-US" sz="3600" spc="-1" strike="noStrike">
+            <a:endParaRPr lang="en-US" sz="3600" b="0" strike="noStrike" spc="-1" dirty="0">
               <a:latin typeface="Arial"/>
             </a:endParaRPr>
           </a:p>
@@ -8298,16 +9787,36 @@
               <a:buChar char=""/>
             </a:pPr>
             <a:r>
-              <a:rPr b="0" lang="en-US" sz="3600" spc="-1" strike="noStrike">
+              <a:rPr lang="en-US" sz="3600" b="0" strike="noStrike" spc="-1" dirty="0">
                 <a:solidFill>
                   <a:srgbClr val="000000"/>
                 </a:solidFill>
                 <a:latin typeface="Helvetica Neue"/>
                 <a:ea typeface="Helvetica Neue"/>
               </a:rPr>
-              <a:t>The 50 vote barrier ensures that reviews have been rated by enough viewers to make the categorization somewhat meaningful and hopefully raises the difficulty for spammers upvoting their other personas in the event that they manage to differentiate their reviews enough to sneak through the “uniquing” process</a:t>
-            </a:r>
-            <a:endParaRPr b="0" lang="en-US" sz="3600" spc="-1" strike="noStrike">
+              <a:t>The 50 vote barrier ensures that reviews have been rated by enough viewers to make the categorization somewhat meaningful and hopefully raises the difficulty for spammers upvoting their other personas in the event that they manage to differentiate their reviews enough to sneak through the “</a:t>
+            </a:r>
+            <a:r>
+              <a:rPr lang="en-US" sz="3600" b="0" strike="noStrike" spc="-1" dirty="0" err="1">
+                <a:solidFill>
+                  <a:srgbClr val="000000"/>
+                </a:solidFill>
+                <a:latin typeface="Helvetica Neue"/>
+                <a:ea typeface="Helvetica Neue"/>
+              </a:rPr>
+              <a:t>uniquing</a:t>
+            </a:r>
+            <a:r>
+              <a:rPr lang="en-US" sz="3600" b="0" strike="noStrike" spc="-1" dirty="0">
+                <a:solidFill>
+                  <a:srgbClr val="000000"/>
+                </a:solidFill>
+                <a:latin typeface="Helvetica Neue"/>
+                <a:ea typeface="Helvetica Neue"/>
+              </a:rPr>
+              <a:t>” process</a:t>
+            </a:r>
+            <a:endParaRPr lang="en-US" sz="3600" b="0" strike="noStrike" spc="-1" dirty="0">
               <a:latin typeface="Arial"/>
             </a:endParaRPr>
           </a:p>
@@ -8317,7 +9826,7 @@
                 <a:spcPct val="100000"/>
               </a:lnSpc>
             </a:pPr>
-            <a:endParaRPr b="0" lang="en-US" sz="3600" spc="-1" strike="noStrike">
+            <a:endParaRPr lang="en-US" sz="3600" b="0" strike="noStrike" spc="-1" dirty="0">
               <a:latin typeface="Arial"/>
             </a:endParaRPr>
           </a:p>
@@ -8327,7 +9836,7 @@
                 <a:spcPct val="100000"/>
               </a:lnSpc>
             </a:pPr>
-            <a:endParaRPr b="0" lang="en-US" sz="3600" spc="-1" strike="noStrike">
+            <a:endParaRPr lang="en-US" sz="3600" b="0" strike="noStrike" spc="-1" dirty="0">
               <a:latin typeface="Arial"/>
             </a:endParaRPr>
           </a:p>
@@ -8335,22 +9844,25 @@
       </p:sp>
     </p:spTree>
   </p:cSld>
+  <p:clrMapOvr>
+    <a:masterClrMapping/>
+  </p:clrMapOvr>
   <p:timing>
     <p:tnLst>
       <p:par>
-        <p:cTn id="11" dur="indefinite" restart="never" nodeType="tmRoot">
+        <p:cTn id="1" dur="indefinite" restart="never" nodeType="tmRoot">
           <p:childTnLst>
             <p:seq>
-              <p:cTn id="12" dur="indefinite" nodeType="mainSeq"/>
+              <p:cTn id="2" dur="indefinite" nodeType="mainSeq"/>
               <p:prevCondLst>
-                <p:cond delay="0" evt="onPrev">
+                <p:cond evt="onPrev" delay="0">
                   <p:tgtEl>
                     <p:sldTgt/>
                   </p:tgtEl>
                 </p:cond>
               </p:prevCondLst>
               <p:nextCondLst>
-                <p:cond delay="0" evt="onNext">
+                <p:cond evt="onNext" delay="0">
                   <p:tgtEl>
                     <p:sldTgt/>
                   </p:tgtEl>
@@ -8366,7 +9878,7 @@
 </file>
 
 <file path=ppt/slides/slide7.xml><?xml version="1.0" encoding="utf-8"?>
-<p:sld xmlns:a="http://schemas.openxmlformats.org/drawingml/2006/main" xmlns:p="http://schemas.openxmlformats.org/presentationml/2006/main" xmlns:r="http://schemas.openxmlformats.org/officeDocument/2006/relationships" xmlns:p14="http://schemas.microsoft.com/office/powerpoint/2010/main" xmlns:p15="http://schemas.microsoft.com/office/powerpoint/2012/main" xmlns:mc="http://schemas.openxmlformats.org/markup-compatibility/2006">
+<p:sld xmlns:a="http://schemas.openxmlformats.org/drawingml/2006/main" xmlns:r="http://schemas.openxmlformats.org/officeDocument/2006/relationships" xmlns:p="http://schemas.openxmlformats.org/presentationml/2006/main">
   <p:cSld>
     <p:spTree>
       <p:nvGrpSpPr>
@@ -8402,13 +9914,20 @@
           </a:ln>
         </p:spPr>
         <p:style>
-          <a:lnRef idx="0"/>
-          <a:fillRef idx="0"/>
-          <a:effectRef idx="0"/>
+          <a:lnRef idx="0">
+            <a:scrgbClr r="0" g="0" b="0"/>
+          </a:lnRef>
+          <a:fillRef idx="0">
+            <a:scrgbClr r="0" g="0" b="0"/>
+          </a:fillRef>
+          <a:effectRef idx="0">
+            <a:scrgbClr r="0" g="0" b="0"/>
+          </a:effectRef>
           <a:fontRef idx="minor"/>
         </p:style>
         <p:txBody>
-          <a:bodyPr lIns="0" rIns="0" tIns="0" bIns="0" anchor="ctr"/>
+          <a:bodyPr lIns="0" tIns="0" rIns="0" bIns="0" anchor="ctr"/>
+          <a:lstStyle/>
           <a:p>
             <a:pPr algn="ctr">
               <a:lnSpc>
@@ -8416,7 +9935,7 @@
               </a:lnSpc>
             </a:pPr>
             <a:r>
-              <a:rPr b="0" lang="en-US" sz="7200" spc="-1" strike="noStrike">
+              <a:rPr lang="en-US" sz="7200" b="0" strike="noStrike" spc="-1">
                 <a:solidFill>
                   <a:srgbClr val="000000"/>
                 </a:solidFill>
@@ -8425,7 +9944,7 @@
               </a:rPr>
               <a:t>Experiments</a:t>
             </a:r>
-            <a:endParaRPr b="0" lang="en-US" sz="7200" spc="-1" strike="noStrike">
+            <a:endParaRPr lang="en-US" sz="7200" b="0" strike="noStrike" spc="-1">
               <a:latin typeface="Arial"/>
             </a:endParaRPr>
           </a:p>
@@ -8451,13 +9970,20 @@
           </a:ln>
         </p:spPr>
         <p:style>
-          <a:lnRef idx="0"/>
-          <a:fillRef idx="0"/>
-          <a:effectRef idx="0"/>
+          <a:lnRef idx="0">
+            <a:scrgbClr r="0" g="0" b="0"/>
+          </a:lnRef>
+          <a:fillRef idx="0">
+            <a:scrgbClr r="0" g="0" b="0"/>
+          </a:fillRef>
+          <a:effectRef idx="0">
+            <a:scrgbClr r="0" g="0" b="0"/>
+          </a:effectRef>
           <a:fontRef idx="minor"/>
         </p:style>
         <p:txBody>
-          <a:bodyPr lIns="90000" rIns="90000" tIns="45000" bIns="45000"/>
+          <a:bodyPr lIns="90000" tIns="45000" rIns="90000" bIns="45000"/>
+          <a:lstStyle/>
           <a:p>
             <a:pPr marL="216000" indent="-215640">
               <a:lnSpc>
@@ -8471,7 +9997,7 @@
               <a:buChar char=""/>
             </a:pPr>
             <a:r>
-              <a:rPr b="0" lang="en-US" sz="7200" spc="-1" strike="noStrike">
+              <a:rPr lang="en-US" sz="7200" b="0" strike="noStrike" spc="-1" dirty="0">
                 <a:solidFill>
                   <a:srgbClr val="000000"/>
                 </a:solidFill>
@@ -8480,9 +10006,6 @@
               </a:rPr>
               <a:t>Balanced versus Unbalanced Data</a:t>
             </a:r>
-            <a:endParaRPr b="0" lang="en-US" sz="7200" spc="-1" strike="noStrike">
-              <a:latin typeface="Arial"/>
-            </a:endParaRPr>
           </a:p>
           <a:p>
             <a:pPr marL="216000" indent="-215640">
@@ -8496,17 +10019,7 @@
               <a:buFont typeface="Symbol"/>
               <a:buChar char=""/>
             </a:pPr>
-            <a:r>
-              <a:rPr b="0" lang="en-US" sz="7200" spc="-1" strike="noStrike">
-                <a:solidFill>
-                  <a:srgbClr val="000000"/>
-                </a:solidFill>
-                <a:latin typeface="Arial"/>
-                <a:ea typeface="DejaVu Sans"/>
-              </a:rPr>
-              <a:t>LM Finetuning</a:t>
-            </a:r>
-            <a:endParaRPr b="0" lang="en-US" sz="7200" spc="-1" strike="noStrike">
+            <a:endParaRPr lang="en-US" sz="7200" b="0" strike="noStrike" spc="-1" dirty="0">
               <a:latin typeface="Arial"/>
             </a:endParaRPr>
           </a:p>
@@ -8523,16 +10036,16 @@
               <a:buChar char=""/>
             </a:pPr>
             <a:r>
-              <a:rPr b="0" lang="en-US" sz="7200" spc="-1" strike="noStrike">
+              <a:rPr lang="en-US" sz="7200" b="0" strike="noStrike" spc="-1" dirty="0">
                 <a:solidFill>
                   <a:srgbClr val="000000"/>
                 </a:solidFill>
                 <a:latin typeface="Arial"/>
                 <a:ea typeface="DejaVu Sans"/>
               </a:rPr>
-              <a:t>Learning Rate Finder</a:t>
-            </a:r>
-            <a:endParaRPr b="0" lang="en-US" sz="7200" spc="-1" strike="noStrike">
+              <a:t>LM Finetuning</a:t>
+            </a:r>
+            <a:endParaRPr lang="en-US" sz="7200" b="0" strike="noStrike" spc="-1" dirty="0">
               <a:latin typeface="Arial"/>
             </a:endParaRPr>
           </a:p>
@@ -8548,17 +10061,83 @@
               <a:buFont typeface="Symbol"/>
               <a:buChar char=""/>
             </a:pPr>
-            <a:r>
-              <a:rPr b="0" lang="en-US" sz="7200" spc="-1" strike="noStrike">
+            <a:endParaRPr lang="en-US" sz="7200" b="0" strike="noStrike" spc="-1" dirty="0">
+              <a:solidFill>
+                <a:srgbClr val="000000"/>
+              </a:solidFill>
+              <a:latin typeface="Arial"/>
+              <a:ea typeface="DejaVu Sans"/>
+            </a:endParaRPr>
+          </a:p>
+          <a:p>
+            <a:pPr marL="216000" indent="-215640">
+              <a:lnSpc>
+                <a:spcPct val="100000"/>
+              </a:lnSpc>
+              <a:buClr>
+                <a:srgbClr val="000000"/>
+              </a:buClr>
+              <a:buSzPct val="45000"/>
+              <a:buFont typeface="Symbol"/>
+              <a:buChar char=""/>
+            </a:pPr>
+            <a:r>
+              <a:rPr lang="en-US" sz="7200" b="0" strike="noStrike" spc="-1" dirty="0">
                 <a:solidFill>
                   <a:srgbClr val="000000"/>
                 </a:solidFill>
                 <a:latin typeface="Arial"/>
                 <a:ea typeface="DejaVu Sans"/>
               </a:rPr>
+              <a:t>Learning Rate Finder</a:t>
+            </a:r>
+            <a:endParaRPr lang="en-US" sz="7200" b="0" strike="noStrike" spc="-1" dirty="0">
+              <a:latin typeface="Arial"/>
+            </a:endParaRPr>
+          </a:p>
+          <a:p>
+            <a:pPr marL="216000" indent="-215640">
+              <a:lnSpc>
+                <a:spcPct val="100000"/>
+              </a:lnSpc>
+              <a:buClr>
+                <a:srgbClr val="000000"/>
+              </a:buClr>
+              <a:buSzPct val="45000"/>
+              <a:buFont typeface="Symbol"/>
+              <a:buChar char=""/>
+            </a:pPr>
+            <a:endParaRPr lang="en-US" sz="7200" b="0" strike="noStrike" spc="-1" dirty="0">
+              <a:solidFill>
+                <a:srgbClr val="000000"/>
+              </a:solidFill>
+              <a:latin typeface="Arial"/>
+              <a:ea typeface="DejaVu Sans"/>
+            </a:endParaRPr>
+          </a:p>
+          <a:p>
+            <a:pPr marL="216000" indent="-215640">
+              <a:lnSpc>
+                <a:spcPct val="100000"/>
+              </a:lnSpc>
+              <a:buClr>
+                <a:srgbClr val="000000"/>
+              </a:buClr>
+              <a:buSzPct val="45000"/>
+              <a:buFont typeface="Symbol"/>
+              <a:buChar char=""/>
+            </a:pPr>
+            <a:r>
+              <a:rPr lang="en-US" sz="7200" b="0" strike="noStrike" spc="-1" dirty="0">
+                <a:solidFill>
+                  <a:srgbClr val="000000"/>
+                </a:solidFill>
+                <a:latin typeface="Arial"/>
+                <a:ea typeface="DejaVu Sans"/>
+              </a:rPr>
               <a:t>Further Techniques</a:t>
             </a:r>
-            <a:endParaRPr b="0" lang="en-US" sz="7200" spc="-1" strike="noStrike">
+            <a:endParaRPr lang="en-US" sz="7200" b="0" strike="noStrike" spc="-1" dirty="0">
               <a:latin typeface="Arial"/>
             </a:endParaRPr>
           </a:p>
@@ -8566,22 +10145,25 @@
       </p:sp>
     </p:spTree>
   </p:cSld>
+  <p:clrMapOvr>
+    <a:masterClrMapping/>
+  </p:clrMapOvr>
   <p:timing>
     <p:tnLst>
       <p:par>
-        <p:cTn id="13" dur="indefinite" restart="never" nodeType="tmRoot">
+        <p:cTn id="1" dur="indefinite" restart="never" nodeType="tmRoot">
           <p:childTnLst>
             <p:seq>
-              <p:cTn id="14" dur="indefinite" nodeType="mainSeq"/>
+              <p:cTn id="2" dur="indefinite" nodeType="mainSeq"/>
               <p:prevCondLst>
-                <p:cond delay="0" evt="onPrev">
+                <p:cond evt="onPrev" delay="0">
                   <p:tgtEl>
                     <p:sldTgt/>
                   </p:tgtEl>
                 </p:cond>
               </p:prevCondLst>
               <p:nextCondLst>
-                <p:cond delay="0" evt="onNext">
+                <p:cond evt="onNext" delay="0">
                   <p:tgtEl>
                     <p:sldTgt/>
                   </p:tgtEl>
@@ -8597,7 +10179,7 @@
 </file>
 
 <file path=ppt/slides/slide8.xml><?xml version="1.0" encoding="utf-8"?>
-<p:sld xmlns:a="http://schemas.openxmlformats.org/drawingml/2006/main" xmlns:p="http://schemas.openxmlformats.org/presentationml/2006/main" xmlns:r="http://schemas.openxmlformats.org/officeDocument/2006/relationships" xmlns:p14="http://schemas.microsoft.com/office/powerpoint/2010/main" xmlns:p15="http://schemas.microsoft.com/office/powerpoint/2012/main" xmlns:mc="http://schemas.openxmlformats.org/markup-compatibility/2006">
+<p:sld xmlns:a="http://schemas.openxmlformats.org/drawingml/2006/main" xmlns:r="http://schemas.openxmlformats.org/officeDocument/2006/relationships" xmlns:p="http://schemas.openxmlformats.org/presentationml/2006/main">
   <p:cSld>
     <p:spTree>
       <p:nvGrpSpPr>
@@ -8633,13 +10215,20 @@
           </a:ln>
         </p:spPr>
         <p:style>
-          <a:lnRef idx="0"/>
-          <a:fillRef idx="0"/>
-          <a:effectRef idx="0"/>
+          <a:lnRef idx="0">
+            <a:scrgbClr r="0" g="0" b="0"/>
+          </a:lnRef>
+          <a:fillRef idx="0">
+            <a:scrgbClr r="0" g="0" b="0"/>
+          </a:fillRef>
+          <a:effectRef idx="0">
+            <a:scrgbClr r="0" g="0" b="0"/>
+          </a:effectRef>
           <a:fontRef idx="minor"/>
         </p:style>
         <p:txBody>
-          <a:bodyPr lIns="0" rIns="0" tIns="0" bIns="0" anchor="ctr"/>
+          <a:bodyPr lIns="0" tIns="0" rIns="0" bIns="0" anchor="ctr"/>
+          <a:lstStyle/>
           <a:p>
             <a:pPr algn="ctr">
               <a:lnSpc>
@@ -8647,7 +10236,7 @@
               </a:lnSpc>
             </a:pPr>
             <a:r>
-              <a:rPr b="0" lang="en-US" sz="7200" spc="-1" strike="noStrike">
+              <a:rPr lang="en-US" sz="7200" b="0" strike="noStrike" spc="-1">
                 <a:solidFill>
                   <a:srgbClr val="000000"/>
                 </a:solidFill>
@@ -8656,7 +10245,7 @@
               </a:rPr>
               <a:t>Experiments</a:t>
             </a:r>
-            <a:endParaRPr b="0" lang="en-US" sz="7200" spc="-1" strike="noStrike">
+            <a:endParaRPr lang="en-US" sz="7200" b="0" strike="noStrike" spc="-1">
               <a:latin typeface="Arial"/>
             </a:endParaRPr>
           </a:p>
@@ -8682,13 +10271,20 @@
           </a:ln>
         </p:spPr>
         <p:style>
-          <a:lnRef idx="0"/>
-          <a:fillRef idx="0"/>
-          <a:effectRef idx="0"/>
+          <a:lnRef idx="0">
+            <a:scrgbClr r="0" g="0" b="0"/>
+          </a:lnRef>
+          <a:fillRef idx="0">
+            <a:scrgbClr r="0" g="0" b="0"/>
+          </a:fillRef>
+          <a:effectRef idx="0">
+            <a:scrgbClr r="0" g="0" b="0"/>
+          </a:effectRef>
           <a:fontRef idx="minor"/>
         </p:style>
         <p:txBody>
-          <a:bodyPr lIns="90000" rIns="90000" tIns="45000" bIns="45000"/>
+          <a:bodyPr lIns="90000" tIns="45000" rIns="90000" bIns="45000"/>
+          <a:lstStyle/>
           <a:p>
             <a:pPr>
               <a:lnSpc>
@@ -8696,7 +10292,7 @@
               </a:lnSpc>
             </a:pPr>
             <a:r>
-              <a:rPr b="1" lang="en-US" sz="3600" spc="-1" strike="noStrike">
+              <a:rPr lang="en-US" sz="3600" b="1" strike="noStrike" spc="-1" dirty="0">
                 <a:solidFill>
                   <a:srgbClr val="000000"/>
                 </a:solidFill>
@@ -8705,7 +10301,7 @@
               </a:rPr>
               <a:t>Unbalanced versus Balanced</a:t>
             </a:r>
-            <a:endParaRPr b="0" lang="en-US" sz="3600" spc="-1" strike="noStrike">
+            <a:endParaRPr lang="en-US" sz="3600" b="0" strike="noStrike" spc="-1" dirty="0">
               <a:latin typeface="Arial"/>
             </a:endParaRPr>
           </a:p>
@@ -8716,16 +10312,16 @@
               </a:lnSpc>
             </a:pPr>
             <a:r>
-              <a:rPr b="0" lang="en-US" sz="3600" spc="-1" strike="noStrike">
+              <a:rPr lang="en-US" sz="3600" b="0" strike="noStrike" spc="-1" dirty="0">
                 <a:solidFill>
                   <a:srgbClr val="000000"/>
                 </a:solidFill>
                 <a:latin typeface="Arial"/>
                 <a:ea typeface="DejaVu Sans"/>
               </a:rPr>
-              <a:t>One category (“Helpful”) represents the majority of the data . For example, 85% of cleaned</a:t>
-            </a:r>
-            <a:endParaRPr b="0" lang="en-US" sz="3600" spc="-1" strike="noStrike">
+              <a:t>One category (“Helpful”) represents majority of the data . For example, 85% of cleaned</a:t>
+            </a:r>
+            <a:endParaRPr lang="en-US" sz="3600" b="0" strike="noStrike" spc="-1" dirty="0">
               <a:latin typeface="Arial"/>
             </a:endParaRPr>
           </a:p>
@@ -8736,7 +10332,7 @@
               </a:lnSpc>
             </a:pPr>
             <a:r>
-              <a:rPr b="0" lang="en-US" sz="3600" spc="-1" strike="noStrike">
+              <a:rPr lang="en-US" sz="3600" b="0" strike="noStrike" spc="-1" dirty="0">
                 <a:solidFill>
                   <a:srgbClr val="000000"/>
                 </a:solidFill>
@@ -8745,7 +10341,7 @@
               </a:rPr>
               <a:t>Electronics data consists of “helpful” reviews. </a:t>
             </a:r>
-            <a:endParaRPr b="0" lang="en-US" sz="3600" spc="-1" strike="noStrike">
+            <a:endParaRPr lang="en-US" sz="3600" b="0" strike="noStrike" spc="-1" dirty="0">
               <a:latin typeface="Arial"/>
             </a:endParaRPr>
           </a:p>
@@ -8755,7 +10351,7 @@
                 <a:spcPct val="100000"/>
               </a:lnSpc>
             </a:pPr>
-            <a:endParaRPr b="0" lang="en-US" sz="3600" spc="-1" strike="noStrike">
+            <a:endParaRPr lang="en-US" sz="3600" b="0" strike="noStrike" spc="-1" dirty="0">
               <a:latin typeface="Arial"/>
             </a:endParaRPr>
           </a:p>
@@ -8766,7 +10362,7 @@
               </a:lnSpc>
             </a:pPr>
             <a:r>
-              <a:rPr b="0" lang="en-US" sz="3600" spc="-1" strike="noStrike">
+              <a:rPr lang="en-US" sz="3600" b="0" strike="noStrike" spc="-1" dirty="0">
                 <a:solidFill>
                   <a:srgbClr val="000000"/>
                 </a:solidFill>
@@ -8775,7 +10371,7 @@
               </a:rPr>
               <a:t>To avoid training the classifier to simply recognize the more frequently occurring category, </a:t>
             </a:r>
-            <a:endParaRPr b="0" lang="en-US" sz="3600" spc="-1" strike="noStrike">
+            <a:endParaRPr lang="en-US" sz="3600" b="0" strike="noStrike" spc="-1" dirty="0">
               <a:latin typeface="Arial"/>
             </a:endParaRPr>
           </a:p>
@@ -8786,16 +10382,16 @@
               </a:lnSpc>
             </a:pPr>
             <a:r>
-              <a:rPr b="0" lang="en-US" sz="3600" spc="-1" strike="noStrike">
+              <a:rPr lang="en-US" sz="3600" b="0" strike="noStrike" spc="-1" dirty="0">
                 <a:solidFill>
                   <a:srgbClr val="000000"/>
                 </a:solidFill>
                 <a:latin typeface="Arial"/>
                 <a:ea typeface="DejaVu Sans"/>
               </a:rPr>
-              <a:t>We trained on both “balanced” (50% helpful, 50% unhelpful) and “unbalanced” (maintaining original ratio by doing stratified splits) data for comparison.</a:t>
-            </a:r>
-            <a:endParaRPr b="0" lang="en-US" sz="3600" spc="-1" strike="noStrike">
+              <a:t>we trained on both “balanced” (50% helpful, 50% unhelpful) and “unbalanced” (maintaining original ratio by doing stratified splits) data for comparison.</a:t>
+            </a:r>
+            <a:endParaRPr lang="en-US" sz="3600" b="0" strike="noStrike" spc="-1" dirty="0">
               <a:latin typeface="Arial"/>
             </a:endParaRPr>
           </a:p>
@@ -8805,7 +10401,7 @@
                 <a:spcPct val="100000"/>
               </a:lnSpc>
             </a:pPr>
-            <a:endParaRPr b="0" lang="en-US" sz="3600" spc="-1" strike="noStrike">
+            <a:endParaRPr lang="en-US" sz="3600" b="0" strike="noStrike" spc="-1" dirty="0">
               <a:latin typeface="Arial"/>
             </a:endParaRPr>
           </a:p>
@@ -8815,7 +10411,7 @@
                 <a:spcPct val="100000"/>
               </a:lnSpc>
             </a:pPr>
-            <a:endParaRPr b="0" lang="en-US" sz="3600" spc="-1" strike="noStrike">
+            <a:endParaRPr lang="en-US" sz="3600" b="0" strike="noStrike" spc="-1" dirty="0">
               <a:latin typeface="Arial"/>
             </a:endParaRPr>
           </a:p>
@@ -8825,7 +10421,7 @@
                 <a:spcPct val="100000"/>
               </a:lnSpc>
             </a:pPr>
-            <a:endParaRPr b="0" lang="en-US" sz="3600" spc="-1" strike="noStrike">
+            <a:endParaRPr lang="en-US" sz="3600" b="0" strike="noStrike" spc="-1" dirty="0">
               <a:latin typeface="Arial"/>
             </a:endParaRPr>
           </a:p>
@@ -8836,7 +10432,7 @@
               </a:lnSpc>
             </a:pPr>
             <a:r>
-              <a:rPr b="1" lang="en-US" sz="3600" spc="-1" strike="noStrike">
+              <a:rPr lang="en-US" sz="3600" b="1" strike="noStrike" spc="-1" dirty="0">
                 <a:solidFill>
                   <a:srgbClr val="000000"/>
                 </a:solidFill>
@@ -8845,7 +10441,7 @@
               </a:rPr>
               <a:t>Language Model Fine Tuning</a:t>
             </a:r>
-            <a:endParaRPr b="0" lang="en-US" sz="3600" spc="-1" strike="noStrike">
+            <a:endParaRPr lang="en-US" sz="3600" b="0" strike="noStrike" spc="-1" dirty="0">
               <a:latin typeface="Arial"/>
             </a:endParaRPr>
           </a:p>
@@ -8856,7 +10452,7 @@
               </a:lnSpc>
             </a:pPr>
             <a:r>
-              <a:rPr b="0" lang="en-US" sz="3600" spc="-1" strike="noStrike">
+              <a:rPr lang="en-US" sz="3600" b="0" strike="noStrike" spc="-1" dirty="0">
                 <a:solidFill>
                   <a:srgbClr val="000000"/>
                 </a:solidFill>
@@ -8865,7 +10461,7 @@
               </a:rPr>
               <a:t>To increase accuracy, we tried fine-tuning the LM (using the same pre-trained model as </a:t>
             </a:r>
-            <a:endParaRPr b="0" lang="en-US" sz="3600" spc="-1" strike="noStrike">
+            <a:endParaRPr lang="en-US" sz="3600" b="0" strike="noStrike" spc="-1" dirty="0">
               <a:latin typeface="Arial"/>
             </a:endParaRPr>
           </a:p>
@@ -8876,7 +10472,7 @@
               </a:lnSpc>
             </a:pPr>
             <a:r>
-              <a:rPr b="0" lang="en-US" sz="3600" spc="-1" strike="noStrike">
+              <a:rPr lang="en-US" sz="3600" b="0" strike="noStrike" spc="-1" dirty="0">
                 <a:solidFill>
                   <a:srgbClr val="000000"/>
                 </a:solidFill>
@@ -8885,7 +10481,7 @@
               </a:rPr>
               <a:t>in Chapter 10) first with smaller, then larger amounts of data.</a:t>
             </a:r>
-            <a:endParaRPr b="0" lang="en-US" sz="3600" spc="-1" strike="noStrike">
+            <a:endParaRPr lang="en-US" sz="3600" b="0" strike="noStrike" spc="-1" dirty="0">
               <a:latin typeface="Arial"/>
             </a:endParaRPr>
           </a:p>
@@ -8895,7 +10491,7 @@
                 <a:spcPct val="100000"/>
               </a:lnSpc>
             </a:pPr>
-            <a:endParaRPr b="0" lang="en-US" sz="3600" spc="-1" strike="noStrike">
+            <a:endParaRPr lang="en-US" sz="3600" b="0" strike="noStrike" spc="-1" dirty="0">
               <a:latin typeface="Arial"/>
             </a:endParaRPr>
           </a:p>
@@ -8905,7 +10501,7 @@
                 <a:spcPct val="100000"/>
               </a:lnSpc>
             </a:pPr>
-            <a:endParaRPr b="0" lang="en-US" sz="3600" spc="-1" strike="noStrike">
+            <a:endParaRPr lang="en-US" sz="3600" b="0" strike="noStrike" spc="-1" dirty="0">
               <a:latin typeface="Arial"/>
             </a:endParaRPr>
           </a:p>
@@ -8916,7 +10512,7 @@
               </a:lnSpc>
             </a:pPr>
             <a:r>
-              <a:rPr b="0" lang="en-US" sz="4000" spc="-1" strike="noStrike">
+              <a:rPr lang="en-US" sz="4000" b="0" strike="noStrike" spc="-1" dirty="0">
                 <a:solidFill>
                   <a:srgbClr val="000000"/>
                 </a:solidFill>
@@ -8925,7 +10521,7 @@
               </a:rPr>
               <a:t>  </a:t>
             </a:r>
-            <a:endParaRPr b="0" lang="en-US" sz="4000" spc="-1" strike="noStrike">
+            <a:endParaRPr lang="en-US" sz="4000" b="0" strike="noStrike" spc="-1" dirty="0">
               <a:latin typeface="Arial"/>
             </a:endParaRPr>
           </a:p>
@@ -8933,22 +10529,25 @@
       </p:sp>
     </p:spTree>
   </p:cSld>
+  <p:clrMapOvr>
+    <a:masterClrMapping/>
+  </p:clrMapOvr>
   <p:timing>
     <p:tnLst>
       <p:par>
-        <p:cTn id="15" dur="indefinite" restart="never" nodeType="tmRoot">
+        <p:cTn id="1" dur="indefinite" restart="never" nodeType="tmRoot">
           <p:childTnLst>
             <p:seq>
-              <p:cTn id="16" dur="indefinite" nodeType="mainSeq"/>
+              <p:cTn id="2" dur="indefinite" nodeType="mainSeq"/>
               <p:prevCondLst>
-                <p:cond delay="0" evt="onPrev">
+                <p:cond evt="onPrev" delay="0">
                   <p:tgtEl>
                     <p:sldTgt/>
                   </p:tgtEl>
                 </p:cond>
               </p:prevCondLst>
               <p:nextCondLst>
-                <p:cond delay="0" evt="onNext">
+                <p:cond evt="onNext" delay="0">
                   <p:tgtEl>
                     <p:sldTgt/>
                   </p:tgtEl>
@@ -8964,7 +10563,7 @@
 </file>
 
 <file path=ppt/slides/slide9.xml><?xml version="1.0" encoding="utf-8"?>
-<p:sld xmlns:a="http://schemas.openxmlformats.org/drawingml/2006/main" xmlns:p="http://schemas.openxmlformats.org/presentationml/2006/main" xmlns:r="http://schemas.openxmlformats.org/officeDocument/2006/relationships" xmlns:p14="http://schemas.microsoft.com/office/powerpoint/2010/main" xmlns:p15="http://schemas.microsoft.com/office/powerpoint/2012/main" xmlns:mc="http://schemas.openxmlformats.org/markup-compatibility/2006">
+<p:sld xmlns:a="http://schemas.openxmlformats.org/drawingml/2006/main" xmlns:r="http://schemas.openxmlformats.org/officeDocument/2006/relationships" xmlns:p="http://schemas.openxmlformats.org/presentationml/2006/main">
   <p:cSld>
     <p:spTree>
       <p:nvGrpSpPr>
@@ -9000,13 +10599,20 @@
           </a:ln>
         </p:spPr>
         <p:style>
-          <a:lnRef idx="0"/>
-          <a:fillRef idx="0"/>
-          <a:effectRef idx="0"/>
+          <a:lnRef idx="0">
+            <a:scrgbClr r="0" g="0" b="0"/>
+          </a:lnRef>
+          <a:fillRef idx="0">
+            <a:scrgbClr r="0" g="0" b="0"/>
+          </a:fillRef>
+          <a:effectRef idx="0">
+            <a:scrgbClr r="0" g="0" b="0"/>
+          </a:effectRef>
           <a:fontRef idx="minor"/>
         </p:style>
         <p:txBody>
-          <a:bodyPr lIns="0" rIns="0" tIns="0" bIns="0" anchor="ctr"/>
+          <a:bodyPr lIns="0" tIns="0" rIns="0" bIns="0" anchor="ctr"/>
+          <a:lstStyle/>
           <a:p>
             <a:pPr algn="ctr">
               <a:lnSpc>
@@ -9014,7 +10620,7 @@
               </a:lnSpc>
             </a:pPr>
             <a:r>
-              <a:rPr b="0" lang="en-US" sz="6600" spc="-1" strike="noStrike">
+              <a:rPr lang="en-US" sz="6600" b="0" strike="noStrike" spc="-1">
                 <a:solidFill>
                   <a:srgbClr val="000000"/>
                 </a:solidFill>
@@ -9023,7 +10629,7 @@
               </a:rPr>
               <a:t>Experiments</a:t>
             </a:r>
-            <a:endParaRPr b="0" lang="en-US" sz="6600" spc="-1" strike="noStrike">
+            <a:endParaRPr lang="en-US" sz="6600" b="0" strike="noStrike" spc="-1">
               <a:latin typeface="Arial"/>
             </a:endParaRPr>
           </a:p>
@@ -9049,13 +10655,20 @@
           </a:ln>
         </p:spPr>
         <p:style>
-          <a:lnRef idx="0"/>
-          <a:fillRef idx="0"/>
-          <a:effectRef idx="0"/>
+          <a:lnRef idx="0">
+            <a:scrgbClr r="0" g="0" b="0"/>
+          </a:lnRef>
+          <a:fillRef idx="0">
+            <a:scrgbClr r="0" g="0" b="0"/>
+          </a:fillRef>
+          <a:effectRef idx="0">
+            <a:scrgbClr r="0" g="0" b="0"/>
+          </a:effectRef>
           <a:fontRef idx="minor"/>
         </p:style>
         <p:txBody>
-          <a:bodyPr lIns="90000" rIns="90000" tIns="45000" bIns="45000"/>
+          <a:bodyPr lIns="90000" tIns="45000" rIns="90000" bIns="45000"/>
+          <a:lstStyle/>
           <a:p>
             <a:pPr>
               <a:lnSpc>
@@ -9063,7 +10676,7 @@
               </a:lnSpc>
             </a:pPr>
             <a:r>
-              <a:rPr b="1" lang="en-US" sz="4000" spc="-1" strike="noStrike">
+              <a:rPr lang="en-US" sz="4000" b="1" strike="noStrike" spc="-1" dirty="0">
                 <a:solidFill>
                   <a:srgbClr val="000000"/>
                 </a:solidFill>
@@ -9072,7 +10685,7 @@
               </a:rPr>
               <a:t>Learning Rate Finder</a:t>
             </a:r>
-            <a:endParaRPr b="0" lang="en-US" sz="4000" spc="-1" strike="noStrike">
+            <a:endParaRPr lang="en-US" sz="4000" b="0" strike="noStrike" spc="-1" dirty="0">
               <a:latin typeface="Arial"/>
             </a:endParaRPr>
           </a:p>
@@ -9083,7 +10696,7 @@
               </a:lnSpc>
             </a:pPr>
             <a:r>
-              <a:rPr b="0" lang="en-US" sz="4000" spc="-1" strike="noStrike">
+              <a:rPr lang="en-US" sz="4000" b="0" strike="noStrike" spc="-1" dirty="0">
                 <a:solidFill>
                   <a:srgbClr val="000000"/>
                 </a:solidFill>
@@ -9092,7 +10705,7 @@
               </a:rPr>
               <a:t>We started our experiments before the introduction of the learning rate finder </a:t>
             </a:r>
-            <a:endParaRPr b="0" lang="en-US" sz="4000" spc="-1" strike="noStrike">
+            <a:endParaRPr lang="en-US" sz="4000" b="0" strike="noStrike" spc="-1" dirty="0">
               <a:latin typeface="Arial"/>
             </a:endParaRPr>
           </a:p>
@@ -9103,7 +10716,7 @@
               </a:lnSpc>
             </a:pPr>
             <a:r>
-              <a:rPr b="0" lang="en-US" sz="4000" spc="-1" strike="noStrike">
+              <a:rPr lang="en-US" sz="4000" b="0" strike="noStrike" spc="-1" dirty="0">
                 <a:solidFill>
                   <a:srgbClr val="000000"/>
                 </a:solidFill>
@@ -9112,7 +10725,7 @@
               </a:rPr>
               <a:t>in the book – further experimentation with the learning rate finder helped avoid</a:t>
             </a:r>
-            <a:endParaRPr b="0" lang="en-US" sz="4000" spc="-1" strike="noStrike">
+            <a:endParaRPr lang="en-US" sz="4000" b="0" strike="noStrike" spc="-1" dirty="0">
               <a:latin typeface="Arial"/>
             </a:endParaRPr>
           </a:p>
@@ -9123,46 +10736,26 @@
               </a:lnSpc>
             </a:pPr>
             <a:r>
-              <a:rPr b="0" lang="en-US" sz="4000" spc="-1" strike="noStrike">
+              <a:rPr lang="en-US" sz="4000" spc="-1" dirty="0">
                 <a:solidFill>
                   <a:srgbClr val="000000"/>
                 </a:solidFill>
                 <a:latin typeface="Arial"/>
                 <a:ea typeface="DejaVu Sans"/>
               </a:rPr>
-              <a:t>Overfitting.</a:t>
-            </a:r>
-            <a:endParaRPr b="0" lang="en-US" sz="4000" spc="-1" strike="noStrike">
-              <a:latin typeface="Arial"/>
-            </a:endParaRPr>
-          </a:p>
-          <a:p>
-            <a:pPr>
-              <a:lnSpc>
-                <a:spcPct val="100000"/>
-              </a:lnSpc>
-            </a:pPr>
-            <a:endParaRPr b="0" lang="en-US" sz="4000" spc="-1" strike="noStrike">
-              <a:latin typeface="Arial"/>
-            </a:endParaRPr>
-          </a:p>
-          <a:p>
-            <a:pPr>
-              <a:lnSpc>
-                <a:spcPct val="100000"/>
-              </a:lnSpc>
-            </a:pPr>
-            <a:r>
-              <a:rPr b="1" lang="en-US" sz="4000" spc="-1" strike="noStrike">
+              <a:t>o</a:t>
+            </a:r>
+            <a:r>
+              <a:rPr lang="en-US" sz="4000" b="0" strike="noStrike" spc="-1" dirty="0">
                 <a:solidFill>
                   <a:srgbClr val="000000"/>
                 </a:solidFill>
                 <a:latin typeface="Arial"/>
                 <a:ea typeface="DejaVu Sans"/>
               </a:rPr>
-              <a:t>Further Experiments</a:t>
-            </a:r>
-            <a:endParaRPr b="0" lang="en-US" sz="4000" spc="-1" strike="noStrike">
+              <a:t>verfitting.</a:t>
+            </a:r>
+            <a:endParaRPr lang="en-US" sz="4000" b="0" strike="noStrike" spc="-1" dirty="0">
               <a:latin typeface="Arial"/>
             </a:endParaRPr>
           </a:p>
@@ -9172,17 +10765,37 @@
                 <a:spcPct val="100000"/>
               </a:lnSpc>
             </a:pPr>
-            <a:r>
-              <a:rPr b="0" lang="en-US" sz="4000" spc="-1" strike="noStrike">
+            <a:endParaRPr lang="en-US" sz="4000" b="0" strike="noStrike" spc="-1" dirty="0">
+              <a:latin typeface="Arial"/>
+            </a:endParaRPr>
+          </a:p>
+          <a:p>
+            <a:pPr>
+              <a:lnSpc>
+                <a:spcPct val="100000"/>
+              </a:lnSpc>
+            </a:pPr>
+            <a:endParaRPr lang="en-US" sz="4000" b="0" strike="noStrike" spc="-1" dirty="0">
+              <a:latin typeface="Arial"/>
+            </a:endParaRPr>
+          </a:p>
+          <a:p>
+            <a:pPr>
+              <a:lnSpc>
+                <a:spcPct val="100000"/>
+              </a:lnSpc>
+            </a:pPr>
+            <a:r>
+              <a:rPr lang="en-US" sz="4000" b="1" strike="noStrike" spc="-1" dirty="0">
                 <a:solidFill>
                   <a:srgbClr val="000000"/>
                 </a:solidFill>
                 <a:latin typeface="Arial"/>
                 <a:ea typeface="DejaVu Sans"/>
               </a:rPr>
-              <a:t>Gaurav further finetuned performance by expanding to the largest of the “small” dataset</a:t>
-            </a:r>
-            <a:endParaRPr b="0" lang="en-US" sz="4000" spc="-1" strike="noStrike">
+              <a:t>Further Experiments</a:t>
+            </a:r>
+            <a:endParaRPr lang="en-US" sz="4000" b="0" strike="noStrike" spc="-1" dirty="0">
               <a:latin typeface="Arial"/>
             </a:endParaRPr>
           </a:p>
@@ -9193,16 +10806,32 @@
               </a:lnSpc>
             </a:pPr>
             <a:r>
-              <a:rPr b="0" lang="en-US" sz="4000" spc="-1" strike="noStrike">
+              <a:rPr lang="en-US" sz="4000" b="0" strike="noStrike" spc="-1" dirty="0">
                 <a:solidFill>
                   <a:srgbClr val="000000"/>
                 </a:solidFill>
                 <a:latin typeface="Arial"/>
                 <a:ea typeface="DejaVu Sans"/>
               </a:rPr>
-              <a:t>(+8 mil. Reviews) and also backwards-trained the classifier.</a:t>
-            </a:r>
-            <a:endParaRPr b="0" lang="en-US" sz="4000" spc="-1" strike="noStrike">
+              <a:t>Gaurav further finetuned performance by expanding to the largest of the “small” dataset</a:t>
+            </a:r>
+            <a:r>
+              <a:rPr lang="en-US" sz="4000" spc="-1" dirty="0">
+                <a:latin typeface="Arial"/>
+              </a:rPr>
+              <a:t> </a:t>
+            </a:r>
+            <a:r>
+              <a:rPr lang="en-US" sz="4000" b="0" strike="noStrike" spc="-1" dirty="0">
+                <a:solidFill>
+                  <a:srgbClr val="000000"/>
+                </a:solidFill>
+                <a:latin typeface="Arial"/>
+                <a:ea typeface="DejaVu Sans"/>
+              </a:rPr>
+              <a:t>(+8 mil. Reviews) and backwards-trained the classifier.</a:t>
+            </a:r>
+            <a:endParaRPr lang="en-US" sz="4000" b="0" strike="noStrike" spc="-1" dirty="0">
               <a:latin typeface="Arial"/>
             </a:endParaRPr>
           </a:p>
@@ -9210,22 +10839,25 @@
       </p:sp>
     </p:spTree>
   </p:cSld>
+  <p:clrMapOvr>
+    <a:masterClrMapping/>
+  </p:clrMapOvr>
   <p:timing>
     <p:tnLst>
       <p:par>
-        <p:cTn id="17" dur="indefinite" restart="never" nodeType="tmRoot">
+        <p:cTn id="1" dur="indefinite" restart="never" nodeType="tmRoot">
           <p:childTnLst>
             <p:seq>
-              <p:cTn id="18" dur="indefinite" nodeType="mainSeq"/>
+              <p:cTn id="2" dur="indefinite" nodeType="mainSeq"/>
               <p:prevCondLst>
-                <p:cond delay="0" evt="onPrev">
+                <p:cond evt="onPrev" delay="0">
                   <p:tgtEl>
                     <p:sldTgt/>
                   </p:tgtEl>
                 </p:cond>
               </p:prevCondLst>
               <p:nextCondLst>
-                <p:cond delay="0" evt="onNext">
+                <p:cond evt="onNext" delay="0">
                   <p:tgtEl>
                     <p:sldTgt/>
                   </p:tgtEl>
@@ -9251,34 +10883,34 @@
         <a:sysClr val="window" lastClr="FFFFFF"/>
       </a:lt1>
       <a:dk2>
-        <a:srgbClr val="5e5e5e"/>
+        <a:srgbClr val="5E5E5E"/>
       </a:dk2>
       <a:lt2>
-        <a:srgbClr val="d5d5d5"/>
+        <a:srgbClr val="D5D5D5"/>
       </a:lt2>
       <a:accent1>
-        <a:srgbClr val="00a2ff"/>
+        <a:srgbClr val="00A2FF"/>
       </a:accent1>
       <a:accent2>
-        <a:srgbClr val="16e7cf"/>
+        <a:srgbClr val="16E7CF"/>
       </a:accent2>
       <a:accent3>
-        <a:srgbClr val="61d836"/>
+        <a:srgbClr val="61D836"/>
       </a:accent3>
       <a:accent4>
-        <a:srgbClr val="ffd932"/>
+        <a:srgbClr val="FFD932"/>
       </a:accent4>
       <a:accent5>
-        <a:srgbClr val="ff644e"/>
+        <a:srgbClr val="FF644E"/>
       </a:accent5>
       <a:accent6>
-        <a:srgbClr val="ff42a1"/>
+        <a:srgbClr val="FF42A1"/>
       </a:accent6>
       <a:hlink>
-        <a:srgbClr val="0000ff"/>
+        <a:srgbClr val="0000FF"/>
       </a:hlink>
       <a:folHlink>
-        <a:srgbClr val="ff00ff"/>
+        <a:srgbClr val="FF00FF"/>
       </a:folHlink>
     </a:clrScheme>
     <a:fontScheme name="Office">
@@ -9460,6 +11092,8 @@
       </a:bgFillStyleLst>
     </a:fmtScheme>
   </a:themeElements>
+  <a:objectDefaults/>
+  <a:extraClrSchemeLst/>
 </a:theme>
 </file>
 
@@ -9474,34 +11108,34 @@
         <a:sysClr val="window" lastClr="FFFFFF"/>
       </a:lt1>
       <a:dk2>
-        <a:srgbClr val="5e5e5e"/>
+        <a:srgbClr val="5E5E5E"/>
       </a:dk2>
       <a:lt2>
-        <a:srgbClr val="d5d5d5"/>
+        <a:srgbClr val="D5D5D5"/>
       </a:lt2>
       <a:accent1>
-        <a:srgbClr val="00a2ff"/>
+        <a:srgbClr val="00A2FF"/>
       </a:accent1>
       <a:accent2>
-        <a:srgbClr val="16e7cf"/>
+        <a:srgbClr val="16E7CF"/>
       </a:accent2>
       <a:accent3>
-        <a:srgbClr val="61d836"/>
+        <a:srgbClr val="61D836"/>
       </a:accent3>
       <a:accent4>
-        <a:srgbClr val="ffd932"/>
+        <a:srgbClr val="FFD932"/>
       </a:accent4>
       <a:accent5>
-        <a:srgbClr val="ff644e"/>
+        <a:srgbClr val="FF644E"/>
       </a:accent5>
       <a:accent6>
-        <a:srgbClr val="ff42a1"/>
+        <a:srgbClr val="FF42A1"/>
       </a:accent6>
       <a:hlink>
-        <a:srgbClr val="0000ff"/>
+        <a:srgbClr val="0000FF"/>
       </a:hlink>
       <a:folHlink>
-        <a:srgbClr val="ff00ff"/>
+        <a:srgbClr val="FF00FF"/>
       </a:folHlink>
     </a:clrScheme>
     <a:fontScheme name="Office">
@@ -9683,5 +11317,7 @@
       </a:bgFillStyleLst>
     </a:fmtScheme>
   </a:themeElements>
+  <a:objectDefaults/>
+  <a:extraClrSchemeLst/>
 </a:theme>
 </file>
--- a/Amazon_Review_Helpfulness_NLP-1-ONLINE.pptx
+++ b/Amazon_Review_Helpfulness_NLP-1-ONLINE.pptx
@@ -101,10 +101,8 @@
         <p:txBody>
           <a:bodyPr lIns="0" rIns="0" tIns="0" bIns="0" anchor="ctr"/>
           <a:p>
-            <a:endParaRPr b="0" lang="en-US" sz="1800" spc="-1" strike="noStrike">
-              <a:solidFill>
-                <a:srgbClr val="000000"/>
-              </a:solidFill>
+            <a:pPr algn="ctr"/>
+            <a:endParaRPr b="0" lang="en-US" sz="4400" spc="-1" strike="noStrike">
               <a:latin typeface="Arial"/>
             </a:endParaRPr>
           </a:p>
@@ -134,10 +132,7 @@
             <a:normAutofit/>
           </a:bodyPr>
           <a:p>
-            <a:endParaRPr b="0" lang="en-US" sz="2800" spc="-1" strike="noStrike">
-              <a:solidFill>
-                <a:srgbClr val="000000"/>
-              </a:solidFill>
+            <a:endParaRPr b="0" lang="en-US" sz="3200" spc="-1" strike="noStrike">
               <a:latin typeface="Arial"/>
             </a:endParaRPr>
           </a:p>
@@ -167,10 +162,7 @@
             <a:normAutofit/>
           </a:bodyPr>
           <a:p>
-            <a:endParaRPr b="0" lang="en-US" sz="2800" spc="-1" strike="noStrike">
-              <a:solidFill>
-                <a:srgbClr val="000000"/>
-              </a:solidFill>
+            <a:endParaRPr b="0" lang="en-US" sz="3200" spc="-1" strike="noStrike">
               <a:latin typeface="Arial"/>
             </a:endParaRPr>
           </a:p>
@@ -220,10 +212,8 @@
         <p:txBody>
           <a:bodyPr lIns="0" rIns="0" tIns="0" bIns="0" anchor="ctr"/>
           <a:p>
-            <a:endParaRPr b="0" lang="en-US" sz="1800" spc="-1" strike="noStrike">
-              <a:solidFill>
-                <a:srgbClr val="000000"/>
-              </a:solidFill>
+            <a:pPr algn="ctr"/>
+            <a:endParaRPr b="0" lang="en-US" sz="4400" spc="-1" strike="noStrike">
               <a:latin typeface="Arial"/>
             </a:endParaRPr>
           </a:p>
@@ -253,10 +243,7 @@
             <a:normAutofit/>
           </a:bodyPr>
           <a:p>
-            <a:endParaRPr b="0" lang="en-US" sz="2800" spc="-1" strike="noStrike">
-              <a:solidFill>
-                <a:srgbClr val="000000"/>
-              </a:solidFill>
+            <a:endParaRPr b="0" lang="en-US" sz="3200" spc="-1" strike="noStrike">
               <a:latin typeface="Arial"/>
             </a:endParaRPr>
           </a:p>
@@ -286,10 +273,7 @@
             <a:normAutofit/>
           </a:bodyPr>
           <a:p>
-            <a:endParaRPr b="0" lang="en-US" sz="2800" spc="-1" strike="noStrike">
-              <a:solidFill>
-                <a:srgbClr val="000000"/>
-              </a:solidFill>
+            <a:endParaRPr b="0" lang="en-US" sz="3200" spc="-1" strike="noStrike">
               <a:latin typeface="Arial"/>
             </a:endParaRPr>
           </a:p>
@@ -319,10 +303,7 @@
             <a:normAutofit/>
           </a:bodyPr>
           <a:p>
-            <a:endParaRPr b="0" lang="en-US" sz="2800" spc="-1" strike="noStrike">
-              <a:solidFill>
-                <a:srgbClr val="000000"/>
-              </a:solidFill>
+            <a:endParaRPr b="0" lang="en-US" sz="3200" spc="-1" strike="noStrike">
               <a:latin typeface="Arial"/>
             </a:endParaRPr>
           </a:p>
@@ -352,10 +333,7 @@
             <a:normAutofit/>
           </a:bodyPr>
           <a:p>
-            <a:endParaRPr b="0" lang="en-US" sz="2800" spc="-1" strike="noStrike">
-              <a:solidFill>
-                <a:srgbClr val="000000"/>
-              </a:solidFill>
+            <a:endParaRPr b="0" lang="en-US" sz="3200" spc="-1" strike="noStrike">
               <a:latin typeface="Arial"/>
             </a:endParaRPr>
           </a:p>
@@ -405,10 +383,8 @@
         <p:txBody>
           <a:bodyPr lIns="0" rIns="0" tIns="0" bIns="0" anchor="ctr"/>
           <a:p>
-            <a:endParaRPr b="0" lang="en-US" sz="1800" spc="-1" strike="noStrike">
-              <a:solidFill>
-                <a:srgbClr val="000000"/>
-              </a:solidFill>
+            <a:pPr algn="ctr"/>
+            <a:endParaRPr b="0" lang="en-US" sz="4400" spc="-1" strike="noStrike">
               <a:latin typeface="Arial"/>
             </a:endParaRPr>
           </a:p>
@@ -438,10 +414,7 @@
             <a:normAutofit/>
           </a:bodyPr>
           <a:p>
-            <a:endParaRPr b="0" lang="en-US" sz="2800" spc="-1" strike="noStrike">
-              <a:solidFill>
-                <a:srgbClr val="000000"/>
-              </a:solidFill>
+            <a:endParaRPr b="0" lang="en-US" sz="3200" spc="-1" strike="noStrike">
               <a:latin typeface="Arial"/>
             </a:endParaRPr>
           </a:p>
@@ -471,10 +444,7 @@
             <a:normAutofit/>
           </a:bodyPr>
           <a:p>
-            <a:endParaRPr b="0" lang="en-US" sz="2800" spc="-1" strike="noStrike">
-              <a:solidFill>
-                <a:srgbClr val="000000"/>
-              </a:solidFill>
+            <a:endParaRPr b="0" lang="en-US" sz="3200" spc="-1" strike="noStrike">
               <a:latin typeface="Arial"/>
             </a:endParaRPr>
           </a:p>
@@ -504,10 +474,7 @@
             <a:normAutofit/>
           </a:bodyPr>
           <a:p>
-            <a:endParaRPr b="0" lang="en-US" sz="2800" spc="-1" strike="noStrike">
-              <a:solidFill>
-                <a:srgbClr val="000000"/>
-              </a:solidFill>
+            <a:endParaRPr b="0" lang="en-US" sz="3200" spc="-1" strike="noStrike">
               <a:latin typeface="Arial"/>
             </a:endParaRPr>
           </a:p>
@@ -537,10 +504,7 @@
             <a:normAutofit/>
           </a:bodyPr>
           <a:p>
-            <a:endParaRPr b="0" lang="en-US" sz="2800" spc="-1" strike="noStrike">
-              <a:solidFill>
-                <a:srgbClr val="000000"/>
-              </a:solidFill>
+            <a:endParaRPr b="0" lang="en-US" sz="3200" spc="-1" strike="noStrike">
               <a:latin typeface="Arial"/>
             </a:endParaRPr>
           </a:p>
@@ -570,10 +534,7 @@
             <a:normAutofit/>
           </a:bodyPr>
           <a:p>
-            <a:endParaRPr b="0" lang="en-US" sz="2800" spc="-1" strike="noStrike">
-              <a:solidFill>
-                <a:srgbClr val="000000"/>
-              </a:solidFill>
+            <a:endParaRPr b="0" lang="en-US" sz="3200" spc="-1" strike="noStrike">
               <a:latin typeface="Arial"/>
             </a:endParaRPr>
           </a:p>
@@ -603,10 +564,7 @@
             <a:normAutofit/>
           </a:bodyPr>
           <a:p>
-            <a:endParaRPr b="0" lang="en-US" sz="2800" spc="-1" strike="noStrike">
-              <a:solidFill>
-                <a:srgbClr val="000000"/>
-              </a:solidFill>
+            <a:endParaRPr b="0" lang="en-US" sz="3200" spc="-1" strike="noStrike">
               <a:latin typeface="Arial"/>
             </a:endParaRPr>
           </a:p>
@@ -678,10 +636,8 @@
         <p:txBody>
           <a:bodyPr lIns="0" rIns="0" tIns="0" bIns="0" anchor="ctr"/>
           <a:p>
-            <a:endParaRPr b="0" lang="en-US" sz="1800" spc="-1" strike="noStrike">
-              <a:solidFill>
-                <a:srgbClr val="000000"/>
-              </a:solidFill>
+            <a:pPr algn="ctr"/>
+            <a:endParaRPr b="0" lang="en-US" sz="4400" spc="-1" strike="noStrike">
               <a:latin typeface="Arial"/>
             </a:endParaRPr>
           </a:p>
@@ -760,10 +716,8 @@
         <p:txBody>
           <a:bodyPr lIns="0" rIns="0" tIns="0" bIns="0" anchor="ctr"/>
           <a:p>
-            <a:endParaRPr b="0" lang="en-US" sz="1800" spc="-1" strike="noStrike">
-              <a:solidFill>
-                <a:srgbClr val="000000"/>
-              </a:solidFill>
+            <a:pPr algn="ctr"/>
+            <a:endParaRPr b="0" lang="en-US" sz="4400" spc="-1" strike="noStrike">
               <a:latin typeface="Arial"/>
             </a:endParaRPr>
           </a:p>
@@ -793,10 +747,7 @@
             <a:normAutofit/>
           </a:bodyPr>
           <a:p>
-            <a:endParaRPr b="0" lang="en-US" sz="2800" spc="-1" strike="noStrike">
-              <a:solidFill>
-                <a:srgbClr val="000000"/>
-              </a:solidFill>
+            <a:endParaRPr b="0" lang="en-US" sz="3200" spc="-1" strike="noStrike">
               <a:latin typeface="Arial"/>
             </a:endParaRPr>
           </a:p>
@@ -846,10 +797,8 @@
         <p:txBody>
           <a:bodyPr lIns="0" rIns="0" tIns="0" bIns="0" anchor="ctr"/>
           <a:p>
-            <a:endParaRPr b="0" lang="en-US" sz="1800" spc="-1" strike="noStrike">
-              <a:solidFill>
-                <a:srgbClr val="000000"/>
-              </a:solidFill>
+            <a:pPr algn="ctr"/>
+            <a:endParaRPr b="0" lang="en-US" sz="4400" spc="-1" strike="noStrike">
               <a:latin typeface="Arial"/>
             </a:endParaRPr>
           </a:p>
@@ -879,10 +828,7 @@
             <a:normAutofit/>
           </a:bodyPr>
           <a:p>
-            <a:endParaRPr b="0" lang="en-US" sz="2800" spc="-1" strike="noStrike">
-              <a:solidFill>
-                <a:srgbClr val="000000"/>
-              </a:solidFill>
+            <a:endParaRPr b="0" lang="en-US" sz="3200" spc="-1" strike="noStrike">
               <a:latin typeface="Arial"/>
             </a:endParaRPr>
           </a:p>
@@ -912,10 +858,7 @@
             <a:normAutofit/>
           </a:bodyPr>
           <a:p>
-            <a:endParaRPr b="0" lang="en-US" sz="2800" spc="-1" strike="noStrike">
-              <a:solidFill>
-                <a:srgbClr val="000000"/>
-              </a:solidFill>
+            <a:endParaRPr b="0" lang="en-US" sz="3200" spc="-1" strike="noStrike">
               <a:latin typeface="Arial"/>
             </a:endParaRPr>
           </a:p>
@@ -965,10 +908,8 @@
         <p:txBody>
           <a:bodyPr lIns="0" rIns="0" tIns="0" bIns="0" anchor="ctr"/>
           <a:p>
-            <a:endParaRPr b="0" lang="en-US" sz="1800" spc="-1" strike="noStrike">
-              <a:solidFill>
-                <a:srgbClr val="000000"/>
-              </a:solidFill>
+            <a:pPr algn="ctr"/>
+            <a:endParaRPr b="0" lang="en-US" sz="4400" spc="-1" strike="noStrike">
               <a:latin typeface="Arial"/>
             </a:endParaRPr>
           </a:p>
@@ -1069,10 +1010,8 @@
         <p:txBody>
           <a:bodyPr lIns="0" rIns="0" tIns="0" bIns="0" anchor="ctr"/>
           <a:p>
-            <a:endParaRPr b="0" lang="en-US" sz="1800" spc="-1" strike="noStrike">
-              <a:solidFill>
-                <a:srgbClr val="000000"/>
-              </a:solidFill>
+            <a:pPr algn="ctr"/>
+            <a:endParaRPr b="0" lang="en-US" sz="4400" spc="-1" strike="noStrike">
               <a:latin typeface="Arial"/>
             </a:endParaRPr>
           </a:p>
@@ -1102,10 +1041,7 @@
             <a:normAutofit/>
           </a:bodyPr>
           <a:p>
-            <a:endParaRPr b="0" lang="en-US" sz="2800" spc="-1" strike="noStrike">
-              <a:solidFill>
-                <a:srgbClr val="000000"/>
-              </a:solidFill>
+            <a:endParaRPr b="0" lang="en-US" sz="3200" spc="-1" strike="noStrike">
               <a:latin typeface="Arial"/>
             </a:endParaRPr>
           </a:p>
@@ -1135,10 +1071,7 @@
             <a:normAutofit/>
           </a:bodyPr>
           <a:p>
-            <a:endParaRPr b="0" lang="en-US" sz="2800" spc="-1" strike="noStrike">
-              <a:solidFill>
-                <a:srgbClr val="000000"/>
-              </a:solidFill>
+            <a:endParaRPr b="0" lang="en-US" sz="3200" spc="-1" strike="noStrike">
               <a:latin typeface="Arial"/>
             </a:endParaRPr>
           </a:p>
@@ -1168,10 +1101,7 @@
             <a:normAutofit/>
           </a:bodyPr>
           <a:p>
-            <a:endParaRPr b="0" lang="en-US" sz="2800" spc="-1" strike="noStrike">
-              <a:solidFill>
-                <a:srgbClr val="000000"/>
-              </a:solidFill>
+            <a:endParaRPr b="0" lang="en-US" sz="3200" spc="-1" strike="noStrike">
               <a:latin typeface="Arial"/>
             </a:endParaRPr>
           </a:p>
@@ -1221,10 +1151,8 @@
         <p:txBody>
           <a:bodyPr lIns="0" rIns="0" tIns="0" bIns="0" anchor="ctr"/>
           <a:p>
-            <a:endParaRPr b="0" lang="en-US" sz="1800" spc="-1" strike="noStrike">
-              <a:solidFill>
-                <a:srgbClr val="000000"/>
-              </a:solidFill>
+            <a:pPr algn="ctr"/>
+            <a:endParaRPr b="0" lang="en-US" sz="4400" spc="-1" strike="noStrike">
               <a:latin typeface="Arial"/>
             </a:endParaRPr>
           </a:p>
@@ -1303,10 +1231,8 @@
         <p:txBody>
           <a:bodyPr lIns="0" rIns="0" tIns="0" bIns="0" anchor="ctr"/>
           <a:p>
-            <a:endParaRPr b="0" lang="en-US" sz="1800" spc="-1" strike="noStrike">
-              <a:solidFill>
-                <a:srgbClr val="000000"/>
-              </a:solidFill>
+            <a:pPr algn="ctr"/>
+            <a:endParaRPr b="0" lang="en-US" sz="4400" spc="-1" strike="noStrike">
               <a:latin typeface="Arial"/>
             </a:endParaRPr>
           </a:p>
@@ -1336,10 +1262,7 @@
             <a:normAutofit/>
           </a:bodyPr>
           <a:p>
-            <a:endParaRPr b="0" lang="en-US" sz="2800" spc="-1" strike="noStrike">
-              <a:solidFill>
-                <a:srgbClr val="000000"/>
-              </a:solidFill>
+            <a:endParaRPr b="0" lang="en-US" sz="3200" spc="-1" strike="noStrike">
               <a:latin typeface="Arial"/>
             </a:endParaRPr>
           </a:p>
@@ -1369,10 +1292,7 @@
             <a:normAutofit/>
           </a:bodyPr>
           <a:p>
-            <a:endParaRPr b="0" lang="en-US" sz="2800" spc="-1" strike="noStrike">
-              <a:solidFill>
-                <a:srgbClr val="000000"/>
-              </a:solidFill>
+            <a:endParaRPr b="0" lang="en-US" sz="3200" spc="-1" strike="noStrike">
               <a:latin typeface="Arial"/>
             </a:endParaRPr>
           </a:p>
@@ -1402,10 +1322,7 @@
             <a:normAutofit/>
           </a:bodyPr>
           <a:p>
-            <a:endParaRPr b="0" lang="en-US" sz="2800" spc="-1" strike="noStrike">
-              <a:solidFill>
-                <a:srgbClr val="000000"/>
-              </a:solidFill>
+            <a:endParaRPr b="0" lang="en-US" sz="3200" spc="-1" strike="noStrike">
               <a:latin typeface="Arial"/>
             </a:endParaRPr>
           </a:p>
@@ -1455,10 +1372,8 @@
         <p:txBody>
           <a:bodyPr lIns="0" rIns="0" tIns="0" bIns="0" anchor="ctr"/>
           <a:p>
-            <a:endParaRPr b="0" lang="en-US" sz="1800" spc="-1" strike="noStrike">
-              <a:solidFill>
-                <a:srgbClr val="000000"/>
-              </a:solidFill>
+            <a:pPr algn="ctr"/>
+            <a:endParaRPr b="0" lang="en-US" sz="4400" spc="-1" strike="noStrike">
               <a:latin typeface="Arial"/>
             </a:endParaRPr>
           </a:p>
@@ -1488,10 +1403,7 @@
             <a:normAutofit/>
           </a:bodyPr>
           <a:p>
-            <a:endParaRPr b="0" lang="en-US" sz="2800" spc="-1" strike="noStrike">
-              <a:solidFill>
-                <a:srgbClr val="000000"/>
-              </a:solidFill>
+            <a:endParaRPr b="0" lang="en-US" sz="3200" spc="-1" strike="noStrike">
               <a:latin typeface="Arial"/>
             </a:endParaRPr>
           </a:p>
@@ -1521,10 +1433,7 @@
             <a:normAutofit/>
           </a:bodyPr>
           <a:p>
-            <a:endParaRPr b="0" lang="en-US" sz="2800" spc="-1" strike="noStrike">
-              <a:solidFill>
-                <a:srgbClr val="000000"/>
-              </a:solidFill>
+            <a:endParaRPr b="0" lang="en-US" sz="3200" spc="-1" strike="noStrike">
               <a:latin typeface="Arial"/>
             </a:endParaRPr>
           </a:p>
@@ -1554,10 +1463,7 @@
             <a:normAutofit/>
           </a:bodyPr>
           <a:p>
-            <a:endParaRPr b="0" lang="en-US" sz="2800" spc="-1" strike="noStrike">
-              <a:solidFill>
-                <a:srgbClr val="000000"/>
-              </a:solidFill>
+            <a:endParaRPr b="0" lang="en-US" sz="3200" spc="-1" strike="noStrike">
               <a:latin typeface="Arial"/>
             </a:endParaRPr>
           </a:p>
@@ -1607,10 +1513,8 @@
         <p:txBody>
           <a:bodyPr lIns="0" rIns="0" tIns="0" bIns="0" anchor="ctr"/>
           <a:p>
-            <a:endParaRPr b="0" lang="en-US" sz="1800" spc="-1" strike="noStrike">
-              <a:solidFill>
-                <a:srgbClr val="000000"/>
-              </a:solidFill>
+            <a:pPr algn="ctr"/>
+            <a:endParaRPr b="0" lang="en-US" sz="4400" spc="-1" strike="noStrike">
               <a:latin typeface="Arial"/>
             </a:endParaRPr>
           </a:p>
@@ -1640,10 +1544,7 @@
             <a:normAutofit/>
           </a:bodyPr>
           <a:p>
-            <a:endParaRPr b="0" lang="en-US" sz="2800" spc="-1" strike="noStrike">
-              <a:solidFill>
-                <a:srgbClr val="000000"/>
-              </a:solidFill>
+            <a:endParaRPr b="0" lang="en-US" sz="3200" spc="-1" strike="noStrike">
               <a:latin typeface="Arial"/>
             </a:endParaRPr>
           </a:p>
@@ -1673,10 +1574,7 @@
             <a:normAutofit/>
           </a:bodyPr>
           <a:p>
-            <a:endParaRPr b="0" lang="en-US" sz="2800" spc="-1" strike="noStrike">
-              <a:solidFill>
-                <a:srgbClr val="000000"/>
-              </a:solidFill>
+            <a:endParaRPr b="0" lang="en-US" sz="3200" spc="-1" strike="noStrike">
               <a:latin typeface="Arial"/>
             </a:endParaRPr>
           </a:p>
@@ -1726,10 +1624,8 @@
         <p:txBody>
           <a:bodyPr lIns="0" rIns="0" tIns="0" bIns="0" anchor="ctr"/>
           <a:p>
-            <a:endParaRPr b="0" lang="en-US" sz="1800" spc="-1" strike="noStrike">
-              <a:solidFill>
-                <a:srgbClr val="000000"/>
-              </a:solidFill>
+            <a:pPr algn="ctr"/>
+            <a:endParaRPr b="0" lang="en-US" sz="4400" spc="-1" strike="noStrike">
               <a:latin typeface="Arial"/>
             </a:endParaRPr>
           </a:p>
@@ -1759,10 +1655,7 @@
             <a:normAutofit/>
           </a:bodyPr>
           <a:p>
-            <a:endParaRPr b="0" lang="en-US" sz="2800" spc="-1" strike="noStrike">
-              <a:solidFill>
-                <a:srgbClr val="000000"/>
-              </a:solidFill>
+            <a:endParaRPr b="0" lang="en-US" sz="3200" spc="-1" strike="noStrike">
               <a:latin typeface="Arial"/>
             </a:endParaRPr>
           </a:p>
@@ -1792,10 +1685,7 @@
             <a:normAutofit/>
           </a:bodyPr>
           <a:p>
-            <a:endParaRPr b="0" lang="en-US" sz="2800" spc="-1" strike="noStrike">
-              <a:solidFill>
-                <a:srgbClr val="000000"/>
-              </a:solidFill>
+            <a:endParaRPr b="0" lang="en-US" sz="3200" spc="-1" strike="noStrike">
               <a:latin typeface="Arial"/>
             </a:endParaRPr>
           </a:p>
@@ -1825,10 +1715,7 @@
             <a:normAutofit/>
           </a:bodyPr>
           <a:p>
-            <a:endParaRPr b="0" lang="en-US" sz="2800" spc="-1" strike="noStrike">
-              <a:solidFill>
-                <a:srgbClr val="000000"/>
-              </a:solidFill>
+            <a:endParaRPr b="0" lang="en-US" sz="3200" spc="-1" strike="noStrike">
               <a:latin typeface="Arial"/>
             </a:endParaRPr>
           </a:p>
@@ -1858,10 +1745,7 @@
             <a:normAutofit/>
           </a:bodyPr>
           <a:p>
-            <a:endParaRPr b="0" lang="en-US" sz="2800" spc="-1" strike="noStrike">
-              <a:solidFill>
-                <a:srgbClr val="000000"/>
-              </a:solidFill>
+            <a:endParaRPr b="0" lang="en-US" sz="3200" spc="-1" strike="noStrike">
               <a:latin typeface="Arial"/>
             </a:endParaRPr>
           </a:p>
@@ -1911,10 +1795,8 @@
         <p:txBody>
           <a:bodyPr lIns="0" rIns="0" tIns="0" bIns="0" anchor="ctr"/>
           <a:p>
-            <a:endParaRPr b="0" lang="en-US" sz="1800" spc="-1" strike="noStrike">
-              <a:solidFill>
-                <a:srgbClr val="000000"/>
-              </a:solidFill>
+            <a:pPr algn="ctr"/>
+            <a:endParaRPr b="0" lang="en-US" sz="4400" spc="-1" strike="noStrike">
               <a:latin typeface="Arial"/>
             </a:endParaRPr>
           </a:p>
@@ -1944,10 +1826,7 @@
             <a:normAutofit/>
           </a:bodyPr>
           <a:p>
-            <a:endParaRPr b="0" lang="en-US" sz="2800" spc="-1" strike="noStrike">
-              <a:solidFill>
-                <a:srgbClr val="000000"/>
-              </a:solidFill>
+            <a:endParaRPr b="0" lang="en-US" sz="3200" spc="-1" strike="noStrike">
               <a:latin typeface="Arial"/>
             </a:endParaRPr>
           </a:p>
@@ -1977,10 +1856,7 @@
             <a:normAutofit/>
           </a:bodyPr>
           <a:p>
-            <a:endParaRPr b="0" lang="en-US" sz="2800" spc="-1" strike="noStrike">
-              <a:solidFill>
-                <a:srgbClr val="000000"/>
-              </a:solidFill>
+            <a:endParaRPr b="0" lang="en-US" sz="3200" spc="-1" strike="noStrike">
               <a:latin typeface="Arial"/>
             </a:endParaRPr>
           </a:p>
@@ -2010,10 +1886,7 @@
             <a:normAutofit/>
           </a:bodyPr>
           <a:p>
-            <a:endParaRPr b="0" lang="en-US" sz="2800" spc="-1" strike="noStrike">
-              <a:solidFill>
-                <a:srgbClr val="000000"/>
-              </a:solidFill>
+            <a:endParaRPr b="0" lang="en-US" sz="3200" spc="-1" strike="noStrike">
               <a:latin typeface="Arial"/>
             </a:endParaRPr>
           </a:p>
@@ -2043,10 +1916,7 @@
             <a:normAutofit/>
           </a:bodyPr>
           <a:p>
-            <a:endParaRPr b="0" lang="en-US" sz="2800" spc="-1" strike="noStrike">
-              <a:solidFill>
-                <a:srgbClr val="000000"/>
-              </a:solidFill>
+            <a:endParaRPr b="0" lang="en-US" sz="3200" spc="-1" strike="noStrike">
               <a:latin typeface="Arial"/>
             </a:endParaRPr>
           </a:p>
@@ -2076,10 +1946,7 @@
             <a:normAutofit/>
           </a:bodyPr>
           <a:p>
-            <a:endParaRPr b="0" lang="en-US" sz="2800" spc="-1" strike="noStrike">
-              <a:solidFill>
-                <a:srgbClr val="000000"/>
-              </a:solidFill>
+            <a:endParaRPr b="0" lang="en-US" sz="3200" spc="-1" strike="noStrike">
               <a:latin typeface="Arial"/>
             </a:endParaRPr>
           </a:p>
@@ -2109,10 +1976,7 @@
             <a:normAutofit/>
           </a:bodyPr>
           <a:p>
-            <a:endParaRPr b="0" lang="en-US" sz="2800" spc="-1" strike="noStrike">
-              <a:solidFill>
-                <a:srgbClr val="000000"/>
-              </a:solidFill>
+            <a:endParaRPr b="0" lang="en-US" sz="3200" spc="-1" strike="noStrike">
               <a:latin typeface="Arial"/>
             </a:endParaRPr>
           </a:p>
@@ -2162,10 +2026,8 @@
         <p:txBody>
           <a:bodyPr lIns="0" rIns="0" tIns="0" bIns="0" anchor="ctr"/>
           <a:p>
-            <a:endParaRPr b="0" lang="en-US" sz="1800" spc="-1" strike="noStrike">
-              <a:solidFill>
-                <a:srgbClr val="000000"/>
-              </a:solidFill>
+            <a:pPr algn="ctr"/>
+            <a:endParaRPr b="0" lang="en-US" sz="4400" spc="-1" strike="noStrike">
               <a:latin typeface="Arial"/>
             </a:endParaRPr>
           </a:p>
@@ -2195,10 +2057,7 @@
             <a:normAutofit/>
           </a:bodyPr>
           <a:p>
-            <a:endParaRPr b="0" lang="en-US" sz="2800" spc="-1" strike="noStrike">
-              <a:solidFill>
-                <a:srgbClr val="000000"/>
-              </a:solidFill>
+            <a:endParaRPr b="0" lang="en-US" sz="3200" spc="-1" strike="noStrike">
               <a:latin typeface="Arial"/>
             </a:endParaRPr>
           </a:p>
@@ -2248,10 +2107,8 @@
         <p:txBody>
           <a:bodyPr lIns="0" rIns="0" tIns="0" bIns="0" anchor="ctr"/>
           <a:p>
-            <a:endParaRPr b="0" lang="en-US" sz="1800" spc="-1" strike="noStrike">
-              <a:solidFill>
-                <a:srgbClr val="000000"/>
-              </a:solidFill>
+            <a:pPr algn="ctr"/>
+            <a:endParaRPr b="0" lang="en-US" sz="4400" spc="-1" strike="noStrike">
               <a:latin typeface="Arial"/>
             </a:endParaRPr>
           </a:p>
@@ -2281,10 +2138,7 @@
             <a:normAutofit/>
           </a:bodyPr>
           <a:p>
-            <a:endParaRPr b="0" lang="en-US" sz="2800" spc="-1" strike="noStrike">
-              <a:solidFill>
-                <a:srgbClr val="000000"/>
-              </a:solidFill>
+            <a:endParaRPr b="0" lang="en-US" sz="3200" spc="-1" strike="noStrike">
               <a:latin typeface="Arial"/>
             </a:endParaRPr>
           </a:p>
@@ -2314,10 +2168,7 @@
             <a:normAutofit/>
           </a:bodyPr>
           <a:p>
-            <a:endParaRPr b="0" lang="en-US" sz="2800" spc="-1" strike="noStrike">
-              <a:solidFill>
-                <a:srgbClr val="000000"/>
-              </a:solidFill>
+            <a:endParaRPr b="0" lang="en-US" sz="3200" spc="-1" strike="noStrike">
               <a:latin typeface="Arial"/>
             </a:endParaRPr>
           </a:p>
@@ -2367,10 +2218,8 @@
         <p:txBody>
           <a:bodyPr lIns="0" rIns="0" tIns="0" bIns="0" anchor="ctr"/>
           <a:p>
-            <a:endParaRPr b="0" lang="en-US" sz="1800" spc="-1" strike="noStrike">
-              <a:solidFill>
-                <a:srgbClr val="000000"/>
-              </a:solidFill>
+            <a:pPr algn="ctr"/>
+            <a:endParaRPr b="0" lang="en-US" sz="4400" spc="-1" strike="noStrike">
               <a:latin typeface="Arial"/>
             </a:endParaRPr>
           </a:p>
@@ -2471,10 +2320,8 @@
         <p:txBody>
           <a:bodyPr lIns="0" rIns="0" tIns="0" bIns="0" anchor="ctr"/>
           <a:p>
-            <a:endParaRPr b="0" lang="en-US" sz="1800" spc="-1" strike="noStrike">
-              <a:solidFill>
-                <a:srgbClr val="000000"/>
-              </a:solidFill>
+            <a:pPr algn="ctr"/>
+            <a:endParaRPr b="0" lang="en-US" sz="4400" spc="-1" strike="noStrike">
               <a:latin typeface="Arial"/>
             </a:endParaRPr>
           </a:p>
@@ -2504,10 +2351,7 @@
             <a:normAutofit/>
           </a:bodyPr>
           <a:p>
-            <a:endParaRPr b="0" lang="en-US" sz="2800" spc="-1" strike="noStrike">
-              <a:solidFill>
-                <a:srgbClr val="000000"/>
-              </a:solidFill>
+            <a:endParaRPr b="0" lang="en-US" sz="3200" spc="-1" strike="noStrike">
               <a:latin typeface="Arial"/>
             </a:endParaRPr>
           </a:p>
@@ -2537,10 +2381,7 @@
             <a:normAutofit/>
           </a:bodyPr>
           <a:p>
-            <a:endParaRPr b="0" lang="en-US" sz="2800" spc="-1" strike="noStrike">
-              <a:solidFill>
-                <a:srgbClr val="000000"/>
-              </a:solidFill>
+            <a:endParaRPr b="0" lang="en-US" sz="3200" spc="-1" strike="noStrike">
               <a:latin typeface="Arial"/>
             </a:endParaRPr>
           </a:p>
@@ -2570,10 +2411,7 @@
             <a:normAutofit/>
           </a:bodyPr>
           <a:p>
-            <a:endParaRPr b="0" lang="en-US" sz="2800" spc="-1" strike="noStrike">
-              <a:solidFill>
-                <a:srgbClr val="000000"/>
-              </a:solidFill>
+            <a:endParaRPr b="0" lang="en-US" sz="3200" spc="-1" strike="noStrike">
               <a:latin typeface="Arial"/>
             </a:endParaRPr>
           </a:p>
@@ -2623,10 +2461,8 @@
         <p:txBody>
           <a:bodyPr lIns="0" rIns="0" tIns="0" bIns="0" anchor="ctr"/>
           <a:p>
-            <a:endParaRPr b="0" lang="en-US" sz="1800" spc="-1" strike="noStrike">
-              <a:solidFill>
-                <a:srgbClr val="000000"/>
-              </a:solidFill>
+            <a:pPr algn="ctr"/>
+            <a:endParaRPr b="0" lang="en-US" sz="4400" spc="-1" strike="noStrike">
               <a:latin typeface="Arial"/>
             </a:endParaRPr>
           </a:p>
@@ -2656,10 +2492,7 @@
             <a:normAutofit/>
           </a:bodyPr>
           <a:p>
-            <a:endParaRPr b="0" lang="en-US" sz="2800" spc="-1" strike="noStrike">
-              <a:solidFill>
-                <a:srgbClr val="000000"/>
-              </a:solidFill>
+            <a:endParaRPr b="0" lang="en-US" sz="3200" spc="-1" strike="noStrike">
               <a:latin typeface="Arial"/>
             </a:endParaRPr>
           </a:p>
@@ -2689,10 +2522,7 @@
             <a:normAutofit/>
           </a:bodyPr>
           <a:p>
-            <a:endParaRPr b="0" lang="en-US" sz="2800" spc="-1" strike="noStrike">
-              <a:solidFill>
-                <a:srgbClr val="000000"/>
-              </a:solidFill>
+            <a:endParaRPr b="0" lang="en-US" sz="3200" spc="-1" strike="noStrike">
               <a:latin typeface="Arial"/>
             </a:endParaRPr>
           </a:p>
@@ -2722,10 +2552,7 @@
             <a:normAutofit/>
           </a:bodyPr>
           <a:p>
-            <a:endParaRPr b="0" lang="en-US" sz="2800" spc="-1" strike="noStrike">
-              <a:solidFill>
-                <a:srgbClr val="000000"/>
-              </a:solidFill>
+            <a:endParaRPr b="0" lang="en-US" sz="3200" spc="-1" strike="noStrike">
               <a:latin typeface="Arial"/>
             </a:endParaRPr>
           </a:p>
@@ -2775,10 +2602,8 @@
         <p:txBody>
           <a:bodyPr lIns="0" rIns="0" tIns="0" bIns="0" anchor="ctr"/>
           <a:p>
-            <a:endParaRPr b="0" lang="en-US" sz="1800" spc="-1" strike="noStrike">
-              <a:solidFill>
-                <a:srgbClr val="000000"/>
-              </a:solidFill>
+            <a:pPr algn="ctr"/>
+            <a:endParaRPr b="0" lang="en-US" sz="4400" spc="-1" strike="noStrike">
               <a:latin typeface="Arial"/>
             </a:endParaRPr>
           </a:p>
@@ -2808,10 +2633,7 @@
             <a:normAutofit/>
           </a:bodyPr>
           <a:p>
-            <a:endParaRPr b="0" lang="en-US" sz="2800" spc="-1" strike="noStrike">
-              <a:solidFill>
-                <a:srgbClr val="000000"/>
-              </a:solidFill>
+            <a:endParaRPr b="0" lang="en-US" sz="3200" spc="-1" strike="noStrike">
               <a:latin typeface="Arial"/>
             </a:endParaRPr>
           </a:p>
@@ -2841,10 +2663,7 @@
             <a:normAutofit/>
           </a:bodyPr>
           <a:p>
-            <a:endParaRPr b="0" lang="en-US" sz="2800" spc="-1" strike="noStrike">
-              <a:solidFill>
-                <a:srgbClr val="000000"/>
-              </a:solidFill>
+            <a:endParaRPr b="0" lang="en-US" sz="3200" spc="-1" strike="noStrike">
               <a:latin typeface="Arial"/>
             </a:endParaRPr>
           </a:p>
@@ -2874,10 +2693,7 @@
             <a:normAutofit/>
           </a:bodyPr>
           <a:p>
-            <a:endParaRPr b="0" lang="en-US" sz="2800" spc="-1" strike="noStrike">
-              <a:solidFill>
-                <a:srgbClr val="000000"/>
-              </a:solidFill>
+            <a:endParaRPr b="0" lang="en-US" sz="3200" spc="-1" strike="noStrike">
               <a:latin typeface="Arial"/>
             </a:endParaRPr>
           </a:p>
@@ -2934,19 +2750,20 @@
         <p:txBody>
           <a:bodyPr lIns="0" rIns="0" tIns="0" bIns="0" anchor="ctr"/>
           <a:p>
-            <a:r>
-              <a:rPr b="0" lang="en-US" sz="1800" spc="-1" strike="noStrike">
-                <a:solidFill>
-                  <a:srgbClr val="000000"/>
-                </a:solidFill>
+            <a:pPr algn="ctr"/>
+            <a:r>
+              <a:rPr b="0" lang="en-US" sz="4400" spc="-1" strike="noStrike">
                 <a:latin typeface="Arial"/>
               </a:rPr>
-              <a:t>Click to edit the title text format</a:t>
-            </a:r>
-            <a:endParaRPr b="0" lang="en-US" sz="1800" spc="-1" strike="noStrike">
-              <a:solidFill>
-                <a:srgbClr val="000000"/>
-              </a:solidFill>
+              <a:t>Click to edit the </a:t>
+            </a:r>
+            <a:r>
+              <a:rPr b="0" lang="en-US" sz="4400" spc="-1" strike="noStrike">
+                <a:latin typeface="Arial"/>
+              </a:rPr>
+              <a:t>title text format</a:t>
+            </a:r>
+            <a:endParaRPr b="0" lang="en-US" sz="4400" spc="-1" strike="noStrike">
               <a:latin typeface="Arial"/>
             </a:endParaRPr>
           </a:p>
@@ -2988,18 +2805,12 @@
               <a:buChar char=""/>
             </a:pPr>
             <a:r>
-              <a:rPr b="0" lang="en-US" sz="2800" spc="-1" strike="noStrike">
-                <a:solidFill>
-                  <a:srgbClr val="000000"/>
-                </a:solidFill>
+              <a:rPr b="0" lang="en-US" sz="3200" spc="-1" strike="noStrike">
                 <a:latin typeface="Arial"/>
               </a:rPr>
               <a:t>Click to edit the outline text format</a:t>
             </a:r>
-            <a:endParaRPr b="0" lang="en-US" sz="2800" spc="-1" strike="noStrike">
-              <a:solidFill>
-                <a:srgbClr val="000000"/>
-              </a:solidFill>
+            <a:endParaRPr b="0" lang="en-US" sz="3200" spc="-1" strike="noStrike">
               <a:latin typeface="Arial"/>
             </a:endParaRPr>
           </a:p>
@@ -3016,18 +2827,12 @@
               <a:buChar char=""/>
             </a:pPr>
             <a:r>
-              <a:rPr b="0" lang="en-US" sz="2000" spc="-1" strike="noStrike">
-                <a:solidFill>
-                  <a:srgbClr val="000000"/>
-                </a:solidFill>
+              <a:rPr b="0" lang="en-US" sz="2800" spc="-1" strike="noStrike">
                 <a:latin typeface="Arial"/>
               </a:rPr>
               <a:t>Second Outline Level</a:t>
             </a:r>
-            <a:endParaRPr b="0" lang="en-US" sz="2000" spc="-1" strike="noStrike">
-              <a:solidFill>
-                <a:srgbClr val="000000"/>
-              </a:solidFill>
+            <a:endParaRPr b="0" lang="en-US" sz="2800" spc="-1" strike="noStrike">
               <a:latin typeface="Arial"/>
             </a:endParaRPr>
           </a:p>
@@ -3044,18 +2849,12 @@
               <a:buChar char=""/>
             </a:pPr>
             <a:r>
-              <a:rPr b="0" lang="en-US" sz="1800" spc="-1" strike="noStrike">
-                <a:solidFill>
-                  <a:srgbClr val="000000"/>
-                </a:solidFill>
+              <a:rPr b="0" lang="en-US" sz="2400" spc="-1" strike="noStrike">
                 <a:latin typeface="Arial"/>
               </a:rPr>
               <a:t>Third Outline Level</a:t>
             </a:r>
-            <a:endParaRPr b="0" lang="en-US" sz="1800" spc="-1" strike="noStrike">
-              <a:solidFill>
-                <a:srgbClr val="000000"/>
-              </a:solidFill>
+            <a:endParaRPr b="0" lang="en-US" sz="2400" spc="-1" strike="noStrike">
               <a:latin typeface="Arial"/>
             </a:endParaRPr>
           </a:p>
@@ -3072,18 +2871,12 @@
               <a:buChar char=""/>
             </a:pPr>
             <a:r>
-              <a:rPr b="0" lang="en-US" sz="1800" spc="-1" strike="noStrike">
-                <a:solidFill>
-                  <a:srgbClr val="000000"/>
-                </a:solidFill>
+              <a:rPr b="0" lang="en-US" sz="2000" spc="-1" strike="noStrike">
                 <a:latin typeface="Arial"/>
               </a:rPr>
               <a:t>Fourth Outline Level</a:t>
             </a:r>
-            <a:endParaRPr b="0" lang="en-US" sz="1800" spc="-1" strike="noStrike">
-              <a:solidFill>
-                <a:srgbClr val="000000"/>
-              </a:solidFill>
+            <a:endParaRPr b="0" lang="en-US" sz="2000" spc="-1" strike="noStrike">
               <a:latin typeface="Arial"/>
             </a:endParaRPr>
           </a:p>
@@ -3101,17 +2894,11 @@
             </a:pPr>
             <a:r>
               <a:rPr b="0" lang="en-US" sz="2000" spc="-1" strike="noStrike">
-                <a:solidFill>
-                  <a:srgbClr val="000000"/>
-                </a:solidFill>
                 <a:latin typeface="Arial"/>
               </a:rPr>
               <a:t>Fifth Outline Level</a:t>
             </a:r>
             <a:endParaRPr b="0" lang="en-US" sz="2000" spc="-1" strike="noStrike">
-              <a:solidFill>
-                <a:srgbClr val="000000"/>
-              </a:solidFill>
               <a:latin typeface="Arial"/>
             </a:endParaRPr>
           </a:p>
@@ -3129,17 +2916,11 @@
             </a:pPr>
             <a:r>
               <a:rPr b="0" lang="en-US" sz="2000" spc="-1" strike="noStrike">
-                <a:solidFill>
-                  <a:srgbClr val="000000"/>
-                </a:solidFill>
                 <a:latin typeface="Arial"/>
               </a:rPr>
               <a:t>Sixth Outline Level</a:t>
             </a:r>
             <a:endParaRPr b="0" lang="en-US" sz="2000" spc="-1" strike="noStrike">
-              <a:solidFill>
-                <a:srgbClr val="000000"/>
-              </a:solidFill>
               <a:latin typeface="Arial"/>
             </a:endParaRPr>
           </a:p>
@@ -3157,17 +2938,11 @@
             </a:pPr>
             <a:r>
               <a:rPr b="0" lang="en-US" sz="2000" spc="-1" strike="noStrike">
-                <a:solidFill>
-                  <a:srgbClr val="000000"/>
-                </a:solidFill>
                 <a:latin typeface="Arial"/>
               </a:rPr>
               <a:t>Seventh Outline Level</a:t>
             </a:r>
             <a:endParaRPr b="0" lang="en-US" sz="2000" spc="-1" strike="noStrike">
-              <a:solidFill>
-                <a:srgbClr val="000000"/>
-              </a:solidFill>
               <a:latin typeface="Arial"/>
             </a:endParaRPr>
           </a:p>
@@ -3239,19 +3014,14 @@
         <p:txBody>
           <a:bodyPr lIns="0" rIns="0" tIns="0" bIns="0" anchor="ctr"/>
           <a:p>
-            <a:r>
-              <a:rPr b="0" lang="en-US" sz="1800" spc="-1" strike="noStrike">
-                <a:solidFill>
-                  <a:srgbClr val="000000"/>
-                </a:solidFill>
+            <a:pPr algn="ctr"/>
+            <a:r>
+              <a:rPr b="0" lang="en-US" sz="4400" spc="-1" strike="noStrike">
                 <a:latin typeface="Arial"/>
               </a:rPr>
               <a:t>Click to edit the title text format</a:t>
             </a:r>
-            <a:endParaRPr b="0" lang="en-US" sz="1800" spc="-1" strike="noStrike">
-              <a:solidFill>
-                <a:srgbClr val="000000"/>
-              </a:solidFill>
+            <a:endParaRPr b="0" lang="en-US" sz="4400" spc="-1" strike="noStrike">
               <a:latin typeface="Arial"/>
             </a:endParaRPr>
           </a:p>
@@ -3293,18 +3063,12 @@
               <a:buChar char=""/>
             </a:pPr>
             <a:r>
-              <a:rPr b="0" lang="en-US" sz="2800" spc="-1" strike="noStrike">
-                <a:solidFill>
-                  <a:srgbClr val="000000"/>
-                </a:solidFill>
+              <a:rPr b="0" lang="en-US" sz="3200" spc="-1" strike="noStrike">
                 <a:latin typeface="Arial"/>
               </a:rPr>
               <a:t>Click to edit the outline text format</a:t>
             </a:r>
-            <a:endParaRPr b="0" lang="en-US" sz="2800" spc="-1" strike="noStrike">
-              <a:solidFill>
-                <a:srgbClr val="000000"/>
-              </a:solidFill>
+            <a:endParaRPr b="0" lang="en-US" sz="3200" spc="-1" strike="noStrike">
               <a:latin typeface="Arial"/>
             </a:endParaRPr>
           </a:p>
@@ -3321,18 +3085,12 @@
               <a:buChar char=""/>
             </a:pPr>
             <a:r>
-              <a:rPr b="0" lang="en-US" sz="2000" spc="-1" strike="noStrike">
-                <a:solidFill>
-                  <a:srgbClr val="000000"/>
-                </a:solidFill>
+              <a:rPr b="0" lang="en-US" sz="2800" spc="-1" strike="noStrike">
                 <a:latin typeface="Arial"/>
               </a:rPr>
               <a:t>Second Outline Level</a:t>
             </a:r>
-            <a:endParaRPr b="0" lang="en-US" sz="2000" spc="-1" strike="noStrike">
-              <a:solidFill>
-                <a:srgbClr val="000000"/>
-              </a:solidFill>
+            <a:endParaRPr b="0" lang="en-US" sz="2800" spc="-1" strike="noStrike">
               <a:latin typeface="Arial"/>
             </a:endParaRPr>
           </a:p>
@@ -3349,18 +3107,12 @@
               <a:buChar char=""/>
             </a:pPr>
             <a:r>
-              <a:rPr b="0" lang="en-US" sz="1800" spc="-1" strike="noStrike">
-                <a:solidFill>
-                  <a:srgbClr val="000000"/>
-                </a:solidFill>
+              <a:rPr b="0" lang="en-US" sz="2400" spc="-1" strike="noStrike">
                 <a:latin typeface="Arial"/>
               </a:rPr>
               <a:t>Third Outline Level</a:t>
             </a:r>
-            <a:endParaRPr b="0" lang="en-US" sz="1800" spc="-1" strike="noStrike">
-              <a:solidFill>
-                <a:srgbClr val="000000"/>
-              </a:solidFill>
+            <a:endParaRPr b="0" lang="en-US" sz="2400" spc="-1" strike="noStrike">
               <a:latin typeface="Arial"/>
             </a:endParaRPr>
           </a:p>
@@ -3377,18 +3129,12 @@
               <a:buChar char=""/>
             </a:pPr>
             <a:r>
-              <a:rPr b="0" lang="en-US" sz="1800" spc="-1" strike="noStrike">
-                <a:solidFill>
-                  <a:srgbClr val="000000"/>
-                </a:solidFill>
+              <a:rPr b="0" lang="en-US" sz="2000" spc="-1" strike="noStrike">
                 <a:latin typeface="Arial"/>
               </a:rPr>
               <a:t>Fourth Outline Level</a:t>
             </a:r>
-            <a:endParaRPr b="0" lang="en-US" sz="1800" spc="-1" strike="noStrike">
-              <a:solidFill>
-                <a:srgbClr val="000000"/>
-              </a:solidFill>
+            <a:endParaRPr b="0" lang="en-US" sz="2000" spc="-1" strike="noStrike">
               <a:latin typeface="Arial"/>
             </a:endParaRPr>
           </a:p>
@@ -3406,17 +3152,11 @@
             </a:pPr>
             <a:r>
               <a:rPr b="0" lang="en-US" sz="2000" spc="-1" strike="noStrike">
-                <a:solidFill>
-                  <a:srgbClr val="000000"/>
-                </a:solidFill>
                 <a:latin typeface="Arial"/>
               </a:rPr>
               <a:t>Fifth Outline Level</a:t>
             </a:r>
             <a:endParaRPr b="0" lang="en-US" sz="2000" spc="-1" strike="noStrike">
-              <a:solidFill>
-                <a:srgbClr val="000000"/>
-              </a:solidFill>
               <a:latin typeface="Arial"/>
             </a:endParaRPr>
           </a:p>
@@ -3434,17 +3174,11 @@
             </a:pPr>
             <a:r>
               <a:rPr b="0" lang="en-US" sz="2000" spc="-1" strike="noStrike">
-                <a:solidFill>
-                  <a:srgbClr val="000000"/>
-                </a:solidFill>
                 <a:latin typeface="Arial"/>
               </a:rPr>
               <a:t>Sixth Outline Level</a:t>
             </a:r>
             <a:endParaRPr b="0" lang="en-US" sz="2000" spc="-1" strike="noStrike">
-              <a:solidFill>
-                <a:srgbClr val="000000"/>
-              </a:solidFill>
               <a:latin typeface="Arial"/>
             </a:endParaRPr>
           </a:p>
@@ -3462,17 +3196,11 @@
             </a:pPr>
             <a:r>
               <a:rPr b="0" lang="en-US" sz="2000" spc="-1" strike="noStrike">
-                <a:solidFill>
-                  <a:srgbClr val="000000"/>
-                </a:solidFill>
                 <a:latin typeface="Arial"/>
               </a:rPr>
               <a:t>Seventh Outline Level</a:t>
             </a:r>
             <a:endParaRPr b="0" lang="en-US" sz="2000" spc="-1" strike="noStrike">
-              <a:solidFill>
-                <a:srgbClr val="000000"/>
-              </a:solidFill>
               <a:latin typeface="Arial"/>
             </a:endParaRPr>
           </a:p>
@@ -3524,7 +3252,7 @@
         <p:spPr>
           <a:xfrm>
             <a:off x="1206360" y="584640"/>
-            <a:ext cx="21969720" cy="4646880"/>
+            <a:ext cx="21969360" cy="4646520"/>
           </a:xfrm>
           <a:prstGeom prst="rect">
             <a:avLst/>
@@ -3549,7 +3277,7 @@
               </a:lnSpc>
             </a:pPr>
             <a:r>
-              <a:rPr b="1" lang="en-US" sz="8500" spc="-160" strike="noStrike">
+              <a:rPr b="1" lang="en-US" sz="8500" spc="-157" strike="noStrike">
                 <a:solidFill>
                   <a:srgbClr val="000000"/>
                 </a:solidFill>
@@ -3573,7 +3301,7 @@
         <p:spPr>
           <a:xfrm>
             <a:off x="1035360" y="10982880"/>
-            <a:ext cx="7466400" cy="1903680"/>
+            <a:ext cx="7466040" cy="1903320"/>
           </a:xfrm>
           <a:prstGeom prst="rect">
             <a:avLst/>
@@ -3592,7 +3320,7 @@
         <p:txBody>
           <a:bodyPr lIns="50760" rIns="50760" tIns="50760" bIns="50760"/>
           <a:p>
-            <a:pPr marL="609480" indent="-608040">
+            <a:pPr marL="609480" indent="-607680">
               <a:lnSpc>
                 <a:spcPct val="90000"/>
               </a:lnSpc>
@@ -3661,7 +3389,7 @@
         <p:spPr>
           <a:xfrm>
             <a:off x="669960" y="11184480"/>
-            <a:ext cx="4727160" cy="1945080"/>
+            <a:ext cx="4726800" cy="1944720"/>
           </a:xfrm>
           <a:prstGeom prst="rect">
             <a:avLst/>
@@ -3687,7 +3415,7 @@
         <p:spPr>
           <a:xfrm>
             <a:off x="860400" y="6001200"/>
-            <a:ext cx="6662520" cy="1348920"/>
+            <a:ext cx="6662160" cy="1348560"/>
           </a:xfrm>
           <a:prstGeom prst="rect">
             <a:avLst/>
@@ -3799,8 +3527,8 @@
         </p:blipFill>
         <p:spPr>
           <a:xfrm rot="20760000">
-            <a:off x="10090080" y="4786560"/>
-            <a:ext cx="13269960" cy="6721560"/>
+            <a:off x="10089720" y="4786560"/>
+            <a:ext cx="13269600" cy="6721200"/>
           </a:xfrm>
           <a:prstGeom prst="rect">
             <a:avLst/>
@@ -3868,7 +3596,7 @@
         <p:spPr>
           <a:xfrm>
             <a:off x="1737360" y="691560"/>
-            <a:ext cx="21943800" cy="2288880"/>
+            <a:ext cx="21943440" cy="2288520"/>
           </a:xfrm>
           <a:prstGeom prst="rect">
             <a:avLst/>
@@ -4667,6 +4395,32 @@
                   </a:tcPr>
                 </a:tc>
                 <a:tc>
+                  <a:txBody>
+                    <a:bodyPr lIns="90000" rIns="90000"/>
+                    <a:p>
+                      <a:r>
+                        <a:rPr b="0" lang="en-US" sz="1800" spc="-1" strike="noStrike">
+                          <a:latin typeface="Arial"/>
+                          <a:hlinkClick r:id="rId2"/>
+                        </a:rPr>
+                        <a:t>https://github.com/postprandial/fastai-amazonreview/blob/main/Electronics/Electronics%20-%20Model(4).ipynb</a:t>
+                      </a:r>
+                      <a:r>
+                        <a:rPr b="0" lang="en-US" sz="1800" spc="-1" strike="noStrike">
+                          <a:latin typeface="Arial"/>
+                        </a:rPr>
+                        <a:t> </a:t>
+                      </a:r>
+                      <a:endParaRPr b="0" lang="en-US" sz="1800" spc="-1" strike="noStrike">
+                        <a:latin typeface="Arial"/>
+                      </a:endParaRPr>
+                    </a:p>
+                    <a:p>
+                      <a:endParaRPr b="0" lang="en-US" sz="1800" spc="-1" strike="noStrike">
+                        <a:latin typeface="Arial"/>
+                      </a:endParaRPr>
+                    </a:p>
+                  </a:txBody>
                   <a:tcPr marL="90000" marR="90000">
                     <a:lnL w="720">
                       <a:solidFill>
@@ -4896,6 +4650,31 @@
                   </a:tcPr>
                 </a:tc>
                 <a:tc>
+                  <a:txBody>
+                    <a:bodyPr lIns="90000" rIns="90000"/>
+                    <a:p>
+                      <a:r>
+                        <a:rPr b="0" lang="en-US" sz="1800" spc="-1" strike="noStrike">
+                          <a:latin typeface="Arial"/>
+                          <a:hlinkClick r:id="rId3"/>
+                        </a:rPr>
+                        <a:t>https://github.com/postprandial/fastai-amazonreview/blob/main/Electronics/Electronics%20-%20Model-LM-v2.ipynb</a:t>
+                      </a:r>
+                      <a:endParaRPr b="0" lang="en-US" sz="1800" spc="-1" strike="noStrike">
+                        <a:latin typeface="Arial"/>
+                      </a:endParaRPr>
+                    </a:p>
+                    <a:p>
+                      <a:endParaRPr b="0" lang="en-US" sz="1800" spc="-1" strike="noStrike">
+                        <a:latin typeface="Arial"/>
+                      </a:endParaRPr>
+                    </a:p>
+                    <a:p>
+                      <a:endParaRPr b="0" lang="en-US" sz="1800" spc="-1" strike="noStrike">
+                        <a:latin typeface="Arial"/>
+                      </a:endParaRPr>
+                    </a:p>
+                  </a:txBody>
                   <a:tcPr marL="90000" marR="90000">
                     <a:lnL w="720">
                       <a:solidFill>
@@ -4985,7 +4764,7 @@
         <p:spPr>
           <a:xfrm>
             <a:off x="2320920" y="1461600"/>
-            <a:ext cx="21943800" cy="2288880"/>
+            <a:ext cx="21943440" cy="2288520"/>
           </a:xfrm>
           <a:prstGeom prst="rect">
             <a:avLst/>
@@ -5033,7 +4812,7 @@
         </p:nvGraphicFramePr>
         <p:xfrm>
           <a:off x="2320920" y="4716360"/>
-          <a:ext cx="19576080" cy="5088600"/>
+          <a:ext cx="19575720" cy="5088240"/>
         </p:xfrm>
         <a:graphic>
           <a:graphicData uri="http://schemas.openxmlformats.org/drawingml/2006/table">
@@ -5775,6 +5554,32 @@
                   </a:tcPr>
                 </a:tc>
                 <a:tc>
+                  <a:txBody>
+                    <a:bodyPr lIns="90000" rIns="90000"/>
+                    <a:p>
+                      <a:r>
+                        <a:rPr b="0" lang="en-US" sz="1800" spc="-1" strike="noStrike">
+                          <a:latin typeface="Arial"/>
+                          <a:hlinkClick r:id="rId2"/>
+                        </a:rPr>
+                        <a:t>https://github.com/postprandial/fastai-amazonreview/tree/main/Groceries_and_Gourmet_Food</a:t>
+                      </a:r>
+                      <a:r>
+                        <a:rPr b="0" lang="en-US" sz="1800" spc="-1" strike="noStrike">
+                          <a:latin typeface="Arial"/>
+                        </a:rPr>
+                        <a:t> </a:t>
+                      </a:r>
+                      <a:endParaRPr b="0" lang="en-US" sz="1800" spc="-1" strike="noStrike">
+                        <a:latin typeface="Arial"/>
+                      </a:endParaRPr>
+                    </a:p>
+                    <a:p>
+                      <a:endParaRPr b="0" lang="en-US" sz="1800" spc="-1" strike="noStrike">
+                        <a:latin typeface="Arial"/>
+                      </a:endParaRPr>
+                    </a:p>
+                  </a:txBody>
                   <a:tcPr marL="90000" marR="90000">
                     <a:lnL w="720">
                       <a:solidFill>
@@ -5864,7 +5669,7 @@
         <p:spPr>
           <a:xfrm>
             <a:off x="2439720" y="309600"/>
-            <a:ext cx="21943800" cy="2288880"/>
+            <a:ext cx="21943440" cy="2288520"/>
           </a:xfrm>
           <a:prstGeom prst="rect">
             <a:avLst/>
@@ -5913,7 +5718,7 @@
         <p:spPr>
           <a:xfrm>
             <a:off x="2468880" y="2598840"/>
-            <a:ext cx="19796760" cy="10250280"/>
+            <a:ext cx="19796400" cy="10249920"/>
           </a:xfrm>
           <a:prstGeom prst="rect">
             <a:avLst/>
@@ -6146,7 +5951,7 @@
             </a:endParaRPr>
           </a:p>
           <a:p>
-            <a:pPr marL="571680" indent="-570960">
+            <a:pPr marL="571680" indent="-570600">
               <a:lnSpc>
                 <a:spcPct val="100000"/>
               </a:lnSpc>
@@ -6171,7 +5976,7 @@
             </a:endParaRPr>
           </a:p>
           <a:p>
-            <a:pPr lvl="1" marL="1028880" indent="-570960">
+            <a:pPr lvl="1" marL="1028880" indent="-570600">
               <a:lnSpc>
                 <a:spcPct val="100000"/>
               </a:lnSpc>
@@ -6208,7 +6013,7 @@
             </a:endParaRPr>
           </a:p>
           <a:p>
-            <a:pPr lvl="1" marL="1028880" indent="-570960">
+            <a:pPr lvl="1" marL="1028880" indent="-570600">
               <a:lnSpc>
                 <a:spcPct val="100000"/>
               </a:lnSpc>
@@ -6322,7 +6127,7 @@
         <p:spPr>
           <a:xfrm>
             <a:off x="2446200" y="3720600"/>
-            <a:ext cx="19588680" cy="9297360"/>
+            <a:ext cx="19588320" cy="9297000"/>
           </a:xfrm>
           <a:prstGeom prst="rect">
             <a:avLst/>
@@ -6571,7 +6376,7 @@
         <p:spPr>
           <a:xfrm>
             <a:off x="2446200" y="1838520"/>
-            <a:ext cx="6477480" cy="855000"/>
+            <a:ext cx="6477120" cy="854640"/>
           </a:xfrm>
           <a:prstGeom prst="rect">
             <a:avLst/>
@@ -6669,7 +6474,7 @@
         <p:spPr>
           <a:xfrm>
             <a:off x="7205400" y="3435120"/>
-            <a:ext cx="9390240" cy="5706720"/>
+            <a:ext cx="9389880" cy="5706360"/>
           </a:xfrm>
           <a:prstGeom prst="rect">
             <a:avLst/>
@@ -6718,7 +6523,7 @@
             </a:endParaRPr>
           </a:p>
           <a:p>
-            <a:pPr marL="740880" indent="-739440">
+            <a:pPr marL="740880" indent="-739080">
               <a:lnSpc>
                 <a:spcPct val="100000"/>
               </a:lnSpc>
@@ -6982,7 +6787,7 @@
         <p:spPr>
           <a:xfrm>
             <a:off x="1183680" y="1497600"/>
-            <a:ext cx="10533600" cy="861480"/>
+            <a:ext cx="10533240" cy="861120"/>
           </a:xfrm>
           <a:prstGeom prst="rect">
             <a:avLst/>
@@ -7031,7 +6836,7 @@
         <p:spPr>
           <a:xfrm>
             <a:off x="1846080" y="3637440"/>
-            <a:ext cx="19454040" cy="5586480"/>
+            <a:ext cx="19453680" cy="5586120"/>
           </a:xfrm>
           <a:prstGeom prst="rect">
             <a:avLst/>
@@ -7222,7 +7027,7 @@
         <p:spPr>
           <a:xfrm>
             <a:off x="11696760" y="4402440"/>
-            <a:ext cx="8313120" cy="3393000"/>
+            <a:ext cx="8312760" cy="3392640"/>
           </a:xfrm>
           <a:prstGeom prst="rect">
             <a:avLst/>
@@ -7341,7 +7146,7 @@
         <p:spPr>
           <a:xfrm>
             <a:off x="11549160" y="8565120"/>
-            <a:ext cx="7299360" cy="3758040"/>
+            <a:ext cx="7299000" cy="3757680"/>
           </a:xfrm>
           <a:prstGeom prst="rect">
             <a:avLst/>
@@ -7539,7 +7344,7 @@
         <p:spPr>
           <a:xfrm>
             <a:off x="1158120" y="896760"/>
-            <a:ext cx="6860520" cy="830880"/>
+            <a:ext cx="6860160" cy="830520"/>
           </a:xfrm>
           <a:prstGeom prst="rect">
             <a:avLst/>
@@ -7588,7 +7393,7 @@
         <p:spPr>
           <a:xfrm>
             <a:off x="1158120" y="3598920"/>
-            <a:ext cx="21754800" cy="8602920"/>
+            <a:ext cx="21754440" cy="8602560"/>
           </a:xfrm>
           <a:prstGeom prst="rect">
             <a:avLst/>
@@ -8176,7 +7981,7 @@
         <p:spPr>
           <a:xfrm>
             <a:off x="1218960" y="547200"/>
-            <a:ext cx="21943800" cy="2288880"/>
+            <a:ext cx="21943440" cy="2288520"/>
           </a:xfrm>
           <a:prstGeom prst="rect">
             <a:avLst/>
@@ -8225,7 +8030,7 @@
         <p:spPr>
           <a:xfrm>
             <a:off x="1218960" y="3209400"/>
-            <a:ext cx="21943800" cy="9760320"/>
+            <a:ext cx="21943440" cy="9759960"/>
           </a:xfrm>
           <a:prstGeom prst="rect">
             <a:avLst/>
@@ -8246,7 +8051,7 @@
             <a:normAutofit/>
           </a:bodyPr>
           <a:p>
-            <a:pPr marL="432000" indent="-322920">
+            <a:pPr marL="432000" indent="-322560">
               <a:lnSpc>
                 <a:spcPct val="100000"/>
               </a:lnSpc>
@@ -8277,6 +8082,7 @@
                   <a:srgbClr val="000000"/>
                 </a:solidFill>
                 <a:latin typeface="Helvetica Neue"/>
+                <a:ea typeface="DejaVu Sans"/>
               </a:rPr>
               <a:t> </a:t>
             </a:r>
@@ -8285,7 +8091,7 @@
             </a:endParaRPr>
           </a:p>
           <a:p>
-            <a:pPr marL="432000" indent="-322920">
+            <a:pPr marL="432000" indent="-322560">
               <a:lnSpc>
                 <a:spcPct val="100000"/>
               </a:lnSpc>
@@ -8316,6 +8122,7 @@
                   <a:srgbClr val="000000"/>
                 </a:solidFill>
                 <a:latin typeface="Helvetica Neue"/>
+                <a:ea typeface="DejaVu Sans"/>
               </a:rPr>
               <a:t> </a:t>
             </a:r>
@@ -8324,7 +8131,7 @@
             </a:endParaRPr>
           </a:p>
           <a:p>
-            <a:pPr marL="432000" indent="-322920">
+            <a:pPr marL="432000" indent="-322560">
               <a:lnSpc>
                 <a:spcPct val="100000"/>
               </a:lnSpc>
@@ -8355,6 +8162,7 @@
                   <a:srgbClr val="000000"/>
                 </a:solidFill>
                 <a:latin typeface="Helvetica Neue"/>
+                <a:ea typeface="DejaVu Sans"/>
               </a:rPr>
               <a:t> </a:t>
             </a:r>
@@ -8363,7 +8171,7 @@
             </a:endParaRPr>
           </a:p>
           <a:p>
-            <a:pPr marL="432000" indent="-322920">
+            <a:pPr marL="432000" indent="-322560">
               <a:lnSpc>
                 <a:spcPct val="100000"/>
               </a:lnSpc>
@@ -8451,7 +8259,7 @@
         <p:spPr>
           <a:xfrm>
             <a:off x="1218960" y="547200"/>
-            <a:ext cx="21943800" cy="2288880"/>
+            <a:ext cx="21943440" cy="2288520"/>
           </a:xfrm>
           <a:prstGeom prst="rect">
             <a:avLst/>
@@ -8500,7 +8308,7 @@
         <p:spPr>
           <a:xfrm>
             <a:off x="1218960" y="3209400"/>
-            <a:ext cx="21943800" cy="9185400"/>
+            <a:ext cx="21943440" cy="9185040"/>
           </a:xfrm>
           <a:prstGeom prst="rect">
             <a:avLst/>
@@ -8521,7 +8329,7 @@
             <a:normAutofit/>
           </a:bodyPr>
           <a:p>
-            <a:pPr marL="432000" indent="-322920">
+            <a:pPr marL="432000" indent="-322560">
               <a:lnSpc>
                 <a:spcPct val="100000"/>
               </a:lnSpc>
@@ -8557,7 +8365,7 @@
             </a:endParaRPr>
           </a:p>
           <a:p>
-            <a:pPr marL="432000" indent="-322920">
+            <a:pPr marL="432000" indent="-322560">
               <a:lnSpc>
                 <a:spcPct val="100000"/>
               </a:lnSpc>
@@ -8603,7 +8411,7 @@
             </a:endParaRPr>
           </a:p>
           <a:p>
-            <a:pPr marL="432000" indent="-322920">
+            <a:pPr marL="432000" indent="-322560">
               <a:lnSpc>
                 <a:spcPct val="100000"/>
               </a:lnSpc>
@@ -8629,7 +8437,7 @@
             </a:endParaRPr>
           </a:p>
           <a:p>
-            <a:pPr lvl="1" marL="864000" indent="-322920">
+            <a:pPr lvl="1" marL="864000" indent="-322560">
               <a:lnSpc>
                 <a:spcPct val="100000"/>
               </a:lnSpc>
@@ -8668,7 +8476,7 @@
             </a:endParaRPr>
           </a:p>
           <a:p>
-            <a:pPr lvl="1" marL="864000" indent="-322920">
+            <a:pPr lvl="1" marL="864000" indent="-322560">
               <a:lnSpc>
                 <a:spcPct val="100000"/>
               </a:lnSpc>
@@ -8750,7 +8558,7 @@
             </a:endParaRPr>
           </a:p>
           <a:p>
-            <a:pPr marL="432000" indent="-322920">
+            <a:pPr marL="432000" indent="-322560">
               <a:lnSpc>
                 <a:spcPct val="100000"/>
               </a:lnSpc>
@@ -8786,7 +8594,7 @@
             </a:endParaRPr>
           </a:p>
           <a:p>
-            <a:pPr marL="432000" indent="-322920">
+            <a:pPr marL="432000" indent="-322560">
               <a:lnSpc>
                 <a:spcPct val="100000"/>
               </a:lnSpc>
@@ -8891,7 +8699,7 @@
         <p:spPr>
           <a:xfrm>
             <a:off x="2011680" y="691560"/>
-            <a:ext cx="21943800" cy="2288880"/>
+            <a:ext cx="21943440" cy="2288520"/>
           </a:xfrm>
           <a:prstGeom prst="rect">
             <a:avLst/>
@@ -8940,7 +8748,7 @@
         <p:spPr>
           <a:xfrm>
             <a:off x="2011680" y="3657600"/>
-            <a:ext cx="14483880" cy="6039000"/>
+            <a:ext cx="14483520" cy="6038640"/>
           </a:xfrm>
           <a:prstGeom prst="rect">
             <a:avLst/>
@@ -8959,7 +8767,7 @@
         <p:txBody>
           <a:bodyPr lIns="90000" rIns="90000" tIns="45000" bIns="45000"/>
           <a:p>
-            <a:pPr marL="216000" indent="-215280">
+            <a:pPr marL="216000" indent="-214920">
               <a:lnSpc>
                 <a:spcPct val="100000"/>
               </a:lnSpc>
@@ -8995,7 +8803,7 @@
             </a:endParaRPr>
           </a:p>
           <a:p>
-            <a:pPr marL="216000" indent="-215280">
+            <a:pPr marL="216000" indent="-214920">
               <a:lnSpc>
                 <a:spcPct val="100000"/>
               </a:lnSpc>
@@ -9031,7 +8839,7 @@
             </a:endParaRPr>
           </a:p>
           <a:p>
-            <a:pPr marL="216000" indent="-215280">
+            <a:pPr marL="216000" indent="-214920">
               <a:lnSpc>
                 <a:spcPct val="100000"/>
               </a:lnSpc>
@@ -9067,7 +8875,7 @@
             </a:endParaRPr>
           </a:p>
           <a:p>
-            <a:pPr marL="216000" indent="-215280">
+            <a:pPr marL="216000" indent="-214920">
               <a:lnSpc>
                 <a:spcPct val="100000"/>
               </a:lnSpc>
@@ -9152,7 +8960,7 @@
         <p:spPr>
           <a:xfrm>
             <a:off x="1346400" y="595440"/>
-            <a:ext cx="21943800" cy="2288880"/>
+            <a:ext cx="21943440" cy="2288520"/>
           </a:xfrm>
           <a:prstGeom prst="rect">
             <a:avLst/>
@@ -9201,7 +9009,7 @@
         <p:spPr>
           <a:xfrm>
             <a:off x="1346400" y="3401640"/>
-            <a:ext cx="20964240" cy="8027640"/>
+            <a:ext cx="20963880" cy="8027280"/>
           </a:xfrm>
           <a:prstGeom prst="rect">
             <a:avLst/>
@@ -9519,7 +9327,7 @@
         <p:spPr>
           <a:xfrm>
             <a:off x="2468880" y="4114800"/>
-            <a:ext cx="19796760" cy="7675560"/>
+            <a:ext cx="19796400" cy="7675200"/>
           </a:xfrm>
           <a:prstGeom prst="rect">
             <a:avLst/>
@@ -9688,7 +9496,7 @@
         <p:spPr>
           <a:xfrm>
             <a:off x="2067480" y="1884600"/>
-            <a:ext cx="5350680" cy="821520"/>
+            <a:ext cx="5350320" cy="821160"/>
           </a:xfrm>
           <a:prstGeom prst="rect">
             <a:avLst/>
